--- a/slides/Week 4 - introduction to machine learning.pptx
+++ b/slides/Week 4 - introduction to machine learning.pptx
@@ -1422,7 +1422,7 @@
             <a:fld id="{373F1B60-BDF4-4D63-AD79-99D5A5B1DF99}" type="datetime1">
               <a:rPr lang="en-US"/>
               <a:pPr/>
-              <a:t>11/18/2019</a:t>
+              <a:t>12/4/2019</a:t>
             </a:fld>
             <a:endParaRPr lang="en-US"/>
           </a:p>
@@ -1641,7 +1641,7 @@
             <a:fld id="{4387A7AA-DFE9-4771-BEDE-3294FCEBFB02}" type="datetime1">
               <a:rPr lang="en-US"/>
               <a:pPr/>
-              <a:t>11/18/2019</a:t>
+              <a:t>12/4/2019</a:t>
             </a:fld>
             <a:endParaRPr lang="en-US"/>
           </a:p>
@@ -2032,7 +2032,7 @@
             <a:fld id="{8541E2CD-DBF4-40F9-B6F8-EEFD0DF8A138}" type="datetime1">
               <a:rPr lang="en-US"/>
               <a:pPr/>
-              <a:t>11/18/2019</a:t>
+              <a:t>12/4/2019</a:t>
             </a:fld>
             <a:endParaRPr lang="en-US"/>
           </a:p>
@@ -2223,7 +2223,7 @@
             <a:fld id="{4387A7AA-DFE9-4771-BEDE-3294FCEBFB02}" type="datetime1">
               <a:rPr lang="en-US" smtClean="0"/>
               <a:pPr/>
-              <a:t>11/18/2019</a:t>
+              <a:t>12/4/2019</a:t>
             </a:fld>
             <a:endParaRPr lang="en-US"/>
           </a:p>
@@ -2407,7 +2407,7 @@
             <a:fld id="{93F21019-3A00-48AC-9663-40DF67A83229}" type="datetime1">
               <a:rPr lang="en-US"/>
               <a:pPr/>
-              <a:t>11/18/2019</a:t>
+              <a:t>12/4/2019</a:t>
             </a:fld>
             <a:endParaRPr lang="en-US">
               <a:solidFill>
@@ -2593,7 +2593,7 @@
             <a:fld id="{8B2EF9C8-0AC3-4A53-9A61-1834A571F420}" type="datetime1">
               <a:rPr lang="en-US"/>
               <a:pPr/>
-              <a:t>11/18/2019</a:t>
+              <a:t>12/4/2019</a:t>
             </a:fld>
             <a:endParaRPr lang="en-US" sz="1400">
               <a:solidFill>
@@ -2790,7 +2790,7 @@
             <a:fld id="{F02960F3-A385-4905-A491-FDC17E063DD1}" type="datetime1">
               <a:rPr lang="en-US"/>
               <a:pPr/>
-              <a:t>11/18/2019</a:t>
+              <a:t>12/4/2019</a:t>
             </a:fld>
             <a:endParaRPr lang="en-US" sz="1400">
               <a:solidFill>
@@ -3049,7 +3049,7 @@
             <a:fld id="{CD3AD70A-8E2A-47B5-AC18-ABBB5A8E737D}" type="datetime1">
               <a:rPr lang="en-US"/>
               <a:pPr/>
-              <a:t>11/18/2019</a:t>
+              <a:t>12/4/2019</a:t>
             </a:fld>
             <a:endParaRPr lang="en-US" sz="1400">
               <a:solidFill>
@@ -3285,7 +3285,7 @@
             <a:fld id="{07008C2E-9BD6-496B-BFC3-B4A975EBC85E}" type="datetime1">
               <a:rPr lang="en-US"/>
               <a:pPr/>
-              <a:t>11/18/2019</a:t>
+              <a:t>12/4/2019</a:t>
             </a:fld>
             <a:endParaRPr lang="en-US" sz="1400">
               <a:solidFill>
@@ -3464,7 +3464,7 @@
             <a:fld id="{1AA2C3CF-866C-4FDE-B76D-4E9536901630}" type="datetime1">
               <a:rPr lang="en-US"/>
               <a:pPr/>
-              <a:t>11/18/2019</a:t>
+              <a:t>12/4/2019</a:t>
             </a:fld>
             <a:endParaRPr lang="en-US" sz="1400">
               <a:solidFill>
@@ -3643,7 +3643,7 @@
             <a:fld id="{555EE259-FE08-4558-B721-B189FFE77284}" type="datetime1">
               <a:rPr lang="en-US"/>
               <a:pPr/>
-              <a:t>11/18/2019</a:t>
+              <a:t>12/4/2019</a:t>
             </a:fld>
             <a:endParaRPr lang="en-US" sz="1400">
               <a:solidFill>
@@ -3912,7 +3912,7 @@
             <a:fld id="{0AF4064E-5624-49AB-B7C6-E301A8F6B1FF}" type="datetime1">
               <a:rPr lang="en-US"/>
               <a:pPr/>
-              <a:t>11/18/2019</a:t>
+              <a:t>12/4/2019</a:t>
             </a:fld>
             <a:endParaRPr lang="en-US" sz="1400">
               <a:solidFill>
@@ -4109,7 +4109,7 @@
             <a:fld id="{CBC97FCD-6C54-4833-B032-BFBCDFA8379D}" type="datetime1">
               <a:rPr lang="en-US"/>
               <a:pPr/>
-              <a:t>11/18/2019</a:t>
+              <a:t>12/4/2019</a:t>
             </a:fld>
             <a:endParaRPr lang="en-US" sz="1400">
               <a:solidFill>
@@ -4318,7 +4318,7 @@
             <a:fld id="{F04AA577-515A-431F-98B6-3B03494ABB11}" type="datetime1">
               <a:rPr lang="en-US"/>
               <a:pPr/>
-              <a:t>11/18/2019</a:t>
+              <a:t>12/4/2019</a:t>
             </a:fld>
             <a:endParaRPr lang="en-US" sz="1400">
               <a:solidFill>
@@ -4623,7 +4623,7 @@
             <a:fld id="{6475F1A4-C474-4345-A800-2F40B0E4E70C}" type="datetime1">
               <a:rPr lang="en-US"/>
               <a:pPr/>
-              <a:t>11/18/2019</a:t>
+              <a:t>12/4/2019</a:t>
             </a:fld>
             <a:endParaRPr lang="en-US" sz="1400">
               <a:solidFill>
@@ -5067,7 +5067,7 @@
             <a:fld id="{7BA535AB-820E-4207-9DA8-5F37106C7AF4}" type="datetime1">
               <a:rPr lang="en-US"/>
               <a:pPr/>
-              <a:t>11/18/2019</a:t>
+              <a:t>12/4/2019</a:t>
             </a:fld>
             <a:endParaRPr lang="en-US" sz="1400">
               <a:solidFill>
@@ -5202,7 +5202,7 @@
             <a:fld id="{0A7E69FA-D7EE-42C0-9117-1971B541885F}" type="datetime1">
               <a:rPr lang="en-US"/>
               <a:pPr/>
-              <a:t>11/18/2019</a:t>
+              <a:t>12/4/2019</a:t>
             </a:fld>
             <a:endParaRPr lang="en-US" sz="1400">
               <a:solidFill>
@@ -5314,7 +5314,7 @@
             <a:fld id="{10D7644E-1B5D-4325-BA79-338DF2B89B56}" type="datetime1">
               <a:rPr lang="en-US"/>
               <a:pPr/>
-              <a:t>11/18/2019</a:t>
+              <a:t>12/4/2019</a:t>
             </a:fld>
             <a:endParaRPr lang="en-US" sz="1400">
               <a:solidFill>
@@ -5608,7 +5608,7 @@
             <a:fld id="{B790C882-0B74-4932-8998-E9ABB8AF1740}" type="datetime1">
               <a:rPr lang="en-US"/>
               <a:pPr/>
-              <a:t>11/18/2019</a:t>
+              <a:t>12/4/2019</a:t>
             </a:fld>
             <a:endParaRPr lang="en-US" sz="1400">
               <a:solidFill>
@@ -5878,7 +5878,7 @@
             <a:fld id="{9DC585DC-AE7D-44C1-90AB-C3A391DEA065}" type="datetime1">
               <a:rPr lang="en-US"/>
               <a:pPr/>
-              <a:t>11/18/2019</a:t>
+              <a:t>12/4/2019</a:t>
             </a:fld>
             <a:endParaRPr lang="en-US" sz="1400">
               <a:solidFill>
@@ -6142,7 +6142,7 @@
             <a:fld id="{256CE565-1940-4E5F-9190-C0815CEAAA9D}" type="datetime1">
               <a:rPr lang="en-US"/>
               <a:pPr/>
-              <a:t>11/18/2019</a:t>
+              <a:t>12/4/2019</a:t>
             </a:fld>
             <a:endParaRPr lang="en-US"/>
           </a:p>
@@ -8404,14 +8404,7 @@
                 <a:latin typeface="Courier New" panose="02070309020205020404" pitchFamily="49" charset="0"/>
                 <a:cs typeface="Courier New" panose="02070309020205020404" pitchFamily="49" charset="0"/>
               </a:rPr>
-              <a:t> </a:t>
-            </a:r>
-            <a:r>
-              <a:rPr lang="nl-NL" sz="1400" kern="0" dirty="0" smtClean="0">
-                <a:latin typeface="Courier New" panose="02070309020205020404" pitchFamily="49" charset="0"/>
-                <a:cs typeface="Courier New" panose="02070309020205020404" pitchFamily="49" charset="0"/>
-              </a:rPr>
-              <a:t>the </a:t>
+              <a:t> the </a:t>
             </a:r>
             <a:r>
               <a:rPr lang="nl-NL" sz="1400" kern="0" dirty="0" err="1">
@@ -8799,14 +8792,7 @@
                 <a:latin typeface="Courier New" panose="02070309020205020404" pitchFamily="49" charset="0"/>
                 <a:cs typeface="Courier New" panose="02070309020205020404" pitchFamily="49" charset="0"/>
               </a:rPr>
-              <a:t>spent</a:t>
-            </a:r>
-            <a:r>
-              <a:rPr lang="nl-NL" sz="1400" i="1" kern="0" dirty="0" err="1" smtClean="0">
-                <a:latin typeface="Courier New" panose="02070309020205020404" pitchFamily="49" charset="0"/>
-                <a:cs typeface="Courier New" panose="02070309020205020404" pitchFamily="49" charset="0"/>
-              </a:rPr>
-              <a:t>_bol</a:t>
+              <a:t>spent_bol</a:t>
             </a:r>
             <a:r>
               <a:rPr lang="nl-NL" sz="1400" i="1" kern="0" dirty="0" smtClean="0">
@@ -8834,63 +8820,70 @@
                 <a:latin typeface="Courier New" panose="02070309020205020404" pitchFamily="49" charset="0"/>
                 <a:cs typeface="Courier New" panose="02070309020205020404" pitchFamily="49" charset="0"/>
               </a:rPr>
-              <a:t>-out test in</a:t>
+              <a:t>-out test in the folder. This </a:t>
+            </a:r>
+            <a:r>
+              <a:rPr lang="nl-NL" sz="1400" kern="0" dirty="0" err="1" smtClean="0">
+                <a:latin typeface="Courier New" panose="02070309020205020404" pitchFamily="49" charset="0"/>
+                <a:cs typeface="Courier New" panose="02070309020205020404" pitchFamily="49" charset="0"/>
+              </a:rPr>
+              <a:t>variable</a:t>
             </a:r>
             <a:r>
               <a:rPr lang="nl-NL" sz="1400" kern="0" dirty="0" smtClean="0">
                 <a:latin typeface="Courier New" panose="02070309020205020404" pitchFamily="49" charset="0"/>
                 <a:cs typeface="Courier New" panose="02070309020205020404" pitchFamily="49" charset="0"/>
               </a:rPr>
-              <a:t> the folder. This </a:t>
+              <a:t> (Y) has </a:t>
             </a:r>
             <a:r>
               <a:rPr lang="nl-NL" sz="1400" kern="0" dirty="0" err="1" smtClean="0">
                 <a:latin typeface="Courier New" panose="02070309020205020404" pitchFamily="49" charset="0"/>
                 <a:cs typeface="Courier New" panose="02070309020205020404" pitchFamily="49" charset="0"/>
               </a:rPr>
-              <a:t>variable</a:t>
+              <a:t>purposely</a:t>
             </a:r>
             <a:r>
               <a:rPr lang="nl-NL" sz="1400" kern="0" dirty="0" smtClean="0">
                 <a:latin typeface="Courier New" panose="02070309020205020404" pitchFamily="49" charset="0"/>
                 <a:cs typeface="Courier New" panose="02070309020205020404" pitchFamily="49" charset="0"/>
               </a:rPr>
-              <a:t> (Y) has </a:t>
+              <a:t> been </a:t>
             </a:r>
             <a:r>
               <a:rPr lang="nl-NL" sz="1400" kern="0" dirty="0" err="1" smtClean="0">
                 <a:latin typeface="Courier New" panose="02070309020205020404" pitchFamily="49" charset="0"/>
                 <a:cs typeface="Courier New" panose="02070309020205020404" pitchFamily="49" charset="0"/>
               </a:rPr>
-              <a:t>purposely</a:t>
+              <a:t>left</a:t>
             </a:r>
             <a:r>
               <a:rPr lang="nl-NL" sz="1400" kern="0" dirty="0" smtClean="0">
                 <a:latin typeface="Courier New" panose="02070309020205020404" pitchFamily="49" charset="0"/>
                 <a:cs typeface="Courier New" panose="02070309020205020404" pitchFamily="49" charset="0"/>
               </a:rPr>
-              <a:t> been </a:t>
+              <a:t> out. The </a:t>
             </a:r>
             <a:r>
               <a:rPr lang="nl-NL" sz="1400" kern="0" dirty="0" err="1" smtClean="0">
                 <a:latin typeface="Courier New" panose="02070309020205020404" pitchFamily="49" charset="0"/>
                 <a:cs typeface="Courier New" panose="02070309020205020404" pitchFamily="49" charset="0"/>
               </a:rPr>
-              <a:t>left</a:t>
+              <a:t>true</a:t>
             </a:r>
             <a:r>
               <a:rPr lang="nl-NL" sz="1400" kern="0" dirty="0" smtClean="0">
                 <a:latin typeface="Courier New" panose="02070309020205020404" pitchFamily="49" charset="0"/>
                 <a:cs typeface="Courier New" panose="02070309020205020404" pitchFamily="49" charset="0"/>
               </a:rPr>
-              <a:t> out. The </a:t>
+              <a:t> </a:t>
             </a:r>
             <a:r>
               <a:rPr lang="nl-NL" sz="1400" kern="0" dirty="0" err="1" smtClean="0">
                 <a:latin typeface="Courier New" panose="02070309020205020404" pitchFamily="49" charset="0"/>
                 <a:cs typeface="Courier New" panose="02070309020205020404" pitchFamily="49" charset="0"/>
               </a:rPr>
-              <a:t>true</a:t>
+              <a:t>values</a:t>
             </a:r>
             <a:r>
               <a:rPr lang="nl-NL" sz="1400" kern="0" dirty="0" smtClean="0">
@@ -8904,7 +8897,7 @@
                 <a:latin typeface="Courier New" panose="02070309020205020404" pitchFamily="49" charset="0"/>
                 <a:cs typeface="Courier New" panose="02070309020205020404" pitchFamily="49" charset="0"/>
               </a:rPr>
-              <a:t>values</a:t>
+              <a:t>will</a:t>
             </a:r>
             <a:r>
               <a:rPr lang="nl-NL" sz="1400" kern="0" dirty="0" smtClean="0">
@@ -8918,7 +8911,7 @@
                 <a:latin typeface="Courier New" panose="02070309020205020404" pitchFamily="49" charset="0"/>
                 <a:cs typeface="Courier New" panose="02070309020205020404" pitchFamily="49" charset="0"/>
               </a:rPr>
-              <a:t>will</a:t>
+              <a:t>be</a:t>
             </a:r>
             <a:r>
               <a:rPr lang="nl-NL" sz="1400" kern="0" dirty="0" smtClean="0">
@@ -8932,13 +8925,27 @@
                 <a:latin typeface="Courier New" panose="02070309020205020404" pitchFamily="49" charset="0"/>
                 <a:cs typeface="Courier New" panose="02070309020205020404" pitchFamily="49" charset="0"/>
               </a:rPr>
-              <a:t>be</a:t>
+              <a:t>revealed</a:t>
             </a:r>
             <a:r>
               <a:rPr lang="nl-NL" sz="1400" kern="0" dirty="0" smtClean="0">
                 <a:latin typeface="Courier New" panose="02070309020205020404" pitchFamily="49" charset="0"/>
                 <a:cs typeface="Courier New" panose="02070309020205020404" pitchFamily="49" charset="0"/>
               </a:rPr>
+              <a:t> at the end, </a:t>
+            </a:r>
+            <a:r>
+              <a:rPr lang="nl-NL" sz="1400" kern="0" dirty="0" err="1" smtClean="0">
+                <a:latin typeface="Courier New" panose="02070309020205020404" pitchFamily="49" charset="0"/>
+                <a:cs typeface="Courier New" panose="02070309020205020404" pitchFamily="49" charset="0"/>
+              </a:rPr>
+              <a:t>so</a:t>
+            </a:r>
+            <a:r>
+              <a:rPr lang="nl-NL" sz="1400" kern="0" dirty="0" smtClean="0">
+                <a:latin typeface="Courier New" panose="02070309020205020404" pitchFamily="49" charset="0"/>
+                <a:cs typeface="Courier New" panose="02070309020205020404" pitchFamily="49" charset="0"/>
+              </a:rPr>
               <a:t> </a:t>
             </a:r>
             <a:r>
@@ -8946,21 +8953,21 @@
                 <a:latin typeface="Courier New" panose="02070309020205020404" pitchFamily="49" charset="0"/>
                 <a:cs typeface="Courier New" panose="02070309020205020404" pitchFamily="49" charset="0"/>
               </a:rPr>
-              <a:t>revealed</a:t>
+              <a:t>that</a:t>
             </a:r>
             <a:r>
               <a:rPr lang="nl-NL" sz="1400" kern="0" dirty="0" smtClean="0">
                 <a:latin typeface="Courier New" panose="02070309020205020404" pitchFamily="49" charset="0"/>
                 <a:cs typeface="Courier New" panose="02070309020205020404" pitchFamily="49" charset="0"/>
               </a:rPr>
-              <a:t> at the end, </a:t>
+              <a:t> </a:t>
             </a:r>
             <a:r>
               <a:rPr lang="nl-NL" sz="1400" kern="0" dirty="0" err="1" smtClean="0">
                 <a:latin typeface="Courier New" panose="02070309020205020404" pitchFamily="49" charset="0"/>
                 <a:cs typeface="Courier New" panose="02070309020205020404" pitchFamily="49" charset="0"/>
               </a:rPr>
-              <a:t>so</a:t>
+              <a:t>you</a:t>
             </a:r>
             <a:r>
               <a:rPr lang="nl-NL" sz="1400" kern="0" dirty="0" smtClean="0">
@@ -8974,61 +8981,29 @@
                 <a:latin typeface="Courier New" panose="02070309020205020404" pitchFamily="49" charset="0"/>
                 <a:cs typeface="Courier New" panose="02070309020205020404" pitchFamily="49" charset="0"/>
               </a:rPr>
-              <a:t>that</a:t>
+              <a:t>can</a:t>
             </a:r>
             <a:r>
               <a:rPr lang="nl-NL" sz="1400" kern="0" dirty="0" smtClean="0">
                 <a:latin typeface="Courier New" panose="02070309020205020404" pitchFamily="49" charset="0"/>
                 <a:cs typeface="Courier New" panose="02070309020205020404" pitchFamily="49" charset="0"/>
               </a:rPr>
-              <a:t> </a:t>
+              <a:t> test </a:t>
             </a:r>
             <a:r>
               <a:rPr lang="nl-NL" sz="1400" kern="0" dirty="0" err="1" smtClean="0">
                 <a:latin typeface="Courier New" panose="02070309020205020404" pitchFamily="49" charset="0"/>
                 <a:cs typeface="Courier New" panose="02070309020205020404" pitchFamily="49" charset="0"/>
               </a:rPr>
-              <a:t>you</a:t>
+              <a:t>your</a:t>
             </a:r>
             <a:r>
               <a:rPr lang="nl-NL" sz="1400" kern="0" dirty="0" smtClean="0">
                 <a:latin typeface="Courier New" panose="02070309020205020404" pitchFamily="49" charset="0"/>
                 <a:cs typeface="Courier New" panose="02070309020205020404" pitchFamily="49" charset="0"/>
               </a:rPr>
-              <a:t> </a:t>
-            </a:r>
-            <a:r>
-              <a:rPr lang="nl-NL" sz="1400" kern="0" dirty="0" err="1" smtClean="0">
-                <a:latin typeface="Courier New" panose="02070309020205020404" pitchFamily="49" charset="0"/>
-                <a:cs typeface="Courier New" panose="02070309020205020404" pitchFamily="49" charset="0"/>
-              </a:rPr>
-              <a:t>can</a:t>
-            </a:r>
-            <a:r>
-              <a:rPr lang="nl-NL" sz="1400" kern="0" dirty="0" smtClean="0">
-                <a:latin typeface="Courier New" panose="02070309020205020404" pitchFamily="49" charset="0"/>
-                <a:cs typeface="Courier New" panose="02070309020205020404" pitchFamily="49" charset="0"/>
-              </a:rPr>
-              <a:t> test </a:t>
-            </a:r>
-            <a:r>
-              <a:rPr lang="nl-NL" sz="1400" kern="0" dirty="0" err="1" smtClean="0">
-                <a:latin typeface="Courier New" panose="02070309020205020404" pitchFamily="49" charset="0"/>
-                <a:cs typeface="Courier New" panose="02070309020205020404" pitchFamily="49" charset="0"/>
-              </a:rPr>
-              <a:t>your</a:t>
-            </a:r>
-            <a:r>
-              <a:rPr lang="nl-NL" sz="1400" kern="0" dirty="0" smtClean="0">
-                <a:latin typeface="Courier New" panose="02070309020205020404" pitchFamily="49" charset="0"/>
-                <a:cs typeface="Courier New" panose="02070309020205020404" pitchFamily="49" charset="0"/>
-              </a:rPr>
               <a:t> model.</a:t>
             </a:r>
-            <a:endParaRPr lang="nl-NL" sz="1400" kern="0" dirty="0" smtClean="0">
-              <a:latin typeface="Courier New" panose="02070309020205020404" pitchFamily="49" charset="0"/>
-              <a:cs typeface="Courier New" panose="02070309020205020404" pitchFamily="49" charset="0"/>
-            </a:endParaRPr>
           </a:p>
           <a:p>
             <a:pPr marL="0" indent="0">
@@ -9073,14 +9048,7 @@
                 <a:latin typeface="Courier New" panose="02070309020205020404" pitchFamily="49" charset="0"/>
                 <a:cs typeface="Courier New" panose="02070309020205020404" pitchFamily="49" charset="0"/>
               </a:rPr>
-              <a:t> </a:t>
-            </a:r>
-            <a:r>
-              <a:rPr lang="nl-NL" sz="1400" kern="0" dirty="0" smtClean="0">
-                <a:latin typeface="Courier New" panose="02070309020205020404" pitchFamily="49" charset="0"/>
-                <a:cs typeface="Courier New" panose="02070309020205020404" pitchFamily="49" charset="0"/>
-              </a:rPr>
-              <a:t>the </a:t>
+              <a:t> the </a:t>
             </a:r>
             <a:r>
               <a:rPr lang="nl-NL" sz="1400" kern="0" dirty="0" err="1" smtClean="0">

--- a/slides/Week 4 - introduction to machine learning.pptx
+++ b/slides/Week 4 - introduction to machine learning.pptx
@@ -258,7 +258,6 @@
           <c:dLbls>
             <c:dLbl>
               <c:idx val="0"/>
-              <c:layout/>
               <c:tx>
                 <c:rich>
                   <a:bodyPr/>
@@ -284,9 +283,7 @@
               <c:showPercent val="0"/>
               <c:showBubbleSize val="0"/>
               <c:extLst>
-                <c:ext xmlns:c15="http://schemas.microsoft.com/office/drawing/2012/chart" uri="{CE6537A1-D6FC-4f65-9D91-7224C49458BB}">
-                  <c15:layout/>
-                </c:ext>
+                <c:ext xmlns:c15="http://schemas.microsoft.com/office/drawing/2012/chart" uri="{CE6537A1-D6FC-4f65-9D91-7224C49458BB}"/>
                 <c:ext xmlns:c16="http://schemas.microsoft.com/office/drawing/2014/chart" uri="{C3380CC4-5D6E-409C-BE32-E72D297353CC}">
                   <c16:uniqueId val="{00000000-2E23-48E9-A739-930E51C69A1C}"/>
                 </c:ext>
@@ -294,7 +291,6 @@
             </c:dLbl>
             <c:dLbl>
               <c:idx val="1"/>
-              <c:layout/>
               <c:tx>
                 <c:rich>
                   <a:bodyPr/>
@@ -315,9 +311,7 @@
               <c:showPercent val="0"/>
               <c:showBubbleSize val="0"/>
               <c:extLst>
-                <c:ext xmlns:c15="http://schemas.microsoft.com/office/drawing/2012/chart" uri="{CE6537A1-D6FC-4f65-9D91-7224C49458BB}">
-                  <c15:layout/>
-                </c:ext>
+                <c:ext xmlns:c15="http://schemas.microsoft.com/office/drawing/2012/chart" uri="{CE6537A1-D6FC-4f65-9D91-7224C49458BB}"/>
                 <c:ext xmlns:c16="http://schemas.microsoft.com/office/drawing/2014/chart" uri="{C3380CC4-5D6E-409C-BE32-E72D297353CC}">
                   <c16:uniqueId val="{00000001-2E23-48E9-A739-930E51C69A1C}"/>
                 </c:ext>
@@ -325,7 +319,6 @@
             </c:dLbl>
             <c:dLbl>
               <c:idx val="2"/>
-              <c:layout/>
               <c:tx>
                 <c:rich>
                   <a:bodyPr/>
@@ -346,9 +339,7 @@
               <c:showPercent val="0"/>
               <c:showBubbleSize val="0"/>
               <c:extLst>
-                <c:ext xmlns:c15="http://schemas.microsoft.com/office/drawing/2012/chart" uri="{CE6537A1-D6FC-4f65-9D91-7224C49458BB}">
-                  <c15:layout/>
-                </c:ext>
+                <c:ext xmlns:c15="http://schemas.microsoft.com/office/drawing/2012/chart" uri="{CE6537A1-D6FC-4f65-9D91-7224C49458BB}"/>
                 <c:ext xmlns:c16="http://schemas.microsoft.com/office/drawing/2014/chart" uri="{C3380CC4-5D6E-409C-BE32-E72D297353CC}">
                   <c16:uniqueId val="{00000002-2E23-48E9-A739-930E51C69A1C}"/>
                 </c:ext>
@@ -517,7 +508,6 @@
               </a:p>
             </c:rich>
           </c:tx>
-          <c:layout/>
           <c:overlay val="0"/>
           <c:spPr>
             <a:noFill/>
@@ -646,7 +636,6 @@
               </a:p>
             </c:rich>
           </c:tx>
-          <c:layout/>
           <c:overlay val="0"/>
           <c:spPr>
             <a:noFill/>
@@ -1422,7 +1411,7 @@
             <a:fld id="{373F1B60-BDF4-4D63-AD79-99D5A5B1DF99}" type="datetime1">
               <a:rPr lang="en-US"/>
               <a:pPr/>
-              <a:t>12/4/2019</a:t>
+              <a:t>12/5/2019</a:t>
             </a:fld>
             <a:endParaRPr lang="en-US"/>
           </a:p>
@@ -1641,7 +1630,7 @@
             <a:fld id="{4387A7AA-DFE9-4771-BEDE-3294FCEBFB02}" type="datetime1">
               <a:rPr lang="en-US"/>
               <a:pPr/>
-              <a:t>12/4/2019</a:t>
+              <a:t>12/5/2019</a:t>
             </a:fld>
             <a:endParaRPr lang="en-US"/>
           </a:p>
@@ -2032,7 +2021,7 @@
             <a:fld id="{8541E2CD-DBF4-40F9-B6F8-EEFD0DF8A138}" type="datetime1">
               <a:rPr lang="en-US"/>
               <a:pPr/>
-              <a:t>12/4/2019</a:t>
+              <a:t>12/5/2019</a:t>
             </a:fld>
             <a:endParaRPr lang="en-US"/>
           </a:p>
@@ -2223,7 +2212,7 @@
             <a:fld id="{4387A7AA-DFE9-4771-BEDE-3294FCEBFB02}" type="datetime1">
               <a:rPr lang="en-US" smtClean="0"/>
               <a:pPr/>
-              <a:t>12/4/2019</a:t>
+              <a:t>12/5/2019</a:t>
             </a:fld>
             <a:endParaRPr lang="en-US"/>
           </a:p>
@@ -2407,7 +2396,7 @@
             <a:fld id="{93F21019-3A00-48AC-9663-40DF67A83229}" type="datetime1">
               <a:rPr lang="en-US"/>
               <a:pPr/>
-              <a:t>12/4/2019</a:t>
+              <a:t>12/5/2019</a:t>
             </a:fld>
             <a:endParaRPr lang="en-US">
               <a:solidFill>
@@ -2593,7 +2582,7 @@
             <a:fld id="{8B2EF9C8-0AC3-4A53-9A61-1834A571F420}" type="datetime1">
               <a:rPr lang="en-US"/>
               <a:pPr/>
-              <a:t>12/4/2019</a:t>
+              <a:t>12/5/2019</a:t>
             </a:fld>
             <a:endParaRPr lang="en-US" sz="1400">
               <a:solidFill>
@@ -2790,7 +2779,7 @@
             <a:fld id="{F02960F3-A385-4905-A491-FDC17E063DD1}" type="datetime1">
               <a:rPr lang="en-US"/>
               <a:pPr/>
-              <a:t>12/4/2019</a:t>
+              <a:t>12/5/2019</a:t>
             </a:fld>
             <a:endParaRPr lang="en-US" sz="1400">
               <a:solidFill>
@@ -3049,7 +3038,7 @@
             <a:fld id="{CD3AD70A-8E2A-47B5-AC18-ABBB5A8E737D}" type="datetime1">
               <a:rPr lang="en-US"/>
               <a:pPr/>
-              <a:t>12/4/2019</a:t>
+              <a:t>12/5/2019</a:t>
             </a:fld>
             <a:endParaRPr lang="en-US" sz="1400">
               <a:solidFill>
@@ -3285,7 +3274,7 @@
             <a:fld id="{07008C2E-9BD6-496B-BFC3-B4A975EBC85E}" type="datetime1">
               <a:rPr lang="en-US"/>
               <a:pPr/>
-              <a:t>12/4/2019</a:t>
+              <a:t>12/5/2019</a:t>
             </a:fld>
             <a:endParaRPr lang="en-US" sz="1400">
               <a:solidFill>
@@ -3464,7 +3453,7 @@
             <a:fld id="{1AA2C3CF-866C-4FDE-B76D-4E9536901630}" type="datetime1">
               <a:rPr lang="en-US"/>
               <a:pPr/>
-              <a:t>12/4/2019</a:t>
+              <a:t>12/5/2019</a:t>
             </a:fld>
             <a:endParaRPr lang="en-US" sz="1400">
               <a:solidFill>
@@ -3643,7 +3632,7 @@
             <a:fld id="{555EE259-FE08-4558-B721-B189FFE77284}" type="datetime1">
               <a:rPr lang="en-US"/>
               <a:pPr/>
-              <a:t>12/4/2019</a:t>
+              <a:t>12/5/2019</a:t>
             </a:fld>
             <a:endParaRPr lang="en-US" sz="1400">
               <a:solidFill>
@@ -3912,7 +3901,7 @@
             <a:fld id="{0AF4064E-5624-49AB-B7C6-E301A8F6B1FF}" type="datetime1">
               <a:rPr lang="en-US"/>
               <a:pPr/>
-              <a:t>12/4/2019</a:t>
+              <a:t>12/5/2019</a:t>
             </a:fld>
             <a:endParaRPr lang="en-US" sz="1400">
               <a:solidFill>
@@ -4109,7 +4098,7 @@
             <a:fld id="{CBC97FCD-6C54-4833-B032-BFBCDFA8379D}" type="datetime1">
               <a:rPr lang="en-US"/>
               <a:pPr/>
-              <a:t>12/4/2019</a:t>
+              <a:t>12/5/2019</a:t>
             </a:fld>
             <a:endParaRPr lang="en-US" sz="1400">
               <a:solidFill>
@@ -4318,7 +4307,7 @@
             <a:fld id="{F04AA577-515A-431F-98B6-3B03494ABB11}" type="datetime1">
               <a:rPr lang="en-US"/>
               <a:pPr/>
-              <a:t>12/4/2019</a:t>
+              <a:t>12/5/2019</a:t>
             </a:fld>
             <a:endParaRPr lang="en-US" sz="1400">
               <a:solidFill>
@@ -4623,7 +4612,7 @@
             <a:fld id="{6475F1A4-C474-4345-A800-2F40B0E4E70C}" type="datetime1">
               <a:rPr lang="en-US"/>
               <a:pPr/>
-              <a:t>12/4/2019</a:t>
+              <a:t>12/5/2019</a:t>
             </a:fld>
             <a:endParaRPr lang="en-US" sz="1400">
               <a:solidFill>
@@ -5067,7 +5056,7 @@
             <a:fld id="{7BA535AB-820E-4207-9DA8-5F37106C7AF4}" type="datetime1">
               <a:rPr lang="en-US"/>
               <a:pPr/>
-              <a:t>12/4/2019</a:t>
+              <a:t>12/5/2019</a:t>
             </a:fld>
             <a:endParaRPr lang="en-US" sz="1400">
               <a:solidFill>
@@ -5202,7 +5191,7 @@
             <a:fld id="{0A7E69FA-D7EE-42C0-9117-1971B541885F}" type="datetime1">
               <a:rPr lang="en-US"/>
               <a:pPr/>
-              <a:t>12/4/2019</a:t>
+              <a:t>12/5/2019</a:t>
             </a:fld>
             <a:endParaRPr lang="en-US" sz="1400">
               <a:solidFill>
@@ -5314,7 +5303,7 @@
             <a:fld id="{10D7644E-1B5D-4325-BA79-338DF2B89B56}" type="datetime1">
               <a:rPr lang="en-US"/>
               <a:pPr/>
-              <a:t>12/4/2019</a:t>
+              <a:t>12/5/2019</a:t>
             </a:fld>
             <a:endParaRPr lang="en-US" sz="1400">
               <a:solidFill>
@@ -5608,7 +5597,7 @@
             <a:fld id="{B790C882-0B74-4932-8998-E9ABB8AF1740}" type="datetime1">
               <a:rPr lang="en-US"/>
               <a:pPr/>
-              <a:t>12/4/2019</a:t>
+              <a:t>12/5/2019</a:t>
             </a:fld>
             <a:endParaRPr lang="en-US" sz="1400">
               <a:solidFill>
@@ -5878,7 +5867,7 @@
             <a:fld id="{9DC585DC-AE7D-44C1-90AB-C3A391DEA065}" type="datetime1">
               <a:rPr lang="en-US"/>
               <a:pPr/>
-              <a:t>12/4/2019</a:t>
+              <a:t>12/5/2019</a:t>
             </a:fld>
             <a:endParaRPr lang="en-US" sz="1400">
               <a:solidFill>
@@ -6142,7 +6131,7 @@
             <a:fld id="{256CE565-1940-4E5F-9190-C0815CEAAA9D}" type="datetime1">
               <a:rPr lang="en-US"/>
               <a:pPr/>
-              <a:t>12/4/2019</a:t>
+              <a:t>12/5/2019</a:t>
             </a:fld>
             <a:endParaRPr lang="en-US"/>
           </a:p>
@@ -8049,8 +8038,8 @@
         </p:nvSpPr>
         <p:spPr bwMode="auto">
           <a:xfrm>
-            <a:off x="834195" y="1052736"/>
-            <a:ext cx="7881938" cy="6900351"/>
+            <a:off x="834195" y="1484784"/>
+            <a:ext cx="7881938" cy="6020110"/>
           </a:xfrm>
           <a:prstGeom prst="rect">
             <a:avLst/>
@@ -8260,119 +8249,119 @@
               <a:buNone/>
             </a:pPr>
             <a:r>
-              <a:rPr lang="nl-NL" sz="1400" kern="0" dirty="0" smtClean="0">
+              <a:rPr lang="nl-NL" sz="1300" kern="0" dirty="0" smtClean="0">
                 <a:latin typeface="Courier New" panose="02070309020205020404" pitchFamily="49" charset="0"/>
                 <a:cs typeface="Courier New" panose="02070309020205020404" pitchFamily="49" charset="0"/>
               </a:rPr>
               <a:t>This is a </a:t>
             </a:r>
             <a:r>
-              <a:rPr lang="nl-NL" sz="1400" kern="0" dirty="0" err="1" smtClean="0">
+              <a:rPr lang="nl-NL" sz="1300" kern="0" dirty="0" err="1" smtClean="0">
                 <a:latin typeface="Courier New" panose="02070309020205020404" pitchFamily="49" charset="0"/>
                 <a:cs typeface="Courier New" panose="02070309020205020404" pitchFamily="49" charset="0"/>
               </a:rPr>
               <a:t>recap</a:t>
             </a:r>
             <a:r>
-              <a:rPr lang="nl-NL" sz="1400" kern="0" dirty="0" smtClean="0">
+              <a:rPr lang="nl-NL" sz="1300" kern="0" dirty="0" smtClean="0">
                 <a:latin typeface="Courier New" panose="02070309020205020404" pitchFamily="49" charset="0"/>
                 <a:cs typeface="Courier New" panose="02070309020205020404" pitchFamily="49" charset="0"/>
               </a:rPr>
               <a:t> </a:t>
             </a:r>
             <a:r>
-              <a:rPr lang="nl-NL" sz="1400" kern="0" dirty="0" err="1" smtClean="0">
+              <a:rPr lang="nl-NL" sz="1300" kern="0" dirty="0" err="1" smtClean="0">
                 <a:latin typeface="Courier New" panose="02070309020205020404" pitchFamily="49" charset="0"/>
                 <a:cs typeface="Courier New" panose="02070309020205020404" pitchFamily="49" charset="0"/>
               </a:rPr>
               <a:t>exercise</a:t>
             </a:r>
             <a:r>
-              <a:rPr lang="nl-NL" sz="1400" kern="0" dirty="0" smtClean="0">
+              <a:rPr lang="nl-NL" sz="1300" kern="0" dirty="0" smtClean="0">
                 <a:latin typeface="Courier New" panose="02070309020205020404" pitchFamily="49" charset="0"/>
                 <a:cs typeface="Courier New" panose="02070309020205020404" pitchFamily="49" charset="0"/>
               </a:rPr>
               <a:t> </a:t>
             </a:r>
             <a:r>
-              <a:rPr lang="nl-NL" sz="1400" kern="0" dirty="0" err="1" smtClean="0">
+              <a:rPr lang="nl-NL" sz="1300" kern="0" dirty="0" err="1" smtClean="0">
                 <a:latin typeface="Courier New" panose="02070309020205020404" pitchFamily="49" charset="0"/>
                 <a:cs typeface="Courier New" panose="02070309020205020404" pitchFamily="49" charset="0"/>
               </a:rPr>
               <a:t>to</a:t>
             </a:r>
             <a:r>
-              <a:rPr lang="nl-NL" sz="1400" kern="0" dirty="0" smtClean="0">
+              <a:rPr lang="nl-NL" sz="1300" kern="0" dirty="0" smtClean="0">
                 <a:latin typeface="Courier New" panose="02070309020205020404" pitchFamily="49" charset="0"/>
                 <a:cs typeface="Courier New" panose="02070309020205020404" pitchFamily="49" charset="0"/>
               </a:rPr>
               <a:t> get </a:t>
             </a:r>
             <a:r>
-              <a:rPr lang="nl-NL" sz="1400" kern="0" dirty="0" err="1" smtClean="0">
+              <a:rPr lang="nl-NL" sz="1300" kern="0" dirty="0" err="1" smtClean="0">
                 <a:latin typeface="Courier New" panose="02070309020205020404" pitchFamily="49" charset="0"/>
                 <a:cs typeface="Courier New" panose="02070309020205020404" pitchFamily="49" charset="0"/>
               </a:rPr>
               <a:t>you</a:t>
             </a:r>
             <a:r>
-              <a:rPr lang="nl-NL" sz="1400" kern="0" dirty="0" smtClean="0">
+              <a:rPr lang="nl-NL" sz="1300" kern="0" dirty="0" smtClean="0">
                 <a:latin typeface="Courier New" panose="02070309020205020404" pitchFamily="49" charset="0"/>
                 <a:cs typeface="Courier New" panose="02070309020205020404" pitchFamily="49" charset="0"/>
               </a:rPr>
               <a:t> </a:t>
             </a:r>
             <a:r>
-              <a:rPr lang="nl-NL" sz="1400" kern="0" dirty="0" err="1" smtClean="0">
+              <a:rPr lang="nl-NL" sz="1300" kern="0" dirty="0" err="1" smtClean="0">
                 <a:latin typeface="Courier New" panose="02070309020205020404" pitchFamily="49" charset="0"/>
                 <a:cs typeface="Courier New" panose="02070309020205020404" pitchFamily="49" charset="0"/>
               </a:rPr>
               <a:t>working</a:t>
             </a:r>
             <a:r>
-              <a:rPr lang="nl-NL" sz="1400" kern="0" dirty="0" smtClean="0">
+              <a:rPr lang="nl-NL" sz="1300" kern="0" dirty="0" smtClean="0">
                 <a:latin typeface="Courier New" panose="02070309020205020404" pitchFamily="49" charset="0"/>
                 <a:cs typeface="Courier New" panose="02070309020205020404" pitchFamily="49" charset="0"/>
               </a:rPr>
               <a:t> on </a:t>
             </a:r>
             <a:r>
-              <a:rPr lang="nl-NL" sz="1400" kern="0" dirty="0" err="1" smtClean="0">
+              <a:rPr lang="nl-NL" sz="1300" kern="0" dirty="0" err="1" smtClean="0">
                 <a:latin typeface="Courier New" panose="02070309020205020404" pitchFamily="49" charset="0"/>
                 <a:cs typeface="Courier New" panose="02070309020205020404" pitchFamily="49" charset="0"/>
               </a:rPr>
               <a:t>your</a:t>
             </a:r>
             <a:r>
-              <a:rPr lang="nl-NL" sz="1400" kern="0" dirty="0" smtClean="0">
+              <a:rPr lang="nl-NL" sz="1300" kern="0" dirty="0" smtClean="0">
                 <a:latin typeface="Courier New" panose="02070309020205020404" pitchFamily="49" charset="0"/>
                 <a:cs typeface="Courier New" panose="02070309020205020404" pitchFamily="49" charset="0"/>
               </a:rPr>
               <a:t> </a:t>
             </a:r>
             <a:r>
-              <a:rPr lang="nl-NL" sz="1400" kern="0" dirty="0" err="1" smtClean="0">
+              <a:rPr lang="nl-NL" sz="1300" kern="0" dirty="0" err="1" smtClean="0">
                 <a:latin typeface="Courier New" panose="02070309020205020404" pitchFamily="49" charset="0"/>
                 <a:cs typeface="Courier New" panose="02070309020205020404" pitchFamily="49" charset="0"/>
               </a:rPr>
               <a:t>own</a:t>
             </a:r>
             <a:r>
-              <a:rPr lang="nl-NL" sz="1400" kern="0" dirty="0" smtClean="0">
+              <a:rPr lang="nl-NL" sz="1300" kern="0" dirty="0" smtClean="0">
                 <a:latin typeface="Courier New" panose="02070309020205020404" pitchFamily="49" charset="0"/>
                 <a:cs typeface="Courier New" panose="02070309020205020404" pitchFamily="49" charset="0"/>
               </a:rPr>
               <a:t> as a data </a:t>
             </a:r>
             <a:r>
-              <a:rPr lang="nl-NL" sz="1400" kern="0" dirty="0" err="1" smtClean="0">
+              <a:rPr lang="nl-NL" sz="1300" kern="0" dirty="0" err="1" smtClean="0">
                 <a:latin typeface="Courier New" panose="02070309020205020404" pitchFamily="49" charset="0"/>
                 <a:cs typeface="Courier New" panose="02070309020205020404" pitchFamily="49" charset="0"/>
               </a:rPr>
               <a:t>scientist</a:t>
             </a:r>
             <a:r>
-              <a:rPr lang="nl-NL" sz="1400" kern="0" dirty="0" smtClean="0">
+              <a:rPr lang="nl-NL" sz="1300" kern="0" dirty="0" smtClean="0">
                 <a:latin typeface="Courier New" panose="02070309020205020404" pitchFamily="49" charset="0"/>
                 <a:cs typeface="Courier New" panose="02070309020205020404" pitchFamily="49" charset="0"/>
               </a:rPr>
@@ -8383,7 +8372,7 @@
             <a:pPr marL="0" indent="0">
               <a:buNone/>
             </a:pPr>
-            <a:endParaRPr lang="nl-NL" sz="1400" kern="0" dirty="0" smtClean="0">
+            <a:endParaRPr lang="nl-NL" sz="1300" kern="0" dirty="0" smtClean="0">
               <a:latin typeface="Courier New" panose="02070309020205020404" pitchFamily="49" charset="0"/>
               <a:cs typeface="Courier New" panose="02070309020205020404" pitchFamily="49" charset="0"/>
             </a:endParaRPr>
@@ -8393,112 +8382,112 @@
               <a:buNone/>
             </a:pPr>
             <a:r>
-              <a:rPr lang="nl-NL" sz="1400" kern="0" dirty="0" err="1" smtClean="0">
+              <a:rPr lang="nl-NL" sz="1300" kern="0" dirty="0" err="1" smtClean="0">
                 <a:latin typeface="Courier New" panose="02070309020205020404" pitchFamily="49" charset="0"/>
                 <a:cs typeface="Courier New" panose="02070309020205020404" pitchFamily="49" charset="0"/>
               </a:rPr>
               <a:t>Use</a:t>
             </a:r>
             <a:r>
-              <a:rPr lang="nl-NL" sz="1400" kern="0" dirty="0" smtClean="0">
+              <a:rPr lang="nl-NL" sz="1300" kern="0" dirty="0" smtClean="0">
                 <a:latin typeface="Courier New" panose="02070309020205020404" pitchFamily="49" charset="0"/>
                 <a:cs typeface="Courier New" panose="02070309020205020404" pitchFamily="49" charset="0"/>
               </a:rPr>
               <a:t> the </a:t>
             </a:r>
             <a:r>
-              <a:rPr lang="nl-NL" sz="1400" kern="0" dirty="0" err="1">
+              <a:rPr lang="nl-NL" sz="1300" kern="0" dirty="0" err="1">
                 <a:latin typeface="Courier New" panose="02070309020205020404" pitchFamily="49" charset="0"/>
                 <a:cs typeface="Courier New" panose="02070309020205020404" pitchFamily="49" charset="0"/>
               </a:rPr>
               <a:t>e</a:t>
             </a:r>
             <a:r>
-              <a:rPr lang="nl-NL" sz="1400" kern="0" dirty="0" err="1" smtClean="0">
+              <a:rPr lang="nl-NL" sz="1300" kern="0" dirty="0" err="1" smtClean="0">
                 <a:latin typeface="Courier New" panose="02070309020205020404" pitchFamily="49" charset="0"/>
                 <a:cs typeface="Courier New" panose="02070309020205020404" pitchFamily="49" charset="0"/>
               </a:rPr>
               <a:t>xample</a:t>
             </a:r>
             <a:r>
-              <a:rPr lang="nl-NL" sz="1400" kern="0" dirty="0" smtClean="0">
+              <a:rPr lang="nl-NL" sz="1300" kern="0" dirty="0" smtClean="0">
                 <a:latin typeface="Courier New" panose="02070309020205020404" pitchFamily="49" charset="0"/>
                 <a:cs typeface="Courier New" panose="02070309020205020404" pitchFamily="49" charset="0"/>
               </a:rPr>
               <a:t> Notebooks from </a:t>
             </a:r>
             <a:r>
-              <a:rPr lang="nl-NL" sz="1400" kern="0" dirty="0" err="1" smtClean="0">
+              <a:rPr lang="nl-NL" sz="1300" kern="0" dirty="0" err="1" smtClean="0">
                 <a:latin typeface="Courier New" panose="02070309020205020404" pitchFamily="49" charset="0"/>
                 <a:cs typeface="Courier New" panose="02070309020205020404" pitchFamily="49" charset="0"/>
               </a:rPr>
               <a:t>previous</a:t>
             </a:r>
             <a:r>
-              <a:rPr lang="nl-NL" sz="1400" kern="0" dirty="0" smtClean="0">
+              <a:rPr lang="nl-NL" sz="1300" kern="0" dirty="0" smtClean="0">
                 <a:latin typeface="Courier New" panose="02070309020205020404" pitchFamily="49" charset="0"/>
                 <a:cs typeface="Courier New" panose="02070309020205020404" pitchFamily="49" charset="0"/>
               </a:rPr>
               <a:t> weeks </a:t>
             </a:r>
             <a:r>
-              <a:rPr lang="nl-NL" sz="1400" kern="0" dirty="0" err="1" smtClean="0">
+              <a:rPr lang="nl-NL" sz="1300" kern="0" dirty="0" err="1" smtClean="0">
                 <a:latin typeface="Courier New" panose="02070309020205020404" pitchFamily="49" charset="0"/>
                 <a:cs typeface="Courier New" panose="02070309020205020404" pitchFamily="49" charset="0"/>
               </a:rPr>
               <a:t>and</a:t>
             </a:r>
             <a:r>
-              <a:rPr lang="nl-NL" sz="1400" kern="0" dirty="0" smtClean="0">
+              <a:rPr lang="nl-NL" sz="1300" kern="0" dirty="0" smtClean="0">
                 <a:latin typeface="Courier New" panose="02070309020205020404" pitchFamily="49" charset="0"/>
                 <a:cs typeface="Courier New" panose="02070309020205020404" pitchFamily="49" charset="0"/>
               </a:rPr>
               <a:t>/or the </a:t>
             </a:r>
             <a:r>
-              <a:rPr lang="nl-NL" sz="1400" i="1" kern="0" dirty="0" err="1" smtClean="0">
+              <a:rPr lang="nl-NL" sz="1300" i="1" kern="0" dirty="0" err="1" smtClean="0">
                 <a:latin typeface="Courier New" panose="02070309020205020404" pitchFamily="49" charset="0"/>
                 <a:cs typeface="Courier New" panose="02070309020205020404" pitchFamily="49" charset="0"/>
               </a:rPr>
               <a:t>cookbook</a:t>
             </a:r>
             <a:r>
-              <a:rPr lang="nl-NL" sz="1400" i="1" kern="0" dirty="0" smtClean="0">
+              <a:rPr lang="nl-NL" sz="1300" i="1" kern="0" dirty="0" smtClean="0">
                 <a:latin typeface="Courier New" panose="02070309020205020404" pitchFamily="49" charset="0"/>
                 <a:cs typeface="Courier New" panose="02070309020205020404" pitchFamily="49" charset="0"/>
               </a:rPr>
               <a:t> </a:t>
             </a:r>
             <a:r>
-              <a:rPr lang="nl-NL" sz="1400" kern="0" dirty="0" smtClean="0">
+              <a:rPr lang="nl-NL" sz="1300" kern="0" dirty="0" smtClean="0">
                 <a:latin typeface="Courier New" panose="02070309020205020404" pitchFamily="49" charset="0"/>
                 <a:cs typeface="Courier New" panose="02070309020205020404" pitchFamily="49" charset="0"/>
               </a:rPr>
               <a:t>Notebook</a:t>
             </a:r>
             <a:r>
-              <a:rPr lang="nl-NL" sz="1400" i="1" kern="0" dirty="0" smtClean="0">
+              <a:rPr lang="nl-NL" sz="1300" i="1" kern="0" dirty="0" smtClean="0">
                 <a:latin typeface="Courier New" panose="02070309020205020404" pitchFamily="49" charset="0"/>
                 <a:cs typeface="Courier New" panose="02070309020205020404" pitchFamily="49" charset="0"/>
               </a:rPr>
               <a:t> </a:t>
             </a:r>
             <a:r>
-              <a:rPr lang="nl-NL" sz="1400" kern="0" dirty="0" smtClean="0">
+              <a:rPr lang="nl-NL" sz="1300" kern="0" dirty="0" smtClean="0">
                 <a:latin typeface="Courier New" panose="02070309020205020404" pitchFamily="49" charset="0"/>
                 <a:cs typeface="Courier New" panose="02070309020205020404" pitchFamily="49" charset="0"/>
               </a:rPr>
               <a:t>in the </a:t>
             </a:r>
             <a:r>
-              <a:rPr lang="nl-NL" sz="1400" kern="0" dirty="0" err="1" smtClean="0">
+              <a:rPr lang="nl-NL" sz="1300" kern="0" dirty="0" err="1" smtClean="0">
                 <a:latin typeface="Courier New" panose="02070309020205020404" pitchFamily="49" charset="0"/>
                 <a:cs typeface="Courier New" panose="02070309020205020404" pitchFamily="49" charset="0"/>
               </a:rPr>
               <a:t>main</a:t>
             </a:r>
             <a:r>
-              <a:rPr lang="nl-NL" sz="1400" kern="0" dirty="0" smtClean="0">
+              <a:rPr lang="nl-NL" sz="1300" kern="0" dirty="0" smtClean="0">
                 <a:latin typeface="Courier New" panose="02070309020205020404" pitchFamily="49" charset="0"/>
                 <a:cs typeface="Courier New" panose="02070309020205020404" pitchFamily="49" charset="0"/>
               </a:rPr>
@@ -8509,7 +8498,7 @@
             <a:pPr marL="0" indent="0">
               <a:buNone/>
             </a:pPr>
-            <a:endParaRPr lang="nl-NL" sz="1400" kern="0" dirty="0">
+            <a:endParaRPr lang="nl-NL" sz="1300" kern="0" dirty="0">
               <a:latin typeface="Courier New" panose="02070309020205020404" pitchFamily="49" charset="0"/>
               <a:cs typeface="Courier New" panose="02070309020205020404" pitchFamily="49" charset="0"/>
             </a:endParaRPr>
@@ -8520,84 +8509,84 @@
               <a:buNone/>
             </a:pPr>
             <a:r>
-              <a:rPr lang="nl-NL" sz="1400" kern="0" dirty="0" smtClean="0">
+              <a:rPr lang="nl-NL" sz="1300" kern="0" dirty="0" smtClean="0">
                 <a:latin typeface="Courier New" panose="02070309020205020404" pitchFamily="49" charset="0"/>
                 <a:cs typeface="Courier New" panose="02070309020205020404" pitchFamily="49" charset="0"/>
               </a:rPr>
               <a:t>The data </a:t>
             </a:r>
             <a:r>
-              <a:rPr lang="nl-NL" sz="1400" kern="0" dirty="0" err="1" smtClean="0">
+              <a:rPr lang="nl-NL" sz="1300" kern="0" dirty="0" err="1" smtClean="0">
                 <a:latin typeface="Courier New" panose="02070309020205020404" pitchFamily="49" charset="0"/>
                 <a:cs typeface="Courier New" panose="02070309020205020404" pitchFamily="49" charset="0"/>
               </a:rPr>
               <a:t>can</a:t>
             </a:r>
             <a:r>
-              <a:rPr lang="nl-NL" sz="1400" kern="0" dirty="0" smtClean="0">
+              <a:rPr lang="nl-NL" sz="1300" kern="0" dirty="0" smtClean="0">
                 <a:latin typeface="Courier New" panose="02070309020205020404" pitchFamily="49" charset="0"/>
                 <a:cs typeface="Courier New" panose="02070309020205020404" pitchFamily="49" charset="0"/>
               </a:rPr>
               <a:t> </a:t>
             </a:r>
             <a:r>
-              <a:rPr lang="nl-NL" sz="1400" kern="0" dirty="0" err="1" smtClean="0">
+              <a:rPr lang="nl-NL" sz="1300" kern="0" dirty="0" err="1" smtClean="0">
                 <a:latin typeface="Courier New" panose="02070309020205020404" pitchFamily="49" charset="0"/>
                 <a:cs typeface="Courier New" panose="02070309020205020404" pitchFamily="49" charset="0"/>
               </a:rPr>
               <a:t>be</a:t>
             </a:r>
             <a:r>
-              <a:rPr lang="nl-NL" sz="1400" kern="0" dirty="0" smtClean="0">
+              <a:rPr lang="nl-NL" sz="1300" kern="0" dirty="0" smtClean="0">
                 <a:latin typeface="Courier New" panose="02070309020205020404" pitchFamily="49" charset="0"/>
                 <a:cs typeface="Courier New" panose="02070309020205020404" pitchFamily="49" charset="0"/>
               </a:rPr>
               <a:t> found in </a:t>
             </a:r>
             <a:r>
-              <a:rPr lang="nl-NL" sz="1400" i="1" kern="0" dirty="0" err="1" smtClean="0">
+              <a:rPr lang="nl-NL" sz="1300" i="1" kern="0" dirty="0" err="1" smtClean="0">
                 <a:latin typeface="Courier New" panose="02070309020205020404" pitchFamily="49" charset="0"/>
                 <a:cs typeface="Courier New" panose="02070309020205020404" pitchFamily="49" charset="0"/>
               </a:rPr>
               <a:t>recap_linear_regression</a:t>
             </a:r>
             <a:r>
-              <a:rPr lang="nl-NL" sz="1400" i="1" kern="0" dirty="0" smtClean="0">
+              <a:rPr lang="nl-NL" sz="1300" i="1" kern="0" dirty="0" smtClean="0">
                 <a:latin typeface="Courier New" panose="02070309020205020404" pitchFamily="49" charset="0"/>
                 <a:cs typeface="Courier New" panose="02070309020205020404" pitchFamily="49" charset="0"/>
               </a:rPr>
               <a:t>. </a:t>
             </a:r>
             <a:r>
-              <a:rPr lang="nl-NL" sz="1400" kern="0" dirty="0" smtClean="0">
+              <a:rPr lang="nl-NL" sz="1300" kern="0" dirty="0" smtClean="0">
                 <a:latin typeface="Courier New" panose="02070309020205020404" pitchFamily="49" charset="0"/>
                 <a:cs typeface="Courier New" panose="02070309020205020404" pitchFamily="49" charset="0"/>
               </a:rPr>
               <a:t>The data are </a:t>
             </a:r>
             <a:r>
-              <a:rPr lang="nl-NL" sz="1400" kern="0" dirty="0" err="1" smtClean="0">
+              <a:rPr lang="nl-NL" sz="1300" kern="0" dirty="0" err="1" smtClean="0">
                 <a:latin typeface="Courier New" panose="02070309020205020404" pitchFamily="49" charset="0"/>
                 <a:cs typeface="Courier New" panose="02070309020205020404" pitchFamily="49" charset="0"/>
               </a:rPr>
               <a:t>artificial</a:t>
             </a:r>
             <a:r>
-              <a:rPr lang="nl-NL" sz="1400" kern="0" dirty="0" smtClean="0">
+              <a:rPr lang="nl-NL" sz="1300" kern="0" dirty="0" smtClean="0">
                 <a:latin typeface="Courier New" panose="02070309020205020404" pitchFamily="49" charset="0"/>
                 <a:cs typeface="Courier New" panose="02070309020205020404" pitchFamily="49" charset="0"/>
               </a:rPr>
               <a:t>, but </a:t>
             </a:r>
             <a:r>
-              <a:rPr lang="nl-NL" sz="1400" kern="0" dirty="0" err="1" smtClean="0">
+              <a:rPr lang="nl-NL" sz="1300" kern="0" dirty="0" err="1" smtClean="0">
                 <a:latin typeface="Courier New" panose="02070309020205020404" pitchFamily="49" charset="0"/>
                 <a:cs typeface="Courier New" panose="02070309020205020404" pitchFamily="49" charset="0"/>
               </a:rPr>
               <a:t>some</a:t>
             </a:r>
             <a:r>
-              <a:rPr lang="nl-NL" sz="1400" kern="0" dirty="0" smtClean="0">
+              <a:rPr lang="nl-NL" sz="1300" kern="0" dirty="0" smtClean="0">
                 <a:latin typeface="Courier New" panose="02070309020205020404" pitchFamily="49" charset="0"/>
                 <a:cs typeface="Courier New" panose="02070309020205020404" pitchFamily="49" charset="0"/>
               </a:rPr>
@@ -8609,7 +8598,7 @@
               <a:buFont typeface="Zapf Dingbats" charset="2"/>
               <a:buNone/>
             </a:pPr>
-            <a:endParaRPr lang="nl-NL" sz="1400" kern="0" dirty="0">
+            <a:endParaRPr lang="nl-NL" sz="1300" kern="0" dirty="0">
               <a:latin typeface="Courier New" panose="02070309020205020404" pitchFamily="49" charset="0"/>
               <a:cs typeface="Courier New" panose="02070309020205020404" pitchFamily="49" charset="0"/>
             </a:endParaRPr>
@@ -8620,389 +8609,186 @@
               <a:buNone/>
             </a:pPr>
             <a:r>
-              <a:rPr lang="nl-NL" sz="1400" kern="0" dirty="0" err="1" smtClean="0">
+              <a:rPr lang="nl-NL" sz="1300" kern="0" dirty="0" err="1" smtClean="0">
                 <a:latin typeface="Courier New" panose="02070309020205020404" pitchFamily="49" charset="0"/>
                 <a:cs typeface="Courier New" panose="02070309020205020404" pitchFamily="49" charset="0"/>
               </a:rPr>
               <a:t>Your</a:t>
             </a:r>
             <a:r>
-              <a:rPr lang="nl-NL" sz="1400" kern="0" dirty="0" smtClean="0">
+              <a:rPr lang="nl-NL" sz="1300" kern="0" dirty="0" smtClean="0">
                 <a:latin typeface="Courier New" panose="02070309020205020404" pitchFamily="49" charset="0"/>
                 <a:cs typeface="Courier New" panose="02070309020205020404" pitchFamily="49" charset="0"/>
               </a:rPr>
               <a:t> </a:t>
             </a:r>
             <a:r>
-              <a:rPr lang="nl-NL" sz="1400" kern="0" dirty="0" err="1" smtClean="0">
+              <a:rPr lang="nl-NL" sz="1300" kern="0" dirty="0" err="1" smtClean="0">
                 <a:latin typeface="Courier New" panose="02070309020205020404" pitchFamily="49" charset="0"/>
                 <a:cs typeface="Courier New" panose="02070309020205020404" pitchFamily="49" charset="0"/>
               </a:rPr>
               <a:t>task</a:t>
             </a:r>
             <a:r>
-              <a:rPr lang="nl-NL" sz="1400" kern="0" dirty="0" smtClean="0">
+              <a:rPr lang="nl-NL" sz="1300" kern="0" dirty="0" smtClean="0">
                 <a:latin typeface="Courier New" panose="02070309020205020404" pitchFamily="49" charset="0"/>
                 <a:cs typeface="Courier New" panose="02070309020205020404" pitchFamily="49" charset="0"/>
               </a:rPr>
               <a:t> is </a:t>
             </a:r>
             <a:r>
-              <a:rPr lang="nl-NL" sz="1400" kern="0" dirty="0" err="1" smtClean="0">
+              <a:rPr lang="nl-NL" sz="1300" kern="0" dirty="0" err="1" smtClean="0">
                 <a:latin typeface="Courier New" panose="02070309020205020404" pitchFamily="49" charset="0"/>
                 <a:cs typeface="Courier New" panose="02070309020205020404" pitchFamily="49" charset="0"/>
               </a:rPr>
               <a:t>to</a:t>
             </a:r>
             <a:r>
-              <a:rPr lang="nl-NL" sz="1400" kern="0" dirty="0" smtClean="0">
+              <a:rPr lang="nl-NL" sz="1300" kern="0" dirty="0" smtClean="0">
                 <a:latin typeface="Courier New" panose="02070309020205020404" pitchFamily="49" charset="0"/>
                 <a:cs typeface="Courier New" panose="02070309020205020404" pitchFamily="49" charset="0"/>
               </a:rPr>
               <a:t> </a:t>
             </a:r>
             <a:r>
-              <a:rPr lang="nl-NL" sz="1400" kern="0" dirty="0" err="1" smtClean="0">
+              <a:rPr lang="nl-NL" sz="1300" kern="0" dirty="0" err="1" smtClean="0">
                 <a:latin typeface="Courier New" panose="02070309020205020404" pitchFamily="49" charset="0"/>
                 <a:cs typeface="Courier New" panose="02070309020205020404" pitchFamily="49" charset="0"/>
               </a:rPr>
               <a:t>create</a:t>
             </a:r>
             <a:r>
-              <a:rPr lang="nl-NL" sz="1400" kern="0" dirty="0" smtClean="0">
+              <a:rPr lang="nl-NL" sz="1300" kern="0" dirty="0" smtClean="0">
                 <a:latin typeface="Courier New" panose="02070309020205020404" pitchFamily="49" charset="0"/>
                 <a:cs typeface="Courier New" panose="02070309020205020404" pitchFamily="49" charset="0"/>
               </a:rPr>
               <a:t> a </a:t>
             </a:r>
             <a:r>
-              <a:rPr lang="nl-NL" sz="1400" kern="0" dirty="0" err="1" smtClean="0">
+              <a:rPr lang="nl-NL" sz="1300" kern="0" dirty="0" err="1" smtClean="0">
                 <a:latin typeface="Courier New" panose="02070309020205020404" pitchFamily="49" charset="0"/>
                 <a:cs typeface="Courier New" panose="02070309020205020404" pitchFamily="49" charset="0"/>
               </a:rPr>
               <a:t>linear</a:t>
             </a:r>
             <a:r>
-              <a:rPr lang="nl-NL" sz="1400" kern="0" dirty="0" smtClean="0">
+              <a:rPr lang="nl-NL" sz="1300" kern="0" dirty="0" smtClean="0">
                 <a:latin typeface="Courier New" panose="02070309020205020404" pitchFamily="49" charset="0"/>
                 <a:cs typeface="Courier New" panose="02070309020205020404" pitchFamily="49" charset="0"/>
               </a:rPr>
               <a:t> model </a:t>
             </a:r>
             <a:r>
-              <a:rPr lang="nl-NL" sz="1400" kern="0" dirty="0" err="1" smtClean="0">
+              <a:rPr lang="nl-NL" sz="1300" kern="0" dirty="0" err="1" smtClean="0">
                 <a:latin typeface="Courier New" panose="02070309020205020404" pitchFamily="49" charset="0"/>
                 <a:cs typeface="Courier New" panose="02070309020205020404" pitchFamily="49" charset="0"/>
               </a:rPr>
               <a:t>that</a:t>
             </a:r>
             <a:r>
-              <a:rPr lang="nl-NL" sz="1400" kern="0" dirty="0" smtClean="0">
+              <a:rPr lang="nl-NL" sz="1300" kern="0" dirty="0" smtClean="0">
                 <a:latin typeface="Courier New" panose="02070309020205020404" pitchFamily="49" charset="0"/>
                 <a:cs typeface="Courier New" panose="02070309020205020404" pitchFamily="49" charset="0"/>
               </a:rPr>
               <a:t> </a:t>
             </a:r>
             <a:r>
-              <a:rPr lang="nl-NL" sz="1400" kern="0" dirty="0" err="1" smtClean="0">
+              <a:rPr lang="nl-NL" sz="1300" kern="0" dirty="0" err="1" smtClean="0">
                 <a:latin typeface="Courier New" panose="02070309020205020404" pitchFamily="49" charset="0"/>
                 <a:cs typeface="Courier New" panose="02070309020205020404" pitchFamily="49" charset="0"/>
               </a:rPr>
               <a:t>predicts</a:t>
             </a:r>
             <a:r>
-              <a:rPr lang="nl-NL" sz="1400" kern="0" dirty="0" smtClean="0">
+              <a:rPr lang="nl-NL" sz="1300" kern="0" dirty="0" smtClean="0">
                 <a:latin typeface="Courier New" panose="02070309020205020404" pitchFamily="49" charset="0"/>
                 <a:cs typeface="Courier New" panose="02070309020205020404" pitchFamily="49" charset="0"/>
               </a:rPr>
               <a:t> the money </a:t>
             </a:r>
             <a:r>
-              <a:rPr lang="nl-NL" sz="1400" kern="0" dirty="0" err="1" smtClean="0">
+              <a:rPr lang="nl-NL" sz="1300" kern="0" dirty="0" err="1" smtClean="0">
                 <a:latin typeface="Courier New" panose="02070309020205020404" pitchFamily="49" charset="0"/>
                 <a:cs typeface="Courier New" panose="02070309020205020404" pitchFamily="49" charset="0"/>
               </a:rPr>
               <a:t>spent</a:t>
             </a:r>
             <a:r>
-              <a:rPr lang="nl-NL" sz="1400" kern="0" dirty="0" smtClean="0">
+              <a:rPr lang="nl-NL" sz="1300" kern="0" dirty="0" smtClean="0">
                 <a:latin typeface="Courier New" panose="02070309020205020404" pitchFamily="49" charset="0"/>
                 <a:cs typeface="Courier New" panose="02070309020205020404" pitchFamily="49" charset="0"/>
               </a:rPr>
               <a:t> on bol.com per </a:t>
             </a:r>
             <a:r>
-              <a:rPr lang="nl-NL" sz="1400" kern="0" dirty="0" err="1" smtClean="0">
+              <a:rPr lang="nl-NL" sz="1300" kern="0" dirty="0" err="1" smtClean="0">
                 <a:latin typeface="Courier New" panose="02070309020205020404" pitchFamily="49" charset="0"/>
                 <a:cs typeface="Courier New" panose="02070309020205020404" pitchFamily="49" charset="0"/>
               </a:rPr>
               <a:t>year</a:t>
             </a:r>
             <a:r>
-              <a:rPr lang="nl-NL" sz="1400" kern="0" dirty="0" smtClean="0">
+              <a:rPr lang="nl-NL" sz="1300" kern="0" dirty="0" smtClean="0">
                 <a:latin typeface="Courier New" panose="02070309020205020404" pitchFamily="49" charset="0"/>
                 <a:cs typeface="Courier New" panose="02070309020205020404" pitchFamily="49" charset="0"/>
               </a:rPr>
               <a:t>. </a:t>
             </a:r>
             <a:r>
-              <a:rPr lang="nl-NL" sz="1400" kern="0" dirty="0" err="1" smtClean="0">
+              <a:rPr lang="nl-NL" sz="1300" kern="0" dirty="0" err="1" smtClean="0">
                 <a:latin typeface="Courier New" panose="02070309020205020404" pitchFamily="49" charset="0"/>
                 <a:cs typeface="Courier New" panose="02070309020205020404" pitchFamily="49" charset="0"/>
               </a:rPr>
-              <a:t>Then</a:t>
-            </a:r>
-            <a:r>
-              <a:rPr lang="nl-NL" sz="1400" kern="0" dirty="0" smtClean="0">
+              <a:t>Try</a:t>
+            </a:r>
+            <a:r>
+              <a:rPr lang="nl-NL" sz="1300" kern="0" dirty="0" smtClean="0">
                 <a:latin typeface="Courier New" panose="02070309020205020404" pitchFamily="49" charset="0"/>
                 <a:cs typeface="Courier New" panose="02070309020205020404" pitchFamily="49" charset="0"/>
               </a:rPr>
-              <a:t>, </a:t>
-            </a:r>
-            <a:r>
-              <a:rPr lang="nl-NL" sz="1400" kern="0" dirty="0" err="1" smtClean="0">
+              <a:t> </a:t>
+            </a:r>
+            <a:r>
+              <a:rPr lang="nl-NL" sz="1300" kern="0" dirty="0" err="1" smtClean="0">
                 <a:latin typeface="Courier New" panose="02070309020205020404" pitchFamily="49" charset="0"/>
                 <a:cs typeface="Courier New" panose="02070309020205020404" pitchFamily="49" charset="0"/>
               </a:rPr>
-              <a:t>predict</a:t>
-            </a:r>
-            <a:r>
-              <a:rPr lang="nl-NL" sz="1400" kern="0" dirty="0" smtClean="0">
+              <a:t>and</a:t>
+            </a:r>
+            <a:r>
+              <a:rPr lang="nl-NL" sz="1300" kern="0" dirty="0" smtClean="0">
                 <a:latin typeface="Courier New" panose="02070309020205020404" pitchFamily="49" charset="0"/>
                 <a:cs typeface="Courier New" panose="02070309020205020404" pitchFamily="49" charset="0"/>
               </a:rPr>
-              <a:t> the </a:t>
-            </a:r>
-            <a:r>
-              <a:rPr lang="nl-NL" sz="1400" kern="0" dirty="0" err="1" smtClean="0">
+              <a:t> </a:t>
+            </a:r>
+            <a:r>
+              <a:rPr lang="nl-NL" sz="1300" kern="0" dirty="0" err="1" smtClean="0">
                 <a:latin typeface="Courier New" panose="02070309020205020404" pitchFamily="49" charset="0"/>
                 <a:cs typeface="Courier New" panose="02070309020205020404" pitchFamily="49" charset="0"/>
               </a:rPr>
-              <a:t>variable</a:t>
-            </a:r>
-            <a:r>
-              <a:rPr lang="nl-NL" sz="1400" kern="0" dirty="0" smtClean="0">
+              <a:t>find</a:t>
+            </a:r>
+            <a:r>
+              <a:rPr lang="nl-NL" sz="1300" kern="0" dirty="0" smtClean="0">
                 <a:latin typeface="Courier New" panose="02070309020205020404" pitchFamily="49" charset="0"/>
                 <a:cs typeface="Courier New" panose="02070309020205020404" pitchFamily="49" charset="0"/>
               </a:rPr>
-              <a:t> </a:t>
-            </a:r>
-            <a:r>
-              <a:rPr lang="nl-NL" sz="1400" i="1" kern="0" dirty="0" err="1" smtClean="0">
+              <a:t> the </a:t>
+            </a:r>
+            <a:r>
+              <a:rPr lang="nl-NL" sz="1300" kern="0" dirty="0" err="1" smtClean="0">
                 <a:latin typeface="Courier New" panose="02070309020205020404" pitchFamily="49" charset="0"/>
                 <a:cs typeface="Courier New" panose="02070309020205020404" pitchFamily="49" charset="0"/>
               </a:rPr>
-              <a:t>spent_bol</a:t>
-            </a:r>
-            <a:r>
-              <a:rPr lang="nl-NL" sz="1400" i="1" kern="0" dirty="0" smtClean="0">
+              <a:t>optimal</a:t>
+            </a:r>
+            <a:r>
+              <a:rPr lang="nl-NL" sz="1300" kern="0" dirty="0" smtClean="0">
                 <a:latin typeface="Courier New" panose="02070309020205020404" pitchFamily="49" charset="0"/>
                 <a:cs typeface="Courier New" panose="02070309020205020404" pitchFamily="49" charset="0"/>
               </a:rPr>
-              <a:t> </a:t>
-            </a:r>
-            <a:r>
-              <a:rPr lang="nl-NL" sz="1400" kern="0" dirty="0" smtClean="0">
-                <a:latin typeface="Courier New" panose="02070309020205020404" pitchFamily="49" charset="0"/>
-                <a:cs typeface="Courier New" panose="02070309020205020404" pitchFamily="49" charset="0"/>
-              </a:rPr>
-              <a:t>for the </a:t>
-            </a:r>
-            <a:r>
-              <a:rPr lang="nl-NL" sz="1400" kern="0" dirty="0" err="1" smtClean="0">
-                <a:latin typeface="Courier New" panose="02070309020205020404" pitchFamily="49" charset="0"/>
-                <a:cs typeface="Courier New" panose="02070309020205020404" pitchFamily="49" charset="0"/>
-              </a:rPr>
-              <a:t>hold</a:t>
-            </a:r>
-            <a:r>
-              <a:rPr lang="nl-NL" sz="1400" kern="0" dirty="0" smtClean="0">
-                <a:latin typeface="Courier New" panose="02070309020205020404" pitchFamily="49" charset="0"/>
-                <a:cs typeface="Courier New" panose="02070309020205020404" pitchFamily="49" charset="0"/>
-              </a:rPr>
-              <a:t>-out test in the folder. This </a:t>
-            </a:r>
-            <a:r>
-              <a:rPr lang="nl-NL" sz="1400" kern="0" dirty="0" err="1" smtClean="0">
-                <a:latin typeface="Courier New" panose="02070309020205020404" pitchFamily="49" charset="0"/>
-                <a:cs typeface="Courier New" panose="02070309020205020404" pitchFamily="49" charset="0"/>
-              </a:rPr>
-              <a:t>variable</a:t>
-            </a:r>
-            <a:r>
-              <a:rPr lang="nl-NL" sz="1400" kern="0" dirty="0" smtClean="0">
-                <a:latin typeface="Courier New" panose="02070309020205020404" pitchFamily="49" charset="0"/>
-                <a:cs typeface="Courier New" panose="02070309020205020404" pitchFamily="49" charset="0"/>
-              </a:rPr>
-              <a:t> (Y) has </a:t>
-            </a:r>
-            <a:r>
-              <a:rPr lang="nl-NL" sz="1400" kern="0" dirty="0" err="1" smtClean="0">
-                <a:latin typeface="Courier New" panose="02070309020205020404" pitchFamily="49" charset="0"/>
-                <a:cs typeface="Courier New" panose="02070309020205020404" pitchFamily="49" charset="0"/>
-              </a:rPr>
-              <a:t>purposely</a:t>
-            </a:r>
-            <a:r>
-              <a:rPr lang="nl-NL" sz="1400" kern="0" dirty="0" smtClean="0">
-                <a:latin typeface="Courier New" panose="02070309020205020404" pitchFamily="49" charset="0"/>
-                <a:cs typeface="Courier New" panose="02070309020205020404" pitchFamily="49" charset="0"/>
-              </a:rPr>
-              <a:t> been </a:t>
-            </a:r>
-            <a:r>
-              <a:rPr lang="nl-NL" sz="1400" kern="0" dirty="0" err="1" smtClean="0">
-                <a:latin typeface="Courier New" panose="02070309020205020404" pitchFamily="49" charset="0"/>
-                <a:cs typeface="Courier New" panose="02070309020205020404" pitchFamily="49" charset="0"/>
-              </a:rPr>
-              <a:t>left</a:t>
-            </a:r>
-            <a:r>
-              <a:rPr lang="nl-NL" sz="1400" kern="0" dirty="0" smtClean="0">
-                <a:latin typeface="Courier New" panose="02070309020205020404" pitchFamily="49" charset="0"/>
-                <a:cs typeface="Courier New" panose="02070309020205020404" pitchFamily="49" charset="0"/>
-              </a:rPr>
-              <a:t> out. The </a:t>
-            </a:r>
-            <a:r>
-              <a:rPr lang="nl-NL" sz="1400" kern="0" dirty="0" err="1" smtClean="0">
-                <a:latin typeface="Courier New" panose="02070309020205020404" pitchFamily="49" charset="0"/>
-                <a:cs typeface="Courier New" panose="02070309020205020404" pitchFamily="49" charset="0"/>
-              </a:rPr>
-              <a:t>true</a:t>
-            </a:r>
-            <a:r>
-              <a:rPr lang="nl-NL" sz="1400" kern="0" dirty="0" smtClean="0">
-                <a:latin typeface="Courier New" panose="02070309020205020404" pitchFamily="49" charset="0"/>
-                <a:cs typeface="Courier New" panose="02070309020205020404" pitchFamily="49" charset="0"/>
-              </a:rPr>
-              <a:t> </a:t>
-            </a:r>
-            <a:r>
-              <a:rPr lang="nl-NL" sz="1400" kern="0" dirty="0" err="1" smtClean="0">
-                <a:latin typeface="Courier New" panose="02070309020205020404" pitchFamily="49" charset="0"/>
-                <a:cs typeface="Courier New" panose="02070309020205020404" pitchFamily="49" charset="0"/>
-              </a:rPr>
-              <a:t>values</a:t>
-            </a:r>
-            <a:r>
-              <a:rPr lang="nl-NL" sz="1400" kern="0" dirty="0" smtClean="0">
-                <a:latin typeface="Courier New" panose="02070309020205020404" pitchFamily="49" charset="0"/>
-                <a:cs typeface="Courier New" panose="02070309020205020404" pitchFamily="49" charset="0"/>
-              </a:rPr>
-              <a:t> </a:t>
-            </a:r>
-            <a:r>
-              <a:rPr lang="nl-NL" sz="1400" kern="0" dirty="0" err="1" smtClean="0">
-                <a:latin typeface="Courier New" panose="02070309020205020404" pitchFamily="49" charset="0"/>
-                <a:cs typeface="Courier New" panose="02070309020205020404" pitchFamily="49" charset="0"/>
-              </a:rPr>
-              <a:t>will</a:t>
-            </a:r>
-            <a:r>
-              <a:rPr lang="nl-NL" sz="1400" kern="0" dirty="0" smtClean="0">
-                <a:latin typeface="Courier New" panose="02070309020205020404" pitchFamily="49" charset="0"/>
-                <a:cs typeface="Courier New" panose="02070309020205020404" pitchFamily="49" charset="0"/>
-              </a:rPr>
-              <a:t> </a:t>
-            </a:r>
-            <a:r>
-              <a:rPr lang="nl-NL" sz="1400" kern="0" dirty="0" err="1" smtClean="0">
-                <a:latin typeface="Courier New" panose="02070309020205020404" pitchFamily="49" charset="0"/>
-                <a:cs typeface="Courier New" panose="02070309020205020404" pitchFamily="49" charset="0"/>
-              </a:rPr>
-              <a:t>be</a:t>
-            </a:r>
-            <a:r>
-              <a:rPr lang="nl-NL" sz="1400" kern="0" dirty="0" smtClean="0">
-                <a:latin typeface="Courier New" panose="02070309020205020404" pitchFamily="49" charset="0"/>
-                <a:cs typeface="Courier New" panose="02070309020205020404" pitchFamily="49" charset="0"/>
-              </a:rPr>
-              <a:t> </a:t>
-            </a:r>
-            <a:r>
-              <a:rPr lang="nl-NL" sz="1400" kern="0" dirty="0" err="1" smtClean="0">
-                <a:latin typeface="Courier New" panose="02070309020205020404" pitchFamily="49" charset="0"/>
-                <a:cs typeface="Courier New" panose="02070309020205020404" pitchFamily="49" charset="0"/>
-              </a:rPr>
-              <a:t>revealed</a:t>
-            </a:r>
-            <a:r>
-              <a:rPr lang="nl-NL" sz="1400" kern="0" dirty="0" smtClean="0">
-                <a:latin typeface="Courier New" panose="02070309020205020404" pitchFamily="49" charset="0"/>
-                <a:cs typeface="Courier New" panose="02070309020205020404" pitchFamily="49" charset="0"/>
-              </a:rPr>
-              <a:t> at the end, </a:t>
-            </a:r>
-            <a:r>
-              <a:rPr lang="nl-NL" sz="1400" kern="0" dirty="0" err="1" smtClean="0">
-                <a:latin typeface="Courier New" panose="02070309020205020404" pitchFamily="49" charset="0"/>
-                <a:cs typeface="Courier New" panose="02070309020205020404" pitchFamily="49" charset="0"/>
-              </a:rPr>
-              <a:t>so</a:t>
-            </a:r>
-            <a:r>
-              <a:rPr lang="nl-NL" sz="1400" kern="0" dirty="0" smtClean="0">
-                <a:latin typeface="Courier New" panose="02070309020205020404" pitchFamily="49" charset="0"/>
-                <a:cs typeface="Courier New" panose="02070309020205020404" pitchFamily="49" charset="0"/>
-              </a:rPr>
-              <a:t> </a:t>
-            </a:r>
-            <a:r>
-              <a:rPr lang="nl-NL" sz="1400" kern="0" dirty="0" err="1" smtClean="0">
-                <a:latin typeface="Courier New" panose="02070309020205020404" pitchFamily="49" charset="0"/>
-                <a:cs typeface="Courier New" panose="02070309020205020404" pitchFamily="49" charset="0"/>
-              </a:rPr>
-              <a:t>that</a:t>
-            </a:r>
-            <a:r>
-              <a:rPr lang="nl-NL" sz="1400" kern="0" dirty="0" smtClean="0">
-                <a:latin typeface="Courier New" panose="02070309020205020404" pitchFamily="49" charset="0"/>
-                <a:cs typeface="Courier New" panose="02070309020205020404" pitchFamily="49" charset="0"/>
-              </a:rPr>
-              <a:t> </a:t>
-            </a:r>
-            <a:r>
-              <a:rPr lang="nl-NL" sz="1400" kern="0" dirty="0" err="1" smtClean="0">
-                <a:latin typeface="Courier New" panose="02070309020205020404" pitchFamily="49" charset="0"/>
-                <a:cs typeface="Courier New" panose="02070309020205020404" pitchFamily="49" charset="0"/>
-              </a:rPr>
-              <a:t>you</a:t>
-            </a:r>
-            <a:r>
-              <a:rPr lang="nl-NL" sz="1400" kern="0" dirty="0" smtClean="0">
-                <a:latin typeface="Courier New" panose="02070309020205020404" pitchFamily="49" charset="0"/>
-                <a:cs typeface="Courier New" panose="02070309020205020404" pitchFamily="49" charset="0"/>
-              </a:rPr>
-              <a:t> </a:t>
-            </a:r>
-            <a:r>
-              <a:rPr lang="nl-NL" sz="1400" kern="0" dirty="0" err="1" smtClean="0">
-                <a:latin typeface="Courier New" panose="02070309020205020404" pitchFamily="49" charset="0"/>
-                <a:cs typeface="Courier New" panose="02070309020205020404" pitchFamily="49" charset="0"/>
-              </a:rPr>
-              <a:t>can</a:t>
-            </a:r>
-            <a:r>
-              <a:rPr lang="nl-NL" sz="1400" kern="0" dirty="0" smtClean="0">
-                <a:latin typeface="Courier New" panose="02070309020205020404" pitchFamily="49" charset="0"/>
-                <a:cs typeface="Courier New" panose="02070309020205020404" pitchFamily="49" charset="0"/>
-              </a:rPr>
-              <a:t> test </a:t>
-            </a:r>
-            <a:r>
-              <a:rPr lang="nl-NL" sz="1400" kern="0" dirty="0" err="1" smtClean="0">
-                <a:latin typeface="Courier New" panose="02070309020205020404" pitchFamily="49" charset="0"/>
-                <a:cs typeface="Courier New" panose="02070309020205020404" pitchFamily="49" charset="0"/>
-              </a:rPr>
-              <a:t>your</a:t>
-            </a:r>
-            <a:r>
-              <a:rPr lang="nl-NL" sz="1400" kern="0" dirty="0" smtClean="0">
-                <a:latin typeface="Courier New" panose="02070309020205020404" pitchFamily="49" charset="0"/>
-                <a:cs typeface="Courier New" panose="02070309020205020404" pitchFamily="49" charset="0"/>
-              </a:rPr>
-              <a:t> model.</a:t>
+              <a:t> model. </a:t>
             </a:r>
           </a:p>
           <a:p>
@@ -9010,7 +8796,7 @@
               <a:buFont typeface="Zapf Dingbats" charset="2"/>
               <a:buNone/>
             </a:pPr>
-            <a:endParaRPr lang="nl-NL" sz="1400" kern="0" dirty="0">
+            <a:endParaRPr lang="nl-NL" sz="1300" kern="0" dirty="0">
               <a:latin typeface="Courier New" panose="02070309020205020404" pitchFamily="49" charset="0"/>
               <a:cs typeface="Courier New" panose="02070309020205020404" pitchFamily="49" charset="0"/>
             </a:endParaRPr>
@@ -9021,339 +8807,172 @@
               <a:buNone/>
             </a:pPr>
             <a:r>
-              <a:rPr lang="nl-NL" sz="1400" kern="0" dirty="0" err="1" smtClean="0">
+              <a:rPr lang="nl-NL" sz="1300" kern="0" dirty="0" err="1" smtClean="0">
                 <a:latin typeface="Courier New" panose="02070309020205020404" pitchFamily="49" charset="0"/>
                 <a:cs typeface="Courier New" panose="02070309020205020404" pitchFamily="49" charset="0"/>
               </a:rPr>
-              <a:t>Some</a:t>
-            </a:r>
-            <a:r>
-              <a:rPr lang="nl-NL" sz="1400" kern="0" dirty="0" smtClean="0">
+              <a:t>Then</a:t>
+            </a:r>
+            <a:r>
+              <a:rPr lang="nl-NL" sz="1300" kern="0" dirty="0" smtClean="0">
                 <a:latin typeface="Courier New" panose="02070309020205020404" pitchFamily="49" charset="0"/>
                 <a:cs typeface="Courier New" panose="02070309020205020404" pitchFamily="49" charset="0"/>
               </a:rPr>
-              <a:t> tips:</a:t>
-            </a:r>
-          </a:p>
-          <a:p>
-            <a:r>
-              <a:rPr lang="nl-NL" sz="1400" kern="0" dirty="0" err="1" smtClean="0">
+              <a:t>, </a:t>
+            </a:r>
+            <a:r>
+              <a:rPr lang="nl-NL" sz="1300" kern="0" dirty="0" err="1" smtClean="0">
                 <a:latin typeface="Courier New" panose="02070309020205020404" pitchFamily="49" charset="0"/>
                 <a:cs typeface="Courier New" panose="02070309020205020404" pitchFamily="49" charset="0"/>
               </a:rPr>
-              <a:t>Use</a:t>
-            </a:r>
-            <a:r>
-              <a:rPr lang="nl-NL" sz="1400" kern="0" dirty="0" smtClean="0">
+              <a:t>predict</a:t>
+            </a:r>
+            <a:r>
+              <a:rPr lang="nl-NL" sz="1300" kern="0" dirty="0" smtClean="0">
                 <a:latin typeface="Courier New" panose="02070309020205020404" pitchFamily="49" charset="0"/>
                 <a:cs typeface="Courier New" panose="02070309020205020404" pitchFamily="49" charset="0"/>
               </a:rPr>
               <a:t> the </a:t>
             </a:r>
             <a:r>
-              <a:rPr lang="nl-NL" sz="1400" kern="0" dirty="0" err="1" smtClean="0">
+              <a:rPr lang="nl-NL" sz="1300" kern="0" dirty="0" err="1" smtClean="0">
                 <a:latin typeface="Courier New" panose="02070309020205020404" pitchFamily="49" charset="0"/>
                 <a:cs typeface="Courier New" panose="02070309020205020404" pitchFamily="49" charset="0"/>
               </a:rPr>
-              <a:t>example</a:t>
-            </a:r>
-            <a:r>
-              <a:rPr lang="nl-NL" sz="1400" kern="0" dirty="0" smtClean="0">
+              <a:t>variable</a:t>
+            </a:r>
+            <a:r>
+              <a:rPr lang="nl-NL" sz="1300" kern="0" dirty="0" smtClean="0">
                 <a:latin typeface="Courier New" panose="02070309020205020404" pitchFamily="49" charset="0"/>
                 <a:cs typeface="Courier New" panose="02070309020205020404" pitchFamily="49" charset="0"/>
               </a:rPr>
-              <a:t> Notebooks </a:t>
-            </a:r>
-            <a:r>
-              <a:rPr lang="nl-NL" sz="1400" kern="0" dirty="0" err="1" smtClean="0">
+              <a:t> </a:t>
+            </a:r>
+            <a:r>
+              <a:rPr lang="nl-NL" sz="1300" i="1" kern="0" dirty="0" err="1" smtClean="0">
                 <a:latin typeface="Courier New" panose="02070309020205020404" pitchFamily="49" charset="0"/>
                 <a:cs typeface="Courier New" panose="02070309020205020404" pitchFamily="49" charset="0"/>
               </a:rPr>
-              <a:t>and</a:t>
-            </a:r>
-            <a:r>
-              <a:rPr lang="nl-NL" sz="1400" kern="0" dirty="0" smtClean="0">
+              <a:t>spent_bol</a:t>
+            </a:r>
+            <a:r>
+              <a:rPr lang="nl-NL" sz="1300" i="1" kern="0" dirty="0" smtClean="0">
                 <a:latin typeface="Courier New" panose="02070309020205020404" pitchFamily="49" charset="0"/>
                 <a:cs typeface="Courier New" panose="02070309020205020404" pitchFamily="49" charset="0"/>
               </a:rPr>
               <a:t> </a:t>
             </a:r>
             <a:r>
-              <a:rPr lang="nl-NL" sz="1400" i="1" kern="0" dirty="0" err="1" smtClean="0">
+              <a:rPr lang="nl-NL" sz="1300" kern="0" dirty="0" smtClean="0">
                 <a:latin typeface="Courier New" panose="02070309020205020404" pitchFamily="49" charset="0"/>
                 <a:cs typeface="Courier New" panose="02070309020205020404" pitchFamily="49" charset="0"/>
               </a:rPr>
-              <a:t>Cookbook</a:t>
-            </a:r>
-            <a:r>
-              <a:rPr lang="nl-NL" sz="1400" kern="0" dirty="0" smtClean="0">
+              <a:t>for the </a:t>
+            </a:r>
+            <a:r>
+              <a:rPr lang="nl-NL" sz="1300" kern="0" dirty="0" err="1" smtClean="0">
                 <a:latin typeface="Courier New" panose="02070309020205020404" pitchFamily="49" charset="0"/>
                 <a:cs typeface="Courier New" panose="02070309020205020404" pitchFamily="49" charset="0"/>
               </a:rPr>
-              <a:t> </a:t>
-            </a:r>
-            <a:r>
-              <a:rPr lang="nl-NL" sz="1400" kern="0" dirty="0" err="1" smtClean="0">
+              <a:t>hold</a:t>
+            </a:r>
+            <a:r>
+              <a:rPr lang="nl-NL" sz="1300" kern="0" dirty="0" smtClean="0">
                 <a:latin typeface="Courier New" panose="02070309020205020404" pitchFamily="49" charset="0"/>
                 <a:cs typeface="Courier New" panose="02070309020205020404" pitchFamily="49" charset="0"/>
               </a:rPr>
-              <a:t>to</a:t>
-            </a:r>
-            <a:r>
-              <a:rPr lang="nl-NL" sz="1400" kern="0" dirty="0" smtClean="0">
+              <a:t>-out test in the </a:t>
+            </a:r>
+            <a:r>
+              <a:rPr lang="nl-NL" sz="1300" kern="0" dirty="0" smtClean="0">
                 <a:latin typeface="Courier New" panose="02070309020205020404" pitchFamily="49" charset="0"/>
                 <a:cs typeface="Courier New" panose="02070309020205020404" pitchFamily="49" charset="0"/>
               </a:rPr>
-              <a:t> get snippets of code </a:t>
-            </a:r>
-            <a:r>
-              <a:rPr lang="nl-NL" sz="1400" kern="0" dirty="0" err="1" smtClean="0">
+              <a:t>folder. </a:t>
+            </a:r>
+            <a:r>
+              <a:rPr lang="nl-NL" sz="1300" kern="0" dirty="0" err="1" smtClean="0">
                 <a:latin typeface="Courier New" panose="02070309020205020404" pitchFamily="49" charset="0"/>
                 <a:cs typeface="Courier New" panose="02070309020205020404" pitchFamily="49" charset="0"/>
               </a:rPr>
-              <a:t>that</a:t>
-            </a:r>
-            <a:r>
-              <a:rPr lang="nl-NL" sz="1400" kern="0" dirty="0" smtClean="0">
+              <a:t>You</a:t>
+            </a:r>
+            <a:r>
+              <a:rPr lang="nl-NL" sz="1300" kern="0" dirty="0" smtClean="0">
                 <a:latin typeface="Courier New" panose="02070309020205020404" pitchFamily="49" charset="0"/>
                 <a:cs typeface="Courier New" panose="02070309020205020404" pitchFamily="49" charset="0"/>
               </a:rPr>
-              <a:t> </a:t>
-            </a:r>
-            <a:r>
-              <a:rPr lang="nl-NL" sz="1400" kern="0" dirty="0" err="1" smtClean="0">
+              <a:t> are no </a:t>
+            </a:r>
+            <a:r>
+              <a:rPr lang="nl-NL" sz="1300" kern="0" dirty="0" err="1" smtClean="0">
                 <a:latin typeface="Courier New" panose="02070309020205020404" pitchFamily="49" charset="0"/>
                 <a:cs typeface="Courier New" panose="02070309020205020404" pitchFamily="49" charset="0"/>
               </a:rPr>
-              <a:t>you</a:t>
-            </a:r>
-            <a:r>
-              <a:rPr lang="nl-NL" sz="1400" kern="0" dirty="0" smtClean="0">
+              <a:t>longer</a:t>
+            </a:r>
+            <a:r>
+              <a:rPr lang="nl-NL" sz="1300" kern="0" dirty="0" smtClean="0">
                 <a:latin typeface="Courier New" panose="02070309020205020404" pitchFamily="49" charset="0"/>
                 <a:cs typeface="Courier New" panose="02070309020205020404" pitchFamily="49" charset="0"/>
               </a:rPr>
               <a:t> </a:t>
             </a:r>
             <a:r>
-              <a:rPr lang="nl-NL" sz="1400" kern="0" dirty="0" err="1" smtClean="0">
+              <a:rPr lang="nl-NL" sz="1300" kern="0" dirty="0" err="1" smtClean="0">
                 <a:latin typeface="Courier New" panose="02070309020205020404" pitchFamily="49" charset="0"/>
                 <a:cs typeface="Courier New" panose="02070309020205020404" pitchFamily="49" charset="0"/>
               </a:rPr>
-              <a:t>need</a:t>
-            </a:r>
-            <a:endParaRPr lang="nl-NL" sz="1400" kern="0" dirty="0" smtClean="0">
-              <a:latin typeface="Courier New" panose="02070309020205020404" pitchFamily="49" charset="0"/>
-              <a:cs typeface="Courier New" panose="02070309020205020404" pitchFamily="49" charset="0"/>
-            </a:endParaRPr>
-          </a:p>
-          <a:p>
-            <a:r>
-              <a:rPr lang="nl-NL" sz="1400" kern="0" dirty="0" err="1" smtClean="0">
+              <a:t>allowed</a:t>
+            </a:r>
+            <a:r>
+              <a:rPr lang="nl-NL" sz="1300" kern="0" dirty="0" smtClean="0">
                 <a:latin typeface="Courier New" panose="02070309020205020404" pitchFamily="49" charset="0"/>
                 <a:cs typeface="Courier New" panose="02070309020205020404" pitchFamily="49" charset="0"/>
               </a:rPr>
-              <a:t>Use</a:t>
-            </a:r>
-            <a:r>
-              <a:rPr lang="nl-NL" sz="1400" kern="0" dirty="0" smtClean="0">
+              <a:t> </a:t>
+            </a:r>
+            <a:r>
+              <a:rPr lang="nl-NL" sz="1300" kern="0" dirty="0" err="1" smtClean="0">
                 <a:latin typeface="Courier New" panose="02070309020205020404" pitchFamily="49" charset="0"/>
                 <a:cs typeface="Courier New" panose="02070309020205020404" pitchFamily="49" charset="0"/>
               </a:rPr>
-              <a:t> </a:t>
-            </a:r>
-            <a:r>
-              <a:rPr lang="nl-NL" sz="1400" kern="0" dirty="0" err="1" smtClean="0">
+              <a:t>to</a:t>
+            </a:r>
+            <a:r>
+              <a:rPr lang="nl-NL" sz="1300" kern="0" dirty="0" smtClean="0">
                 <a:latin typeface="Courier New" panose="02070309020205020404" pitchFamily="49" charset="0"/>
                 <a:cs typeface="Courier New" panose="02070309020205020404" pitchFamily="49" charset="0"/>
               </a:rPr>
-              <a:t>graphs</a:t>
-            </a:r>
-            <a:r>
-              <a:rPr lang="nl-NL" sz="1400" kern="0" dirty="0">
+              <a:t> change </a:t>
+            </a:r>
+            <a:r>
+              <a:rPr lang="nl-NL" sz="1300" kern="0" dirty="0" err="1" smtClean="0">
                 <a:latin typeface="Courier New" panose="02070309020205020404" pitchFamily="49" charset="0"/>
                 <a:cs typeface="Courier New" panose="02070309020205020404" pitchFamily="49" charset="0"/>
               </a:rPr>
-              <a:t> </a:t>
-            </a:r>
-            <a:r>
-              <a:rPr lang="nl-NL" sz="1400" kern="0" dirty="0" err="1" smtClean="0">
+              <a:t>your</a:t>
+            </a:r>
+            <a:r>
+              <a:rPr lang="nl-NL" sz="1300" kern="0" dirty="0" smtClean="0">
                 <a:latin typeface="Courier New" panose="02070309020205020404" pitchFamily="49" charset="0"/>
                 <a:cs typeface="Courier New" panose="02070309020205020404" pitchFamily="49" charset="0"/>
               </a:rPr>
-              <a:t>to</a:t>
-            </a:r>
-            <a:r>
-              <a:rPr lang="nl-NL" sz="1400" kern="0" dirty="0" smtClean="0">
+              <a:t> model, </a:t>
+            </a:r>
+            <a:r>
+              <a:rPr lang="nl-NL" sz="1300" kern="0" dirty="0" err="1" smtClean="0">
                 <a:latin typeface="Courier New" panose="02070309020205020404" pitchFamily="49" charset="0"/>
                 <a:cs typeface="Courier New" panose="02070309020205020404" pitchFamily="49" charset="0"/>
               </a:rPr>
-              <a:t> </a:t>
-            </a:r>
-            <a:r>
-              <a:rPr lang="nl-NL" sz="1400" kern="0" dirty="0" err="1" smtClean="0">
+              <a:t>so</a:t>
+            </a:r>
+            <a:r>
+              <a:rPr lang="nl-NL" sz="1300" kern="0" dirty="0" smtClean="0">
                 <a:latin typeface="Courier New" panose="02070309020205020404" pitchFamily="49" charset="0"/>
                 <a:cs typeface="Courier New" panose="02070309020205020404" pitchFamily="49" charset="0"/>
               </a:rPr>
-              <a:t>explore</a:t>
-            </a:r>
-            <a:r>
-              <a:rPr lang="nl-NL" sz="1400" kern="0" dirty="0" smtClean="0">
-                <a:latin typeface="Courier New" panose="02070309020205020404" pitchFamily="49" charset="0"/>
-                <a:cs typeface="Courier New" panose="02070309020205020404" pitchFamily="49" charset="0"/>
-              </a:rPr>
-              <a:t> the data</a:t>
-            </a:r>
-          </a:p>
-          <a:p>
-            <a:r>
-              <a:rPr lang="nl-NL" sz="1400" kern="0" dirty="0" err="1" smtClean="0">
-                <a:latin typeface="Courier New" panose="02070309020205020404" pitchFamily="49" charset="0"/>
-                <a:cs typeface="Courier New" panose="02070309020205020404" pitchFamily="49" charset="0"/>
-              </a:rPr>
-              <a:t>Think</a:t>
-            </a:r>
-            <a:r>
-              <a:rPr lang="nl-NL" sz="1400" kern="0" dirty="0" smtClean="0">
-                <a:latin typeface="Courier New" panose="02070309020205020404" pitchFamily="49" charset="0"/>
-                <a:cs typeface="Courier New" panose="02070309020205020404" pitchFamily="49" charset="0"/>
-              </a:rPr>
-              <a:t> of </a:t>
-            </a:r>
-            <a:r>
-              <a:rPr lang="nl-NL" sz="1400" kern="0" dirty="0" err="1" smtClean="0">
-                <a:latin typeface="Courier New" panose="02070309020205020404" pitchFamily="49" charset="0"/>
-                <a:cs typeface="Courier New" panose="02070309020205020404" pitchFamily="49" charset="0"/>
-              </a:rPr>
-              <a:t>possible</a:t>
-            </a:r>
-            <a:r>
-              <a:rPr lang="nl-NL" sz="1400" kern="0" dirty="0" smtClean="0">
-                <a:latin typeface="Courier New" panose="02070309020205020404" pitchFamily="49" charset="0"/>
-                <a:cs typeface="Courier New" panose="02070309020205020404" pitchFamily="49" charset="0"/>
-              </a:rPr>
-              <a:t> </a:t>
-            </a:r>
-            <a:r>
-              <a:rPr lang="nl-NL" sz="1400" kern="0" dirty="0" err="1" smtClean="0">
-                <a:latin typeface="Courier New" panose="02070309020205020404" pitchFamily="49" charset="0"/>
-                <a:cs typeface="Courier New" panose="02070309020205020404" pitchFamily="49" charset="0"/>
-              </a:rPr>
-              <a:t>transformations</a:t>
-            </a:r>
-            <a:endParaRPr lang="nl-NL" sz="1400" kern="0" dirty="0" smtClean="0">
-              <a:latin typeface="Courier New" panose="02070309020205020404" pitchFamily="49" charset="0"/>
-              <a:cs typeface="Courier New" panose="02070309020205020404" pitchFamily="49" charset="0"/>
-            </a:endParaRPr>
-          </a:p>
-          <a:p>
-            <a:r>
-              <a:rPr lang="nl-NL" sz="1400" kern="0" dirty="0" err="1" smtClean="0">
-                <a:latin typeface="Courier New" panose="02070309020205020404" pitchFamily="49" charset="0"/>
-                <a:cs typeface="Courier New" panose="02070309020205020404" pitchFamily="49" charset="0"/>
-              </a:rPr>
-              <a:t>Calculate</a:t>
-            </a:r>
-            <a:r>
-              <a:rPr lang="nl-NL" sz="1400" kern="0" dirty="0" smtClean="0">
-                <a:latin typeface="Courier New" panose="02070309020205020404" pitchFamily="49" charset="0"/>
-                <a:cs typeface="Courier New" panose="02070309020205020404" pitchFamily="49" charset="0"/>
-              </a:rPr>
-              <a:t> the performance of </a:t>
-            </a:r>
-            <a:r>
-              <a:rPr lang="nl-NL" sz="1400" kern="0" dirty="0" err="1" smtClean="0">
-                <a:latin typeface="Courier New" panose="02070309020205020404" pitchFamily="49" charset="0"/>
-                <a:cs typeface="Courier New" panose="02070309020205020404" pitchFamily="49" charset="0"/>
-              </a:rPr>
-              <a:t>your</a:t>
-            </a:r>
-            <a:r>
-              <a:rPr lang="nl-NL" sz="1400" kern="0" dirty="0" smtClean="0">
-                <a:latin typeface="Courier New" panose="02070309020205020404" pitchFamily="49" charset="0"/>
-                <a:cs typeface="Courier New" panose="02070309020205020404" pitchFamily="49" charset="0"/>
-              </a:rPr>
-              <a:t> model </a:t>
-            </a:r>
-            <a:r>
-              <a:rPr lang="nl-NL" sz="1400" kern="0" dirty="0" err="1" smtClean="0">
-                <a:latin typeface="Courier New" panose="02070309020205020404" pitchFamily="49" charset="0"/>
-                <a:cs typeface="Courier New" panose="02070309020205020404" pitchFamily="49" charset="0"/>
-              </a:rPr>
-              <a:t>with</a:t>
-            </a:r>
-            <a:r>
-              <a:rPr lang="nl-NL" sz="1400" kern="0" dirty="0">
-                <a:latin typeface="Courier New" panose="02070309020205020404" pitchFamily="49" charset="0"/>
-                <a:cs typeface="Courier New" panose="02070309020205020404" pitchFamily="49" charset="0"/>
-              </a:rPr>
-              <a:t> </a:t>
-            </a:r>
-            <a:r>
-              <a:rPr lang="nl-NL" sz="1400" kern="0" dirty="0" smtClean="0">
-                <a:latin typeface="Courier New" panose="02070309020205020404" pitchFamily="49" charset="0"/>
-                <a:cs typeface="Courier New" panose="02070309020205020404" pitchFamily="49" charset="0"/>
-              </a:rPr>
-              <a:t>RMSE</a:t>
-            </a:r>
-          </a:p>
-          <a:p>
-            <a:r>
-              <a:rPr lang="nl-NL" sz="1400" kern="0" dirty="0" smtClean="0">
-                <a:latin typeface="Courier New" panose="02070309020205020404" pitchFamily="49" charset="0"/>
-                <a:cs typeface="Courier New" panose="02070309020205020404" pitchFamily="49" charset="0"/>
-              </a:rPr>
-              <a:t>Beware of </a:t>
-            </a:r>
-            <a:r>
-              <a:rPr lang="nl-NL" sz="1400" kern="0" dirty="0" err="1" smtClean="0">
-                <a:latin typeface="Courier New" panose="02070309020205020404" pitchFamily="49" charset="0"/>
-                <a:cs typeface="Courier New" panose="02070309020205020404" pitchFamily="49" charset="0"/>
-              </a:rPr>
-              <a:t>overfitting</a:t>
-            </a:r>
-            <a:r>
-              <a:rPr lang="nl-NL" sz="1400" kern="0" dirty="0" smtClean="0">
-                <a:latin typeface="Courier New" panose="02070309020205020404" pitchFamily="49" charset="0"/>
-                <a:cs typeface="Courier New" panose="02070309020205020404" pitchFamily="49" charset="0"/>
-              </a:rPr>
-              <a:t>…</a:t>
-            </a:r>
-          </a:p>
-          <a:p>
-            <a:r>
-              <a:rPr lang="nl-NL" sz="1400" kern="0" dirty="0" smtClean="0">
-                <a:latin typeface="Courier New" panose="02070309020205020404" pitchFamily="49" charset="0"/>
-                <a:cs typeface="Courier New" panose="02070309020205020404" pitchFamily="49" charset="0"/>
-              </a:rPr>
-              <a:t>Best performance </a:t>
-            </a:r>
-            <a:r>
-              <a:rPr lang="nl-NL" sz="1400" kern="0" dirty="0" err="1" smtClean="0">
-                <a:latin typeface="Courier New" panose="02070309020205020404" pitchFamily="49" charset="0"/>
-                <a:cs typeface="Courier New" panose="02070309020205020404" pitchFamily="49" charset="0"/>
-              </a:rPr>
-              <a:t>wins</a:t>
-            </a:r>
-            <a:r>
-              <a:rPr lang="nl-NL" sz="1400" kern="0" dirty="0" smtClean="0">
-                <a:latin typeface="Courier New" panose="02070309020205020404" pitchFamily="49" charset="0"/>
-                <a:cs typeface="Courier New" panose="02070309020205020404" pitchFamily="49" charset="0"/>
-              </a:rPr>
-              <a:t> a </a:t>
-            </a:r>
-            <a:r>
-              <a:rPr lang="nl-NL" sz="1400" kern="0" dirty="0" err="1" smtClean="0">
-                <a:latin typeface="Courier New" panose="02070309020205020404" pitchFamily="49" charset="0"/>
-                <a:cs typeface="Courier New" panose="02070309020205020404" pitchFamily="49" charset="0"/>
-              </a:rPr>
-              <a:t>prize</a:t>
-            </a:r>
-            <a:r>
-              <a:rPr lang="nl-NL" sz="1400" kern="0" dirty="0" smtClean="0">
-                <a:latin typeface="Courier New" panose="02070309020205020404" pitchFamily="49" charset="0"/>
-                <a:cs typeface="Courier New" panose="02070309020205020404" pitchFamily="49" charset="0"/>
-              </a:rPr>
-              <a:t>!</a:t>
+              <a:t> do this at the end!</a:t>
             </a:r>
           </a:p>
           <a:p>
@@ -9361,7 +8980,7 @@
               <a:buFont typeface="Zapf Dingbats" charset="2"/>
               <a:buNone/>
             </a:pPr>
-            <a:endParaRPr lang="nl-NL" sz="1400" kern="0" dirty="0">
+            <a:endParaRPr lang="nl-NL" sz="1300" kern="0" dirty="0">
               <a:latin typeface="Courier New" panose="02070309020205020404" pitchFamily="49" charset="0"/>
               <a:cs typeface="Courier New" panose="02070309020205020404" pitchFamily="49" charset="0"/>
             </a:endParaRPr>
@@ -9371,17 +8990,348 @@
               <a:buFont typeface="Zapf Dingbats" charset="2"/>
               <a:buNone/>
             </a:pPr>
-            <a:endParaRPr lang="nl-NL" sz="1400" kern="0" dirty="0" smtClean="0">
+            <a:r>
+              <a:rPr lang="nl-NL" sz="1300" kern="0" dirty="0" err="1" smtClean="0">
+                <a:latin typeface="Courier New" panose="02070309020205020404" pitchFamily="49" charset="0"/>
+                <a:cs typeface="Courier New" panose="02070309020205020404" pitchFamily="49" charset="0"/>
+              </a:rPr>
+              <a:t>Some</a:t>
+            </a:r>
+            <a:r>
+              <a:rPr lang="nl-NL" sz="1300" kern="0" dirty="0" smtClean="0">
+                <a:latin typeface="Courier New" panose="02070309020205020404" pitchFamily="49" charset="0"/>
+                <a:cs typeface="Courier New" panose="02070309020205020404" pitchFamily="49" charset="0"/>
+              </a:rPr>
+              <a:t> tips:</a:t>
+            </a:r>
+          </a:p>
+          <a:p>
+            <a:r>
+              <a:rPr lang="nl-NL" sz="1300" kern="0" dirty="0" err="1" smtClean="0">
+                <a:latin typeface="Courier New" panose="02070309020205020404" pitchFamily="49" charset="0"/>
+                <a:cs typeface="Courier New" panose="02070309020205020404" pitchFamily="49" charset="0"/>
+              </a:rPr>
+              <a:t>Use</a:t>
+            </a:r>
+            <a:r>
+              <a:rPr lang="nl-NL" sz="1300" kern="0" dirty="0" smtClean="0">
+                <a:latin typeface="Courier New" panose="02070309020205020404" pitchFamily="49" charset="0"/>
+                <a:cs typeface="Courier New" panose="02070309020205020404" pitchFamily="49" charset="0"/>
+              </a:rPr>
+              <a:t> the </a:t>
+            </a:r>
+            <a:r>
+              <a:rPr lang="nl-NL" sz="1300" kern="0" dirty="0" err="1" smtClean="0">
+                <a:latin typeface="Courier New" panose="02070309020205020404" pitchFamily="49" charset="0"/>
+                <a:cs typeface="Courier New" panose="02070309020205020404" pitchFamily="49" charset="0"/>
+              </a:rPr>
+              <a:t>example</a:t>
+            </a:r>
+            <a:r>
+              <a:rPr lang="nl-NL" sz="1300" kern="0" dirty="0" smtClean="0">
+                <a:latin typeface="Courier New" panose="02070309020205020404" pitchFamily="49" charset="0"/>
+                <a:cs typeface="Courier New" panose="02070309020205020404" pitchFamily="49" charset="0"/>
+              </a:rPr>
+              <a:t> Notebooks </a:t>
+            </a:r>
+            <a:r>
+              <a:rPr lang="nl-NL" sz="1300" kern="0" dirty="0" err="1" smtClean="0">
+                <a:latin typeface="Courier New" panose="02070309020205020404" pitchFamily="49" charset="0"/>
+                <a:cs typeface="Courier New" panose="02070309020205020404" pitchFamily="49" charset="0"/>
+              </a:rPr>
+              <a:t>and</a:t>
+            </a:r>
+            <a:r>
+              <a:rPr lang="nl-NL" sz="1300" kern="0" dirty="0" smtClean="0">
+                <a:latin typeface="Courier New" panose="02070309020205020404" pitchFamily="49" charset="0"/>
+                <a:cs typeface="Courier New" panose="02070309020205020404" pitchFamily="49" charset="0"/>
+              </a:rPr>
+              <a:t> </a:t>
+            </a:r>
+            <a:r>
+              <a:rPr lang="nl-NL" sz="1300" i="1" kern="0" dirty="0" err="1" smtClean="0">
+                <a:latin typeface="Courier New" panose="02070309020205020404" pitchFamily="49" charset="0"/>
+                <a:cs typeface="Courier New" panose="02070309020205020404" pitchFamily="49" charset="0"/>
+              </a:rPr>
+              <a:t>Cookbook</a:t>
+            </a:r>
+            <a:r>
+              <a:rPr lang="nl-NL" sz="1300" kern="0" dirty="0" smtClean="0">
+                <a:latin typeface="Courier New" panose="02070309020205020404" pitchFamily="49" charset="0"/>
+                <a:cs typeface="Courier New" panose="02070309020205020404" pitchFamily="49" charset="0"/>
+              </a:rPr>
+              <a:t> </a:t>
+            </a:r>
+            <a:r>
+              <a:rPr lang="nl-NL" sz="1300" kern="0" dirty="0" err="1" smtClean="0">
+                <a:latin typeface="Courier New" panose="02070309020205020404" pitchFamily="49" charset="0"/>
+                <a:cs typeface="Courier New" panose="02070309020205020404" pitchFamily="49" charset="0"/>
+              </a:rPr>
+              <a:t>to</a:t>
+            </a:r>
+            <a:r>
+              <a:rPr lang="nl-NL" sz="1300" kern="0" dirty="0" smtClean="0">
+                <a:latin typeface="Courier New" panose="02070309020205020404" pitchFamily="49" charset="0"/>
+                <a:cs typeface="Courier New" panose="02070309020205020404" pitchFamily="49" charset="0"/>
+              </a:rPr>
+              <a:t> get snippets of code </a:t>
+            </a:r>
+            <a:r>
+              <a:rPr lang="nl-NL" sz="1300" kern="0" dirty="0" err="1" smtClean="0">
+                <a:latin typeface="Courier New" panose="02070309020205020404" pitchFamily="49" charset="0"/>
+                <a:cs typeface="Courier New" panose="02070309020205020404" pitchFamily="49" charset="0"/>
+              </a:rPr>
+              <a:t>that</a:t>
+            </a:r>
+            <a:r>
+              <a:rPr lang="nl-NL" sz="1300" kern="0" dirty="0" smtClean="0">
+                <a:latin typeface="Courier New" panose="02070309020205020404" pitchFamily="49" charset="0"/>
+                <a:cs typeface="Courier New" panose="02070309020205020404" pitchFamily="49" charset="0"/>
+              </a:rPr>
+              <a:t> </a:t>
+            </a:r>
+            <a:r>
+              <a:rPr lang="nl-NL" sz="1300" kern="0" dirty="0" err="1" smtClean="0">
+                <a:latin typeface="Courier New" panose="02070309020205020404" pitchFamily="49" charset="0"/>
+                <a:cs typeface="Courier New" panose="02070309020205020404" pitchFamily="49" charset="0"/>
+              </a:rPr>
+              <a:t>you</a:t>
+            </a:r>
+            <a:r>
+              <a:rPr lang="nl-NL" sz="1300" kern="0" dirty="0" smtClean="0">
+                <a:latin typeface="Courier New" panose="02070309020205020404" pitchFamily="49" charset="0"/>
+                <a:cs typeface="Courier New" panose="02070309020205020404" pitchFamily="49" charset="0"/>
+              </a:rPr>
+              <a:t> </a:t>
+            </a:r>
+            <a:r>
+              <a:rPr lang="nl-NL" sz="1300" kern="0" dirty="0" err="1" smtClean="0">
+                <a:latin typeface="Courier New" panose="02070309020205020404" pitchFamily="49" charset="0"/>
+                <a:cs typeface="Courier New" panose="02070309020205020404" pitchFamily="49" charset="0"/>
+              </a:rPr>
+              <a:t>need</a:t>
+            </a:r>
+            <a:endParaRPr lang="nl-NL" sz="1300" kern="0" dirty="0" smtClean="0">
               <a:latin typeface="Courier New" panose="02070309020205020404" pitchFamily="49" charset="0"/>
               <a:cs typeface="Courier New" panose="02070309020205020404" pitchFamily="49" charset="0"/>
             </a:endParaRPr>
+          </a:p>
+          <a:p>
+            <a:r>
+              <a:rPr lang="nl-NL" sz="1300" kern="0" dirty="0" err="1" smtClean="0">
+                <a:latin typeface="Courier New" panose="02070309020205020404" pitchFamily="49" charset="0"/>
+                <a:cs typeface="Courier New" panose="02070309020205020404" pitchFamily="49" charset="0"/>
+              </a:rPr>
+              <a:t>Use</a:t>
+            </a:r>
+            <a:r>
+              <a:rPr lang="nl-NL" sz="1300" kern="0" dirty="0" smtClean="0">
+                <a:latin typeface="Courier New" panose="02070309020205020404" pitchFamily="49" charset="0"/>
+                <a:cs typeface="Courier New" panose="02070309020205020404" pitchFamily="49" charset="0"/>
+              </a:rPr>
+              <a:t> </a:t>
+            </a:r>
+            <a:r>
+              <a:rPr lang="nl-NL" sz="1300" kern="0" dirty="0" err="1" smtClean="0">
+                <a:latin typeface="Courier New" panose="02070309020205020404" pitchFamily="49" charset="0"/>
+                <a:cs typeface="Courier New" panose="02070309020205020404" pitchFamily="49" charset="0"/>
+              </a:rPr>
+              <a:t>graphs</a:t>
+            </a:r>
+            <a:r>
+              <a:rPr lang="nl-NL" sz="1300" kern="0" dirty="0">
+                <a:latin typeface="Courier New" panose="02070309020205020404" pitchFamily="49" charset="0"/>
+                <a:cs typeface="Courier New" panose="02070309020205020404" pitchFamily="49" charset="0"/>
+              </a:rPr>
+              <a:t> </a:t>
+            </a:r>
+            <a:r>
+              <a:rPr lang="nl-NL" sz="1300" kern="0" dirty="0" err="1" smtClean="0">
+                <a:latin typeface="Courier New" panose="02070309020205020404" pitchFamily="49" charset="0"/>
+                <a:cs typeface="Courier New" panose="02070309020205020404" pitchFamily="49" charset="0"/>
+              </a:rPr>
+              <a:t>to</a:t>
+            </a:r>
+            <a:r>
+              <a:rPr lang="nl-NL" sz="1300" kern="0" dirty="0" smtClean="0">
+                <a:latin typeface="Courier New" panose="02070309020205020404" pitchFamily="49" charset="0"/>
+                <a:cs typeface="Courier New" panose="02070309020205020404" pitchFamily="49" charset="0"/>
+              </a:rPr>
+              <a:t> </a:t>
+            </a:r>
+            <a:r>
+              <a:rPr lang="nl-NL" sz="1300" kern="0" dirty="0" err="1" smtClean="0">
+                <a:latin typeface="Courier New" panose="02070309020205020404" pitchFamily="49" charset="0"/>
+                <a:cs typeface="Courier New" panose="02070309020205020404" pitchFamily="49" charset="0"/>
+              </a:rPr>
+              <a:t>explore</a:t>
+            </a:r>
+            <a:r>
+              <a:rPr lang="nl-NL" sz="1300" kern="0" dirty="0" smtClean="0">
+                <a:latin typeface="Courier New" panose="02070309020205020404" pitchFamily="49" charset="0"/>
+                <a:cs typeface="Courier New" panose="02070309020205020404" pitchFamily="49" charset="0"/>
+              </a:rPr>
+              <a:t> the data</a:t>
+            </a:r>
+          </a:p>
+          <a:p>
+            <a:r>
+              <a:rPr lang="nl-NL" sz="1300" kern="0" dirty="0" err="1" smtClean="0">
+                <a:latin typeface="Courier New" panose="02070309020205020404" pitchFamily="49" charset="0"/>
+                <a:cs typeface="Courier New" panose="02070309020205020404" pitchFamily="49" charset="0"/>
+              </a:rPr>
+              <a:t>Think</a:t>
+            </a:r>
+            <a:r>
+              <a:rPr lang="nl-NL" sz="1300" kern="0" dirty="0" smtClean="0">
+                <a:latin typeface="Courier New" panose="02070309020205020404" pitchFamily="49" charset="0"/>
+                <a:cs typeface="Courier New" panose="02070309020205020404" pitchFamily="49" charset="0"/>
+              </a:rPr>
+              <a:t> of </a:t>
+            </a:r>
+            <a:r>
+              <a:rPr lang="nl-NL" sz="1300" kern="0" dirty="0" err="1" smtClean="0">
+                <a:latin typeface="Courier New" panose="02070309020205020404" pitchFamily="49" charset="0"/>
+                <a:cs typeface="Courier New" panose="02070309020205020404" pitchFamily="49" charset="0"/>
+              </a:rPr>
+              <a:t>possible</a:t>
+            </a:r>
+            <a:r>
+              <a:rPr lang="nl-NL" sz="1300" kern="0" dirty="0" smtClean="0">
+                <a:latin typeface="Courier New" panose="02070309020205020404" pitchFamily="49" charset="0"/>
+                <a:cs typeface="Courier New" panose="02070309020205020404" pitchFamily="49" charset="0"/>
+              </a:rPr>
+              <a:t> </a:t>
+            </a:r>
+            <a:r>
+              <a:rPr lang="nl-NL" sz="1300" kern="0" dirty="0" err="1" smtClean="0">
+                <a:latin typeface="Courier New" panose="02070309020205020404" pitchFamily="49" charset="0"/>
+                <a:cs typeface="Courier New" panose="02070309020205020404" pitchFamily="49" charset="0"/>
+              </a:rPr>
+              <a:t>transformations</a:t>
+            </a:r>
+            <a:endParaRPr lang="nl-NL" sz="1300" kern="0" dirty="0" smtClean="0">
+              <a:latin typeface="Courier New" panose="02070309020205020404" pitchFamily="49" charset="0"/>
+              <a:cs typeface="Courier New" panose="02070309020205020404" pitchFamily="49" charset="0"/>
+            </a:endParaRPr>
+          </a:p>
+          <a:p>
+            <a:r>
+              <a:rPr lang="nl-NL" sz="1300" kern="0" dirty="0" err="1" smtClean="0">
+                <a:latin typeface="Courier New" panose="02070309020205020404" pitchFamily="49" charset="0"/>
+                <a:cs typeface="Courier New" panose="02070309020205020404" pitchFamily="49" charset="0"/>
+              </a:rPr>
+              <a:t>Calculate</a:t>
+            </a:r>
+            <a:r>
+              <a:rPr lang="nl-NL" sz="1300" kern="0" dirty="0" smtClean="0">
+                <a:latin typeface="Courier New" panose="02070309020205020404" pitchFamily="49" charset="0"/>
+                <a:cs typeface="Courier New" panose="02070309020205020404" pitchFamily="49" charset="0"/>
+              </a:rPr>
+              <a:t> the performance of </a:t>
+            </a:r>
+            <a:r>
+              <a:rPr lang="nl-NL" sz="1300" kern="0" dirty="0" err="1" smtClean="0">
+                <a:latin typeface="Courier New" panose="02070309020205020404" pitchFamily="49" charset="0"/>
+                <a:cs typeface="Courier New" panose="02070309020205020404" pitchFamily="49" charset="0"/>
+              </a:rPr>
+              <a:t>your</a:t>
+            </a:r>
+            <a:r>
+              <a:rPr lang="nl-NL" sz="1300" kern="0" dirty="0" smtClean="0">
+                <a:latin typeface="Courier New" panose="02070309020205020404" pitchFamily="49" charset="0"/>
+                <a:cs typeface="Courier New" panose="02070309020205020404" pitchFamily="49" charset="0"/>
+              </a:rPr>
+              <a:t> model </a:t>
+            </a:r>
+            <a:r>
+              <a:rPr lang="nl-NL" sz="1300" kern="0" dirty="0" err="1" smtClean="0">
+                <a:latin typeface="Courier New" panose="02070309020205020404" pitchFamily="49" charset="0"/>
+                <a:cs typeface="Courier New" panose="02070309020205020404" pitchFamily="49" charset="0"/>
+              </a:rPr>
+              <a:t>with</a:t>
+            </a:r>
+            <a:r>
+              <a:rPr lang="nl-NL" sz="1300" kern="0" dirty="0">
+                <a:latin typeface="Courier New" panose="02070309020205020404" pitchFamily="49" charset="0"/>
+                <a:cs typeface="Courier New" panose="02070309020205020404" pitchFamily="49" charset="0"/>
+              </a:rPr>
+              <a:t> </a:t>
+            </a:r>
+            <a:r>
+              <a:rPr lang="nl-NL" sz="1300" kern="0" dirty="0" smtClean="0">
+                <a:latin typeface="Courier New" panose="02070309020205020404" pitchFamily="49" charset="0"/>
+                <a:cs typeface="Courier New" panose="02070309020205020404" pitchFamily="49" charset="0"/>
+              </a:rPr>
+              <a:t>RMSE</a:t>
+            </a:r>
+          </a:p>
+          <a:p>
+            <a:r>
+              <a:rPr lang="nl-NL" sz="1300" kern="0" dirty="0" smtClean="0">
+                <a:latin typeface="Courier New" panose="02070309020205020404" pitchFamily="49" charset="0"/>
+                <a:cs typeface="Courier New" panose="02070309020205020404" pitchFamily="49" charset="0"/>
+              </a:rPr>
+              <a:t>Beware of </a:t>
+            </a:r>
+            <a:r>
+              <a:rPr lang="nl-NL" sz="1300" kern="0" dirty="0" err="1" smtClean="0">
+                <a:latin typeface="Courier New" panose="02070309020205020404" pitchFamily="49" charset="0"/>
+                <a:cs typeface="Courier New" panose="02070309020205020404" pitchFamily="49" charset="0"/>
+              </a:rPr>
+              <a:t>overfitting</a:t>
+            </a:r>
+            <a:r>
+              <a:rPr lang="nl-NL" sz="1300" kern="0" dirty="0" smtClean="0">
+                <a:latin typeface="Courier New" panose="02070309020205020404" pitchFamily="49" charset="0"/>
+                <a:cs typeface="Courier New" panose="02070309020205020404" pitchFamily="49" charset="0"/>
+              </a:rPr>
+              <a:t>…</a:t>
+            </a:r>
+          </a:p>
+          <a:p>
+            <a:r>
+              <a:rPr lang="nl-NL" sz="1300" kern="0" dirty="0" smtClean="0">
+                <a:latin typeface="Courier New" panose="02070309020205020404" pitchFamily="49" charset="0"/>
+                <a:cs typeface="Courier New" panose="02070309020205020404" pitchFamily="49" charset="0"/>
+              </a:rPr>
+              <a:t>Best performance </a:t>
+            </a:r>
+            <a:r>
+              <a:rPr lang="nl-NL" sz="1300" kern="0" dirty="0" err="1" smtClean="0">
+                <a:latin typeface="Courier New" panose="02070309020205020404" pitchFamily="49" charset="0"/>
+                <a:cs typeface="Courier New" panose="02070309020205020404" pitchFamily="49" charset="0"/>
+              </a:rPr>
+              <a:t>wins</a:t>
+            </a:r>
+            <a:r>
+              <a:rPr lang="nl-NL" sz="1300" kern="0" dirty="0" smtClean="0">
+                <a:latin typeface="Courier New" panose="02070309020205020404" pitchFamily="49" charset="0"/>
+                <a:cs typeface="Courier New" panose="02070309020205020404" pitchFamily="49" charset="0"/>
+              </a:rPr>
+              <a:t> a </a:t>
+            </a:r>
+            <a:r>
+              <a:rPr lang="nl-NL" sz="1300" kern="0" dirty="0" err="1" smtClean="0">
+                <a:latin typeface="Courier New" panose="02070309020205020404" pitchFamily="49" charset="0"/>
+                <a:cs typeface="Courier New" panose="02070309020205020404" pitchFamily="49" charset="0"/>
+              </a:rPr>
+              <a:t>prize</a:t>
+            </a:r>
+            <a:r>
+              <a:rPr lang="nl-NL" sz="1300" kern="0" dirty="0" smtClean="0">
+                <a:latin typeface="Courier New" panose="02070309020205020404" pitchFamily="49" charset="0"/>
+                <a:cs typeface="Courier New" panose="02070309020205020404" pitchFamily="49" charset="0"/>
+              </a:rPr>
+              <a:t>!</a:t>
+            </a:r>
           </a:p>
           <a:p>
             <a:pPr marL="0" indent="0">
               <a:buFont typeface="Zapf Dingbats" charset="2"/>
               <a:buNone/>
             </a:pPr>
-            <a:endParaRPr lang="nl-NL" sz="1400" kern="0" dirty="0">
+            <a:endParaRPr lang="nl-NL" sz="1200" kern="0" dirty="0">
               <a:latin typeface="Courier New" panose="02070309020205020404" pitchFamily="49" charset="0"/>
               <a:cs typeface="Courier New" panose="02070309020205020404" pitchFamily="49" charset="0"/>
             </a:endParaRPr>
@@ -9391,7 +9341,27 @@
               <a:buFont typeface="Zapf Dingbats" charset="2"/>
               <a:buNone/>
             </a:pPr>
-            <a:endParaRPr lang="nl-NL" sz="1400" kern="0" dirty="0" smtClean="0">
+            <a:endParaRPr lang="nl-NL" sz="1200" kern="0" dirty="0" smtClean="0">
+              <a:latin typeface="Courier New" panose="02070309020205020404" pitchFamily="49" charset="0"/>
+              <a:cs typeface="Courier New" panose="02070309020205020404" pitchFamily="49" charset="0"/>
+            </a:endParaRPr>
+          </a:p>
+          <a:p>
+            <a:pPr marL="0" indent="0">
+              <a:buFont typeface="Zapf Dingbats" charset="2"/>
+              <a:buNone/>
+            </a:pPr>
+            <a:endParaRPr lang="nl-NL" sz="1200" kern="0" dirty="0">
+              <a:latin typeface="Courier New" panose="02070309020205020404" pitchFamily="49" charset="0"/>
+              <a:cs typeface="Courier New" panose="02070309020205020404" pitchFamily="49" charset="0"/>
+            </a:endParaRPr>
+          </a:p>
+          <a:p>
+            <a:pPr marL="0" indent="0">
+              <a:buFont typeface="Zapf Dingbats" charset="2"/>
+              <a:buNone/>
+            </a:pPr>
+            <a:endParaRPr lang="nl-NL" sz="1200" kern="0" dirty="0" smtClean="0">
               <a:latin typeface="Courier New" panose="02070309020205020404" pitchFamily="49" charset="0"/>
               <a:cs typeface="Courier New" panose="02070309020205020404" pitchFamily="49" charset="0"/>
             </a:endParaRPr>

--- a/slides/Week 4 - introduction to machine learning.pptx
+++ b/slides/Week 4 - introduction to machine learning.pptx
@@ -258,6 +258,7 @@
           <c:dLbls>
             <c:dLbl>
               <c:idx val="0"/>
+              <c:layout/>
               <c:tx>
                 <c:rich>
                   <a:bodyPr/>
@@ -283,7 +284,9 @@
               <c:showPercent val="0"/>
               <c:showBubbleSize val="0"/>
               <c:extLst>
-                <c:ext xmlns:c15="http://schemas.microsoft.com/office/drawing/2012/chart" uri="{CE6537A1-D6FC-4f65-9D91-7224C49458BB}"/>
+                <c:ext xmlns:c15="http://schemas.microsoft.com/office/drawing/2012/chart" uri="{CE6537A1-D6FC-4f65-9D91-7224C49458BB}">
+                  <c15:layout/>
+                </c:ext>
                 <c:ext xmlns:c16="http://schemas.microsoft.com/office/drawing/2014/chart" uri="{C3380CC4-5D6E-409C-BE32-E72D297353CC}">
                   <c16:uniqueId val="{00000000-2E23-48E9-A739-930E51C69A1C}"/>
                 </c:ext>
@@ -291,6 +294,7 @@
             </c:dLbl>
             <c:dLbl>
               <c:idx val="1"/>
+              <c:layout/>
               <c:tx>
                 <c:rich>
                   <a:bodyPr/>
@@ -311,7 +315,9 @@
               <c:showPercent val="0"/>
               <c:showBubbleSize val="0"/>
               <c:extLst>
-                <c:ext xmlns:c15="http://schemas.microsoft.com/office/drawing/2012/chart" uri="{CE6537A1-D6FC-4f65-9D91-7224C49458BB}"/>
+                <c:ext xmlns:c15="http://schemas.microsoft.com/office/drawing/2012/chart" uri="{CE6537A1-D6FC-4f65-9D91-7224C49458BB}">
+                  <c15:layout/>
+                </c:ext>
                 <c:ext xmlns:c16="http://schemas.microsoft.com/office/drawing/2014/chart" uri="{C3380CC4-5D6E-409C-BE32-E72D297353CC}">
                   <c16:uniqueId val="{00000001-2E23-48E9-A739-930E51C69A1C}"/>
                 </c:ext>
@@ -319,6 +325,7 @@
             </c:dLbl>
             <c:dLbl>
               <c:idx val="2"/>
+              <c:layout/>
               <c:tx>
                 <c:rich>
                   <a:bodyPr/>
@@ -339,7 +346,9 @@
               <c:showPercent val="0"/>
               <c:showBubbleSize val="0"/>
               <c:extLst>
-                <c:ext xmlns:c15="http://schemas.microsoft.com/office/drawing/2012/chart" uri="{CE6537A1-D6FC-4f65-9D91-7224C49458BB}"/>
+                <c:ext xmlns:c15="http://schemas.microsoft.com/office/drawing/2012/chart" uri="{CE6537A1-D6FC-4f65-9D91-7224C49458BB}">
+                  <c15:layout/>
+                </c:ext>
                 <c:ext xmlns:c16="http://schemas.microsoft.com/office/drawing/2014/chart" uri="{C3380CC4-5D6E-409C-BE32-E72D297353CC}">
                   <c16:uniqueId val="{00000002-2E23-48E9-A739-930E51C69A1C}"/>
                 </c:ext>
@@ -508,6 +517,7 @@
               </a:p>
             </c:rich>
           </c:tx>
+          <c:layout/>
           <c:overlay val="0"/>
           <c:spPr>
             <a:noFill/>
@@ -636,6 +646,7 @@
               </a:p>
             </c:rich>
           </c:tx>
+          <c:layout/>
           <c:overlay val="0"/>
           <c:spPr>
             <a:noFill/>
@@ -1411,7 +1422,7 @@
             <a:fld id="{373F1B60-BDF4-4D63-AD79-99D5A5B1DF99}" type="datetime1">
               <a:rPr lang="en-US"/>
               <a:pPr/>
-              <a:t>12/5/2019</a:t>
+              <a:t>12/1/2020</a:t>
             </a:fld>
             <a:endParaRPr lang="en-US"/>
           </a:p>
@@ -1630,7 +1641,7 @@
             <a:fld id="{4387A7AA-DFE9-4771-BEDE-3294FCEBFB02}" type="datetime1">
               <a:rPr lang="en-US"/>
               <a:pPr/>
-              <a:t>12/5/2019</a:t>
+              <a:t>12/1/2020</a:t>
             </a:fld>
             <a:endParaRPr lang="en-US"/>
           </a:p>
@@ -2021,7 +2032,7 @@
             <a:fld id="{8541E2CD-DBF4-40F9-B6F8-EEFD0DF8A138}" type="datetime1">
               <a:rPr lang="en-US"/>
               <a:pPr/>
-              <a:t>12/5/2019</a:t>
+              <a:t>12/1/2020</a:t>
             </a:fld>
             <a:endParaRPr lang="en-US"/>
           </a:p>
@@ -2212,7 +2223,7 @@
             <a:fld id="{4387A7AA-DFE9-4771-BEDE-3294FCEBFB02}" type="datetime1">
               <a:rPr lang="en-US" smtClean="0"/>
               <a:pPr/>
-              <a:t>12/5/2019</a:t>
+              <a:t>12/1/2020</a:t>
             </a:fld>
             <a:endParaRPr lang="en-US"/>
           </a:p>
@@ -2396,7 +2407,7 @@
             <a:fld id="{93F21019-3A00-48AC-9663-40DF67A83229}" type="datetime1">
               <a:rPr lang="en-US"/>
               <a:pPr/>
-              <a:t>12/5/2019</a:t>
+              <a:t>12/1/2020</a:t>
             </a:fld>
             <a:endParaRPr lang="en-US">
               <a:solidFill>
@@ -2582,7 +2593,7 @@
             <a:fld id="{8B2EF9C8-0AC3-4A53-9A61-1834A571F420}" type="datetime1">
               <a:rPr lang="en-US"/>
               <a:pPr/>
-              <a:t>12/5/2019</a:t>
+              <a:t>12/1/2020</a:t>
             </a:fld>
             <a:endParaRPr lang="en-US" sz="1400">
               <a:solidFill>
@@ -2779,7 +2790,7 @@
             <a:fld id="{F02960F3-A385-4905-A491-FDC17E063DD1}" type="datetime1">
               <a:rPr lang="en-US"/>
               <a:pPr/>
-              <a:t>12/5/2019</a:t>
+              <a:t>12/1/2020</a:t>
             </a:fld>
             <a:endParaRPr lang="en-US" sz="1400">
               <a:solidFill>
@@ -3038,7 +3049,7 @@
             <a:fld id="{CD3AD70A-8E2A-47B5-AC18-ABBB5A8E737D}" type="datetime1">
               <a:rPr lang="en-US"/>
               <a:pPr/>
-              <a:t>12/5/2019</a:t>
+              <a:t>12/1/2020</a:t>
             </a:fld>
             <a:endParaRPr lang="en-US" sz="1400">
               <a:solidFill>
@@ -3274,7 +3285,7 @@
             <a:fld id="{07008C2E-9BD6-496B-BFC3-B4A975EBC85E}" type="datetime1">
               <a:rPr lang="en-US"/>
               <a:pPr/>
-              <a:t>12/5/2019</a:t>
+              <a:t>12/1/2020</a:t>
             </a:fld>
             <a:endParaRPr lang="en-US" sz="1400">
               <a:solidFill>
@@ -3453,7 +3464,7 @@
             <a:fld id="{1AA2C3CF-866C-4FDE-B76D-4E9536901630}" type="datetime1">
               <a:rPr lang="en-US"/>
               <a:pPr/>
-              <a:t>12/5/2019</a:t>
+              <a:t>12/1/2020</a:t>
             </a:fld>
             <a:endParaRPr lang="en-US" sz="1400">
               <a:solidFill>
@@ -3632,7 +3643,7 @@
             <a:fld id="{555EE259-FE08-4558-B721-B189FFE77284}" type="datetime1">
               <a:rPr lang="en-US"/>
               <a:pPr/>
-              <a:t>12/5/2019</a:t>
+              <a:t>12/1/2020</a:t>
             </a:fld>
             <a:endParaRPr lang="en-US" sz="1400">
               <a:solidFill>
@@ -3901,7 +3912,7 @@
             <a:fld id="{0AF4064E-5624-49AB-B7C6-E301A8F6B1FF}" type="datetime1">
               <a:rPr lang="en-US"/>
               <a:pPr/>
-              <a:t>12/5/2019</a:t>
+              <a:t>12/1/2020</a:t>
             </a:fld>
             <a:endParaRPr lang="en-US" sz="1400">
               <a:solidFill>
@@ -4098,7 +4109,7 @@
             <a:fld id="{CBC97FCD-6C54-4833-B032-BFBCDFA8379D}" type="datetime1">
               <a:rPr lang="en-US"/>
               <a:pPr/>
-              <a:t>12/5/2019</a:t>
+              <a:t>12/1/2020</a:t>
             </a:fld>
             <a:endParaRPr lang="en-US" sz="1400">
               <a:solidFill>
@@ -4307,7 +4318,7 @@
             <a:fld id="{F04AA577-515A-431F-98B6-3B03494ABB11}" type="datetime1">
               <a:rPr lang="en-US"/>
               <a:pPr/>
-              <a:t>12/5/2019</a:t>
+              <a:t>12/1/2020</a:t>
             </a:fld>
             <a:endParaRPr lang="en-US" sz="1400">
               <a:solidFill>
@@ -4612,7 +4623,7 @@
             <a:fld id="{6475F1A4-C474-4345-A800-2F40B0E4E70C}" type="datetime1">
               <a:rPr lang="en-US"/>
               <a:pPr/>
-              <a:t>12/5/2019</a:t>
+              <a:t>12/1/2020</a:t>
             </a:fld>
             <a:endParaRPr lang="en-US" sz="1400">
               <a:solidFill>
@@ -5056,7 +5067,7 @@
             <a:fld id="{7BA535AB-820E-4207-9DA8-5F37106C7AF4}" type="datetime1">
               <a:rPr lang="en-US"/>
               <a:pPr/>
-              <a:t>12/5/2019</a:t>
+              <a:t>12/1/2020</a:t>
             </a:fld>
             <a:endParaRPr lang="en-US" sz="1400">
               <a:solidFill>
@@ -5191,7 +5202,7 @@
             <a:fld id="{0A7E69FA-D7EE-42C0-9117-1971B541885F}" type="datetime1">
               <a:rPr lang="en-US"/>
               <a:pPr/>
-              <a:t>12/5/2019</a:t>
+              <a:t>12/1/2020</a:t>
             </a:fld>
             <a:endParaRPr lang="en-US" sz="1400">
               <a:solidFill>
@@ -5303,7 +5314,7 @@
             <a:fld id="{10D7644E-1B5D-4325-BA79-338DF2B89B56}" type="datetime1">
               <a:rPr lang="en-US"/>
               <a:pPr/>
-              <a:t>12/5/2019</a:t>
+              <a:t>12/1/2020</a:t>
             </a:fld>
             <a:endParaRPr lang="en-US" sz="1400">
               <a:solidFill>
@@ -5597,7 +5608,7 @@
             <a:fld id="{B790C882-0B74-4932-8998-E9ABB8AF1740}" type="datetime1">
               <a:rPr lang="en-US"/>
               <a:pPr/>
-              <a:t>12/5/2019</a:t>
+              <a:t>12/1/2020</a:t>
             </a:fld>
             <a:endParaRPr lang="en-US" sz="1400">
               <a:solidFill>
@@ -5867,7 +5878,7 @@
             <a:fld id="{9DC585DC-AE7D-44C1-90AB-C3A391DEA065}" type="datetime1">
               <a:rPr lang="en-US"/>
               <a:pPr/>
-              <a:t>12/5/2019</a:t>
+              <a:t>12/1/2020</a:t>
             </a:fld>
             <a:endParaRPr lang="en-US" sz="1400">
               <a:solidFill>
@@ -6131,7 +6142,7 @@
             <a:fld id="{256CE565-1940-4E5F-9190-C0815CEAAA9D}" type="datetime1">
               <a:rPr lang="en-US"/>
               <a:pPr/>
-              <a:t>12/5/2019</a:t>
+              <a:t>12/1/2020</a:t>
             </a:fld>
             <a:endParaRPr lang="en-US"/>
           </a:p>
@@ -8881,14 +8892,7 @@
                 <a:latin typeface="Courier New" panose="02070309020205020404" pitchFamily="49" charset="0"/>
                 <a:cs typeface="Courier New" panose="02070309020205020404" pitchFamily="49" charset="0"/>
               </a:rPr>
-              <a:t>-out test in the </a:t>
-            </a:r>
-            <a:r>
-              <a:rPr lang="nl-NL" sz="1300" kern="0" dirty="0" smtClean="0">
-                <a:latin typeface="Courier New" panose="02070309020205020404" pitchFamily="49" charset="0"/>
-                <a:cs typeface="Courier New" panose="02070309020205020404" pitchFamily="49" charset="0"/>
-              </a:rPr>
-              <a:t>folder. </a:t>
+              <a:t>-out test in the folder. </a:t>
             </a:r>
             <a:r>
               <a:rPr lang="nl-NL" sz="1300" kern="0" dirty="0" err="1" smtClean="0">
@@ -10154,12 +10158,8 @@
           <a:p>
             <a:pPr lvl="1"/>
             <a:r>
-              <a:rPr lang="nl-NL" sz="2200" kern="0" dirty="0" err="1" smtClean="0"/>
-              <a:t>Spotify</a:t>
-            </a:r>
-            <a:r>
               <a:rPr lang="nl-NL" sz="2200" kern="0" dirty="0" smtClean="0"/>
-              <a:t> Radio / Discover </a:t>
+              <a:t>Spotify Radio / Discover </a:t>
             </a:r>
             <a:r>
               <a:rPr lang="nl-NL" sz="2200" kern="0" dirty="0" err="1" smtClean="0"/>
@@ -10599,7 +10599,7 @@
             </a:r>
             <a:r>
               <a:rPr lang="nl-NL" sz="2400" dirty="0" err="1" smtClean="0"/>
-              <a:t>qualitative</a:t>
+              <a:t>categorical</a:t>
             </a:r>
             <a:r>
               <a:rPr lang="nl-NL" sz="2400" dirty="0" smtClean="0"/>
@@ -10628,7 +10628,7 @@
             </a:r>
             <a:r>
               <a:rPr lang="nl-NL" sz="2400" dirty="0" err="1" smtClean="0"/>
-              <a:t>quantitative</a:t>
+              <a:t>numerical</a:t>
             </a:r>
             <a:r>
               <a:rPr lang="nl-NL" sz="2400" dirty="0" smtClean="0"/>

--- a/slides/Week 4 - introduction to machine learning.pptx
+++ b/slides/Week 4 - introduction to machine learning.pptx
@@ -5,34 +5,35 @@
     <p:sldMasterId id="2147483649" r:id="rId1"/>
   </p:sldMasterIdLst>
   <p:notesMasterIdLst>
-    <p:notesMasterId r:id="rId24"/>
+    <p:notesMasterId r:id="rId25"/>
   </p:notesMasterIdLst>
   <p:handoutMasterIdLst>
-    <p:handoutMasterId r:id="rId25"/>
+    <p:handoutMasterId r:id="rId26"/>
   </p:handoutMasterIdLst>
   <p:sldIdLst>
     <p:sldId id="276" r:id="rId2"/>
     <p:sldId id="280" r:id="rId3"/>
-    <p:sldId id="298" r:id="rId4"/>
-    <p:sldId id="297" r:id="rId5"/>
-    <p:sldId id="305" r:id="rId6"/>
-    <p:sldId id="306" r:id="rId7"/>
-    <p:sldId id="317" r:id="rId8"/>
-    <p:sldId id="307" r:id="rId9"/>
-    <p:sldId id="310" r:id="rId10"/>
-    <p:sldId id="308" r:id="rId11"/>
-    <p:sldId id="300" r:id="rId12"/>
-    <p:sldId id="318" r:id="rId13"/>
-    <p:sldId id="292" r:id="rId14"/>
-    <p:sldId id="294" r:id="rId15"/>
-    <p:sldId id="290" r:id="rId16"/>
-    <p:sldId id="312" r:id="rId17"/>
-    <p:sldId id="311" r:id="rId18"/>
-    <p:sldId id="319" r:id="rId19"/>
-    <p:sldId id="313" r:id="rId20"/>
-    <p:sldId id="314" r:id="rId21"/>
-    <p:sldId id="315" r:id="rId22"/>
-    <p:sldId id="303" r:id="rId23"/>
+    <p:sldId id="320" r:id="rId4"/>
+    <p:sldId id="298" r:id="rId5"/>
+    <p:sldId id="297" r:id="rId6"/>
+    <p:sldId id="305" r:id="rId7"/>
+    <p:sldId id="306" r:id="rId8"/>
+    <p:sldId id="317" r:id="rId9"/>
+    <p:sldId id="307" r:id="rId10"/>
+    <p:sldId id="310" r:id="rId11"/>
+    <p:sldId id="308" r:id="rId12"/>
+    <p:sldId id="300" r:id="rId13"/>
+    <p:sldId id="318" r:id="rId14"/>
+    <p:sldId id="292" r:id="rId15"/>
+    <p:sldId id="294" r:id="rId16"/>
+    <p:sldId id="290" r:id="rId17"/>
+    <p:sldId id="312" r:id="rId18"/>
+    <p:sldId id="311" r:id="rId19"/>
+    <p:sldId id="319" r:id="rId20"/>
+    <p:sldId id="313" r:id="rId21"/>
+    <p:sldId id="314" r:id="rId22"/>
+    <p:sldId id="315" r:id="rId23"/>
+    <p:sldId id="303" r:id="rId24"/>
   </p:sldIdLst>
   <p:sldSz cx="9144000" cy="6858000" type="screen4x3"/>
   <p:notesSz cx="6858000" cy="9144000"/>
@@ -258,7 +259,6 @@
           <c:dLbls>
             <c:dLbl>
               <c:idx val="0"/>
-              <c:layout/>
               <c:tx>
                 <c:rich>
                   <a:bodyPr/>
@@ -284,9 +284,7 @@
               <c:showPercent val="0"/>
               <c:showBubbleSize val="0"/>
               <c:extLst>
-                <c:ext xmlns:c15="http://schemas.microsoft.com/office/drawing/2012/chart" uri="{CE6537A1-D6FC-4f65-9D91-7224C49458BB}">
-                  <c15:layout/>
-                </c:ext>
+                <c:ext xmlns:c15="http://schemas.microsoft.com/office/drawing/2012/chart" uri="{CE6537A1-D6FC-4f65-9D91-7224C49458BB}"/>
                 <c:ext xmlns:c16="http://schemas.microsoft.com/office/drawing/2014/chart" uri="{C3380CC4-5D6E-409C-BE32-E72D297353CC}">
                   <c16:uniqueId val="{00000000-2E23-48E9-A739-930E51C69A1C}"/>
                 </c:ext>
@@ -294,7 +292,6 @@
             </c:dLbl>
             <c:dLbl>
               <c:idx val="1"/>
-              <c:layout/>
               <c:tx>
                 <c:rich>
                   <a:bodyPr/>
@@ -315,9 +312,7 @@
               <c:showPercent val="0"/>
               <c:showBubbleSize val="0"/>
               <c:extLst>
-                <c:ext xmlns:c15="http://schemas.microsoft.com/office/drawing/2012/chart" uri="{CE6537A1-D6FC-4f65-9D91-7224C49458BB}">
-                  <c15:layout/>
-                </c:ext>
+                <c:ext xmlns:c15="http://schemas.microsoft.com/office/drawing/2012/chart" uri="{CE6537A1-D6FC-4f65-9D91-7224C49458BB}"/>
                 <c:ext xmlns:c16="http://schemas.microsoft.com/office/drawing/2014/chart" uri="{C3380CC4-5D6E-409C-BE32-E72D297353CC}">
                   <c16:uniqueId val="{00000001-2E23-48E9-A739-930E51C69A1C}"/>
                 </c:ext>
@@ -325,7 +320,6 @@
             </c:dLbl>
             <c:dLbl>
               <c:idx val="2"/>
-              <c:layout/>
               <c:tx>
                 <c:rich>
                   <a:bodyPr/>
@@ -346,9 +340,7 @@
               <c:showPercent val="0"/>
               <c:showBubbleSize val="0"/>
               <c:extLst>
-                <c:ext xmlns:c15="http://schemas.microsoft.com/office/drawing/2012/chart" uri="{CE6537A1-D6FC-4f65-9D91-7224C49458BB}">
-                  <c15:layout/>
-                </c:ext>
+                <c:ext xmlns:c15="http://schemas.microsoft.com/office/drawing/2012/chart" uri="{CE6537A1-D6FC-4f65-9D91-7224C49458BB}"/>
                 <c:ext xmlns:c16="http://schemas.microsoft.com/office/drawing/2014/chart" uri="{C3380CC4-5D6E-409C-BE32-E72D297353CC}">
                   <c16:uniqueId val="{00000002-2E23-48E9-A739-930E51C69A1C}"/>
                 </c:ext>
@@ -517,7 +509,6 @@
               </a:p>
             </c:rich>
           </c:tx>
-          <c:layout/>
           <c:overlay val="0"/>
           <c:spPr>
             <a:noFill/>
@@ -646,7 +637,6 @@
               </a:p>
             </c:rich>
           </c:tx>
-          <c:layout/>
           <c:overlay val="0"/>
           <c:spPr>
             <a:noFill/>
@@ -1422,7 +1412,7 @@
             <a:fld id="{373F1B60-BDF4-4D63-AD79-99D5A5B1DF99}" type="datetime1">
               <a:rPr lang="en-US"/>
               <a:pPr/>
-              <a:t>12/1/2020</a:t>
+              <a:t>12/2/2020</a:t>
             </a:fld>
             <a:endParaRPr lang="en-US"/>
           </a:p>
@@ -1641,7 +1631,7 @@
             <a:fld id="{4387A7AA-DFE9-4771-BEDE-3294FCEBFB02}" type="datetime1">
               <a:rPr lang="en-US"/>
               <a:pPr/>
-              <a:t>12/1/2020</a:t>
+              <a:t>12/2/2020</a:t>
             </a:fld>
             <a:endParaRPr lang="en-US"/>
           </a:p>
@@ -2032,7 +2022,7 @@
             <a:fld id="{8541E2CD-DBF4-40F9-B6F8-EEFD0DF8A138}" type="datetime1">
               <a:rPr lang="en-US"/>
               <a:pPr/>
-              <a:t>12/1/2020</a:t>
+              <a:t>12/2/2020</a:t>
             </a:fld>
             <a:endParaRPr lang="en-US"/>
           </a:p>
@@ -2223,7 +2213,7 @@
             <a:fld id="{4387A7AA-DFE9-4771-BEDE-3294FCEBFB02}" type="datetime1">
               <a:rPr lang="en-US" smtClean="0"/>
               <a:pPr/>
-              <a:t>12/1/2020</a:t>
+              <a:t>12/2/2020</a:t>
             </a:fld>
             <a:endParaRPr lang="en-US"/>
           </a:p>
@@ -2270,7 +2260,7 @@
             <a:fld id="{D61151B4-4860-4597-8EFD-6A3C75434656}" type="slidenum">
               <a:rPr lang="en-US" smtClean="0"/>
               <a:pPr/>
-              <a:t>5</a:t>
+              <a:t>6</a:t>
             </a:fld>
             <a:endParaRPr lang="en-US"/>
           </a:p>
@@ -2407,7 +2397,7 @@
             <a:fld id="{93F21019-3A00-48AC-9663-40DF67A83229}" type="datetime1">
               <a:rPr lang="en-US"/>
               <a:pPr/>
-              <a:t>12/1/2020</a:t>
+              <a:t>12/2/2020</a:t>
             </a:fld>
             <a:endParaRPr lang="en-US">
               <a:solidFill>
@@ -2593,7 +2583,7 @@
             <a:fld id="{8B2EF9C8-0AC3-4A53-9A61-1834A571F420}" type="datetime1">
               <a:rPr lang="en-US"/>
               <a:pPr/>
-              <a:t>12/1/2020</a:t>
+              <a:t>12/2/2020</a:t>
             </a:fld>
             <a:endParaRPr lang="en-US" sz="1400">
               <a:solidFill>
@@ -2790,7 +2780,7 @@
             <a:fld id="{F02960F3-A385-4905-A491-FDC17E063DD1}" type="datetime1">
               <a:rPr lang="en-US"/>
               <a:pPr/>
-              <a:t>12/1/2020</a:t>
+              <a:t>12/2/2020</a:t>
             </a:fld>
             <a:endParaRPr lang="en-US" sz="1400">
               <a:solidFill>
@@ -3049,7 +3039,7 @@
             <a:fld id="{CD3AD70A-8E2A-47B5-AC18-ABBB5A8E737D}" type="datetime1">
               <a:rPr lang="en-US"/>
               <a:pPr/>
-              <a:t>12/1/2020</a:t>
+              <a:t>12/2/2020</a:t>
             </a:fld>
             <a:endParaRPr lang="en-US" sz="1400">
               <a:solidFill>
@@ -3285,7 +3275,7 @@
             <a:fld id="{07008C2E-9BD6-496B-BFC3-B4A975EBC85E}" type="datetime1">
               <a:rPr lang="en-US"/>
               <a:pPr/>
-              <a:t>12/1/2020</a:t>
+              <a:t>12/2/2020</a:t>
             </a:fld>
             <a:endParaRPr lang="en-US" sz="1400">
               <a:solidFill>
@@ -3464,7 +3454,7 @@
             <a:fld id="{1AA2C3CF-866C-4FDE-B76D-4E9536901630}" type="datetime1">
               <a:rPr lang="en-US"/>
               <a:pPr/>
-              <a:t>12/1/2020</a:t>
+              <a:t>12/2/2020</a:t>
             </a:fld>
             <a:endParaRPr lang="en-US" sz="1400">
               <a:solidFill>
@@ -3643,7 +3633,7 @@
             <a:fld id="{555EE259-FE08-4558-B721-B189FFE77284}" type="datetime1">
               <a:rPr lang="en-US"/>
               <a:pPr/>
-              <a:t>12/1/2020</a:t>
+              <a:t>12/2/2020</a:t>
             </a:fld>
             <a:endParaRPr lang="en-US" sz="1400">
               <a:solidFill>
@@ -3912,7 +3902,7 @@
             <a:fld id="{0AF4064E-5624-49AB-B7C6-E301A8F6B1FF}" type="datetime1">
               <a:rPr lang="en-US"/>
               <a:pPr/>
-              <a:t>12/1/2020</a:t>
+              <a:t>12/2/2020</a:t>
             </a:fld>
             <a:endParaRPr lang="en-US" sz="1400">
               <a:solidFill>
@@ -4109,7 +4099,7 @@
             <a:fld id="{CBC97FCD-6C54-4833-B032-BFBCDFA8379D}" type="datetime1">
               <a:rPr lang="en-US"/>
               <a:pPr/>
-              <a:t>12/1/2020</a:t>
+              <a:t>12/2/2020</a:t>
             </a:fld>
             <a:endParaRPr lang="en-US" sz="1400">
               <a:solidFill>
@@ -4318,7 +4308,7 @@
             <a:fld id="{F04AA577-515A-431F-98B6-3B03494ABB11}" type="datetime1">
               <a:rPr lang="en-US"/>
               <a:pPr/>
-              <a:t>12/1/2020</a:t>
+              <a:t>12/2/2020</a:t>
             </a:fld>
             <a:endParaRPr lang="en-US" sz="1400">
               <a:solidFill>
@@ -4623,7 +4613,7 @@
             <a:fld id="{6475F1A4-C474-4345-A800-2F40B0E4E70C}" type="datetime1">
               <a:rPr lang="en-US"/>
               <a:pPr/>
-              <a:t>12/1/2020</a:t>
+              <a:t>12/2/2020</a:t>
             </a:fld>
             <a:endParaRPr lang="en-US" sz="1400">
               <a:solidFill>
@@ -5067,7 +5057,7 @@
             <a:fld id="{7BA535AB-820E-4207-9DA8-5F37106C7AF4}" type="datetime1">
               <a:rPr lang="en-US"/>
               <a:pPr/>
-              <a:t>12/1/2020</a:t>
+              <a:t>12/2/2020</a:t>
             </a:fld>
             <a:endParaRPr lang="en-US" sz="1400">
               <a:solidFill>
@@ -5202,7 +5192,7 @@
             <a:fld id="{0A7E69FA-D7EE-42C0-9117-1971B541885F}" type="datetime1">
               <a:rPr lang="en-US"/>
               <a:pPr/>
-              <a:t>12/1/2020</a:t>
+              <a:t>12/2/2020</a:t>
             </a:fld>
             <a:endParaRPr lang="en-US" sz="1400">
               <a:solidFill>
@@ -5314,7 +5304,7 @@
             <a:fld id="{10D7644E-1B5D-4325-BA79-338DF2B89B56}" type="datetime1">
               <a:rPr lang="en-US"/>
               <a:pPr/>
-              <a:t>12/1/2020</a:t>
+              <a:t>12/2/2020</a:t>
             </a:fld>
             <a:endParaRPr lang="en-US" sz="1400">
               <a:solidFill>
@@ -5608,7 +5598,7 @@
             <a:fld id="{B790C882-0B74-4932-8998-E9ABB8AF1740}" type="datetime1">
               <a:rPr lang="en-US"/>
               <a:pPr/>
-              <a:t>12/1/2020</a:t>
+              <a:t>12/2/2020</a:t>
             </a:fld>
             <a:endParaRPr lang="en-US" sz="1400">
               <a:solidFill>
@@ -5878,7 +5868,7 @@
             <a:fld id="{9DC585DC-AE7D-44C1-90AB-C3A391DEA065}" type="datetime1">
               <a:rPr lang="en-US"/>
               <a:pPr/>
-              <a:t>12/1/2020</a:t>
+              <a:t>12/2/2020</a:t>
             </a:fld>
             <a:endParaRPr lang="en-US" sz="1400">
               <a:solidFill>
@@ -6142,7 +6132,7 @@
             <a:fld id="{256CE565-1940-4E5F-9190-C0815CEAAA9D}" type="datetime1">
               <a:rPr lang="en-US"/>
               <a:pPr/>
-              <a:t>12/1/2020</a:t>
+              <a:t>12/2/2020</a:t>
             </a:fld>
             <a:endParaRPr lang="en-US"/>
           </a:p>
@@ -6961,6 +6951,274 @@
           <a:lstStyle/>
           <a:p>
             <a:r>
+              <a:rPr lang="nl-NL" dirty="0" smtClean="0"/>
+              <a:t>Data </a:t>
+            </a:r>
+            <a:r>
+              <a:rPr lang="nl-NL" dirty="0" err="1" smtClean="0"/>
+              <a:t>exploration</a:t>
+            </a:r>
+            <a:endParaRPr lang="nl-NL" dirty="0"/>
+          </a:p>
+        </p:txBody>
+      </p:sp>
+      <p:pic>
+        <p:nvPicPr>
+          <p:cNvPr id="4" name="Afbeelding 3"/>
+          <p:cNvPicPr>
+            <a:picLocks noChangeAspect="1"/>
+          </p:cNvPicPr>
+          <p:nvPr/>
+        </p:nvPicPr>
+        <p:blipFill>
+          <a:blip r:embed="rId2"/>
+          <a:stretch>
+            <a:fillRect/>
+          </a:stretch>
+        </p:blipFill>
+        <p:spPr>
+          <a:xfrm>
+            <a:off x="5076056" y="1628800"/>
+            <a:ext cx="3375471" cy="3142680"/>
+          </a:xfrm>
+          <a:prstGeom prst="rect">
+            <a:avLst/>
+          </a:prstGeom>
+        </p:spPr>
+      </p:pic>
+      <p:sp>
+        <p:nvSpPr>
+          <p:cNvPr id="5" name="Tekstvak 4"/>
+          <p:cNvSpPr txBox="1"/>
+          <p:nvPr/>
+        </p:nvSpPr>
+        <p:spPr>
+          <a:xfrm>
+            <a:off x="1331640" y="5165576"/>
+            <a:ext cx="3363091" cy="830997"/>
+          </a:xfrm>
+          <a:prstGeom prst="rect">
+            <a:avLst/>
+          </a:prstGeom>
+          <a:noFill/>
+        </p:spPr>
+        <p:txBody>
+          <a:bodyPr wrap="square" rtlCol="0">
+            <a:spAutoFit/>
+          </a:bodyPr>
+          <a:lstStyle/>
+          <a:p>
+            <a:r>
+              <a:rPr lang="nl-NL" sz="1600" dirty="0" smtClean="0"/>
+              <a:t>Plot the </a:t>
+            </a:r>
+            <a:r>
+              <a:rPr lang="nl-NL" sz="1600" dirty="0" err="1" smtClean="0"/>
+              <a:t>distributions</a:t>
+            </a:r>
+            <a:r>
+              <a:rPr lang="nl-NL" sz="1600" dirty="0" smtClean="0"/>
+              <a:t> of </a:t>
+            </a:r>
+            <a:r>
+              <a:rPr lang="nl-NL" sz="1600" dirty="0" err="1" smtClean="0"/>
+              <a:t>qualitative</a:t>
+            </a:r>
+            <a:r>
+              <a:rPr lang="nl-NL" sz="1600" dirty="0" smtClean="0"/>
+              <a:t> variables </a:t>
+            </a:r>
+            <a:r>
+              <a:rPr lang="nl-NL" sz="1600" dirty="0" err="1" smtClean="0"/>
+              <a:t>to</a:t>
+            </a:r>
+            <a:r>
+              <a:rPr lang="nl-NL" sz="1600" dirty="0" smtClean="0"/>
+              <a:t> </a:t>
+            </a:r>
+            <a:r>
+              <a:rPr lang="nl-NL" sz="1600" dirty="0" err="1" smtClean="0"/>
+              <a:t>understand</a:t>
+            </a:r>
+            <a:r>
+              <a:rPr lang="nl-NL" sz="1600" dirty="0" smtClean="0"/>
+              <a:t> the </a:t>
+            </a:r>
+            <a:r>
+              <a:rPr lang="nl-NL" sz="1600" dirty="0" err="1" smtClean="0"/>
+              <a:t>differences</a:t>
+            </a:r>
+            <a:endParaRPr lang="nl-NL" sz="1600" dirty="0"/>
+          </a:p>
+        </p:txBody>
+      </p:sp>
+      <p:sp>
+        <p:nvSpPr>
+          <p:cNvPr id="6" name="Tekstvak 5"/>
+          <p:cNvSpPr txBox="1"/>
+          <p:nvPr/>
+        </p:nvSpPr>
+        <p:spPr>
+          <a:xfrm>
+            <a:off x="5588496" y="5165576"/>
+            <a:ext cx="3363091" cy="1077218"/>
+          </a:xfrm>
+          <a:prstGeom prst="rect">
+            <a:avLst/>
+          </a:prstGeom>
+          <a:noFill/>
+        </p:spPr>
+        <p:txBody>
+          <a:bodyPr wrap="square" rtlCol="0">
+            <a:spAutoFit/>
+          </a:bodyPr>
+          <a:lstStyle/>
+          <a:p>
+            <a:r>
+              <a:rPr lang="nl-NL" sz="1600" dirty="0" err="1" smtClean="0"/>
+              <a:t>Scatterplots</a:t>
+            </a:r>
+            <a:r>
+              <a:rPr lang="nl-NL" sz="1600" dirty="0"/>
+              <a:t> </a:t>
+            </a:r>
+            <a:r>
+              <a:rPr lang="nl-NL" sz="1600" dirty="0" err="1" smtClean="0"/>
+              <a:t>and</a:t>
+            </a:r>
+            <a:r>
+              <a:rPr lang="nl-NL" sz="1600" dirty="0" smtClean="0"/>
+              <a:t> </a:t>
+            </a:r>
+            <a:r>
+              <a:rPr lang="nl-NL" sz="1600" dirty="0" err="1" smtClean="0"/>
+              <a:t>scatterplot</a:t>
+            </a:r>
+            <a:r>
+              <a:rPr lang="nl-NL" sz="1600" dirty="0" smtClean="0"/>
+              <a:t> matrices are a </a:t>
+            </a:r>
+            <a:r>
+              <a:rPr lang="nl-NL" sz="1600" dirty="0" err="1" smtClean="0"/>
+              <a:t>great</a:t>
+            </a:r>
+            <a:r>
+              <a:rPr lang="nl-NL" sz="1600" dirty="0" smtClean="0"/>
+              <a:t> way </a:t>
+            </a:r>
+            <a:r>
+              <a:rPr lang="nl-NL" sz="1600" dirty="0" err="1" smtClean="0"/>
+              <a:t>to</a:t>
+            </a:r>
+            <a:r>
+              <a:rPr lang="nl-NL" sz="1600" dirty="0" smtClean="0"/>
+              <a:t> </a:t>
+            </a:r>
+            <a:r>
+              <a:rPr lang="nl-NL" sz="1600" dirty="0" err="1" smtClean="0"/>
+              <a:t>understand</a:t>
+            </a:r>
+            <a:r>
+              <a:rPr lang="nl-NL" sz="1600" dirty="0" smtClean="0"/>
+              <a:t> the relations </a:t>
+            </a:r>
+            <a:r>
+              <a:rPr lang="nl-NL" sz="1600" dirty="0" err="1" smtClean="0"/>
+              <a:t>between</a:t>
+            </a:r>
+            <a:r>
+              <a:rPr lang="nl-NL" sz="1600" dirty="0" smtClean="0"/>
+              <a:t> </a:t>
+            </a:r>
+            <a:r>
+              <a:rPr lang="nl-NL" sz="1600" dirty="0" err="1" smtClean="0"/>
+              <a:t>quantitative</a:t>
+            </a:r>
+            <a:r>
+              <a:rPr lang="nl-NL" sz="1600" dirty="0" smtClean="0"/>
+              <a:t> variables</a:t>
+            </a:r>
+            <a:endParaRPr lang="nl-NL" sz="1600" dirty="0"/>
+          </a:p>
+        </p:txBody>
+      </p:sp>
+      <p:pic>
+        <p:nvPicPr>
+          <p:cNvPr id="8" name="Afbeelding 7"/>
+          <p:cNvPicPr>
+            <a:picLocks noChangeAspect="1"/>
+          </p:cNvPicPr>
+          <p:nvPr/>
+        </p:nvPicPr>
+        <p:blipFill>
+          <a:blip r:embed="rId3"/>
+          <a:stretch>
+            <a:fillRect/>
+          </a:stretch>
+        </p:blipFill>
+        <p:spPr>
+          <a:xfrm>
+            <a:off x="1115616" y="1603648"/>
+            <a:ext cx="3293854" cy="3117900"/>
+          </a:xfrm>
+          <a:prstGeom prst="rect">
+            <a:avLst/>
+          </a:prstGeom>
+        </p:spPr>
+      </p:pic>
+    </p:spTree>
+    <p:extLst>
+      <p:ext uri="{BB962C8B-B14F-4D97-AF65-F5344CB8AC3E}">
+        <p14:creationId xmlns:p14="http://schemas.microsoft.com/office/powerpoint/2010/main" val="1476685123"/>
+      </p:ext>
+    </p:extLst>
+  </p:cSld>
+  <p:clrMapOvr>
+    <a:masterClrMapping/>
+  </p:clrMapOvr>
+  <p:timing>
+    <p:tnLst>
+      <p:par>
+        <p:cTn id="1" dur="indefinite" restart="never" nodeType="tmRoot"/>
+      </p:par>
+    </p:tnLst>
+  </p:timing>
+</p:sld>
+</file>
+
+<file path=ppt/slides/slide11.xml><?xml version="1.0" encoding="utf-8"?>
+<p:sld xmlns:a="http://schemas.openxmlformats.org/drawingml/2006/main" xmlns:r="http://schemas.openxmlformats.org/officeDocument/2006/relationships" xmlns:p="http://schemas.openxmlformats.org/presentationml/2006/main">
+  <p:cSld>
+    <p:spTree>
+      <p:nvGrpSpPr>
+        <p:cNvPr id="1" name=""/>
+        <p:cNvGrpSpPr/>
+        <p:nvPr/>
+      </p:nvGrpSpPr>
+      <p:grpSpPr>
+        <a:xfrm>
+          <a:off x="0" y="0"/>
+          <a:ext cx="0" cy="0"/>
+          <a:chOff x="0" y="0"/>
+          <a:chExt cx="0" cy="0"/>
+        </a:xfrm>
+      </p:grpSpPr>
+      <p:sp>
+        <p:nvSpPr>
+          <p:cNvPr id="2" name="Titel 1"/>
+          <p:cNvSpPr>
+            <a:spLocks noGrp="1"/>
+          </p:cNvSpPr>
+          <p:nvPr>
+            <p:ph type="title"/>
+          </p:nvPr>
+        </p:nvSpPr>
+        <p:spPr/>
+        <p:txBody>
+          <a:bodyPr/>
+          <a:lstStyle/>
+          <a:p>
+            <a:r>
               <a:rPr lang="nl-NL" dirty="0" err="1" smtClean="0"/>
               <a:t>Linear</a:t>
             </a:r>
@@ -7978,7 +8236,7 @@
 </p:sld>
 </file>
 
-<file path=ppt/slides/slide11.xml><?xml version="1.0" encoding="utf-8"?>
+<file path=ppt/slides/slide12.xml><?xml version="1.0" encoding="utf-8"?>
 <p:sld xmlns:a="http://schemas.openxmlformats.org/drawingml/2006/main" xmlns:r="http://schemas.openxmlformats.org/officeDocument/2006/relationships" xmlns:p="http://schemas.openxmlformats.org/presentationml/2006/main">
   <p:cSld>
     <p:spTree>
@@ -8049,8 +8307,8 @@
         </p:nvSpPr>
         <p:spPr bwMode="auto">
           <a:xfrm>
-            <a:off x="834195" y="1484784"/>
-            <a:ext cx="7881938" cy="6020110"/>
+            <a:off x="831475" y="1340768"/>
+            <a:ext cx="7881938" cy="6220164"/>
           </a:xfrm>
           <a:prstGeom prst="rect">
             <a:avLst/>
@@ -8456,11 +8714,18 @@
               <a:t>/or the </a:t>
             </a:r>
             <a:r>
+              <a:rPr lang="nl-NL" sz="1300" i="1" kern="0" dirty="0" err="1">
+                <a:latin typeface="Courier New" panose="02070309020205020404" pitchFamily="49" charset="0"/>
+                <a:cs typeface="Courier New" panose="02070309020205020404" pitchFamily="49" charset="0"/>
+              </a:rPr>
+              <a:t>C</a:t>
+            </a:r>
+            <a:r>
               <a:rPr lang="nl-NL" sz="1300" i="1" kern="0" dirty="0" err="1" smtClean="0">
                 <a:latin typeface="Courier New" panose="02070309020205020404" pitchFamily="49" charset="0"/>
                 <a:cs typeface="Courier New" panose="02070309020205020404" pitchFamily="49" charset="0"/>
               </a:rPr>
-              <a:t>cookbook</a:t>
+              <a:t>ookbook</a:t>
             </a:r>
             <a:r>
               <a:rPr lang="nl-NL" sz="1300" i="1" kern="0" dirty="0" smtClean="0">
@@ -8502,13 +8767,15 @@
                 <a:latin typeface="Courier New" panose="02070309020205020404" pitchFamily="49" charset="0"/>
                 <a:cs typeface="Courier New" panose="02070309020205020404" pitchFamily="49" charset="0"/>
               </a:rPr>
-              <a:t> folder.</a:t>
-            </a:r>
-          </a:p>
-          <a:p>
-            <a:pPr marL="0" indent="0">
-              <a:buNone/>
-            </a:pPr>
+              <a:t> folder</a:t>
+            </a:r>
+            <a:r>
+              <a:rPr lang="nl-NL" sz="1300" kern="0" dirty="0" smtClean="0">
+                <a:latin typeface="Courier New" panose="02070309020205020404" pitchFamily="49" charset="0"/>
+                <a:cs typeface="Courier New" panose="02070309020205020404" pitchFamily="49" charset="0"/>
+              </a:rPr>
+              <a:t>. </a:t>
+            </a:r>
             <a:endParaRPr lang="nl-NL" sz="1300" kern="0" dirty="0">
               <a:latin typeface="Courier New" panose="02070309020205020404" pitchFamily="49" charset="0"/>
               <a:cs typeface="Courier New" panose="02070309020205020404" pitchFamily="49" charset="0"/>
@@ -8519,61 +8786,209 @@
               <a:buFont typeface="Zapf Dingbats" charset="2"/>
               <a:buNone/>
             </a:pPr>
+            <a:endParaRPr lang="nl-NL" sz="1300" kern="0" dirty="0" smtClean="0">
+              <a:latin typeface="Courier New" panose="02070309020205020404" pitchFamily="49" charset="0"/>
+              <a:cs typeface="Courier New" panose="02070309020205020404" pitchFamily="49" charset="0"/>
+            </a:endParaRPr>
+          </a:p>
+          <a:p>
+            <a:pPr marL="0" indent="0">
+              <a:buNone/>
+            </a:pPr>
+            <a:r>
+              <a:rPr lang="nl-NL" sz="1300" b="1" kern="0" dirty="0" smtClean="0">
+                <a:solidFill>
+                  <a:schemeClr val="accent2">
+                    <a:lumMod val="75000"/>
+                  </a:schemeClr>
+                </a:solidFill>
+                <a:latin typeface="Courier New" panose="02070309020205020404" pitchFamily="49" charset="0"/>
+                <a:cs typeface="Courier New" panose="02070309020205020404" pitchFamily="49" charset="0"/>
+              </a:rPr>
+              <a:t>A Notebook </a:t>
+            </a:r>
+            <a:r>
+              <a:rPr lang="nl-NL" sz="1300" b="1" kern="0" dirty="0" err="1" smtClean="0">
+                <a:solidFill>
+                  <a:schemeClr val="accent2">
+                    <a:lumMod val="75000"/>
+                  </a:schemeClr>
+                </a:solidFill>
+                <a:latin typeface="Courier New" panose="02070309020205020404" pitchFamily="49" charset="0"/>
+                <a:cs typeface="Courier New" panose="02070309020205020404" pitchFamily="49" charset="0"/>
+              </a:rPr>
+              <a:t>to</a:t>
+            </a:r>
+            <a:r>
+              <a:rPr lang="nl-NL" sz="1300" b="1" kern="0" dirty="0" smtClean="0">
+                <a:solidFill>
+                  <a:schemeClr val="accent2">
+                    <a:lumMod val="75000"/>
+                  </a:schemeClr>
+                </a:solidFill>
+                <a:latin typeface="Courier New" panose="02070309020205020404" pitchFamily="49" charset="0"/>
+                <a:cs typeface="Courier New" panose="02070309020205020404" pitchFamily="49" charset="0"/>
+              </a:rPr>
+              <a:t> start </a:t>
+            </a:r>
+            <a:r>
+              <a:rPr lang="nl-NL" sz="1300" b="1" kern="0" dirty="0" err="1" smtClean="0">
+                <a:solidFill>
+                  <a:schemeClr val="accent2">
+                    <a:lumMod val="75000"/>
+                  </a:schemeClr>
+                </a:solidFill>
+                <a:latin typeface="Courier New" panose="02070309020205020404" pitchFamily="49" charset="0"/>
+                <a:cs typeface="Courier New" panose="02070309020205020404" pitchFamily="49" charset="0"/>
+              </a:rPr>
+              <a:t>with</a:t>
+            </a:r>
+            <a:r>
+              <a:rPr lang="nl-NL" sz="1300" b="1" kern="0" dirty="0" smtClean="0">
+                <a:solidFill>
+                  <a:schemeClr val="accent2">
+                    <a:lumMod val="75000"/>
+                  </a:schemeClr>
+                </a:solidFill>
+                <a:latin typeface="Courier New" panose="02070309020205020404" pitchFamily="49" charset="0"/>
+                <a:cs typeface="Courier New" panose="02070309020205020404" pitchFamily="49" charset="0"/>
+              </a:rPr>
+              <a:t> can </a:t>
+            </a:r>
+            <a:r>
+              <a:rPr lang="nl-NL" sz="1300" b="1" kern="0" dirty="0" err="1" smtClean="0">
+                <a:solidFill>
+                  <a:schemeClr val="accent2">
+                    <a:lumMod val="75000"/>
+                  </a:schemeClr>
+                </a:solidFill>
+                <a:latin typeface="Courier New" panose="02070309020205020404" pitchFamily="49" charset="0"/>
+                <a:cs typeface="Courier New" panose="02070309020205020404" pitchFamily="49" charset="0"/>
+              </a:rPr>
+              <a:t>be</a:t>
+            </a:r>
+            <a:r>
+              <a:rPr lang="nl-NL" sz="1300" b="1" kern="0" dirty="0" smtClean="0">
+                <a:solidFill>
+                  <a:schemeClr val="accent2">
+                    <a:lumMod val="75000"/>
+                  </a:schemeClr>
+                </a:solidFill>
+                <a:latin typeface="Courier New" panose="02070309020205020404" pitchFamily="49" charset="0"/>
+                <a:cs typeface="Courier New" panose="02070309020205020404" pitchFamily="49" charset="0"/>
+              </a:rPr>
+              <a:t> found in </a:t>
+            </a:r>
+            <a:r>
+              <a:rPr lang="nl-NL" sz="1300" b="1" i="1" kern="0" dirty="0" err="1" smtClean="0">
+                <a:solidFill>
+                  <a:schemeClr val="accent2">
+                    <a:lumMod val="75000"/>
+                  </a:schemeClr>
+                </a:solidFill>
+                <a:latin typeface="Courier New" panose="02070309020205020404" pitchFamily="49" charset="0"/>
+                <a:cs typeface="Courier New" panose="02070309020205020404" pitchFamily="49" charset="0"/>
+              </a:rPr>
+              <a:t>exercises</a:t>
+            </a:r>
+            <a:r>
+              <a:rPr lang="nl-NL" sz="1300" b="1" i="1" kern="0" dirty="0" smtClean="0">
+                <a:solidFill>
+                  <a:schemeClr val="accent2">
+                    <a:lumMod val="75000"/>
+                  </a:schemeClr>
+                </a:solidFill>
+                <a:latin typeface="Courier New" panose="02070309020205020404" pitchFamily="49" charset="0"/>
+                <a:cs typeface="Courier New" panose="02070309020205020404" pitchFamily="49" charset="0"/>
+              </a:rPr>
+              <a:t>/</a:t>
+            </a:r>
+            <a:r>
+              <a:rPr lang="nl-NL" sz="1300" b="1" i="1" kern="0" dirty="0" err="1" smtClean="0">
+                <a:solidFill>
+                  <a:schemeClr val="accent2">
+                    <a:lumMod val="75000"/>
+                  </a:schemeClr>
+                </a:solidFill>
+                <a:latin typeface="Courier New" panose="02070309020205020404" pitchFamily="49" charset="0"/>
+                <a:cs typeface="Courier New" panose="02070309020205020404" pitchFamily="49" charset="0"/>
+              </a:rPr>
+              <a:t>recap_linear_regression</a:t>
+            </a:r>
+            <a:r>
+              <a:rPr lang="nl-NL" sz="1300" b="1" i="1" kern="0" dirty="0" smtClean="0">
+                <a:solidFill>
+                  <a:schemeClr val="accent2">
+                    <a:lumMod val="75000"/>
+                  </a:schemeClr>
+                </a:solidFill>
+                <a:latin typeface="Courier New" panose="02070309020205020404" pitchFamily="49" charset="0"/>
+                <a:cs typeface="Courier New" panose="02070309020205020404" pitchFamily="49" charset="0"/>
+              </a:rPr>
+              <a:t>. </a:t>
+            </a:r>
             <a:r>
               <a:rPr lang="nl-NL" sz="1300" kern="0" dirty="0" smtClean="0">
                 <a:latin typeface="Courier New" panose="02070309020205020404" pitchFamily="49" charset="0"/>
                 <a:cs typeface="Courier New" panose="02070309020205020404" pitchFamily="49" charset="0"/>
               </a:rPr>
-              <a:t>The data </a:t>
+              <a:t>The </a:t>
+            </a:r>
+            <a:r>
+              <a:rPr lang="nl-NL" sz="1300" kern="0" dirty="0" smtClean="0">
+                <a:latin typeface="Courier New" panose="02070309020205020404" pitchFamily="49" charset="0"/>
+                <a:cs typeface="Courier New" panose="02070309020205020404" pitchFamily="49" charset="0"/>
+              </a:rPr>
+              <a:t>data can </a:t>
             </a:r>
             <a:r>
               <a:rPr lang="nl-NL" sz="1300" kern="0" dirty="0" err="1" smtClean="0">
                 <a:latin typeface="Courier New" panose="02070309020205020404" pitchFamily="49" charset="0"/>
                 <a:cs typeface="Courier New" panose="02070309020205020404" pitchFamily="49" charset="0"/>
               </a:rPr>
-              <a:t>can</a:t>
+              <a:t>be</a:t>
             </a:r>
             <a:r>
               <a:rPr lang="nl-NL" sz="1300" kern="0" dirty="0" smtClean="0">
                 <a:latin typeface="Courier New" panose="02070309020205020404" pitchFamily="49" charset="0"/>
                 <a:cs typeface="Courier New" panose="02070309020205020404" pitchFamily="49" charset="0"/>
               </a:rPr>
-              <a:t> </a:t>
+              <a:t> found in </a:t>
+            </a:r>
+            <a:r>
+              <a:rPr lang="nl-NL" sz="1300" kern="0" dirty="0" smtClean="0">
+                <a:latin typeface="Courier New" panose="02070309020205020404" pitchFamily="49" charset="0"/>
+                <a:cs typeface="Courier New" panose="02070309020205020404" pitchFamily="49" charset="0"/>
+              </a:rPr>
+              <a:t>the </a:t>
             </a:r>
             <a:r>
               <a:rPr lang="nl-NL" sz="1300" kern="0" dirty="0" err="1" smtClean="0">
                 <a:latin typeface="Courier New" panose="02070309020205020404" pitchFamily="49" charset="0"/>
                 <a:cs typeface="Courier New" panose="02070309020205020404" pitchFamily="49" charset="0"/>
               </a:rPr>
-              <a:t>be</a:t>
+              <a:t>same</a:t>
             </a:r>
             <a:r>
               <a:rPr lang="nl-NL" sz="1300" kern="0" dirty="0" smtClean="0">
                 <a:latin typeface="Courier New" panose="02070309020205020404" pitchFamily="49" charset="0"/>
                 <a:cs typeface="Courier New" panose="02070309020205020404" pitchFamily="49" charset="0"/>
               </a:rPr>
-              <a:t> found in </a:t>
-            </a:r>
-            <a:r>
-              <a:rPr lang="nl-NL" sz="1300" i="1" kern="0" dirty="0" err="1" smtClean="0">
-                <a:latin typeface="Courier New" panose="02070309020205020404" pitchFamily="49" charset="0"/>
-                <a:cs typeface="Courier New" panose="02070309020205020404" pitchFamily="49" charset="0"/>
-              </a:rPr>
-              <a:t>recap_linear_regression</a:t>
-            </a:r>
-            <a:r>
-              <a:rPr lang="nl-NL" sz="1300" i="1" kern="0" dirty="0" smtClean="0">
-                <a:latin typeface="Courier New" panose="02070309020205020404" pitchFamily="49" charset="0"/>
-                <a:cs typeface="Courier New" panose="02070309020205020404" pitchFamily="49" charset="0"/>
-              </a:rPr>
-              <a:t>. </a:t>
+              <a:t> folder. </a:t>
             </a:r>
             <a:r>
               <a:rPr lang="nl-NL" sz="1300" kern="0" dirty="0" smtClean="0">
                 <a:latin typeface="Courier New" panose="02070309020205020404" pitchFamily="49" charset="0"/>
                 <a:cs typeface="Courier New" panose="02070309020205020404" pitchFamily="49" charset="0"/>
               </a:rPr>
-              <a:t>The data are </a:t>
+              <a:t>The </a:t>
+            </a:r>
+            <a:r>
+              <a:rPr lang="nl-NL" sz="1300" kern="0" dirty="0" smtClean="0">
+                <a:latin typeface="Courier New" panose="02070309020205020404" pitchFamily="49" charset="0"/>
+                <a:cs typeface="Courier New" panose="02070309020205020404" pitchFamily="49" charset="0"/>
+              </a:rPr>
+              <a:t>data are </a:t>
             </a:r>
             <a:r>
               <a:rPr lang="nl-NL" sz="1300" kern="0" dirty="0" err="1" smtClean="0">
@@ -9376,187 +9791,6 @@
     <p:extLst>
       <p:ext uri="{BB962C8B-B14F-4D97-AF65-F5344CB8AC3E}">
         <p14:creationId xmlns:p14="http://schemas.microsoft.com/office/powerpoint/2010/main" val="3374612792"/>
-      </p:ext>
-    </p:extLst>
-  </p:cSld>
-  <p:clrMapOvr>
-    <a:masterClrMapping/>
-  </p:clrMapOvr>
-  <p:timing>
-    <p:tnLst>
-      <p:par>
-        <p:cTn id="1" dur="indefinite" restart="never" nodeType="tmRoot"/>
-      </p:par>
-    </p:tnLst>
-  </p:timing>
-</p:sld>
-</file>
-
-<file path=ppt/slides/slide12.xml><?xml version="1.0" encoding="utf-8"?>
-<p:sld xmlns:a="http://schemas.openxmlformats.org/drawingml/2006/main" xmlns:r="http://schemas.openxmlformats.org/officeDocument/2006/relationships" xmlns:p="http://schemas.openxmlformats.org/presentationml/2006/main">
-  <p:cSld>
-    <p:spTree>
-      <p:nvGrpSpPr>
-        <p:cNvPr id="1" name=""/>
-        <p:cNvGrpSpPr/>
-        <p:nvPr/>
-      </p:nvGrpSpPr>
-      <p:grpSpPr>
-        <a:xfrm>
-          <a:off x="0" y="0"/>
-          <a:ext cx="0" cy="0"/>
-          <a:chOff x="0" y="0"/>
-          <a:chExt cx="0" cy="0"/>
-        </a:xfrm>
-      </p:grpSpPr>
-      <p:sp>
-        <p:nvSpPr>
-          <p:cNvPr id="2" name="Titel 1"/>
-          <p:cNvSpPr>
-            <a:spLocks noGrp="1"/>
-          </p:cNvSpPr>
-          <p:nvPr>
-            <p:ph type="title"/>
-          </p:nvPr>
-        </p:nvSpPr>
-        <p:spPr/>
-        <p:txBody>
-          <a:bodyPr/>
-          <a:lstStyle/>
-          <a:p>
-            <a:r>
-              <a:rPr lang="nl-NL" dirty="0" smtClean="0"/>
-              <a:t>Topics</a:t>
-            </a:r>
-            <a:endParaRPr lang="nl-NL" dirty="0"/>
-          </a:p>
-        </p:txBody>
-      </p:sp>
-      <p:sp>
-        <p:nvSpPr>
-          <p:cNvPr id="3" name="Tijdelijke aanduiding voor inhoud 2"/>
-          <p:cNvSpPr>
-            <a:spLocks noGrp="1"/>
-          </p:cNvSpPr>
-          <p:nvPr>
-            <p:ph idx="1"/>
-          </p:nvPr>
-        </p:nvSpPr>
-        <p:spPr>
-          <a:xfrm>
-            <a:off x="762000" y="1762125"/>
-            <a:ext cx="7881938" cy="3564053"/>
-          </a:xfrm>
-        </p:spPr>
-        <p:txBody>
-          <a:bodyPr/>
-          <a:lstStyle/>
-          <a:p>
-            <a:r>
-              <a:rPr lang="nl-NL" sz="2400" dirty="0" err="1" smtClean="0"/>
-              <a:t>Variable</a:t>
-            </a:r>
-            <a:r>
-              <a:rPr lang="nl-NL" sz="2400" dirty="0" smtClean="0"/>
-              <a:t> </a:t>
-            </a:r>
-            <a:r>
-              <a:rPr lang="nl-NL" sz="2400" dirty="0" err="1" smtClean="0"/>
-              <a:t>transformations</a:t>
-            </a:r>
-            <a:endParaRPr lang="nl-NL" sz="2400" dirty="0"/>
-          </a:p>
-          <a:p>
-            <a:endParaRPr lang="nl-NL" sz="2400" dirty="0" smtClean="0"/>
-          </a:p>
-          <a:p>
-            <a:r>
-              <a:rPr lang="nl-NL" sz="2400" dirty="0" err="1" smtClean="0"/>
-              <a:t>Recap</a:t>
-            </a:r>
-            <a:r>
-              <a:rPr lang="nl-NL" sz="2400" dirty="0" smtClean="0"/>
-              <a:t> </a:t>
-            </a:r>
-            <a:r>
-              <a:rPr lang="nl-NL" sz="2400" dirty="0" err="1" smtClean="0"/>
-              <a:t>and</a:t>
-            </a:r>
-            <a:r>
-              <a:rPr lang="nl-NL" sz="2400" dirty="0" smtClean="0"/>
-              <a:t> </a:t>
-            </a:r>
-            <a:r>
-              <a:rPr lang="nl-NL" sz="2400" dirty="0" err="1" smtClean="0"/>
-              <a:t>recap</a:t>
-            </a:r>
-            <a:r>
-              <a:rPr lang="nl-NL" sz="2400" dirty="0" smtClean="0"/>
-              <a:t> </a:t>
-            </a:r>
-            <a:r>
-              <a:rPr lang="nl-NL" sz="2400" dirty="0" err="1" smtClean="0"/>
-              <a:t>exercise</a:t>
-            </a:r>
-            <a:endParaRPr lang="nl-NL" sz="2400" dirty="0"/>
-          </a:p>
-          <a:p>
-            <a:endParaRPr lang="nl-NL" sz="2400" dirty="0" smtClean="0"/>
-          </a:p>
-          <a:p>
-            <a:r>
-              <a:rPr lang="nl-NL" sz="2400" dirty="0" smtClean="0"/>
-              <a:t>Machine </a:t>
-            </a:r>
-            <a:r>
-              <a:rPr lang="nl-NL" sz="2400" dirty="0" err="1" smtClean="0"/>
-              <a:t>learning</a:t>
-            </a:r>
-            <a:endParaRPr lang="nl-NL" sz="2400" dirty="0" smtClean="0"/>
-          </a:p>
-          <a:p>
-            <a:endParaRPr lang="nl-NL" sz="2400" dirty="0"/>
-          </a:p>
-          <a:p>
-            <a:r>
-              <a:rPr lang="nl-NL" sz="2400" i="1" dirty="0" smtClean="0"/>
-              <a:t>k</a:t>
-            </a:r>
-            <a:r>
-              <a:rPr lang="nl-NL" sz="2400" dirty="0" smtClean="0"/>
-              <a:t>-</a:t>
-            </a:r>
-            <a:r>
-              <a:rPr lang="nl-NL" sz="2400" dirty="0" err="1" smtClean="0"/>
-              <a:t>nearest</a:t>
-            </a:r>
-            <a:r>
-              <a:rPr lang="nl-NL" sz="2400" dirty="0" smtClean="0"/>
-              <a:t> </a:t>
-            </a:r>
-            <a:r>
-              <a:rPr lang="nl-NL" sz="2400" dirty="0" err="1" smtClean="0"/>
-              <a:t>neighbor</a:t>
-            </a:r>
-            <a:r>
-              <a:rPr lang="nl-NL" sz="2400" dirty="0" smtClean="0"/>
-              <a:t> </a:t>
-            </a:r>
-            <a:r>
-              <a:rPr lang="nl-NL" sz="2400" dirty="0" err="1" smtClean="0"/>
-              <a:t>algorithm</a:t>
-            </a:r>
-            <a:endParaRPr lang="nl-NL" sz="2400" dirty="0" smtClean="0"/>
-          </a:p>
-          <a:p>
-            <a:endParaRPr lang="nl-NL" sz="2400" i="1" dirty="0"/>
-          </a:p>
-        </p:txBody>
-      </p:sp>
-    </p:spTree>
-    <p:extLst>
-      <p:ext uri="{BB962C8B-B14F-4D97-AF65-F5344CB8AC3E}">
-        <p14:creationId xmlns:p14="http://schemas.microsoft.com/office/powerpoint/2010/main" val="1462123132"/>
       </p:ext>
     </p:extLst>
   </p:cSld>
@@ -9607,6 +9841,187 @@
           <a:p>
             <a:r>
               <a:rPr lang="nl-NL" dirty="0" smtClean="0"/>
+              <a:t>Topics</a:t>
+            </a:r>
+            <a:endParaRPr lang="nl-NL" dirty="0"/>
+          </a:p>
+        </p:txBody>
+      </p:sp>
+      <p:sp>
+        <p:nvSpPr>
+          <p:cNvPr id="3" name="Tijdelijke aanduiding voor inhoud 2"/>
+          <p:cNvSpPr>
+            <a:spLocks noGrp="1"/>
+          </p:cNvSpPr>
+          <p:nvPr>
+            <p:ph idx="1"/>
+          </p:nvPr>
+        </p:nvSpPr>
+        <p:spPr>
+          <a:xfrm>
+            <a:off x="762000" y="1762125"/>
+            <a:ext cx="7881938" cy="3564053"/>
+          </a:xfrm>
+        </p:spPr>
+        <p:txBody>
+          <a:bodyPr/>
+          <a:lstStyle/>
+          <a:p>
+            <a:r>
+              <a:rPr lang="nl-NL" sz="2400" dirty="0" err="1" smtClean="0"/>
+              <a:t>Variable</a:t>
+            </a:r>
+            <a:r>
+              <a:rPr lang="nl-NL" sz="2400" dirty="0" smtClean="0"/>
+              <a:t> </a:t>
+            </a:r>
+            <a:r>
+              <a:rPr lang="nl-NL" sz="2400" dirty="0" err="1" smtClean="0"/>
+              <a:t>transformations</a:t>
+            </a:r>
+            <a:endParaRPr lang="nl-NL" sz="2400" dirty="0"/>
+          </a:p>
+          <a:p>
+            <a:endParaRPr lang="nl-NL" sz="2400" dirty="0" smtClean="0"/>
+          </a:p>
+          <a:p>
+            <a:r>
+              <a:rPr lang="nl-NL" sz="2400" dirty="0" err="1" smtClean="0"/>
+              <a:t>Recap</a:t>
+            </a:r>
+            <a:r>
+              <a:rPr lang="nl-NL" sz="2400" dirty="0" smtClean="0"/>
+              <a:t> </a:t>
+            </a:r>
+            <a:r>
+              <a:rPr lang="nl-NL" sz="2400" dirty="0" err="1" smtClean="0"/>
+              <a:t>and</a:t>
+            </a:r>
+            <a:r>
+              <a:rPr lang="nl-NL" sz="2400" dirty="0" smtClean="0"/>
+              <a:t> </a:t>
+            </a:r>
+            <a:r>
+              <a:rPr lang="nl-NL" sz="2400" dirty="0" err="1" smtClean="0"/>
+              <a:t>recap</a:t>
+            </a:r>
+            <a:r>
+              <a:rPr lang="nl-NL" sz="2400" dirty="0" smtClean="0"/>
+              <a:t> </a:t>
+            </a:r>
+            <a:r>
+              <a:rPr lang="nl-NL" sz="2400" dirty="0" err="1" smtClean="0"/>
+              <a:t>exercise</a:t>
+            </a:r>
+            <a:endParaRPr lang="nl-NL" sz="2400" dirty="0"/>
+          </a:p>
+          <a:p>
+            <a:endParaRPr lang="nl-NL" sz="2400" dirty="0" smtClean="0"/>
+          </a:p>
+          <a:p>
+            <a:r>
+              <a:rPr lang="nl-NL" sz="2400" dirty="0" smtClean="0"/>
+              <a:t>Machine </a:t>
+            </a:r>
+            <a:r>
+              <a:rPr lang="nl-NL" sz="2400" dirty="0" err="1" smtClean="0"/>
+              <a:t>learning</a:t>
+            </a:r>
+            <a:endParaRPr lang="nl-NL" sz="2400" dirty="0" smtClean="0"/>
+          </a:p>
+          <a:p>
+            <a:endParaRPr lang="nl-NL" sz="2400" dirty="0"/>
+          </a:p>
+          <a:p>
+            <a:r>
+              <a:rPr lang="nl-NL" sz="2400" i="1" dirty="0" smtClean="0"/>
+              <a:t>k</a:t>
+            </a:r>
+            <a:r>
+              <a:rPr lang="nl-NL" sz="2400" dirty="0" smtClean="0"/>
+              <a:t>-</a:t>
+            </a:r>
+            <a:r>
+              <a:rPr lang="nl-NL" sz="2400" dirty="0" err="1" smtClean="0"/>
+              <a:t>nearest</a:t>
+            </a:r>
+            <a:r>
+              <a:rPr lang="nl-NL" sz="2400" dirty="0" smtClean="0"/>
+              <a:t> </a:t>
+            </a:r>
+            <a:r>
+              <a:rPr lang="nl-NL" sz="2400" dirty="0" err="1" smtClean="0"/>
+              <a:t>neighbor</a:t>
+            </a:r>
+            <a:r>
+              <a:rPr lang="nl-NL" sz="2400" dirty="0" smtClean="0"/>
+              <a:t> </a:t>
+            </a:r>
+            <a:r>
+              <a:rPr lang="nl-NL" sz="2400" dirty="0" err="1" smtClean="0"/>
+              <a:t>algorithm</a:t>
+            </a:r>
+            <a:endParaRPr lang="nl-NL" sz="2400" dirty="0" smtClean="0"/>
+          </a:p>
+          <a:p>
+            <a:endParaRPr lang="nl-NL" sz="2400" i="1" dirty="0"/>
+          </a:p>
+        </p:txBody>
+      </p:sp>
+    </p:spTree>
+    <p:extLst>
+      <p:ext uri="{BB962C8B-B14F-4D97-AF65-F5344CB8AC3E}">
+        <p14:creationId xmlns:p14="http://schemas.microsoft.com/office/powerpoint/2010/main" val="1462123132"/>
+      </p:ext>
+    </p:extLst>
+  </p:cSld>
+  <p:clrMapOvr>
+    <a:masterClrMapping/>
+  </p:clrMapOvr>
+  <p:timing>
+    <p:tnLst>
+      <p:par>
+        <p:cTn id="1" dur="indefinite" restart="never" nodeType="tmRoot"/>
+      </p:par>
+    </p:tnLst>
+  </p:timing>
+</p:sld>
+</file>
+
+<file path=ppt/slides/slide14.xml><?xml version="1.0" encoding="utf-8"?>
+<p:sld xmlns:a="http://schemas.openxmlformats.org/drawingml/2006/main" xmlns:r="http://schemas.openxmlformats.org/officeDocument/2006/relationships" xmlns:p="http://schemas.openxmlformats.org/presentationml/2006/main">
+  <p:cSld>
+    <p:spTree>
+      <p:nvGrpSpPr>
+        <p:cNvPr id="1" name=""/>
+        <p:cNvGrpSpPr/>
+        <p:nvPr/>
+      </p:nvGrpSpPr>
+      <p:grpSpPr>
+        <a:xfrm>
+          <a:off x="0" y="0"/>
+          <a:ext cx="0" cy="0"/>
+          <a:chOff x="0" y="0"/>
+          <a:chExt cx="0" cy="0"/>
+        </a:xfrm>
+      </p:grpSpPr>
+      <p:sp>
+        <p:nvSpPr>
+          <p:cNvPr id="2" name="Titel 1"/>
+          <p:cNvSpPr>
+            <a:spLocks noGrp="1"/>
+          </p:cNvSpPr>
+          <p:nvPr>
+            <p:ph type="title"/>
+          </p:nvPr>
+        </p:nvSpPr>
+        <p:spPr/>
+        <p:txBody>
+          <a:bodyPr/>
+          <a:lstStyle/>
+          <a:p>
+            <a:r>
+              <a:rPr lang="nl-NL" dirty="0" smtClean="0"/>
               <a:t>Machine </a:t>
             </a:r>
             <a:r>
@@ -9703,7 +10118,7 @@
 </p:sld>
 </file>
 
-<file path=ppt/slides/slide14.xml><?xml version="1.0" encoding="utf-8"?>
+<file path=ppt/slides/slide15.xml><?xml version="1.0" encoding="utf-8"?>
 <p:sld xmlns:a="http://schemas.openxmlformats.org/drawingml/2006/main" xmlns:r="http://schemas.openxmlformats.org/officeDocument/2006/relationships" xmlns:p="http://schemas.openxmlformats.org/presentationml/2006/main">
   <p:cSld>
     <p:spTree>
@@ -10476,7 +10891,7 @@
 </p:sld>
 </file>
 
-<file path=ppt/slides/slide15.xml><?xml version="1.0" encoding="utf-8"?>
+<file path=ppt/slides/slide16.xml><?xml version="1.0" encoding="utf-8"?>
 <p:sld xmlns:a="http://schemas.openxmlformats.org/drawingml/2006/main" xmlns:r="http://schemas.openxmlformats.org/officeDocument/2006/relationships" xmlns:p="http://schemas.openxmlformats.org/presentationml/2006/main">
   <p:cSld>
     <p:spTree>
@@ -10716,7 +11131,7 @@
 </p:sld>
 </file>
 
-<file path=ppt/slides/slide16.xml><?xml version="1.0" encoding="utf-8"?>
+<file path=ppt/slides/slide17.xml><?xml version="1.0" encoding="utf-8"?>
 <p:sld xmlns:a="http://schemas.openxmlformats.org/drawingml/2006/main" xmlns:r="http://schemas.openxmlformats.org/officeDocument/2006/relationships" xmlns:p="http://schemas.openxmlformats.org/presentationml/2006/main">
   <p:cSld>
     <p:spTree>
@@ -10928,7 +11343,7 @@
 </p:sld>
 </file>
 
-<file path=ppt/slides/slide17.xml><?xml version="1.0" encoding="utf-8"?>
+<file path=ppt/slides/slide18.xml><?xml version="1.0" encoding="utf-8"?>
 <p:sld xmlns:a="http://schemas.openxmlformats.org/drawingml/2006/main" xmlns:r="http://schemas.openxmlformats.org/officeDocument/2006/relationships" xmlns:p="http://schemas.openxmlformats.org/presentationml/2006/main">
   <p:cSld>
     <p:spTree>
@@ -11543,7 +11958,7 @@
 </p:sld>
 </file>
 
-<file path=ppt/slides/slide18.xml><?xml version="1.0" encoding="utf-8"?>
+<file path=ppt/slides/slide19.xml><?xml version="1.0" encoding="utf-8"?>
 <p:sld xmlns:a="http://schemas.openxmlformats.org/drawingml/2006/main" xmlns:r="http://schemas.openxmlformats.org/officeDocument/2006/relationships" xmlns:p="http://schemas.openxmlformats.org/presentationml/2006/main">
   <p:cSld>
     <p:spTree>
@@ -11724,7 +12139,91 @@
 </p:sld>
 </file>
 
-<file path=ppt/slides/slide19.xml><?xml version="1.0" encoding="utf-8"?>
+<file path=ppt/slides/slide2.xml><?xml version="1.0" encoding="utf-8"?>
+<p:sld xmlns:a="http://schemas.openxmlformats.org/drawingml/2006/main" xmlns:r="http://schemas.openxmlformats.org/officeDocument/2006/relationships" xmlns:p="http://schemas.openxmlformats.org/presentationml/2006/main">
+  <p:cSld>
+    <p:spTree>
+      <p:nvGrpSpPr>
+        <p:cNvPr id="1" name=""/>
+        <p:cNvGrpSpPr/>
+        <p:nvPr/>
+      </p:nvGrpSpPr>
+      <p:grpSpPr>
+        <a:xfrm>
+          <a:off x="0" y="0"/>
+          <a:ext cx="0" cy="0"/>
+          <a:chOff x="0" y="0"/>
+          <a:chExt cx="0" cy="0"/>
+        </a:xfrm>
+      </p:grpSpPr>
+      <p:sp>
+        <p:nvSpPr>
+          <p:cNvPr id="2" name="Titel 1"/>
+          <p:cNvSpPr>
+            <a:spLocks noGrp="1"/>
+          </p:cNvSpPr>
+          <p:nvPr>
+            <p:ph type="title"/>
+          </p:nvPr>
+        </p:nvSpPr>
+        <p:spPr/>
+        <p:txBody>
+          <a:bodyPr/>
+          <a:lstStyle/>
+          <a:p>
+            <a:r>
+              <a:rPr lang="nl-NL" dirty="0" smtClean="0"/>
+              <a:t>Intro</a:t>
+            </a:r>
+            <a:endParaRPr lang="nl-NL" dirty="0"/>
+          </a:p>
+        </p:txBody>
+      </p:sp>
+      <p:pic>
+        <p:nvPicPr>
+          <p:cNvPr id="4" name="Afbeelding 3"/>
+          <p:cNvPicPr>
+            <a:picLocks noChangeAspect="1"/>
+          </p:cNvPicPr>
+          <p:nvPr/>
+        </p:nvPicPr>
+        <p:blipFill>
+          <a:blip r:embed="rId2"/>
+          <a:stretch>
+            <a:fillRect/>
+          </a:stretch>
+        </p:blipFill>
+        <p:spPr>
+          <a:xfrm>
+            <a:off x="815352" y="2636912"/>
+            <a:ext cx="7434823" cy="1440160"/>
+          </a:xfrm>
+          <a:prstGeom prst="rect">
+            <a:avLst/>
+          </a:prstGeom>
+        </p:spPr>
+      </p:pic>
+    </p:spTree>
+    <p:extLst>
+      <p:ext uri="{BB962C8B-B14F-4D97-AF65-F5344CB8AC3E}">
+        <p14:creationId xmlns:p14="http://schemas.microsoft.com/office/powerpoint/2010/main" val="478925319"/>
+      </p:ext>
+    </p:extLst>
+  </p:cSld>
+  <p:clrMapOvr>
+    <a:masterClrMapping/>
+  </p:clrMapOvr>
+  <p:timing>
+    <p:tnLst>
+      <p:par>
+        <p:cTn id="1" dur="indefinite" restart="never" nodeType="tmRoot"/>
+      </p:par>
+    </p:tnLst>
+  </p:timing>
+</p:sld>
+</file>
+
+<file path=ppt/slides/slide20.xml><?xml version="1.0" encoding="utf-8"?>
 <p:sld xmlns:a="http://schemas.openxmlformats.org/drawingml/2006/main" xmlns:r="http://schemas.openxmlformats.org/officeDocument/2006/relationships" xmlns:p="http://schemas.openxmlformats.org/presentationml/2006/main">
   <p:cSld>
     <p:spTree>
@@ -12154,7 +12653,7 @@
 </p:sld>
 </file>
 
-<file path=ppt/slides/slide2.xml><?xml version="1.0" encoding="utf-8"?>
+<file path=ppt/slides/slide21.xml><?xml version="1.0" encoding="utf-8"?>
 <p:sld xmlns:a="http://schemas.openxmlformats.org/drawingml/2006/main" xmlns:r="http://schemas.openxmlformats.org/officeDocument/2006/relationships" xmlns:p="http://schemas.openxmlformats.org/presentationml/2006/main">
   <p:cSld>
     <p:spTree>
@@ -12187,90 +12686,6 @@
           <a:lstStyle/>
           <a:p>
             <a:r>
-              <a:rPr lang="nl-NL" dirty="0" smtClean="0"/>
-              <a:t>Intro</a:t>
-            </a:r>
-            <a:endParaRPr lang="nl-NL" dirty="0"/>
-          </a:p>
-        </p:txBody>
-      </p:sp>
-      <p:pic>
-        <p:nvPicPr>
-          <p:cNvPr id="4" name="Afbeelding 3"/>
-          <p:cNvPicPr>
-            <a:picLocks noChangeAspect="1"/>
-          </p:cNvPicPr>
-          <p:nvPr/>
-        </p:nvPicPr>
-        <p:blipFill>
-          <a:blip r:embed="rId2"/>
-          <a:stretch>
-            <a:fillRect/>
-          </a:stretch>
-        </p:blipFill>
-        <p:spPr>
-          <a:xfrm>
-            <a:off x="815352" y="2636912"/>
-            <a:ext cx="7434823" cy="1440160"/>
-          </a:xfrm>
-          <a:prstGeom prst="rect">
-            <a:avLst/>
-          </a:prstGeom>
-        </p:spPr>
-      </p:pic>
-    </p:spTree>
-    <p:extLst>
-      <p:ext uri="{BB962C8B-B14F-4D97-AF65-F5344CB8AC3E}">
-        <p14:creationId xmlns:p14="http://schemas.microsoft.com/office/powerpoint/2010/main" val="478925319"/>
-      </p:ext>
-    </p:extLst>
-  </p:cSld>
-  <p:clrMapOvr>
-    <a:masterClrMapping/>
-  </p:clrMapOvr>
-  <p:timing>
-    <p:tnLst>
-      <p:par>
-        <p:cTn id="1" dur="indefinite" restart="never" nodeType="tmRoot"/>
-      </p:par>
-    </p:tnLst>
-  </p:timing>
-</p:sld>
-</file>
-
-<file path=ppt/slides/slide20.xml><?xml version="1.0" encoding="utf-8"?>
-<p:sld xmlns:a="http://schemas.openxmlformats.org/drawingml/2006/main" xmlns:r="http://schemas.openxmlformats.org/officeDocument/2006/relationships" xmlns:p="http://schemas.openxmlformats.org/presentationml/2006/main">
-  <p:cSld>
-    <p:spTree>
-      <p:nvGrpSpPr>
-        <p:cNvPr id="1" name=""/>
-        <p:cNvGrpSpPr/>
-        <p:nvPr/>
-      </p:nvGrpSpPr>
-      <p:grpSpPr>
-        <a:xfrm>
-          <a:off x="0" y="0"/>
-          <a:ext cx="0" cy="0"/>
-          <a:chOff x="0" y="0"/>
-          <a:chExt cx="0" cy="0"/>
-        </a:xfrm>
-      </p:grpSpPr>
-      <p:sp>
-        <p:nvSpPr>
-          <p:cNvPr id="2" name="Titel 1"/>
-          <p:cNvSpPr>
-            <a:spLocks noGrp="1"/>
-          </p:cNvSpPr>
-          <p:nvPr>
-            <p:ph type="title"/>
-          </p:nvPr>
-        </p:nvSpPr>
-        <p:spPr/>
-        <p:txBody>
-          <a:bodyPr/>
-          <a:lstStyle/>
-          <a:p>
-            <a:r>
               <a:rPr lang="nl-NL" i="1" dirty="0"/>
               <a:t>k-</a:t>
             </a:r>
@@ -12588,7 +13003,7 @@
 </p:sld>
 </file>
 
-<file path=ppt/slides/slide21.xml><?xml version="1.0" encoding="utf-8"?>
+<file path=ppt/slides/slide22.xml><?xml version="1.0" encoding="utf-8"?>
 <p:sld xmlns:a="http://schemas.openxmlformats.org/drawingml/2006/main" xmlns:r="http://schemas.openxmlformats.org/officeDocument/2006/relationships" xmlns:p="http://schemas.openxmlformats.org/presentationml/2006/main">
   <p:cSld>
     <p:spTree>
@@ -13431,7 +13846,7 @@
 </p:sld>
 </file>
 
-<file path=ppt/slides/slide22.xml><?xml version="1.0" encoding="utf-8"?>
+<file path=ppt/slides/slide23.xml><?xml version="1.0" encoding="utf-8"?>
 <p:sld xmlns:a="http://schemas.openxmlformats.org/drawingml/2006/main" xmlns:r="http://schemas.openxmlformats.org/officeDocument/2006/relationships" xmlns:p="http://schemas.openxmlformats.org/presentationml/2006/main">
   <p:cSld>
     <p:spTree>
@@ -13707,7 +14122,15 @@
           <a:p>
             <a:r>
               <a:rPr lang="nl-NL" dirty="0" smtClean="0"/>
-              <a:t>Topics</a:t>
+              <a:t>Feedback </a:t>
+            </a:r>
+            <a:r>
+              <a:rPr lang="nl-NL" dirty="0" err="1" smtClean="0"/>
+              <a:t>assignment</a:t>
+            </a:r>
+            <a:r>
+              <a:rPr lang="nl-NL" dirty="0" smtClean="0"/>
+              <a:t> #2</a:t>
             </a:r>
             <a:endParaRPr lang="nl-NL" dirty="0"/>
           </a:p>
@@ -13726,7 +14149,7 @@
         <p:spPr>
           <a:xfrm>
             <a:off x="762000" y="1762125"/>
-            <a:ext cx="7881938" cy="3564053"/>
+            <a:ext cx="7881938" cy="3637919"/>
           </a:xfrm>
         </p:spPr>
         <p:txBody>
@@ -13734,8 +14157,12 @@
           <a:lstStyle/>
           <a:p>
             <a:r>
+              <a:rPr lang="nl-NL" sz="2400" dirty="0" smtClean="0"/>
+              <a:t>Keep on </a:t>
+            </a:r>
+            <a:r>
               <a:rPr lang="nl-NL" sz="2400" dirty="0" err="1" smtClean="0"/>
-              <a:t>Variable</a:t>
+              <a:t>documenting</a:t>
             </a:r>
             <a:r>
               <a:rPr lang="nl-NL" sz="2400" dirty="0" smtClean="0"/>
@@ -13743,17 +14170,18 @@
             </a:r>
             <a:r>
               <a:rPr lang="nl-NL" sz="2400" dirty="0" err="1" smtClean="0"/>
-              <a:t>transformations</a:t>
-            </a:r>
-            <a:endParaRPr lang="nl-NL" sz="2400" dirty="0"/>
-          </a:p>
-          <a:p>
-            <a:endParaRPr lang="nl-NL" sz="2400" dirty="0" smtClean="0"/>
-          </a:p>
-          <a:p>
+              <a:t>your</a:t>
+            </a:r>
+            <a:r>
+              <a:rPr lang="nl-NL" sz="2400" dirty="0" smtClean="0"/>
+              <a:t> analysis:</a:t>
+            </a:r>
+          </a:p>
+          <a:p>
+            <a:pPr lvl="1"/>
             <a:r>
               <a:rPr lang="nl-NL" sz="2400" dirty="0" err="1" smtClean="0"/>
-              <a:t>Recap</a:t>
+              <a:t>Use</a:t>
             </a:r>
             <a:r>
               <a:rPr lang="nl-NL" sz="2400" dirty="0" smtClean="0"/>
@@ -13761,7 +14189,53 @@
             </a:r>
             <a:r>
               <a:rPr lang="nl-NL" sz="2400" dirty="0" err="1" smtClean="0"/>
-              <a:t>and</a:t>
+              <a:t>Markdown</a:t>
+            </a:r>
+            <a:endParaRPr lang="nl-NL" sz="2400" dirty="0" smtClean="0"/>
+          </a:p>
+          <a:p>
+            <a:pPr lvl="1"/>
+            <a:r>
+              <a:rPr lang="nl-NL" sz="2400" dirty="0" err="1" smtClean="0"/>
+              <a:t>Headings</a:t>
+            </a:r>
+            <a:endParaRPr lang="nl-NL" sz="2400" dirty="0" smtClean="0"/>
+          </a:p>
+          <a:p>
+            <a:pPr lvl="1"/>
+            <a:r>
+              <a:rPr lang="nl-NL" sz="2400" dirty="0" err="1" smtClean="0"/>
+              <a:t>Introductions</a:t>
+            </a:r>
+            <a:endParaRPr lang="nl-NL" sz="2400" dirty="0" smtClean="0"/>
+          </a:p>
+          <a:p>
+            <a:pPr lvl="1"/>
+            <a:r>
+              <a:rPr lang="nl-NL" sz="2400" dirty="0" err="1" smtClean="0"/>
+              <a:t>Intermediate</a:t>
+            </a:r>
+            <a:r>
+              <a:rPr lang="nl-NL" sz="2400" dirty="0" smtClean="0"/>
+              <a:t> steps / processing</a:t>
+            </a:r>
+          </a:p>
+          <a:p>
+            <a:pPr lvl="1"/>
+            <a:r>
+              <a:rPr lang="nl-NL" sz="2400" dirty="0" err="1" smtClean="0"/>
+              <a:t>Conclusions</a:t>
+            </a:r>
+            <a:endParaRPr lang="nl-NL" sz="2400" dirty="0" smtClean="0"/>
+          </a:p>
+          <a:p>
+            <a:pPr lvl="1"/>
+            <a:endParaRPr lang="nl-NL" sz="2400" dirty="0"/>
+          </a:p>
+          <a:p>
+            <a:r>
+              <a:rPr lang="nl-NL" sz="2400" dirty="0" err="1" smtClean="0"/>
+              <a:t>Don't</a:t>
             </a:r>
             <a:r>
               <a:rPr lang="nl-NL" sz="2400" dirty="0" smtClean="0"/>
@@ -13769,88 +14243,58 @@
             </a:r>
             <a:r>
               <a:rPr lang="nl-NL" sz="2400" dirty="0" err="1" smtClean="0"/>
-              <a:t>recap</a:t>
+              <a:t>use</a:t>
             </a:r>
             <a:r>
               <a:rPr lang="nl-NL" sz="2400" dirty="0" smtClean="0"/>
-              <a:t> </a:t>
+              <a:t> .</a:t>
             </a:r>
             <a:r>
               <a:rPr lang="nl-NL" sz="2400" dirty="0" err="1" smtClean="0"/>
-              <a:t>exercise</a:t>
+              <a:t>fillna</a:t>
+            </a:r>
+            <a:r>
+              <a:rPr lang="nl-NL" sz="2400" dirty="0" smtClean="0"/>
+              <a:t>(0). </a:t>
+            </a:r>
+            <a:r>
+              <a:rPr lang="nl-NL" sz="2400" dirty="0" err="1" smtClean="0"/>
+              <a:t>Use</a:t>
+            </a:r>
+            <a:r>
+              <a:rPr lang="nl-NL" sz="2400" dirty="0" smtClean="0"/>
+              <a:t> .</a:t>
+            </a:r>
+            <a:r>
+              <a:rPr lang="nl-NL" sz="2400" dirty="0" err="1" smtClean="0"/>
+              <a:t>dropna</a:t>
+            </a:r>
+            <a:r>
+              <a:rPr lang="nl-NL" sz="2400" dirty="0" smtClean="0"/>
+              <a:t>() </a:t>
+            </a:r>
+            <a:r>
+              <a:rPr lang="nl-NL" sz="2400" dirty="0" err="1" smtClean="0"/>
+              <a:t>instead</a:t>
+            </a:r>
+            <a:r>
+              <a:rPr lang="nl-NL" sz="2400" dirty="0" smtClean="0"/>
+              <a:t>!</a:t>
             </a:r>
             <a:endParaRPr lang="nl-NL" sz="2400" dirty="0"/>
-          </a:p>
-          <a:p>
-            <a:endParaRPr lang="nl-NL" sz="2400" dirty="0" smtClean="0"/>
-          </a:p>
-          <a:p>
-            <a:r>
-              <a:rPr lang="nl-NL" sz="2400" dirty="0" smtClean="0"/>
-              <a:t>Machine </a:t>
-            </a:r>
-            <a:r>
-              <a:rPr lang="nl-NL" sz="2400" dirty="0" err="1" smtClean="0"/>
-              <a:t>learning</a:t>
-            </a:r>
-            <a:endParaRPr lang="nl-NL" sz="2400" dirty="0" smtClean="0"/>
-          </a:p>
-          <a:p>
-            <a:endParaRPr lang="nl-NL" sz="2400" dirty="0"/>
-          </a:p>
-          <a:p>
-            <a:r>
-              <a:rPr lang="nl-NL" sz="2400" i="1" dirty="0" smtClean="0"/>
-              <a:t>k</a:t>
-            </a:r>
-            <a:r>
-              <a:rPr lang="nl-NL" sz="2400" dirty="0" smtClean="0"/>
-              <a:t>-</a:t>
-            </a:r>
-            <a:r>
-              <a:rPr lang="nl-NL" sz="2400" dirty="0" err="1" smtClean="0"/>
-              <a:t>nearest</a:t>
-            </a:r>
-            <a:r>
-              <a:rPr lang="nl-NL" sz="2400" dirty="0" smtClean="0"/>
-              <a:t> </a:t>
-            </a:r>
-            <a:r>
-              <a:rPr lang="nl-NL" sz="2400" dirty="0" err="1" smtClean="0"/>
-              <a:t>neighbor</a:t>
-            </a:r>
-            <a:r>
-              <a:rPr lang="nl-NL" sz="2400" dirty="0" smtClean="0"/>
-              <a:t> </a:t>
-            </a:r>
-            <a:r>
-              <a:rPr lang="nl-NL" sz="2400" dirty="0" err="1" smtClean="0"/>
-              <a:t>algorithm</a:t>
-            </a:r>
-            <a:endParaRPr lang="nl-NL" sz="2400" dirty="0" smtClean="0"/>
-          </a:p>
-          <a:p>
-            <a:endParaRPr lang="nl-NL" sz="2400" i="1" dirty="0"/>
           </a:p>
         </p:txBody>
       </p:sp>
     </p:spTree>
     <p:extLst>
       <p:ext uri="{BB962C8B-B14F-4D97-AF65-F5344CB8AC3E}">
-        <p14:creationId xmlns:p14="http://schemas.microsoft.com/office/powerpoint/2010/main" val="3051507533"/>
+        <p14:creationId xmlns:p14="http://schemas.microsoft.com/office/powerpoint/2010/main" val="1749561123"/>
       </p:ext>
     </p:extLst>
   </p:cSld>
   <p:clrMapOvr>
     <a:masterClrMapping/>
   </p:clrMapOvr>
-  <p:timing>
-    <p:tnLst>
-      <p:par>
-        <p:cTn id="1" dur="indefinite" restart="never" nodeType="tmRoot"/>
-      </p:par>
-    </p:tnLst>
-  </p:timing>
 </p:sld>
 </file>
 
@@ -13887,16 +14331,8 @@
           <a:lstStyle/>
           <a:p>
             <a:r>
-              <a:rPr lang="nl-NL" dirty="0" err="1" smtClean="0"/>
-              <a:t>Variable</a:t>
-            </a:r>
-            <a:r>
               <a:rPr lang="nl-NL" dirty="0" smtClean="0"/>
-              <a:t> </a:t>
-            </a:r>
-            <a:r>
-              <a:rPr lang="nl-NL" dirty="0" err="1" smtClean="0"/>
-              <a:t>transformations</a:t>
+              <a:t>Topics</a:t>
             </a:r>
             <a:endParaRPr lang="nl-NL" dirty="0"/>
           </a:p>
@@ -13915,7 +14351,7 @@
         <p:spPr>
           <a:xfrm>
             <a:off x="762000" y="1762125"/>
-            <a:ext cx="7881938" cy="4154984"/>
+            <a:ext cx="7881938" cy="3564053"/>
           </a:xfrm>
         </p:spPr>
         <p:txBody>
@@ -13934,23 +14370,15 @@
               <a:rPr lang="nl-NL" sz="2400" dirty="0" err="1" smtClean="0"/>
               <a:t>transformations</a:t>
             </a:r>
-            <a:r>
-              <a:rPr lang="nl-NL" sz="2400" dirty="0" smtClean="0"/>
-              <a:t> are a kind of </a:t>
-            </a:r>
-            <a:r>
-              <a:rPr lang="nl-NL" sz="2400" b="1" dirty="0" smtClean="0"/>
-              <a:t>feature engineering</a:t>
-            </a:r>
+            <a:endParaRPr lang="nl-NL" sz="2400" dirty="0"/>
+          </a:p>
+          <a:p>
             <a:endParaRPr lang="nl-NL" sz="2400" dirty="0" smtClean="0"/>
           </a:p>
           <a:p>
-            <a:endParaRPr lang="nl-NL" sz="2400" dirty="0"/>
-          </a:p>
-          <a:p>
             <a:r>
               <a:rPr lang="nl-NL" sz="2400" dirty="0" err="1" smtClean="0"/>
-              <a:t>You</a:t>
+              <a:t>Recap</a:t>
             </a:r>
             <a:r>
               <a:rPr lang="nl-NL" sz="2400" dirty="0" smtClean="0"/>
@@ -13958,196 +14386,83 @@
             </a:r>
             <a:r>
               <a:rPr lang="nl-NL" sz="2400" dirty="0" err="1" smtClean="0"/>
-              <a:t>transform</a:t>
+              <a:t>and</a:t>
             </a:r>
             <a:r>
               <a:rPr lang="nl-NL" sz="2400" dirty="0" smtClean="0"/>
-              <a:t> information the </a:t>
+              <a:t> </a:t>
+            </a:r>
+            <a:r>
+              <a:rPr lang="nl-NL" sz="2400" dirty="0" err="1" smtClean="0"/>
+              <a:t>recap</a:t>
+            </a:r>
+            <a:r>
+              <a:rPr lang="nl-NL" sz="2400" dirty="0" smtClean="0"/>
+              <a:t> </a:t>
+            </a:r>
+            <a:r>
+              <a:rPr lang="nl-NL" sz="2400" dirty="0" err="1" smtClean="0"/>
+              <a:t>exercise</a:t>
+            </a:r>
+            <a:endParaRPr lang="nl-NL" sz="2400" dirty="0"/>
+          </a:p>
+          <a:p>
+            <a:endParaRPr lang="nl-NL" sz="2400" dirty="0" smtClean="0"/>
+          </a:p>
+          <a:p>
+            <a:r>
+              <a:rPr lang="nl-NL" sz="2400" dirty="0" smtClean="0"/>
+              <a:t>Machine </a:t>
+            </a:r>
+            <a:r>
+              <a:rPr lang="nl-NL" sz="2400" dirty="0" err="1" smtClean="0"/>
+              <a:t>learning</a:t>
+            </a:r>
+            <a:endParaRPr lang="nl-NL" sz="2400" dirty="0" smtClean="0"/>
+          </a:p>
+          <a:p>
+            <a:endParaRPr lang="nl-NL" sz="2400" dirty="0"/>
+          </a:p>
+          <a:p>
+            <a:r>
+              <a:rPr lang="nl-NL" sz="2400" i="1" dirty="0" smtClean="0"/>
+              <a:t>k</a:t>
+            </a:r>
+            <a:r>
+              <a:rPr lang="nl-NL" sz="2400" dirty="0" smtClean="0"/>
+              <a:t>-</a:t>
+            </a:r>
+            <a:r>
+              <a:rPr lang="nl-NL" sz="2400" dirty="0" err="1" smtClean="0"/>
+              <a:t>nearest</a:t>
+            </a:r>
+            <a:r>
+              <a:rPr lang="nl-NL" sz="2400" dirty="0" smtClean="0"/>
+              <a:t> </a:t>
+            </a:r>
+            <a:r>
+              <a:rPr lang="nl-NL" sz="2400" dirty="0" err="1" smtClean="0"/>
+              <a:t>neighbor</a:t>
+            </a:r>
+            <a:r>
+              <a:rPr lang="nl-NL" sz="2400" dirty="0" smtClean="0"/>
+              <a:t> </a:t>
             </a:r>
             <a:r>
               <a:rPr lang="nl-NL" sz="2400" dirty="0" err="1" smtClean="0"/>
               <a:t>algorithm</a:t>
             </a:r>
-            <a:r>
-              <a:rPr lang="nl-NL" sz="2400" dirty="0" smtClean="0"/>
-              <a:t> </a:t>
-            </a:r>
-            <a:r>
-              <a:rPr lang="nl-NL" sz="2400" dirty="0" err="1" smtClean="0"/>
-              <a:t>can’t</a:t>
-            </a:r>
-            <a:r>
-              <a:rPr lang="nl-NL" sz="2400" dirty="0" smtClean="0"/>
-              <a:t> </a:t>
-            </a:r>
-            <a:r>
-              <a:rPr lang="nl-NL" sz="2400" dirty="0" err="1" smtClean="0"/>
-              <a:t>use</a:t>
-            </a:r>
-            <a:r>
-              <a:rPr lang="nl-NL" sz="2400" dirty="0" smtClean="0"/>
-              <a:t> </a:t>
-            </a:r>
-            <a:r>
-              <a:rPr lang="nl-NL" sz="2400" dirty="0" err="1" smtClean="0"/>
-              <a:t>very</a:t>
-            </a:r>
-            <a:r>
-              <a:rPr lang="nl-NL" sz="2400" dirty="0" smtClean="0"/>
-              <a:t> well </a:t>
-            </a:r>
-            <a:r>
-              <a:rPr lang="nl-NL" sz="2400" dirty="0" err="1" smtClean="0"/>
-              <a:t>into</a:t>
-            </a:r>
-            <a:r>
-              <a:rPr lang="nl-NL" sz="2400" dirty="0" smtClean="0"/>
-              <a:t> </a:t>
-            </a:r>
-            <a:r>
-              <a:rPr lang="nl-NL" sz="2400" dirty="0" err="1" smtClean="0"/>
-              <a:t>something</a:t>
-            </a:r>
-            <a:r>
-              <a:rPr lang="nl-NL" sz="2400" dirty="0" smtClean="0"/>
-              <a:t> </a:t>
-            </a:r>
-            <a:r>
-              <a:rPr lang="nl-NL" sz="2400" dirty="0" err="1" smtClean="0"/>
-              <a:t>it</a:t>
-            </a:r>
-            <a:r>
-              <a:rPr lang="nl-NL" sz="2400" dirty="0" smtClean="0"/>
-              <a:t> </a:t>
-            </a:r>
-            <a:r>
-              <a:rPr lang="nl-NL" sz="2400" dirty="0" err="1" smtClean="0"/>
-              <a:t>can</a:t>
-            </a:r>
             <a:endParaRPr lang="nl-NL" sz="2400" dirty="0" smtClean="0"/>
           </a:p>
           <a:p>
-            <a:endParaRPr lang="nl-NL" sz="2400" dirty="0"/>
-          </a:p>
-          <a:p>
-            <a:r>
-              <a:rPr lang="nl-NL" sz="2400" dirty="0" err="1" smtClean="0"/>
-              <a:t>Example</a:t>
-            </a:r>
-            <a:r>
-              <a:rPr lang="nl-NL" sz="2400" dirty="0" smtClean="0"/>
-              <a:t>: in a </a:t>
-            </a:r>
-            <a:r>
-              <a:rPr lang="nl-NL" sz="2400" dirty="0" err="1" smtClean="0"/>
-              <a:t>linear</a:t>
-            </a:r>
-            <a:r>
-              <a:rPr lang="nl-NL" sz="2400" dirty="0" smtClean="0"/>
-              <a:t> </a:t>
-            </a:r>
-            <a:r>
-              <a:rPr lang="nl-NL" sz="2400" dirty="0" err="1" smtClean="0"/>
-              <a:t>regression</a:t>
-            </a:r>
-            <a:r>
-              <a:rPr lang="nl-NL" sz="2400" dirty="0" smtClean="0"/>
-              <a:t>, </a:t>
-            </a:r>
-            <a:r>
-              <a:rPr lang="nl-NL" sz="2400" dirty="0" err="1" smtClean="0"/>
-              <a:t>how</a:t>
-            </a:r>
-            <a:r>
-              <a:rPr lang="nl-NL" sz="2400" dirty="0" smtClean="0"/>
-              <a:t> </a:t>
-            </a:r>
-            <a:r>
-              <a:rPr lang="nl-NL" sz="2400" dirty="0" err="1" smtClean="0"/>
-              <a:t>would</a:t>
-            </a:r>
-            <a:r>
-              <a:rPr lang="nl-NL" sz="2400" dirty="0" smtClean="0"/>
-              <a:t> </a:t>
-            </a:r>
-            <a:r>
-              <a:rPr lang="nl-NL" sz="2400" dirty="0" err="1" smtClean="0"/>
-              <a:t>you</a:t>
-            </a:r>
-            <a:r>
-              <a:rPr lang="nl-NL" sz="2400" dirty="0" smtClean="0"/>
-              <a:t> </a:t>
-            </a:r>
-            <a:r>
-              <a:rPr lang="nl-NL" sz="2400" dirty="0" err="1" smtClean="0"/>
-              <a:t>predict</a:t>
-            </a:r>
-            <a:r>
-              <a:rPr lang="nl-NL" sz="2400" dirty="0" smtClean="0"/>
-              <a:t> traffic jams (km/</a:t>
-            </a:r>
-            <a:r>
-              <a:rPr lang="nl-NL" sz="2400" dirty="0" err="1" smtClean="0"/>
-              <a:t>year</a:t>
-            </a:r>
-            <a:r>
-              <a:rPr lang="nl-NL" sz="2400" dirty="0" smtClean="0"/>
-              <a:t>) in a country from:</a:t>
-            </a:r>
-          </a:p>
-          <a:p>
-            <a:pPr lvl="1"/>
-            <a:r>
-              <a:rPr lang="nl-NL" sz="2200" dirty="0" err="1" smtClean="0"/>
-              <a:t>Population</a:t>
-            </a:r>
-            <a:r>
-              <a:rPr lang="nl-NL" sz="2200" dirty="0" smtClean="0"/>
-              <a:t> (</a:t>
-            </a:r>
-            <a:r>
-              <a:rPr lang="nl-NL" sz="2200" dirty="0" err="1" smtClean="0"/>
-              <a:t>millions</a:t>
-            </a:r>
-            <a:r>
-              <a:rPr lang="nl-NL" sz="2200" dirty="0" smtClean="0"/>
-              <a:t> of </a:t>
-            </a:r>
-            <a:r>
-              <a:rPr lang="nl-NL" sz="2200" dirty="0" err="1" smtClean="0"/>
-              <a:t>inhabitants</a:t>
-            </a:r>
-            <a:r>
-              <a:rPr lang="nl-NL" sz="2200" dirty="0" smtClean="0"/>
-              <a:t>)</a:t>
-            </a:r>
-          </a:p>
-          <a:p>
-            <a:pPr lvl="1"/>
-            <a:r>
-              <a:rPr lang="nl-NL" sz="2200" dirty="0" smtClean="0"/>
-              <a:t>Land area (km</a:t>
-            </a:r>
-            <a:r>
-              <a:rPr lang="nl-NL" sz="2200" baseline="30000" dirty="0" smtClean="0"/>
-              <a:t>2</a:t>
-            </a:r>
-            <a:r>
-              <a:rPr lang="nl-NL" sz="2200" dirty="0"/>
-              <a:t>)</a:t>
-            </a:r>
-            <a:r>
-              <a:rPr lang="nl-NL" sz="2200" dirty="0" smtClean="0"/>
-              <a:t>    </a:t>
-            </a:r>
-            <a:endParaRPr lang="nl-NL" sz="2200" dirty="0"/>
+            <a:endParaRPr lang="nl-NL" sz="2400" i="1" dirty="0"/>
           </a:p>
         </p:txBody>
       </p:sp>
     </p:spTree>
     <p:extLst>
       <p:ext uri="{BB962C8B-B14F-4D97-AF65-F5344CB8AC3E}">
-        <p14:creationId xmlns:p14="http://schemas.microsoft.com/office/powerpoint/2010/main" val="1147318298"/>
+        <p14:creationId xmlns:p14="http://schemas.microsoft.com/office/powerpoint/2010/main" val="3051507533"/>
       </p:ext>
     </p:extLst>
   </p:cSld>
@@ -14197,6 +14512,316 @@
           <a:lstStyle/>
           <a:p>
             <a:r>
+              <a:rPr lang="nl-NL" dirty="0" err="1" smtClean="0"/>
+              <a:t>Variable</a:t>
+            </a:r>
+            <a:r>
+              <a:rPr lang="nl-NL" dirty="0" smtClean="0"/>
+              <a:t> </a:t>
+            </a:r>
+            <a:r>
+              <a:rPr lang="nl-NL" dirty="0" err="1" smtClean="0"/>
+              <a:t>transformations</a:t>
+            </a:r>
+            <a:endParaRPr lang="nl-NL" dirty="0"/>
+          </a:p>
+        </p:txBody>
+      </p:sp>
+      <p:sp>
+        <p:nvSpPr>
+          <p:cNvPr id="3" name="Tijdelijke aanduiding voor inhoud 2"/>
+          <p:cNvSpPr>
+            <a:spLocks noGrp="1"/>
+          </p:cNvSpPr>
+          <p:nvPr>
+            <p:ph idx="1"/>
+          </p:nvPr>
+        </p:nvSpPr>
+        <p:spPr>
+          <a:xfrm>
+            <a:off x="762000" y="1762125"/>
+            <a:ext cx="7881938" cy="4154984"/>
+          </a:xfrm>
+        </p:spPr>
+        <p:txBody>
+          <a:bodyPr/>
+          <a:lstStyle/>
+          <a:p>
+            <a:r>
+              <a:rPr lang="nl-NL" sz="2400" dirty="0" err="1" smtClean="0"/>
+              <a:t>Variable</a:t>
+            </a:r>
+            <a:r>
+              <a:rPr lang="nl-NL" sz="2400" dirty="0" smtClean="0"/>
+              <a:t> </a:t>
+            </a:r>
+            <a:r>
+              <a:rPr lang="nl-NL" sz="2400" dirty="0" err="1" smtClean="0"/>
+              <a:t>transformations</a:t>
+            </a:r>
+            <a:r>
+              <a:rPr lang="nl-NL" sz="2400" dirty="0" smtClean="0"/>
+              <a:t> are a kind of </a:t>
+            </a:r>
+            <a:r>
+              <a:rPr lang="nl-NL" sz="2400" b="1" dirty="0" smtClean="0"/>
+              <a:t>feature engineering</a:t>
+            </a:r>
+            <a:endParaRPr lang="nl-NL" sz="2400" dirty="0" smtClean="0"/>
+          </a:p>
+          <a:p>
+            <a:endParaRPr lang="nl-NL" sz="2400" dirty="0"/>
+          </a:p>
+          <a:p>
+            <a:r>
+              <a:rPr lang="nl-NL" sz="2400" dirty="0" err="1" smtClean="0"/>
+              <a:t>You</a:t>
+            </a:r>
+            <a:r>
+              <a:rPr lang="nl-NL" sz="2400" dirty="0" smtClean="0"/>
+              <a:t> </a:t>
+            </a:r>
+            <a:r>
+              <a:rPr lang="nl-NL" sz="2400" dirty="0" err="1" smtClean="0"/>
+              <a:t>transform</a:t>
+            </a:r>
+            <a:r>
+              <a:rPr lang="nl-NL" sz="2400" dirty="0" smtClean="0"/>
+              <a:t> information the </a:t>
+            </a:r>
+            <a:r>
+              <a:rPr lang="nl-NL" sz="2400" dirty="0" err="1" smtClean="0"/>
+              <a:t>algorithm</a:t>
+            </a:r>
+            <a:r>
+              <a:rPr lang="nl-NL" sz="2400" dirty="0" smtClean="0"/>
+              <a:t> </a:t>
+            </a:r>
+            <a:r>
+              <a:rPr lang="nl-NL" sz="2400" dirty="0" err="1" smtClean="0"/>
+              <a:t>can’t</a:t>
+            </a:r>
+            <a:r>
+              <a:rPr lang="nl-NL" sz="2400" dirty="0" smtClean="0"/>
+              <a:t> </a:t>
+            </a:r>
+            <a:r>
+              <a:rPr lang="nl-NL" sz="2400" dirty="0" err="1" smtClean="0"/>
+              <a:t>use</a:t>
+            </a:r>
+            <a:r>
+              <a:rPr lang="nl-NL" sz="2400" dirty="0" smtClean="0"/>
+              <a:t> </a:t>
+            </a:r>
+            <a:r>
+              <a:rPr lang="nl-NL" sz="2400" dirty="0" err="1" smtClean="0"/>
+              <a:t>very</a:t>
+            </a:r>
+            <a:r>
+              <a:rPr lang="nl-NL" sz="2400" dirty="0" smtClean="0"/>
+              <a:t> well </a:t>
+            </a:r>
+            <a:r>
+              <a:rPr lang="nl-NL" sz="2400" dirty="0" err="1" smtClean="0"/>
+              <a:t>into</a:t>
+            </a:r>
+            <a:r>
+              <a:rPr lang="nl-NL" sz="2400" dirty="0" smtClean="0"/>
+              <a:t> </a:t>
+            </a:r>
+            <a:r>
+              <a:rPr lang="nl-NL" sz="2400" dirty="0" err="1" smtClean="0"/>
+              <a:t>something</a:t>
+            </a:r>
+            <a:r>
+              <a:rPr lang="nl-NL" sz="2400" dirty="0" smtClean="0"/>
+              <a:t> </a:t>
+            </a:r>
+            <a:r>
+              <a:rPr lang="nl-NL" sz="2400" dirty="0" err="1" smtClean="0"/>
+              <a:t>it</a:t>
+            </a:r>
+            <a:r>
+              <a:rPr lang="nl-NL" sz="2400" dirty="0" smtClean="0"/>
+              <a:t> </a:t>
+            </a:r>
+            <a:r>
+              <a:rPr lang="nl-NL" sz="2400" dirty="0" err="1" smtClean="0"/>
+              <a:t>can</a:t>
+            </a:r>
+            <a:endParaRPr lang="nl-NL" sz="2400" dirty="0" smtClean="0"/>
+          </a:p>
+          <a:p>
+            <a:endParaRPr lang="nl-NL" sz="2400" dirty="0"/>
+          </a:p>
+          <a:p>
+            <a:r>
+              <a:rPr lang="nl-NL" sz="2400" dirty="0" err="1" smtClean="0"/>
+              <a:t>Example</a:t>
+            </a:r>
+            <a:r>
+              <a:rPr lang="nl-NL" sz="2400" dirty="0" smtClean="0"/>
+              <a:t>: in a </a:t>
+            </a:r>
+            <a:r>
+              <a:rPr lang="nl-NL" sz="2400" dirty="0" err="1" smtClean="0"/>
+              <a:t>linear</a:t>
+            </a:r>
+            <a:r>
+              <a:rPr lang="nl-NL" sz="2400" dirty="0" smtClean="0"/>
+              <a:t> </a:t>
+            </a:r>
+            <a:r>
+              <a:rPr lang="nl-NL" sz="2400" dirty="0" err="1" smtClean="0"/>
+              <a:t>regression</a:t>
+            </a:r>
+            <a:r>
+              <a:rPr lang="nl-NL" sz="2400" dirty="0" smtClean="0"/>
+              <a:t>, </a:t>
+            </a:r>
+            <a:r>
+              <a:rPr lang="nl-NL" sz="2400" dirty="0" err="1" smtClean="0"/>
+              <a:t>how</a:t>
+            </a:r>
+            <a:r>
+              <a:rPr lang="nl-NL" sz="2400" dirty="0" smtClean="0"/>
+              <a:t> </a:t>
+            </a:r>
+            <a:r>
+              <a:rPr lang="nl-NL" sz="2400" dirty="0" err="1" smtClean="0"/>
+              <a:t>would</a:t>
+            </a:r>
+            <a:r>
+              <a:rPr lang="nl-NL" sz="2400" dirty="0" smtClean="0"/>
+              <a:t> </a:t>
+            </a:r>
+            <a:r>
+              <a:rPr lang="nl-NL" sz="2400" dirty="0" err="1" smtClean="0"/>
+              <a:t>you</a:t>
+            </a:r>
+            <a:r>
+              <a:rPr lang="nl-NL" sz="2400" dirty="0" smtClean="0"/>
+              <a:t> </a:t>
+            </a:r>
+            <a:r>
+              <a:rPr lang="nl-NL" sz="2400" dirty="0" err="1" smtClean="0"/>
+              <a:t>predict</a:t>
+            </a:r>
+            <a:r>
+              <a:rPr lang="nl-NL" sz="2400" dirty="0" smtClean="0"/>
+              <a:t> traffic jams (km/</a:t>
+            </a:r>
+            <a:r>
+              <a:rPr lang="nl-NL" sz="2400" dirty="0" err="1" smtClean="0"/>
+              <a:t>year</a:t>
+            </a:r>
+            <a:r>
+              <a:rPr lang="nl-NL" sz="2400" dirty="0" smtClean="0"/>
+              <a:t>) in a country from:</a:t>
+            </a:r>
+          </a:p>
+          <a:p>
+            <a:pPr lvl="1"/>
+            <a:r>
+              <a:rPr lang="nl-NL" sz="2200" dirty="0" err="1" smtClean="0"/>
+              <a:t>Population</a:t>
+            </a:r>
+            <a:r>
+              <a:rPr lang="nl-NL" sz="2200" dirty="0" smtClean="0"/>
+              <a:t> (</a:t>
+            </a:r>
+            <a:r>
+              <a:rPr lang="nl-NL" sz="2200" dirty="0" err="1" smtClean="0"/>
+              <a:t>millions</a:t>
+            </a:r>
+            <a:r>
+              <a:rPr lang="nl-NL" sz="2200" dirty="0" smtClean="0"/>
+              <a:t> of </a:t>
+            </a:r>
+            <a:r>
+              <a:rPr lang="nl-NL" sz="2200" dirty="0" err="1" smtClean="0"/>
+              <a:t>inhabitants</a:t>
+            </a:r>
+            <a:r>
+              <a:rPr lang="nl-NL" sz="2200" dirty="0" smtClean="0"/>
+              <a:t>)</a:t>
+            </a:r>
+          </a:p>
+          <a:p>
+            <a:pPr lvl="1"/>
+            <a:r>
+              <a:rPr lang="nl-NL" sz="2200" dirty="0" smtClean="0"/>
+              <a:t>Land area (km</a:t>
+            </a:r>
+            <a:r>
+              <a:rPr lang="nl-NL" sz="2200" baseline="30000" dirty="0" smtClean="0"/>
+              <a:t>2</a:t>
+            </a:r>
+            <a:r>
+              <a:rPr lang="nl-NL" sz="2200" dirty="0"/>
+              <a:t>)</a:t>
+            </a:r>
+            <a:r>
+              <a:rPr lang="nl-NL" sz="2200" dirty="0" smtClean="0"/>
+              <a:t>    </a:t>
+            </a:r>
+            <a:endParaRPr lang="nl-NL" sz="2200" dirty="0"/>
+          </a:p>
+        </p:txBody>
+      </p:sp>
+    </p:spTree>
+    <p:extLst>
+      <p:ext uri="{BB962C8B-B14F-4D97-AF65-F5344CB8AC3E}">
+        <p14:creationId xmlns:p14="http://schemas.microsoft.com/office/powerpoint/2010/main" val="1147318298"/>
+      </p:ext>
+    </p:extLst>
+  </p:cSld>
+  <p:clrMapOvr>
+    <a:masterClrMapping/>
+  </p:clrMapOvr>
+  <p:timing>
+    <p:tnLst>
+      <p:par>
+        <p:cTn id="1" dur="indefinite" restart="never" nodeType="tmRoot"/>
+      </p:par>
+    </p:tnLst>
+  </p:timing>
+</p:sld>
+</file>
+
+<file path=ppt/slides/slide6.xml><?xml version="1.0" encoding="utf-8"?>
+<p:sld xmlns:a="http://schemas.openxmlformats.org/drawingml/2006/main" xmlns:r="http://schemas.openxmlformats.org/officeDocument/2006/relationships" xmlns:p="http://schemas.openxmlformats.org/presentationml/2006/main">
+  <p:cSld>
+    <p:spTree>
+      <p:nvGrpSpPr>
+        <p:cNvPr id="1" name=""/>
+        <p:cNvGrpSpPr/>
+        <p:nvPr/>
+      </p:nvGrpSpPr>
+      <p:grpSpPr>
+        <a:xfrm>
+          <a:off x="0" y="0"/>
+          <a:ext cx="0" cy="0"/>
+          <a:chOff x="0" y="0"/>
+          <a:chExt cx="0" cy="0"/>
+        </a:xfrm>
+      </p:grpSpPr>
+      <p:sp>
+        <p:nvSpPr>
+          <p:cNvPr id="2" name="Titel 1"/>
+          <p:cNvSpPr>
+            <a:spLocks noGrp="1"/>
+          </p:cNvSpPr>
+          <p:nvPr>
+            <p:ph type="title"/>
+          </p:nvPr>
+        </p:nvSpPr>
+        <p:spPr/>
+        <p:txBody>
+          <a:bodyPr/>
+          <a:lstStyle/>
+          <a:p>
+            <a:r>
               <a:rPr lang="nl-NL" dirty="0" smtClean="0"/>
               <a:t>Log </a:t>
             </a:r>
@@ -14367,7 +14992,7 @@
 </p:sld>
 </file>
 
-<file path=ppt/slides/slide6.xml><?xml version="1.0" encoding="utf-8"?>
+<file path=ppt/slides/slide7.xml><?xml version="1.0" encoding="utf-8"?>
 <p:sld xmlns:a="http://schemas.openxmlformats.org/drawingml/2006/main" xmlns:r="http://schemas.openxmlformats.org/officeDocument/2006/relationships" xmlns:p="http://schemas.openxmlformats.org/presentationml/2006/main">
   <p:cSld>
     <p:spTree>
@@ -14744,187 +15369,6 @@
 </p:sld>
 </file>
 
-<file path=ppt/slides/slide7.xml><?xml version="1.0" encoding="utf-8"?>
-<p:sld xmlns:a="http://schemas.openxmlformats.org/drawingml/2006/main" xmlns:r="http://schemas.openxmlformats.org/officeDocument/2006/relationships" xmlns:p="http://schemas.openxmlformats.org/presentationml/2006/main">
-  <p:cSld>
-    <p:spTree>
-      <p:nvGrpSpPr>
-        <p:cNvPr id="1" name=""/>
-        <p:cNvGrpSpPr/>
-        <p:nvPr/>
-      </p:nvGrpSpPr>
-      <p:grpSpPr>
-        <a:xfrm>
-          <a:off x="0" y="0"/>
-          <a:ext cx="0" cy="0"/>
-          <a:chOff x="0" y="0"/>
-          <a:chExt cx="0" cy="0"/>
-        </a:xfrm>
-      </p:grpSpPr>
-      <p:sp>
-        <p:nvSpPr>
-          <p:cNvPr id="2" name="Titel 1"/>
-          <p:cNvSpPr>
-            <a:spLocks noGrp="1"/>
-          </p:cNvSpPr>
-          <p:nvPr>
-            <p:ph type="title"/>
-          </p:nvPr>
-        </p:nvSpPr>
-        <p:spPr/>
-        <p:txBody>
-          <a:bodyPr/>
-          <a:lstStyle/>
-          <a:p>
-            <a:r>
-              <a:rPr lang="nl-NL" dirty="0" smtClean="0"/>
-              <a:t>Topics</a:t>
-            </a:r>
-            <a:endParaRPr lang="nl-NL" dirty="0"/>
-          </a:p>
-        </p:txBody>
-      </p:sp>
-      <p:sp>
-        <p:nvSpPr>
-          <p:cNvPr id="3" name="Tijdelijke aanduiding voor inhoud 2"/>
-          <p:cNvSpPr>
-            <a:spLocks noGrp="1"/>
-          </p:cNvSpPr>
-          <p:nvPr>
-            <p:ph idx="1"/>
-          </p:nvPr>
-        </p:nvSpPr>
-        <p:spPr>
-          <a:xfrm>
-            <a:off x="762000" y="1762125"/>
-            <a:ext cx="7881938" cy="3564053"/>
-          </a:xfrm>
-        </p:spPr>
-        <p:txBody>
-          <a:bodyPr/>
-          <a:lstStyle/>
-          <a:p>
-            <a:r>
-              <a:rPr lang="nl-NL" sz="2400" dirty="0" err="1" smtClean="0"/>
-              <a:t>Variable</a:t>
-            </a:r>
-            <a:r>
-              <a:rPr lang="nl-NL" sz="2400" dirty="0" smtClean="0"/>
-              <a:t> </a:t>
-            </a:r>
-            <a:r>
-              <a:rPr lang="nl-NL" sz="2400" dirty="0" err="1" smtClean="0"/>
-              <a:t>transformations</a:t>
-            </a:r>
-            <a:endParaRPr lang="nl-NL" sz="2400" dirty="0"/>
-          </a:p>
-          <a:p>
-            <a:endParaRPr lang="nl-NL" sz="2400" dirty="0" smtClean="0"/>
-          </a:p>
-          <a:p>
-            <a:r>
-              <a:rPr lang="nl-NL" sz="2400" dirty="0" err="1" smtClean="0"/>
-              <a:t>Recap</a:t>
-            </a:r>
-            <a:r>
-              <a:rPr lang="nl-NL" sz="2400" dirty="0" smtClean="0"/>
-              <a:t> </a:t>
-            </a:r>
-            <a:r>
-              <a:rPr lang="nl-NL" sz="2400" dirty="0" err="1" smtClean="0"/>
-              <a:t>and</a:t>
-            </a:r>
-            <a:r>
-              <a:rPr lang="nl-NL" sz="2400" dirty="0" smtClean="0"/>
-              <a:t> </a:t>
-            </a:r>
-            <a:r>
-              <a:rPr lang="nl-NL" sz="2400" dirty="0" err="1" smtClean="0"/>
-              <a:t>recap</a:t>
-            </a:r>
-            <a:r>
-              <a:rPr lang="nl-NL" sz="2400" dirty="0" smtClean="0"/>
-              <a:t> </a:t>
-            </a:r>
-            <a:r>
-              <a:rPr lang="nl-NL" sz="2400" dirty="0" err="1" smtClean="0"/>
-              <a:t>exercise</a:t>
-            </a:r>
-            <a:endParaRPr lang="nl-NL" sz="2400" dirty="0"/>
-          </a:p>
-          <a:p>
-            <a:endParaRPr lang="nl-NL" sz="2400" dirty="0" smtClean="0"/>
-          </a:p>
-          <a:p>
-            <a:r>
-              <a:rPr lang="nl-NL" sz="2400" dirty="0" smtClean="0"/>
-              <a:t>Machine </a:t>
-            </a:r>
-            <a:r>
-              <a:rPr lang="nl-NL" sz="2400" dirty="0" err="1" smtClean="0"/>
-              <a:t>learning</a:t>
-            </a:r>
-            <a:endParaRPr lang="nl-NL" sz="2400" dirty="0" smtClean="0"/>
-          </a:p>
-          <a:p>
-            <a:endParaRPr lang="nl-NL" sz="2400" dirty="0"/>
-          </a:p>
-          <a:p>
-            <a:r>
-              <a:rPr lang="nl-NL" sz="2400" i="1" dirty="0" smtClean="0"/>
-              <a:t>k</a:t>
-            </a:r>
-            <a:r>
-              <a:rPr lang="nl-NL" sz="2400" dirty="0" smtClean="0"/>
-              <a:t>-</a:t>
-            </a:r>
-            <a:r>
-              <a:rPr lang="nl-NL" sz="2400" dirty="0" err="1" smtClean="0"/>
-              <a:t>nearest</a:t>
-            </a:r>
-            <a:r>
-              <a:rPr lang="nl-NL" sz="2400" dirty="0" smtClean="0"/>
-              <a:t> </a:t>
-            </a:r>
-            <a:r>
-              <a:rPr lang="nl-NL" sz="2400" dirty="0" err="1" smtClean="0"/>
-              <a:t>neighbor</a:t>
-            </a:r>
-            <a:r>
-              <a:rPr lang="nl-NL" sz="2400" dirty="0" smtClean="0"/>
-              <a:t> </a:t>
-            </a:r>
-            <a:r>
-              <a:rPr lang="nl-NL" sz="2400" dirty="0" err="1" smtClean="0"/>
-              <a:t>algorithm</a:t>
-            </a:r>
-            <a:endParaRPr lang="nl-NL" sz="2400" dirty="0" smtClean="0"/>
-          </a:p>
-          <a:p>
-            <a:endParaRPr lang="nl-NL" sz="2400" i="1" dirty="0"/>
-          </a:p>
-        </p:txBody>
-      </p:sp>
-    </p:spTree>
-    <p:extLst>
-      <p:ext uri="{BB962C8B-B14F-4D97-AF65-F5344CB8AC3E}">
-        <p14:creationId xmlns:p14="http://schemas.microsoft.com/office/powerpoint/2010/main" val="1458523428"/>
-      </p:ext>
-    </p:extLst>
-  </p:cSld>
-  <p:clrMapOvr>
-    <a:masterClrMapping/>
-  </p:clrMapOvr>
-  <p:timing>
-    <p:tnLst>
-      <p:par>
-        <p:cTn id="1" dur="indefinite" restart="never" nodeType="tmRoot"/>
-      </p:par>
-    </p:tnLst>
-  </p:timing>
-</p:sld>
-</file>
-
 <file path=ppt/slides/slide8.xml><?xml version="1.0" encoding="utf-8"?>
 <p:sld xmlns:a="http://schemas.openxmlformats.org/drawingml/2006/main" xmlns:r="http://schemas.openxmlformats.org/officeDocument/2006/relationships" xmlns:p="http://schemas.openxmlformats.org/presentationml/2006/main">
   <p:cSld>
@@ -14959,23 +15403,7 @@
           <a:p>
             <a:r>
               <a:rPr lang="nl-NL" dirty="0" smtClean="0"/>
-              <a:t>As a data </a:t>
-            </a:r>
-            <a:r>
-              <a:rPr lang="nl-NL" dirty="0" err="1" smtClean="0"/>
-              <a:t>scientist</a:t>
-            </a:r>
-            <a:r>
-              <a:rPr lang="nl-NL" dirty="0" smtClean="0"/>
-              <a:t>, </a:t>
-            </a:r>
-            <a:r>
-              <a:rPr lang="nl-NL" dirty="0" err="1" smtClean="0"/>
-              <a:t>you</a:t>
-            </a:r>
-            <a:r>
-              <a:rPr lang="nl-NL" dirty="0" smtClean="0"/>
-              <a:t>…</a:t>
+              <a:t>Topics</a:t>
             </a:r>
             <a:endParaRPr lang="nl-NL" dirty="0"/>
           </a:p>
@@ -14994,7 +15422,7 @@
         <p:spPr>
           <a:xfrm>
             <a:off x="762000" y="1762125"/>
-            <a:ext cx="7881938" cy="5041380"/>
+            <a:ext cx="7881938" cy="3564053"/>
           </a:xfrm>
         </p:spPr>
         <p:txBody>
@@ -15002,8 +15430,30 @@
           <a:lstStyle/>
           <a:p>
             <a:r>
+              <a:rPr lang="nl-NL" sz="2400" dirty="0" err="1" smtClean="0"/>
+              <a:t>Variable</a:t>
+            </a:r>
+            <a:r>
               <a:rPr lang="nl-NL" sz="2400" dirty="0" smtClean="0"/>
-              <a:t>Clean </a:t>
+              <a:t> </a:t>
+            </a:r>
+            <a:r>
+              <a:rPr lang="nl-NL" sz="2400" dirty="0" err="1" smtClean="0"/>
+              <a:t>transformations</a:t>
+            </a:r>
+            <a:endParaRPr lang="nl-NL" sz="2400" dirty="0"/>
+          </a:p>
+          <a:p>
+            <a:endParaRPr lang="nl-NL" sz="2400" dirty="0" smtClean="0"/>
+          </a:p>
+          <a:p>
+            <a:r>
+              <a:rPr lang="nl-NL" sz="2400" dirty="0" err="1" smtClean="0"/>
+              <a:t>Recap</a:t>
+            </a:r>
+            <a:r>
+              <a:rPr lang="nl-NL" sz="2400" dirty="0" smtClean="0"/>
+              <a:t> </a:t>
             </a:r>
             <a:r>
               <a:rPr lang="nl-NL" sz="2400" dirty="0" err="1" smtClean="0"/>
@@ -15015,24 +15465,7 @@
             </a:r>
             <a:r>
               <a:rPr lang="nl-NL" sz="2400" dirty="0" err="1" smtClean="0"/>
-              <a:t>explore</a:t>
-            </a:r>
-            <a:r>
-              <a:rPr lang="nl-NL" sz="2400" dirty="0" smtClean="0"/>
-              <a:t> data</a:t>
-            </a:r>
-          </a:p>
-          <a:p>
-            <a:endParaRPr lang="nl-NL" sz="2400" dirty="0"/>
-          </a:p>
-          <a:p>
-            <a:r>
-              <a:rPr lang="nl-NL" sz="2400" dirty="0" smtClean="0"/>
-              <a:t>Look </a:t>
-            </a:r>
-            <a:r>
-              <a:rPr lang="nl-NL" sz="2400" dirty="0" err="1" smtClean="0"/>
-              <a:t>for</a:t>
+              <a:t>recap</a:t>
             </a:r>
             <a:r>
               <a:rPr lang="nl-NL" sz="2400" dirty="0" smtClean="0"/>
@@ -15040,69 +15473,39 @@
             </a:r>
             <a:r>
               <a:rPr lang="nl-NL" sz="2400" dirty="0" err="1" smtClean="0"/>
-              <a:t>patterns</a:t>
-            </a:r>
+              <a:t>exercise</a:t>
+            </a:r>
+            <a:endParaRPr lang="nl-NL" sz="2400" dirty="0"/>
+          </a:p>
+          <a:p>
+            <a:endParaRPr lang="nl-NL" sz="2400" dirty="0" smtClean="0"/>
+          </a:p>
+          <a:p>
             <a:r>
               <a:rPr lang="nl-NL" sz="2400" dirty="0" smtClean="0"/>
-              <a:t> in data, </a:t>
+              <a:t>Machine </a:t>
             </a:r>
             <a:r>
               <a:rPr lang="nl-NL" sz="2400" dirty="0" err="1" smtClean="0"/>
-              <a:t>investigate</a:t>
+              <a:t>learning</a:t>
+            </a:r>
+            <a:endParaRPr lang="nl-NL" sz="2400" dirty="0" smtClean="0"/>
+          </a:p>
+          <a:p>
+            <a:endParaRPr lang="nl-NL" sz="2400" dirty="0"/>
+          </a:p>
+          <a:p>
+            <a:r>
+              <a:rPr lang="nl-NL" sz="2400" i="1" dirty="0" smtClean="0"/>
+              <a:t>k</a:t>
             </a:r>
             <a:r>
               <a:rPr lang="nl-NL" sz="2400" dirty="0" smtClean="0"/>
-              <a:t> relations, e.g.</a:t>
-            </a:r>
-          </a:p>
-          <a:p>
-            <a:pPr lvl="1"/>
-            <a:r>
-              <a:rPr lang="nl-NL" sz="2200" dirty="0" err="1" smtClean="0"/>
-              <a:t>Find</a:t>
-            </a:r>
-            <a:r>
-              <a:rPr lang="nl-NL" sz="2200" dirty="0" smtClean="0"/>
-              <a:t> types of users </a:t>
-            </a:r>
-            <a:r>
-              <a:rPr lang="nl-NL" sz="2200" dirty="0" err="1" smtClean="0"/>
-              <a:t>that</a:t>
-            </a:r>
-            <a:r>
-              <a:rPr lang="nl-NL" sz="2200" dirty="0" smtClean="0"/>
-              <a:t> </a:t>
-            </a:r>
-            <a:r>
-              <a:rPr lang="nl-NL" sz="2200" dirty="0" err="1" smtClean="0"/>
-              <a:t>use</a:t>
-            </a:r>
-            <a:r>
-              <a:rPr lang="nl-NL" sz="2200" dirty="0" smtClean="0"/>
-              <a:t> </a:t>
-            </a:r>
-            <a:r>
-              <a:rPr lang="nl-NL" sz="2200" dirty="0" err="1" smtClean="0"/>
-              <a:t>your</a:t>
-            </a:r>
-            <a:r>
-              <a:rPr lang="nl-NL" sz="2200" dirty="0" smtClean="0"/>
-              <a:t> website </a:t>
-            </a:r>
-            <a:r>
-              <a:rPr lang="nl-NL" sz="2200" dirty="0" err="1" smtClean="0"/>
-              <a:t>differently</a:t>
-            </a:r>
-            <a:endParaRPr lang="nl-NL" sz="2200" dirty="0" smtClean="0"/>
-          </a:p>
-          <a:p>
-            <a:pPr lvl="1"/>
-            <a:endParaRPr lang="nl-NL" sz="2200" dirty="0" smtClean="0"/>
-          </a:p>
-          <a:p>
+              <a:t>-</a:t>
+            </a:r>
             <a:r>
               <a:rPr lang="nl-NL" sz="2400" dirty="0" err="1" smtClean="0"/>
-              <a:t>Build</a:t>
+              <a:t>nearest</a:t>
             </a:r>
             <a:r>
               <a:rPr lang="nl-NL" sz="2400" dirty="0" smtClean="0"/>
@@ -15110,7 +15513,7 @@
             </a:r>
             <a:r>
               <a:rPr lang="nl-NL" sz="2400" dirty="0" err="1" smtClean="0"/>
-              <a:t>statistical</a:t>
+              <a:t>neighbor</a:t>
             </a:r>
             <a:r>
               <a:rPr lang="nl-NL" sz="2400" dirty="0" smtClean="0"/>
@@ -15118,143 +15521,19 @@
             </a:r>
             <a:r>
               <a:rPr lang="nl-NL" sz="2400" dirty="0" err="1" smtClean="0"/>
-              <a:t>models</a:t>
-            </a:r>
-            <a:r>
-              <a:rPr lang="nl-NL" sz="2400" dirty="0" smtClean="0"/>
-              <a:t> </a:t>
-            </a:r>
-            <a:r>
-              <a:rPr lang="nl-NL" sz="2400" dirty="0" err="1" smtClean="0"/>
-              <a:t>to</a:t>
-            </a:r>
-            <a:r>
-              <a:rPr lang="nl-NL" sz="2400" dirty="0" smtClean="0"/>
-              <a:t> make </a:t>
-            </a:r>
-            <a:r>
-              <a:rPr lang="nl-NL" sz="2400" dirty="0" err="1" smtClean="0"/>
-              <a:t>predictions</a:t>
-            </a:r>
-            <a:r>
-              <a:rPr lang="nl-NL" sz="2400" dirty="0" smtClean="0"/>
-              <a:t> </a:t>
-            </a:r>
-            <a:r>
-              <a:rPr lang="nl-NL" sz="2400" dirty="0" err="1" smtClean="0"/>
-              <a:t>to</a:t>
-            </a:r>
-            <a:r>
-              <a:rPr lang="nl-NL" sz="2400" dirty="0" smtClean="0"/>
-              <a:t> </a:t>
-            </a:r>
-            <a:r>
-              <a:rPr lang="nl-NL" sz="2400" dirty="0" err="1" smtClean="0"/>
-              <a:t>add</a:t>
-            </a:r>
-            <a:r>
-              <a:rPr lang="nl-NL" sz="2400" dirty="0" smtClean="0"/>
-              <a:t> </a:t>
-            </a:r>
-            <a:r>
-              <a:rPr lang="nl-NL" sz="2400" dirty="0" err="1" smtClean="0"/>
-              <a:t>value</a:t>
-            </a:r>
-            <a:r>
-              <a:rPr lang="nl-NL" sz="2400" dirty="0" smtClean="0"/>
-              <a:t> </a:t>
-            </a:r>
-            <a:r>
-              <a:rPr lang="nl-NL" sz="2400" dirty="0" err="1" smtClean="0"/>
-              <a:t>to</a:t>
-            </a:r>
-            <a:r>
-              <a:rPr lang="nl-NL" sz="2400" dirty="0" smtClean="0"/>
-              <a:t> </a:t>
-            </a:r>
-            <a:r>
-              <a:rPr lang="nl-NL" sz="2400" dirty="0" err="1" smtClean="0"/>
-              <a:t>your</a:t>
-            </a:r>
-            <a:r>
-              <a:rPr lang="nl-NL" sz="2400" dirty="0" smtClean="0"/>
-              <a:t> </a:t>
-            </a:r>
-            <a:r>
-              <a:rPr lang="nl-NL" sz="2400" dirty="0" err="1" smtClean="0"/>
-              <a:t>organization</a:t>
-            </a:r>
-            <a:r>
-              <a:rPr lang="nl-NL" sz="2400" dirty="0" smtClean="0"/>
-              <a:t>, e.g. </a:t>
-            </a:r>
-            <a:endParaRPr lang="nl-NL" sz="2400" dirty="0"/>
-          </a:p>
-          <a:p>
-            <a:pPr lvl="1"/>
-            <a:r>
-              <a:rPr lang="nl-NL" sz="2200" dirty="0" err="1" smtClean="0"/>
-              <a:t>Predict</a:t>
-            </a:r>
-            <a:r>
-              <a:rPr lang="nl-NL" sz="2200" dirty="0" smtClean="0"/>
-              <a:t> the </a:t>
-            </a:r>
-            <a:r>
-              <a:rPr lang="nl-NL" sz="2200" dirty="0" err="1" smtClean="0"/>
-              <a:t>success</a:t>
-            </a:r>
-            <a:r>
-              <a:rPr lang="nl-NL" sz="2200" dirty="0" smtClean="0"/>
-              <a:t> of a new video ad</a:t>
-            </a:r>
-          </a:p>
-          <a:p>
-            <a:pPr lvl="1"/>
-            <a:r>
-              <a:rPr lang="nl-NL" sz="2200" dirty="0" smtClean="0"/>
-              <a:t>Approach the users most </a:t>
-            </a:r>
-            <a:r>
-              <a:rPr lang="nl-NL" sz="2200" dirty="0" err="1" smtClean="0"/>
-              <a:t>likely</a:t>
-            </a:r>
-            <a:r>
-              <a:rPr lang="nl-NL" sz="2200" dirty="0" smtClean="0"/>
-              <a:t> </a:t>
-            </a:r>
-            <a:r>
-              <a:rPr lang="nl-NL" sz="2200" dirty="0" err="1" smtClean="0"/>
-              <a:t>to</a:t>
-            </a:r>
-            <a:r>
-              <a:rPr lang="nl-NL" sz="2200" dirty="0" smtClean="0"/>
-              <a:t> make a </a:t>
-            </a:r>
-            <a:r>
-              <a:rPr lang="nl-NL" sz="2200" dirty="0" err="1" smtClean="0"/>
-              <a:t>purchase</a:t>
-            </a:r>
-            <a:endParaRPr lang="nl-NL" sz="2200" dirty="0" smtClean="0"/>
-          </a:p>
-          <a:p>
-            <a:pPr lvl="1"/>
-            <a:endParaRPr lang="nl-NL" sz="2200" dirty="0" smtClean="0"/>
-          </a:p>
-          <a:p>
-            <a:pPr lvl="1"/>
-            <a:endParaRPr lang="nl-NL" sz="2200" dirty="0" smtClean="0"/>
-          </a:p>
-          <a:p>
-            <a:pPr lvl="1"/>
-            <a:endParaRPr lang="nl-NL" sz="2400" dirty="0"/>
+              <a:t>algorithm</a:t>
+            </a:r>
+            <a:endParaRPr lang="nl-NL" sz="2400" dirty="0" smtClean="0"/>
+          </a:p>
+          <a:p>
+            <a:endParaRPr lang="nl-NL" sz="2400" i="1" dirty="0"/>
           </a:p>
         </p:txBody>
       </p:sp>
     </p:spTree>
     <p:extLst>
       <p:ext uri="{BB962C8B-B14F-4D97-AF65-F5344CB8AC3E}">
-        <p14:creationId xmlns:p14="http://schemas.microsoft.com/office/powerpoint/2010/main" val="640106718"/>
+        <p14:creationId xmlns:p14="http://schemas.microsoft.com/office/powerpoint/2010/main" val="1458523428"/>
       </p:ext>
     </p:extLst>
   </p:cSld>
@@ -15305,224 +15584,302 @@
           <a:p>
             <a:r>
               <a:rPr lang="nl-NL" dirty="0" smtClean="0"/>
-              <a:t>Data </a:t>
+              <a:t>As a data </a:t>
             </a:r>
             <a:r>
               <a:rPr lang="nl-NL" dirty="0" err="1" smtClean="0"/>
-              <a:t>exploration</a:t>
+              <a:t>scientist</a:t>
+            </a:r>
+            <a:r>
+              <a:rPr lang="nl-NL" dirty="0" smtClean="0"/>
+              <a:t>, </a:t>
+            </a:r>
+            <a:r>
+              <a:rPr lang="nl-NL" dirty="0" err="1" smtClean="0"/>
+              <a:t>you</a:t>
+            </a:r>
+            <a:r>
+              <a:rPr lang="nl-NL" dirty="0" smtClean="0"/>
+              <a:t>…</a:t>
             </a:r>
             <a:endParaRPr lang="nl-NL" dirty="0"/>
-          </a:p>
-        </p:txBody>
-      </p:sp>
-      <p:pic>
-        <p:nvPicPr>
-          <p:cNvPr id="4" name="Afbeelding 3"/>
-          <p:cNvPicPr>
-            <a:picLocks noChangeAspect="1"/>
-          </p:cNvPicPr>
-          <p:nvPr/>
-        </p:nvPicPr>
-        <p:blipFill>
-          <a:blip r:embed="rId2"/>
-          <a:stretch>
-            <a:fillRect/>
-          </a:stretch>
-        </p:blipFill>
-        <p:spPr>
-          <a:xfrm>
-            <a:off x="5076056" y="1628800"/>
-            <a:ext cx="3375471" cy="3142680"/>
-          </a:xfrm>
-          <a:prstGeom prst="rect">
-            <a:avLst/>
-          </a:prstGeom>
-        </p:spPr>
-      </p:pic>
-      <p:sp>
-        <p:nvSpPr>
-          <p:cNvPr id="5" name="Tekstvak 4"/>
-          <p:cNvSpPr txBox="1"/>
-          <p:nvPr/>
-        </p:nvSpPr>
-        <p:spPr>
-          <a:xfrm>
-            <a:off x="1331640" y="5165576"/>
-            <a:ext cx="3363091" cy="830997"/>
-          </a:xfrm>
-          <a:prstGeom prst="rect">
-            <a:avLst/>
-          </a:prstGeom>
-          <a:noFill/>
-        </p:spPr>
-        <p:txBody>
-          <a:bodyPr wrap="square" rtlCol="0">
-            <a:spAutoFit/>
-          </a:bodyPr>
-          <a:lstStyle/>
-          <a:p>
-            <a:r>
-              <a:rPr lang="nl-NL" sz="1600" dirty="0" smtClean="0"/>
-              <a:t>Plot the </a:t>
-            </a:r>
-            <a:r>
-              <a:rPr lang="nl-NL" sz="1600" dirty="0" err="1" smtClean="0"/>
-              <a:t>distributions</a:t>
-            </a:r>
-            <a:r>
-              <a:rPr lang="nl-NL" sz="1600" dirty="0" smtClean="0"/>
-              <a:t> of </a:t>
-            </a:r>
-            <a:r>
-              <a:rPr lang="nl-NL" sz="1600" dirty="0" err="1" smtClean="0"/>
-              <a:t>qualitative</a:t>
-            </a:r>
-            <a:r>
-              <a:rPr lang="nl-NL" sz="1600" dirty="0" smtClean="0"/>
-              <a:t> variables </a:t>
-            </a:r>
-            <a:r>
-              <a:rPr lang="nl-NL" sz="1600" dirty="0" err="1" smtClean="0"/>
-              <a:t>to</a:t>
-            </a:r>
-            <a:r>
-              <a:rPr lang="nl-NL" sz="1600" dirty="0" smtClean="0"/>
-              <a:t> </a:t>
-            </a:r>
-            <a:r>
-              <a:rPr lang="nl-NL" sz="1600" dirty="0" err="1" smtClean="0"/>
-              <a:t>understand</a:t>
-            </a:r>
-            <a:r>
-              <a:rPr lang="nl-NL" sz="1600" dirty="0" smtClean="0"/>
-              <a:t> the </a:t>
-            </a:r>
-            <a:r>
-              <a:rPr lang="nl-NL" sz="1600" dirty="0" err="1" smtClean="0"/>
-              <a:t>differences</a:t>
-            </a:r>
-            <a:endParaRPr lang="nl-NL" sz="1600" dirty="0"/>
           </a:p>
         </p:txBody>
       </p:sp>
       <p:sp>
         <p:nvSpPr>
-          <p:cNvPr id="6" name="Tekstvak 5"/>
-          <p:cNvSpPr txBox="1"/>
-          <p:nvPr/>
+          <p:cNvPr id="3" name="Tijdelijke aanduiding voor inhoud 2"/>
+          <p:cNvSpPr>
+            <a:spLocks noGrp="1"/>
+          </p:cNvSpPr>
+          <p:nvPr>
+            <p:ph idx="1"/>
+          </p:nvPr>
         </p:nvSpPr>
         <p:spPr>
           <a:xfrm>
-            <a:off x="5588496" y="5165576"/>
-            <a:ext cx="3363091" cy="1077218"/>
+            <a:off x="762000" y="1762125"/>
+            <a:ext cx="7881938" cy="5041380"/>
           </a:xfrm>
-          <a:prstGeom prst="rect">
-            <a:avLst/>
-          </a:prstGeom>
-          <a:noFill/>
         </p:spPr>
         <p:txBody>
-          <a:bodyPr wrap="square" rtlCol="0">
-            <a:spAutoFit/>
-          </a:bodyPr>
+          <a:bodyPr/>
           <a:lstStyle/>
           <a:p>
             <a:r>
-              <a:rPr lang="nl-NL" sz="1600" dirty="0" err="1" smtClean="0"/>
-              <a:t>Scatterplots</a:t>
-            </a:r>
-            <a:r>
-              <a:rPr lang="nl-NL" sz="1600" dirty="0"/>
+              <a:rPr lang="nl-NL" sz="2400" dirty="0" smtClean="0"/>
+              <a:t>Clean </a:t>
+            </a:r>
+            <a:r>
+              <a:rPr lang="nl-NL" sz="2400" dirty="0" err="1" smtClean="0"/>
+              <a:t>and</a:t>
+            </a:r>
+            <a:r>
+              <a:rPr lang="nl-NL" sz="2400" dirty="0" smtClean="0"/>
               <a:t> </a:t>
             </a:r>
             <a:r>
-              <a:rPr lang="nl-NL" sz="1600" dirty="0" err="1" smtClean="0"/>
-              <a:t>and</a:t>
-            </a:r>
-            <a:r>
-              <a:rPr lang="nl-NL" sz="1600" dirty="0" smtClean="0"/>
+              <a:rPr lang="nl-NL" sz="2400" dirty="0" err="1" smtClean="0"/>
+              <a:t>explore</a:t>
+            </a:r>
+            <a:r>
+              <a:rPr lang="nl-NL" sz="2400" dirty="0" smtClean="0"/>
+              <a:t> data</a:t>
+            </a:r>
+          </a:p>
+          <a:p>
+            <a:endParaRPr lang="nl-NL" sz="2400" dirty="0"/>
+          </a:p>
+          <a:p>
+            <a:r>
+              <a:rPr lang="nl-NL" sz="2400" dirty="0" smtClean="0"/>
+              <a:t>Look </a:t>
+            </a:r>
+            <a:r>
+              <a:rPr lang="nl-NL" sz="2400" dirty="0" err="1" smtClean="0"/>
+              <a:t>for</a:t>
+            </a:r>
+            <a:r>
+              <a:rPr lang="nl-NL" sz="2400" dirty="0" smtClean="0"/>
               <a:t> </a:t>
             </a:r>
             <a:r>
-              <a:rPr lang="nl-NL" sz="1600" dirty="0" err="1" smtClean="0"/>
-              <a:t>scatterplot</a:t>
-            </a:r>
-            <a:r>
-              <a:rPr lang="nl-NL" sz="1600" dirty="0" smtClean="0"/>
-              <a:t> matrices are a </a:t>
-            </a:r>
-            <a:r>
-              <a:rPr lang="nl-NL" sz="1600" dirty="0" err="1" smtClean="0"/>
-              <a:t>great</a:t>
-            </a:r>
-            <a:r>
-              <a:rPr lang="nl-NL" sz="1600" dirty="0" smtClean="0"/>
-              <a:t> way </a:t>
-            </a:r>
-            <a:r>
-              <a:rPr lang="nl-NL" sz="1600" dirty="0" err="1" smtClean="0"/>
+              <a:rPr lang="nl-NL" sz="2400" dirty="0" err="1" smtClean="0"/>
+              <a:t>patterns</a:t>
+            </a:r>
+            <a:r>
+              <a:rPr lang="nl-NL" sz="2400" dirty="0" smtClean="0"/>
+              <a:t> in data, </a:t>
+            </a:r>
+            <a:r>
+              <a:rPr lang="nl-NL" sz="2400" dirty="0" err="1" smtClean="0"/>
+              <a:t>investigate</a:t>
+            </a:r>
+            <a:r>
+              <a:rPr lang="nl-NL" sz="2400" dirty="0" smtClean="0"/>
+              <a:t> relations, e.g.</a:t>
+            </a:r>
+          </a:p>
+          <a:p>
+            <a:pPr lvl="1"/>
+            <a:r>
+              <a:rPr lang="nl-NL" sz="2200" dirty="0" err="1" smtClean="0"/>
+              <a:t>Find</a:t>
+            </a:r>
+            <a:r>
+              <a:rPr lang="nl-NL" sz="2200" dirty="0" smtClean="0"/>
+              <a:t> types of users </a:t>
+            </a:r>
+            <a:r>
+              <a:rPr lang="nl-NL" sz="2200" dirty="0" err="1" smtClean="0"/>
+              <a:t>that</a:t>
+            </a:r>
+            <a:r>
+              <a:rPr lang="nl-NL" sz="2200" dirty="0" smtClean="0"/>
+              <a:t> </a:t>
+            </a:r>
+            <a:r>
+              <a:rPr lang="nl-NL" sz="2200" dirty="0" err="1" smtClean="0"/>
+              <a:t>use</a:t>
+            </a:r>
+            <a:r>
+              <a:rPr lang="nl-NL" sz="2200" dirty="0" smtClean="0"/>
+              <a:t> </a:t>
+            </a:r>
+            <a:r>
+              <a:rPr lang="nl-NL" sz="2200" dirty="0" err="1" smtClean="0"/>
+              <a:t>your</a:t>
+            </a:r>
+            <a:r>
+              <a:rPr lang="nl-NL" sz="2200" dirty="0" smtClean="0"/>
+              <a:t> website </a:t>
+            </a:r>
+            <a:r>
+              <a:rPr lang="nl-NL" sz="2200" dirty="0" err="1" smtClean="0"/>
+              <a:t>differently</a:t>
+            </a:r>
+            <a:endParaRPr lang="nl-NL" sz="2200" dirty="0" smtClean="0"/>
+          </a:p>
+          <a:p>
+            <a:pPr lvl="1"/>
+            <a:endParaRPr lang="nl-NL" sz="2200" dirty="0" smtClean="0"/>
+          </a:p>
+          <a:p>
+            <a:r>
+              <a:rPr lang="nl-NL" sz="2400" dirty="0" err="1" smtClean="0"/>
+              <a:t>Build</a:t>
+            </a:r>
+            <a:r>
+              <a:rPr lang="nl-NL" sz="2400" dirty="0" smtClean="0"/>
+              <a:t> </a:t>
+            </a:r>
+            <a:r>
+              <a:rPr lang="nl-NL" sz="2400" dirty="0" err="1" smtClean="0"/>
+              <a:t>statistical</a:t>
+            </a:r>
+            <a:r>
+              <a:rPr lang="nl-NL" sz="2400" dirty="0" smtClean="0"/>
+              <a:t> </a:t>
+            </a:r>
+            <a:r>
+              <a:rPr lang="nl-NL" sz="2400" dirty="0" err="1" smtClean="0"/>
+              <a:t>models</a:t>
+            </a:r>
+            <a:r>
+              <a:rPr lang="nl-NL" sz="2400" dirty="0" smtClean="0"/>
+              <a:t> </a:t>
+            </a:r>
+            <a:r>
+              <a:rPr lang="nl-NL" sz="2400" dirty="0" err="1" smtClean="0"/>
               <a:t>to</a:t>
             </a:r>
             <a:r>
-              <a:rPr lang="nl-NL" sz="1600" dirty="0" smtClean="0"/>
+              <a:rPr lang="nl-NL" sz="2400" dirty="0" smtClean="0"/>
+              <a:t> make </a:t>
+            </a:r>
+            <a:r>
+              <a:rPr lang="nl-NL" sz="2400" dirty="0" err="1" smtClean="0"/>
+              <a:t>predictions</a:t>
+            </a:r>
+            <a:r>
+              <a:rPr lang="nl-NL" sz="2400" dirty="0" smtClean="0"/>
               <a:t> </a:t>
             </a:r>
             <a:r>
-              <a:rPr lang="nl-NL" sz="1600" dirty="0" err="1" smtClean="0"/>
-              <a:t>understand</a:t>
-            </a:r>
-            <a:r>
-              <a:rPr lang="nl-NL" sz="1600" dirty="0" smtClean="0"/>
-              <a:t> the relations </a:t>
-            </a:r>
-            <a:r>
-              <a:rPr lang="nl-NL" sz="1600" dirty="0" err="1" smtClean="0"/>
-              <a:t>between</a:t>
-            </a:r>
-            <a:r>
-              <a:rPr lang="nl-NL" sz="1600" dirty="0" smtClean="0"/>
+              <a:rPr lang="nl-NL" sz="2400" dirty="0" err="1" smtClean="0"/>
+              <a:t>to</a:t>
+            </a:r>
+            <a:r>
+              <a:rPr lang="nl-NL" sz="2400" dirty="0" smtClean="0"/>
               <a:t> </a:t>
             </a:r>
             <a:r>
-              <a:rPr lang="nl-NL" sz="1600" dirty="0" err="1" smtClean="0"/>
-              <a:t>quantitative</a:t>
-            </a:r>
-            <a:r>
-              <a:rPr lang="nl-NL" sz="1600" dirty="0" smtClean="0"/>
-              <a:t> variables</a:t>
-            </a:r>
-            <a:endParaRPr lang="nl-NL" sz="1600" dirty="0"/>
+              <a:rPr lang="nl-NL" sz="2400" dirty="0" err="1" smtClean="0"/>
+              <a:t>add</a:t>
+            </a:r>
+            <a:r>
+              <a:rPr lang="nl-NL" sz="2400" dirty="0" smtClean="0"/>
+              <a:t> </a:t>
+            </a:r>
+            <a:r>
+              <a:rPr lang="nl-NL" sz="2400" dirty="0" err="1" smtClean="0"/>
+              <a:t>value</a:t>
+            </a:r>
+            <a:r>
+              <a:rPr lang="nl-NL" sz="2400" dirty="0" smtClean="0"/>
+              <a:t> </a:t>
+            </a:r>
+            <a:r>
+              <a:rPr lang="nl-NL" sz="2400" dirty="0" err="1" smtClean="0"/>
+              <a:t>to</a:t>
+            </a:r>
+            <a:r>
+              <a:rPr lang="nl-NL" sz="2400" dirty="0" smtClean="0"/>
+              <a:t> </a:t>
+            </a:r>
+            <a:r>
+              <a:rPr lang="nl-NL" sz="2400" dirty="0" err="1" smtClean="0"/>
+              <a:t>your</a:t>
+            </a:r>
+            <a:r>
+              <a:rPr lang="nl-NL" sz="2400" dirty="0" smtClean="0"/>
+              <a:t> </a:t>
+            </a:r>
+            <a:r>
+              <a:rPr lang="nl-NL" sz="2400" dirty="0" err="1" smtClean="0"/>
+              <a:t>organization</a:t>
+            </a:r>
+            <a:r>
+              <a:rPr lang="nl-NL" sz="2400" dirty="0" smtClean="0"/>
+              <a:t>, e.g. </a:t>
+            </a:r>
+            <a:endParaRPr lang="nl-NL" sz="2400" dirty="0"/>
+          </a:p>
+          <a:p>
+            <a:pPr lvl="1"/>
+            <a:r>
+              <a:rPr lang="nl-NL" sz="2200" dirty="0" err="1" smtClean="0"/>
+              <a:t>Predict</a:t>
+            </a:r>
+            <a:r>
+              <a:rPr lang="nl-NL" sz="2200" dirty="0" smtClean="0"/>
+              <a:t> the </a:t>
+            </a:r>
+            <a:r>
+              <a:rPr lang="nl-NL" sz="2200" dirty="0" err="1" smtClean="0"/>
+              <a:t>success</a:t>
+            </a:r>
+            <a:r>
+              <a:rPr lang="nl-NL" sz="2200" dirty="0" smtClean="0"/>
+              <a:t> of a new video ad</a:t>
+            </a:r>
+          </a:p>
+          <a:p>
+            <a:pPr lvl="1"/>
+            <a:r>
+              <a:rPr lang="nl-NL" sz="2200" dirty="0" smtClean="0"/>
+              <a:t>Approach the users most </a:t>
+            </a:r>
+            <a:r>
+              <a:rPr lang="nl-NL" sz="2200" dirty="0" err="1" smtClean="0"/>
+              <a:t>likely</a:t>
+            </a:r>
+            <a:r>
+              <a:rPr lang="nl-NL" sz="2200" dirty="0" smtClean="0"/>
+              <a:t> </a:t>
+            </a:r>
+            <a:r>
+              <a:rPr lang="nl-NL" sz="2200" dirty="0" err="1" smtClean="0"/>
+              <a:t>to</a:t>
+            </a:r>
+            <a:r>
+              <a:rPr lang="nl-NL" sz="2200" dirty="0" smtClean="0"/>
+              <a:t> make a </a:t>
+            </a:r>
+            <a:r>
+              <a:rPr lang="nl-NL" sz="2200" dirty="0" err="1" smtClean="0"/>
+              <a:t>purchase</a:t>
+            </a:r>
+            <a:endParaRPr lang="nl-NL" sz="2200" dirty="0" smtClean="0"/>
+          </a:p>
+          <a:p>
+            <a:pPr lvl="1"/>
+            <a:endParaRPr lang="nl-NL" sz="2200" dirty="0" smtClean="0"/>
+          </a:p>
+          <a:p>
+            <a:pPr lvl="1"/>
+            <a:endParaRPr lang="nl-NL" sz="2200" dirty="0" smtClean="0"/>
+          </a:p>
+          <a:p>
+            <a:pPr lvl="1"/>
+            <a:endParaRPr lang="nl-NL" sz="2400" dirty="0"/>
           </a:p>
         </p:txBody>
       </p:sp>
-      <p:pic>
-        <p:nvPicPr>
-          <p:cNvPr id="8" name="Afbeelding 7"/>
-          <p:cNvPicPr>
-            <a:picLocks noChangeAspect="1"/>
-          </p:cNvPicPr>
-          <p:nvPr/>
-        </p:nvPicPr>
-        <p:blipFill>
-          <a:blip r:embed="rId3"/>
-          <a:stretch>
-            <a:fillRect/>
-          </a:stretch>
-        </p:blipFill>
-        <p:spPr>
-          <a:xfrm>
-            <a:off x="1115616" y="1603648"/>
-            <a:ext cx="3293854" cy="3117900"/>
-          </a:xfrm>
-          <a:prstGeom prst="rect">
-            <a:avLst/>
-          </a:prstGeom>
-        </p:spPr>
-      </p:pic>
     </p:spTree>
     <p:extLst>
       <p:ext uri="{BB962C8B-B14F-4D97-AF65-F5344CB8AC3E}">
-        <p14:creationId xmlns:p14="http://schemas.microsoft.com/office/powerpoint/2010/main" val="1476685123"/>
+        <p14:creationId xmlns:p14="http://schemas.microsoft.com/office/powerpoint/2010/main" val="640106718"/>
       </p:ext>
     </p:extLst>
   </p:cSld>

--- a/slides/Week 4 - introduction to machine learning.pptx
+++ b/slides/Week 4 - introduction to machine learning.pptx
@@ -5,35 +5,36 @@
     <p:sldMasterId id="2147483649" r:id="rId1"/>
   </p:sldMasterIdLst>
   <p:notesMasterIdLst>
-    <p:notesMasterId r:id="rId25"/>
+    <p:notesMasterId r:id="rId26"/>
   </p:notesMasterIdLst>
   <p:handoutMasterIdLst>
-    <p:handoutMasterId r:id="rId26"/>
+    <p:handoutMasterId r:id="rId27"/>
   </p:handoutMasterIdLst>
   <p:sldIdLst>
     <p:sldId id="276" r:id="rId2"/>
     <p:sldId id="280" r:id="rId3"/>
     <p:sldId id="320" r:id="rId4"/>
-    <p:sldId id="298" r:id="rId5"/>
-    <p:sldId id="297" r:id="rId6"/>
-    <p:sldId id="305" r:id="rId7"/>
-    <p:sldId id="306" r:id="rId8"/>
-    <p:sldId id="317" r:id="rId9"/>
-    <p:sldId id="307" r:id="rId10"/>
-    <p:sldId id="310" r:id="rId11"/>
-    <p:sldId id="308" r:id="rId12"/>
-    <p:sldId id="300" r:id="rId13"/>
-    <p:sldId id="318" r:id="rId14"/>
-    <p:sldId id="292" r:id="rId15"/>
-    <p:sldId id="294" r:id="rId16"/>
-    <p:sldId id="290" r:id="rId17"/>
-    <p:sldId id="312" r:id="rId18"/>
-    <p:sldId id="311" r:id="rId19"/>
-    <p:sldId id="319" r:id="rId20"/>
-    <p:sldId id="313" r:id="rId21"/>
-    <p:sldId id="314" r:id="rId22"/>
-    <p:sldId id="315" r:id="rId23"/>
-    <p:sldId id="303" r:id="rId24"/>
+    <p:sldId id="321" r:id="rId5"/>
+    <p:sldId id="298" r:id="rId6"/>
+    <p:sldId id="297" r:id="rId7"/>
+    <p:sldId id="305" r:id="rId8"/>
+    <p:sldId id="306" r:id="rId9"/>
+    <p:sldId id="317" r:id="rId10"/>
+    <p:sldId id="307" r:id="rId11"/>
+    <p:sldId id="310" r:id="rId12"/>
+    <p:sldId id="308" r:id="rId13"/>
+    <p:sldId id="300" r:id="rId14"/>
+    <p:sldId id="318" r:id="rId15"/>
+    <p:sldId id="292" r:id="rId16"/>
+    <p:sldId id="294" r:id="rId17"/>
+    <p:sldId id="290" r:id="rId18"/>
+    <p:sldId id="312" r:id="rId19"/>
+    <p:sldId id="311" r:id="rId20"/>
+    <p:sldId id="319" r:id="rId21"/>
+    <p:sldId id="313" r:id="rId22"/>
+    <p:sldId id="314" r:id="rId23"/>
+    <p:sldId id="315" r:id="rId24"/>
+    <p:sldId id="303" r:id="rId25"/>
   </p:sldIdLst>
   <p:sldSz cx="9144000" cy="6858000" type="screen4x3"/>
   <p:notesSz cx="6858000" cy="9144000"/>
@@ -2260,7 +2261,7 @@
             <a:fld id="{D61151B4-4860-4597-8EFD-6A3C75434656}" type="slidenum">
               <a:rPr lang="en-US" smtClean="0"/>
               <a:pPr/>
-              <a:t>6</a:t>
+              <a:t>7</a:t>
             </a:fld>
             <a:endParaRPr lang="en-US"/>
           </a:p>
@@ -6952,6 +6953,352 @@
           <a:p>
             <a:r>
               <a:rPr lang="nl-NL" dirty="0" smtClean="0"/>
+              <a:t>As a data </a:t>
+            </a:r>
+            <a:r>
+              <a:rPr lang="nl-NL" dirty="0" err="1" smtClean="0"/>
+              <a:t>scientist</a:t>
+            </a:r>
+            <a:r>
+              <a:rPr lang="nl-NL" dirty="0" smtClean="0"/>
+              <a:t>, </a:t>
+            </a:r>
+            <a:r>
+              <a:rPr lang="nl-NL" dirty="0" err="1" smtClean="0"/>
+              <a:t>you</a:t>
+            </a:r>
+            <a:r>
+              <a:rPr lang="nl-NL" dirty="0" smtClean="0"/>
+              <a:t>…</a:t>
+            </a:r>
+            <a:endParaRPr lang="nl-NL" dirty="0"/>
+          </a:p>
+        </p:txBody>
+      </p:sp>
+      <p:sp>
+        <p:nvSpPr>
+          <p:cNvPr id="3" name="Tijdelijke aanduiding voor inhoud 2"/>
+          <p:cNvSpPr>
+            <a:spLocks noGrp="1"/>
+          </p:cNvSpPr>
+          <p:nvPr>
+            <p:ph idx="1"/>
+          </p:nvPr>
+        </p:nvSpPr>
+        <p:spPr>
+          <a:xfrm>
+            <a:off x="762000" y="1762125"/>
+            <a:ext cx="7881938" cy="5041380"/>
+          </a:xfrm>
+        </p:spPr>
+        <p:txBody>
+          <a:bodyPr/>
+          <a:lstStyle/>
+          <a:p>
+            <a:r>
+              <a:rPr lang="nl-NL" sz="2400" dirty="0" smtClean="0"/>
+              <a:t>Clean </a:t>
+            </a:r>
+            <a:r>
+              <a:rPr lang="nl-NL" sz="2400" dirty="0" err="1" smtClean="0"/>
+              <a:t>and</a:t>
+            </a:r>
+            <a:r>
+              <a:rPr lang="nl-NL" sz="2400" dirty="0" smtClean="0"/>
+              <a:t> </a:t>
+            </a:r>
+            <a:r>
+              <a:rPr lang="nl-NL" sz="2400" dirty="0" err="1" smtClean="0"/>
+              <a:t>explore</a:t>
+            </a:r>
+            <a:r>
+              <a:rPr lang="nl-NL" sz="2400" dirty="0" smtClean="0"/>
+              <a:t> data</a:t>
+            </a:r>
+          </a:p>
+          <a:p>
+            <a:endParaRPr lang="nl-NL" sz="2400" dirty="0"/>
+          </a:p>
+          <a:p>
+            <a:r>
+              <a:rPr lang="nl-NL" sz="2400" dirty="0" smtClean="0"/>
+              <a:t>Look </a:t>
+            </a:r>
+            <a:r>
+              <a:rPr lang="nl-NL" sz="2400" dirty="0" err="1" smtClean="0"/>
+              <a:t>for</a:t>
+            </a:r>
+            <a:r>
+              <a:rPr lang="nl-NL" sz="2400" dirty="0" smtClean="0"/>
+              <a:t> </a:t>
+            </a:r>
+            <a:r>
+              <a:rPr lang="nl-NL" sz="2400" dirty="0" err="1" smtClean="0"/>
+              <a:t>patterns</a:t>
+            </a:r>
+            <a:r>
+              <a:rPr lang="nl-NL" sz="2400" dirty="0" smtClean="0"/>
+              <a:t> in data, </a:t>
+            </a:r>
+            <a:r>
+              <a:rPr lang="nl-NL" sz="2400" dirty="0" err="1" smtClean="0"/>
+              <a:t>investigate</a:t>
+            </a:r>
+            <a:r>
+              <a:rPr lang="nl-NL" sz="2400" dirty="0" smtClean="0"/>
+              <a:t> relations, e.g.</a:t>
+            </a:r>
+          </a:p>
+          <a:p>
+            <a:pPr lvl="1"/>
+            <a:r>
+              <a:rPr lang="nl-NL" sz="2200" dirty="0" err="1" smtClean="0"/>
+              <a:t>Find</a:t>
+            </a:r>
+            <a:r>
+              <a:rPr lang="nl-NL" sz="2200" dirty="0" smtClean="0"/>
+              <a:t> types of users </a:t>
+            </a:r>
+            <a:r>
+              <a:rPr lang="nl-NL" sz="2200" dirty="0" err="1" smtClean="0"/>
+              <a:t>that</a:t>
+            </a:r>
+            <a:r>
+              <a:rPr lang="nl-NL" sz="2200" dirty="0" smtClean="0"/>
+              <a:t> </a:t>
+            </a:r>
+            <a:r>
+              <a:rPr lang="nl-NL" sz="2200" dirty="0" err="1" smtClean="0"/>
+              <a:t>use</a:t>
+            </a:r>
+            <a:r>
+              <a:rPr lang="nl-NL" sz="2200" dirty="0" smtClean="0"/>
+              <a:t> </a:t>
+            </a:r>
+            <a:r>
+              <a:rPr lang="nl-NL" sz="2200" dirty="0" err="1" smtClean="0"/>
+              <a:t>your</a:t>
+            </a:r>
+            <a:r>
+              <a:rPr lang="nl-NL" sz="2200" dirty="0" smtClean="0"/>
+              <a:t> website </a:t>
+            </a:r>
+            <a:r>
+              <a:rPr lang="nl-NL" sz="2200" dirty="0" err="1" smtClean="0"/>
+              <a:t>differently</a:t>
+            </a:r>
+            <a:endParaRPr lang="nl-NL" sz="2200" dirty="0" smtClean="0"/>
+          </a:p>
+          <a:p>
+            <a:pPr lvl="1"/>
+            <a:endParaRPr lang="nl-NL" sz="2200" dirty="0" smtClean="0"/>
+          </a:p>
+          <a:p>
+            <a:r>
+              <a:rPr lang="nl-NL" sz="2400" dirty="0" err="1" smtClean="0"/>
+              <a:t>Build</a:t>
+            </a:r>
+            <a:r>
+              <a:rPr lang="nl-NL" sz="2400" dirty="0" smtClean="0"/>
+              <a:t> </a:t>
+            </a:r>
+            <a:r>
+              <a:rPr lang="nl-NL" sz="2400" dirty="0" err="1" smtClean="0"/>
+              <a:t>statistical</a:t>
+            </a:r>
+            <a:r>
+              <a:rPr lang="nl-NL" sz="2400" dirty="0" smtClean="0"/>
+              <a:t> </a:t>
+            </a:r>
+            <a:r>
+              <a:rPr lang="nl-NL" sz="2400" dirty="0" err="1" smtClean="0"/>
+              <a:t>models</a:t>
+            </a:r>
+            <a:r>
+              <a:rPr lang="nl-NL" sz="2400" dirty="0" smtClean="0"/>
+              <a:t> </a:t>
+            </a:r>
+            <a:r>
+              <a:rPr lang="nl-NL" sz="2400" dirty="0" err="1" smtClean="0"/>
+              <a:t>to</a:t>
+            </a:r>
+            <a:r>
+              <a:rPr lang="nl-NL" sz="2400" dirty="0" smtClean="0"/>
+              <a:t> make </a:t>
+            </a:r>
+            <a:r>
+              <a:rPr lang="nl-NL" sz="2400" dirty="0" err="1" smtClean="0"/>
+              <a:t>predictions</a:t>
+            </a:r>
+            <a:r>
+              <a:rPr lang="nl-NL" sz="2400" dirty="0" smtClean="0"/>
+              <a:t> </a:t>
+            </a:r>
+            <a:r>
+              <a:rPr lang="nl-NL" sz="2400" dirty="0" err="1" smtClean="0"/>
+              <a:t>to</a:t>
+            </a:r>
+            <a:r>
+              <a:rPr lang="nl-NL" sz="2400" dirty="0" smtClean="0"/>
+              <a:t> </a:t>
+            </a:r>
+            <a:r>
+              <a:rPr lang="nl-NL" sz="2400" dirty="0" err="1" smtClean="0"/>
+              <a:t>add</a:t>
+            </a:r>
+            <a:r>
+              <a:rPr lang="nl-NL" sz="2400" dirty="0" smtClean="0"/>
+              <a:t> </a:t>
+            </a:r>
+            <a:r>
+              <a:rPr lang="nl-NL" sz="2400" dirty="0" err="1" smtClean="0"/>
+              <a:t>value</a:t>
+            </a:r>
+            <a:r>
+              <a:rPr lang="nl-NL" sz="2400" dirty="0" smtClean="0"/>
+              <a:t> </a:t>
+            </a:r>
+            <a:r>
+              <a:rPr lang="nl-NL" sz="2400" dirty="0" err="1" smtClean="0"/>
+              <a:t>to</a:t>
+            </a:r>
+            <a:r>
+              <a:rPr lang="nl-NL" sz="2400" dirty="0" smtClean="0"/>
+              <a:t> </a:t>
+            </a:r>
+            <a:r>
+              <a:rPr lang="nl-NL" sz="2400" dirty="0" err="1" smtClean="0"/>
+              <a:t>your</a:t>
+            </a:r>
+            <a:r>
+              <a:rPr lang="nl-NL" sz="2400" dirty="0" smtClean="0"/>
+              <a:t> </a:t>
+            </a:r>
+            <a:r>
+              <a:rPr lang="nl-NL" sz="2400" dirty="0" err="1" smtClean="0"/>
+              <a:t>organization</a:t>
+            </a:r>
+            <a:r>
+              <a:rPr lang="nl-NL" sz="2400" dirty="0" smtClean="0"/>
+              <a:t>, e.g. </a:t>
+            </a:r>
+            <a:endParaRPr lang="nl-NL" sz="2400" dirty="0"/>
+          </a:p>
+          <a:p>
+            <a:pPr lvl="1"/>
+            <a:r>
+              <a:rPr lang="nl-NL" sz="2200" dirty="0" err="1" smtClean="0"/>
+              <a:t>Predict</a:t>
+            </a:r>
+            <a:r>
+              <a:rPr lang="nl-NL" sz="2200" dirty="0" smtClean="0"/>
+              <a:t> the </a:t>
+            </a:r>
+            <a:r>
+              <a:rPr lang="nl-NL" sz="2200" dirty="0" err="1" smtClean="0"/>
+              <a:t>success</a:t>
+            </a:r>
+            <a:r>
+              <a:rPr lang="nl-NL" sz="2200" dirty="0" smtClean="0"/>
+              <a:t> of a new video ad</a:t>
+            </a:r>
+          </a:p>
+          <a:p>
+            <a:pPr lvl="1"/>
+            <a:r>
+              <a:rPr lang="nl-NL" sz="2200" dirty="0" smtClean="0"/>
+              <a:t>Approach the users most </a:t>
+            </a:r>
+            <a:r>
+              <a:rPr lang="nl-NL" sz="2200" dirty="0" err="1" smtClean="0"/>
+              <a:t>likely</a:t>
+            </a:r>
+            <a:r>
+              <a:rPr lang="nl-NL" sz="2200" dirty="0" smtClean="0"/>
+              <a:t> </a:t>
+            </a:r>
+            <a:r>
+              <a:rPr lang="nl-NL" sz="2200" dirty="0" err="1" smtClean="0"/>
+              <a:t>to</a:t>
+            </a:r>
+            <a:r>
+              <a:rPr lang="nl-NL" sz="2200" dirty="0" smtClean="0"/>
+              <a:t> make a </a:t>
+            </a:r>
+            <a:r>
+              <a:rPr lang="nl-NL" sz="2200" dirty="0" err="1" smtClean="0"/>
+              <a:t>purchase</a:t>
+            </a:r>
+            <a:endParaRPr lang="nl-NL" sz="2200" dirty="0" smtClean="0"/>
+          </a:p>
+          <a:p>
+            <a:pPr lvl="1"/>
+            <a:endParaRPr lang="nl-NL" sz="2200" dirty="0" smtClean="0"/>
+          </a:p>
+          <a:p>
+            <a:pPr lvl="1"/>
+            <a:endParaRPr lang="nl-NL" sz="2200" dirty="0" smtClean="0"/>
+          </a:p>
+          <a:p>
+            <a:pPr lvl="1"/>
+            <a:endParaRPr lang="nl-NL" sz="2400" dirty="0"/>
+          </a:p>
+        </p:txBody>
+      </p:sp>
+    </p:spTree>
+    <p:extLst>
+      <p:ext uri="{BB962C8B-B14F-4D97-AF65-F5344CB8AC3E}">
+        <p14:creationId xmlns:p14="http://schemas.microsoft.com/office/powerpoint/2010/main" val="640106718"/>
+      </p:ext>
+    </p:extLst>
+  </p:cSld>
+  <p:clrMapOvr>
+    <a:masterClrMapping/>
+  </p:clrMapOvr>
+  <p:timing>
+    <p:tnLst>
+      <p:par>
+        <p:cTn id="1" dur="indefinite" restart="never" nodeType="tmRoot"/>
+      </p:par>
+    </p:tnLst>
+  </p:timing>
+</p:sld>
+</file>
+
+<file path=ppt/slides/slide11.xml><?xml version="1.0" encoding="utf-8"?>
+<p:sld xmlns:a="http://schemas.openxmlformats.org/drawingml/2006/main" xmlns:r="http://schemas.openxmlformats.org/officeDocument/2006/relationships" xmlns:p="http://schemas.openxmlformats.org/presentationml/2006/main">
+  <p:cSld>
+    <p:spTree>
+      <p:nvGrpSpPr>
+        <p:cNvPr id="1" name=""/>
+        <p:cNvGrpSpPr/>
+        <p:nvPr/>
+      </p:nvGrpSpPr>
+      <p:grpSpPr>
+        <a:xfrm>
+          <a:off x="0" y="0"/>
+          <a:ext cx="0" cy="0"/>
+          <a:chOff x="0" y="0"/>
+          <a:chExt cx="0" cy="0"/>
+        </a:xfrm>
+      </p:grpSpPr>
+      <p:sp>
+        <p:nvSpPr>
+          <p:cNvPr id="2" name="Titel 1"/>
+          <p:cNvSpPr>
+            <a:spLocks noGrp="1"/>
+          </p:cNvSpPr>
+          <p:nvPr>
+            <p:ph type="title"/>
+          </p:nvPr>
+        </p:nvSpPr>
+        <p:spPr/>
+        <p:txBody>
+          <a:bodyPr/>
+          <a:lstStyle/>
+          <a:p>
+            <a:r>
+              <a:rPr lang="nl-NL" dirty="0" smtClean="0"/>
               <a:t>Data </a:t>
             </a:r>
             <a:r>
@@ -7186,7 +7533,7 @@
 </p:sld>
 </file>
 
-<file path=ppt/slides/slide11.xml><?xml version="1.0" encoding="utf-8"?>
+<file path=ppt/slides/slide12.xml><?xml version="1.0" encoding="utf-8"?>
 <p:sld xmlns:a="http://schemas.openxmlformats.org/drawingml/2006/main" xmlns:r="http://schemas.openxmlformats.org/officeDocument/2006/relationships" xmlns:p="http://schemas.openxmlformats.org/presentationml/2006/main">
   <p:cSld>
     <p:spTree>
@@ -8236,7 +8583,7 @@
 </p:sld>
 </file>
 
-<file path=ppt/slides/slide12.xml><?xml version="1.0" encoding="utf-8"?>
+<file path=ppt/slides/slide13.xml><?xml version="1.0" encoding="utf-8"?>
 <p:sld xmlns:a="http://schemas.openxmlformats.org/drawingml/2006/main" xmlns:r="http://schemas.openxmlformats.org/officeDocument/2006/relationships" xmlns:p="http://schemas.openxmlformats.org/presentationml/2006/main">
   <p:cSld>
     <p:spTree>
@@ -8767,14 +9114,7 @@
                 <a:latin typeface="Courier New" panose="02070309020205020404" pitchFamily="49" charset="0"/>
                 <a:cs typeface="Courier New" panose="02070309020205020404" pitchFamily="49" charset="0"/>
               </a:rPr>
-              <a:t> folder</a:t>
-            </a:r>
-            <a:r>
-              <a:rPr lang="nl-NL" sz="1300" kern="0" dirty="0" smtClean="0">
-                <a:latin typeface="Courier New" panose="02070309020205020404" pitchFamily="49" charset="0"/>
-                <a:cs typeface="Courier New" panose="02070309020205020404" pitchFamily="49" charset="0"/>
-              </a:rPr>
-              <a:t>. </a:t>
+              <a:t> folder. </a:t>
             </a:r>
             <a:endParaRPr lang="nl-NL" sz="1300" kern="0" dirty="0">
               <a:latin typeface="Courier New" panose="02070309020205020404" pitchFamily="49" charset="0"/>
@@ -8932,63 +9272,35 @@
                 <a:latin typeface="Courier New" panose="02070309020205020404" pitchFamily="49" charset="0"/>
                 <a:cs typeface="Courier New" panose="02070309020205020404" pitchFamily="49" charset="0"/>
               </a:rPr>
-              <a:t>The </a:t>
+              <a:t>The data can </a:t>
+            </a:r>
+            <a:r>
+              <a:rPr lang="nl-NL" sz="1300" kern="0" dirty="0" err="1" smtClean="0">
+                <a:latin typeface="Courier New" panose="02070309020205020404" pitchFamily="49" charset="0"/>
+                <a:cs typeface="Courier New" panose="02070309020205020404" pitchFamily="49" charset="0"/>
+              </a:rPr>
+              <a:t>be</a:t>
             </a:r>
             <a:r>
               <a:rPr lang="nl-NL" sz="1300" kern="0" dirty="0" smtClean="0">
                 <a:latin typeface="Courier New" panose="02070309020205020404" pitchFamily="49" charset="0"/>
                 <a:cs typeface="Courier New" panose="02070309020205020404" pitchFamily="49" charset="0"/>
               </a:rPr>
-              <a:t>data can </a:t>
+              <a:t> found in the </a:t>
             </a:r>
             <a:r>
               <a:rPr lang="nl-NL" sz="1300" kern="0" dirty="0" err="1" smtClean="0">
                 <a:latin typeface="Courier New" panose="02070309020205020404" pitchFamily="49" charset="0"/>
                 <a:cs typeface="Courier New" panose="02070309020205020404" pitchFamily="49" charset="0"/>
               </a:rPr>
-              <a:t>be</a:t>
+              <a:t>same</a:t>
             </a:r>
             <a:r>
               <a:rPr lang="nl-NL" sz="1300" kern="0" dirty="0" smtClean="0">
                 <a:latin typeface="Courier New" panose="02070309020205020404" pitchFamily="49" charset="0"/>
                 <a:cs typeface="Courier New" panose="02070309020205020404" pitchFamily="49" charset="0"/>
               </a:rPr>
-              <a:t> found in </a:t>
-            </a:r>
-            <a:r>
-              <a:rPr lang="nl-NL" sz="1300" kern="0" dirty="0" smtClean="0">
-                <a:latin typeface="Courier New" panose="02070309020205020404" pitchFamily="49" charset="0"/>
-                <a:cs typeface="Courier New" panose="02070309020205020404" pitchFamily="49" charset="0"/>
-              </a:rPr>
-              <a:t>the </a:t>
-            </a:r>
-            <a:r>
-              <a:rPr lang="nl-NL" sz="1300" kern="0" dirty="0" err="1" smtClean="0">
-                <a:latin typeface="Courier New" panose="02070309020205020404" pitchFamily="49" charset="0"/>
-                <a:cs typeface="Courier New" panose="02070309020205020404" pitchFamily="49" charset="0"/>
-              </a:rPr>
-              <a:t>same</a:t>
-            </a:r>
-            <a:r>
-              <a:rPr lang="nl-NL" sz="1300" kern="0" dirty="0" smtClean="0">
-                <a:latin typeface="Courier New" panose="02070309020205020404" pitchFamily="49" charset="0"/>
-                <a:cs typeface="Courier New" panose="02070309020205020404" pitchFamily="49" charset="0"/>
-              </a:rPr>
-              <a:t> folder. </a:t>
-            </a:r>
-            <a:r>
-              <a:rPr lang="nl-NL" sz="1300" kern="0" dirty="0" smtClean="0">
-                <a:latin typeface="Courier New" panose="02070309020205020404" pitchFamily="49" charset="0"/>
-                <a:cs typeface="Courier New" panose="02070309020205020404" pitchFamily="49" charset="0"/>
-              </a:rPr>
-              <a:t>The </a:t>
-            </a:r>
-            <a:r>
-              <a:rPr lang="nl-NL" sz="1300" kern="0" dirty="0" smtClean="0">
-                <a:latin typeface="Courier New" panose="02070309020205020404" pitchFamily="49" charset="0"/>
-                <a:cs typeface="Courier New" panose="02070309020205020404" pitchFamily="49" charset="0"/>
-              </a:rPr>
-              <a:t>data are </a:t>
+              <a:t> folder. The data are </a:t>
             </a:r>
             <a:r>
               <a:rPr lang="nl-NL" sz="1300" kern="0" dirty="0" err="1" smtClean="0">
@@ -9791,187 +10103,6 @@
     <p:extLst>
       <p:ext uri="{BB962C8B-B14F-4D97-AF65-F5344CB8AC3E}">
         <p14:creationId xmlns:p14="http://schemas.microsoft.com/office/powerpoint/2010/main" val="3374612792"/>
-      </p:ext>
-    </p:extLst>
-  </p:cSld>
-  <p:clrMapOvr>
-    <a:masterClrMapping/>
-  </p:clrMapOvr>
-  <p:timing>
-    <p:tnLst>
-      <p:par>
-        <p:cTn id="1" dur="indefinite" restart="never" nodeType="tmRoot"/>
-      </p:par>
-    </p:tnLst>
-  </p:timing>
-</p:sld>
-</file>
-
-<file path=ppt/slides/slide13.xml><?xml version="1.0" encoding="utf-8"?>
-<p:sld xmlns:a="http://schemas.openxmlformats.org/drawingml/2006/main" xmlns:r="http://schemas.openxmlformats.org/officeDocument/2006/relationships" xmlns:p="http://schemas.openxmlformats.org/presentationml/2006/main">
-  <p:cSld>
-    <p:spTree>
-      <p:nvGrpSpPr>
-        <p:cNvPr id="1" name=""/>
-        <p:cNvGrpSpPr/>
-        <p:nvPr/>
-      </p:nvGrpSpPr>
-      <p:grpSpPr>
-        <a:xfrm>
-          <a:off x="0" y="0"/>
-          <a:ext cx="0" cy="0"/>
-          <a:chOff x="0" y="0"/>
-          <a:chExt cx="0" cy="0"/>
-        </a:xfrm>
-      </p:grpSpPr>
-      <p:sp>
-        <p:nvSpPr>
-          <p:cNvPr id="2" name="Titel 1"/>
-          <p:cNvSpPr>
-            <a:spLocks noGrp="1"/>
-          </p:cNvSpPr>
-          <p:nvPr>
-            <p:ph type="title"/>
-          </p:nvPr>
-        </p:nvSpPr>
-        <p:spPr/>
-        <p:txBody>
-          <a:bodyPr/>
-          <a:lstStyle/>
-          <a:p>
-            <a:r>
-              <a:rPr lang="nl-NL" dirty="0" smtClean="0"/>
-              <a:t>Topics</a:t>
-            </a:r>
-            <a:endParaRPr lang="nl-NL" dirty="0"/>
-          </a:p>
-        </p:txBody>
-      </p:sp>
-      <p:sp>
-        <p:nvSpPr>
-          <p:cNvPr id="3" name="Tijdelijke aanduiding voor inhoud 2"/>
-          <p:cNvSpPr>
-            <a:spLocks noGrp="1"/>
-          </p:cNvSpPr>
-          <p:nvPr>
-            <p:ph idx="1"/>
-          </p:nvPr>
-        </p:nvSpPr>
-        <p:spPr>
-          <a:xfrm>
-            <a:off x="762000" y="1762125"/>
-            <a:ext cx="7881938" cy="3564053"/>
-          </a:xfrm>
-        </p:spPr>
-        <p:txBody>
-          <a:bodyPr/>
-          <a:lstStyle/>
-          <a:p>
-            <a:r>
-              <a:rPr lang="nl-NL" sz="2400" dirty="0" err="1" smtClean="0"/>
-              <a:t>Variable</a:t>
-            </a:r>
-            <a:r>
-              <a:rPr lang="nl-NL" sz="2400" dirty="0" smtClean="0"/>
-              <a:t> </a:t>
-            </a:r>
-            <a:r>
-              <a:rPr lang="nl-NL" sz="2400" dirty="0" err="1" smtClean="0"/>
-              <a:t>transformations</a:t>
-            </a:r>
-            <a:endParaRPr lang="nl-NL" sz="2400" dirty="0"/>
-          </a:p>
-          <a:p>
-            <a:endParaRPr lang="nl-NL" sz="2400" dirty="0" smtClean="0"/>
-          </a:p>
-          <a:p>
-            <a:r>
-              <a:rPr lang="nl-NL" sz="2400" dirty="0" err="1" smtClean="0"/>
-              <a:t>Recap</a:t>
-            </a:r>
-            <a:r>
-              <a:rPr lang="nl-NL" sz="2400" dirty="0" smtClean="0"/>
-              <a:t> </a:t>
-            </a:r>
-            <a:r>
-              <a:rPr lang="nl-NL" sz="2400" dirty="0" err="1" smtClean="0"/>
-              <a:t>and</a:t>
-            </a:r>
-            <a:r>
-              <a:rPr lang="nl-NL" sz="2400" dirty="0" smtClean="0"/>
-              <a:t> </a:t>
-            </a:r>
-            <a:r>
-              <a:rPr lang="nl-NL" sz="2400" dirty="0" err="1" smtClean="0"/>
-              <a:t>recap</a:t>
-            </a:r>
-            <a:r>
-              <a:rPr lang="nl-NL" sz="2400" dirty="0" smtClean="0"/>
-              <a:t> </a:t>
-            </a:r>
-            <a:r>
-              <a:rPr lang="nl-NL" sz="2400" dirty="0" err="1" smtClean="0"/>
-              <a:t>exercise</a:t>
-            </a:r>
-            <a:endParaRPr lang="nl-NL" sz="2400" dirty="0"/>
-          </a:p>
-          <a:p>
-            <a:endParaRPr lang="nl-NL" sz="2400" dirty="0" smtClean="0"/>
-          </a:p>
-          <a:p>
-            <a:r>
-              <a:rPr lang="nl-NL" sz="2400" dirty="0" smtClean="0"/>
-              <a:t>Machine </a:t>
-            </a:r>
-            <a:r>
-              <a:rPr lang="nl-NL" sz="2400" dirty="0" err="1" smtClean="0"/>
-              <a:t>learning</a:t>
-            </a:r>
-            <a:endParaRPr lang="nl-NL" sz="2400" dirty="0" smtClean="0"/>
-          </a:p>
-          <a:p>
-            <a:endParaRPr lang="nl-NL" sz="2400" dirty="0"/>
-          </a:p>
-          <a:p>
-            <a:r>
-              <a:rPr lang="nl-NL" sz="2400" i="1" dirty="0" smtClean="0"/>
-              <a:t>k</a:t>
-            </a:r>
-            <a:r>
-              <a:rPr lang="nl-NL" sz="2400" dirty="0" smtClean="0"/>
-              <a:t>-</a:t>
-            </a:r>
-            <a:r>
-              <a:rPr lang="nl-NL" sz="2400" dirty="0" err="1" smtClean="0"/>
-              <a:t>nearest</a:t>
-            </a:r>
-            <a:r>
-              <a:rPr lang="nl-NL" sz="2400" dirty="0" smtClean="0"/>
-              <a:t> </a:t>
-            </a:r>
-            <a:r>
-              <a:rPr lang="nl-NL" sz="2400" dirty="0" err="1" smtClean="0"/>
-              <a:t>neighbor</a:t>
-            </a:r>
-            <a:r>
-              <a:rPr lang="nl-NL" sz="2400" dirty="0" smtClean="0"/>
-              <a:t> </a:t>
-            </a:r>
-            <a:r>
-              <a:rPr lang="nl-NL" sz="2400" dirty="0" err="1" smtClean="0"/>
-              <a:t>algorithm</a:t>
-            </a:r>
-            <a:endParaRPr lang="nl-NL" sz="2400" dirty="0" smtClean="0"/>
-          </a:p>
-          <a:p>
-            <a:endParaRPr lang="nl-NL" sz="2400" i="1" dirty="0"/>
-          </a:p>
-        </p:txBody>
-      </p:sp>
-    </p:spTree>
-    <p:extLst>
-      <p:ext uri="{BB962C8B-B14F-4D97-AF65-F5344CB8AC3E}">
-        <p14:creationId xmlns:p14="http://schemas.microsoft.com/office/powerpoint/2010/main" val="1462123132"/>
       </p:ext>
     </p:extLst>
   </p:cSld>
@@ -10022,6 +10153,187 @@
           <a:p>
             <a:r>
               <a:rPr lang="nl-NL" dirty="0" smtClean="0"/>
+              <a:t>Topics</a:t>
+            </a:r>
+            <a:endParaRPr lang="nl-NL" dirty="0"/>
+          </a:p>
+        </p:txBody>
+      </p:sp>
+      <p:sp>
+        <p:nvSpPr>
+          <p:cNvPr id="3" name="Tijdelijke aanduiding voor inhoud 2"/>
+          <p:cNvSpPr>
+            <a:spLocks noGrp="1"/>
+          </p:cNvSpPr>
+          <p:nvPr>
+            <p:ph idx="1"/>
+          </p:nvPr>
+        </p:nvSpPr>
+        <p:spPr>
+          <a:xfrm>
+            <a:off x="762000" y="1762125"/>
+            <a:ext cx="7881938" cy="3564053"/>
+          </a:xfrm>
+        </p:spPr>
+        <p:txBody>
+          <a:bodyPr/>
+          <a:lstStyle/>
+          <a:p>
+            <a:r>
+              <a:rPr lang="nl-NL" sz="2400" dirty="0" err="1" smtClean="0"/>
+              <a:t>Variable</a:t>
+            </a:r>
+            <a:r>
+              <a:rPr lang="nl-NL" sz="2400" dirty="0" smtClean="0"/>
+              <a:t> </a:t>
+            </a:r>
+            <a:r>
+              <a:rPr lang="nl-NL" sz="2400" dirty="0" err="1" smtClean="0"/>
+              <a:t>transformations</a:t>
+            </a:r>
+            <a:endParaRPr lang="nl-NL" sz="2400" dirty="0"/>
+          </a:p>
+          <a:p>
+            <a:endParaRPr lang="nl-NL" sz="2400" dirty="0" smtClean="0"/>
+          </a:p>
+          <a:p>
+            <a:r>
+              <a:rPr lang="nl-NL" sz="2400" dirty="0" err="1" smtClean="0"/>
+              <a:t>Recap</a:t>
+            </a:r>
+            <a:r>
+              <a:rPr lang="nl-NL" sz="2400" dirty="0" smtClean="0"/>
+              <a:t> </a:t>
+            </a:r>
+            <a:r>
+              <a:rPr lang="nl-NL" sz="2400" dirty="0" err="1" smtClean="0"/>
+              <a:t>and</a:t>
+            </a:r>
+            <a:r>
+              <a:rPr lang="nl-NL" sz="2400" dirty="0" smtClean="0"/>
+              <a:t> </a:t>
+            </a:r>
+            <a:r>
+              <a:rPr lang="nl-NL" sz="2400" dirty="0" err="1" smtClean="0"/>
+              <a:t>recap</a:t>
+            </a:r>
+            <a:r>
+              <a:rPr lang="nl-NL" sz="2400" dirty="0" smtClean="0"/>
+              <a:t> </a:t>
+            </a:r>
+            <a:r>
+              <a:rPr lang="nl-NL" sz="2400" dirty="0" err="1" smtClean="0"/>
+              <a:t>exercise</a:t>
+            </a:r>
+            <a:endParaRPr lang="nl-NL" sz="2400" dirty="0"/>
+          </a:p>
+          <a:p>
+            <a:endParaRPr lang="nl-NL" sz="2400" dirty="0" smtClean="0"/>
+          </a:p>
+          <a:p>
+            <a:r>
+              <a:rPr lang="nl-NL" sz="2400" dirty="0" smtClean="0"/>
+              <a:t>Machine </a:t>
+            </a:r>
+            <a:r>
+              <a:rPr lang="nl-NL" sz="2400" dirty="0" err="1" smtClean="0"/>
+              <a:t>learning</a:t>
+            </a:r>
+            <a:endParaRPr lang="nl-NL" sz="2400" dirty="0" smtClean="0"/>
+          </a:p>
+          <a:p>
+            <a:endParaRPr lang="nl-NL" sz="2400" dirty="0"/>
+          </a:p>
+          <a:p>
+            <a:r>
+              <a:rPr lang="nl-NL" sz="2400" i="1" dirty="0" smtClean="0"/>
+              <a:t>k</a:t>
+            </a:r>
+            <a:r>
+              <a:rPr lang="nl-NL" sz="2400" dirty="0" smtClean="0"/>
+              <a:t>-</a:t>
+            </a:r>
+            <a:r>
+              <a:rPr lang="nl-NL" sz="2400" dirty="0" err="1" smtClean="0"/>
+              <a:t>nearest</a:t>
+            </a:r>
+            <a:r>
+              <a:rPr lang="nl-NL" sz="2400" dirty="0" smtClean="0"/>
+              <a:t> </a:t>
+            </a:r>
+            <a:r>
+              <a:rPr lang="nl-NL" sz="2400" dirty="0" err="1" smtClean="0"/>
+              <a:t>neighbor</a:t>
+            </a:r>
+            <a:r>
+              <a:rPr lang="nl-NL" sz="2400" dirty="0" smtClean="0"/>
+              <a:t> </a:t>
+            </a:r>
+            <a:r>
+              <a:rPr lang="nl-NL" sz="2400" dirty="0" err="1" smtClean="0"/>
+              <a:t>algorithm</a:t>
+            </a:r>
+            <a:endParaRPr lang="nl-NL" sz="2400" dirty="0" smtClean="0"/>
+          </a:p>
+          <a:p>
+            <a:endParaRPr lang="nl-NL" sz="2400" i="1" dirty="0"/>
+          </a:p>
+        </p:txBody>
+      </p:sp>
+    </p:spTree>
+    <p:extLst>
+      <p:ext uri="{BB962C8B-B14F-4D97-AF65-F5344CB8AC3E}">
+        <p14:creationId xmlns:p14="http://schemas.microsoft.com/office/powerpoint/2010/main" val="1462123132"/>
+      </p:ext>
+    </p:extLst>
+  </p:cSld>
+  <p:clrMapOvr>
+    <a:masterClrMapping/>
+  </p:clrMapOvr>
+  <p:timing>
+    <p:tnLst>
+      <p:par>
+        <p:cTn id="1" dur="indefinite" restart="never" nodeType="tmRoot"/>
+      </p:par>
+    </p:tnLst>
+  </p:timing>
+</p:sld>
+</file>
+
+<file path=ppt/slides/slide15.xml><?xml version="1.0" encoding="utf-8"?>
+<p:sld xmlns:a="http://schemas.openxmlformats.org/drawingml/2006/main" xmlns:r="http://schemas.openxmlformats.org/officeDocument/2006/relationships" xmlns:p="http://schemas.openxmlformats.org/presentationml/2006/main">
+  <p:cSld>
+    <p:spTree>
+      <p:nvGrpSpPr>
+        <p:cNvPr id="1" name=""/>
+        <p:cNvGrpSpPr/>
+        <p:nvPr/>
+      </p:nvGrpSpPr>
+      <p:grpSpPr>
+        <a:xfrm>
+          <a:off x="0" y="0"/>
+          <a:ext cx="0" cy="0"/>
+          <a:chOff x="0" y="0"/>
+          <a:chExt cx="0" cy="0"/>
+        </a:xfrm>
+      </p:grpSpPr>
+      <p:sp>
+        <p:nvSpPr>
+          <p:cNvPr id="2" name="Titel 1"/>
+          <p:cNvSpPr>
+            <a:spLocks noGrp="1"/>
+          </p:cNvSpPr>
+          <p:nvPr>
+            <p:ph type="title"/>
+          </p:nvPr>
+        </p:nvSpPr>
+        <p:spPr/>
+        <p:txBody>
+          <a:bodyPr/>
+          <a:lstStyle/>
+          <a:p>
+            <a:r>
+              <a:rPr lang="nl-NL" dirty="0" smtClean="0"/>
               <a:t>Machine </a:t>
             </a:r>
             <a:r>
@@ -10118,7 +10430,7 @@
 </p:sld>
 </file>
 
-<file path=ppt/slides/slide15.xml><?xml version="1.0" encoding="utf-8"?>
+<file path=ppt/slides/slide16.xml><?xml version="1.0" encoding="utf-8"?>
 <p:sld xmlns:a="http://schemas.openxmlformats.org/drawingml/2006/main" xmlns:r="http://schemas.openxmlformats.org/officeDocument/2006/relationships" xmlns:p="http://schemas.openxmlformats.org/presentationml/2006/main">
   <p:cSld>
     <p:spTree>
@@ -10891,7 +11203,7 @@
 </p:sld>
 </file>
 
-<file path=ppt/slides/slide16.xml><?xml version="1.0" encoding="utf-8"?>
+<file path=ppt/slides/slide17.xml><?xml version="1.0" encoding="utf-8"?>
 <p:sld xmlns:a="http://schemas.openxmlformats.org/drawingml/2006/main" xmlns:r="http://schemas.openxmlformats.org/officeDocument/2006/relationships" xmlns:p="http://schemas.openxmlformats.org/presentationml/2006/main">
   <p:cSld>
     <p:spTree>
@@ -11131,7 +11443,7 @@
 </p:sld>
 </file>
 
-<file path=ppt/slides/slide17.xml><?xml version="1.0" encoding="utf-8"?>
+<file path=ppt/slides/slide18.xml><?xml version="1.0" encoding="utf-8"?>
 <p:sld xmlns:a="http://schemas.openxmlformats.org/drawingml/2006/main" xmlns:r="http://schemas.openxmlformats.org/officeDocument/2006/relationships" xmlns:p="http://schemas.openxmlformats.org/presentationml/2006/main">
   <p:cSld>
     <p:spTree>
@@ -11343,7 +11655,7 @@
 </p:sld>
 </file>
 
-<file path=ppt/slides/slide18.xml><?xml version="1.0" encoding="utf-8"?>
+<file path=ppt/slides/slide19.xml><?xml version="1.0" encoding="utf-8"?>
 <p:sld xmlns:a="http://schemas.openxmlformats.org/drawingml/2006/main" xmlns:r="http://schemas.openxmlformats.org/officeDocument/2006/relationships" xmlns:p="http://schemas.openxmlformats.org/presentationml/2006/main">
   <p:cSld>
     <p:spTree>
@@ -11958,187 +12270,6 @@
 </p:sld>
 </file>
 
-<file path=ppt/slides/slide19.xml><?xml version="1.0" encoding="utf-8"?>
-<p:sld xmlns:a="http://schemas.openxmlformats.org/drawingml/2006/main" xmlns:r="http://schemas.openxmlformats.org/officeDocument/2006/relationships" xmlns:p="http://schemas.openxmlformats.org/presentationml/2006/main">
-  <p:cSld>
-    <p:spTree>
-      <p:nvGrpSpPr>
-        <p:cNvPr id="1" name=""/>
-        <p:cNvGrpSpPr/>
-        <p:nvPr/>
-      </p:nvGrpSpPr>
-      <p:grpSpPr>
-        <a:xfrm>
-          <a:off x="0" y="0"/>
-          <a:ext cx="0" cy="0"/>
-          <a:chOff x="0" y="0"/>
-          <a:chExt cx="0" cy="0"/>
-        </a:xfrm>
-      </p:grpSpPr>
-      <p:sp>
-        <p:nvSpPr>
-          <p:cNvPr id="2" name="Titel 1"/>
-          <p:cNvSpPr>
-            <a:spLocks noGrp="1"/>
-          </p:cNvSpPr>
-          <p:nvPr>
-            <p:ph type="title"/>
-          </p:nvPr>
-        </p:nvSpPr>
-        <p:spPr/>
-        <p:txBody>
-          <a:bodyPr/>
-          <a:lstStyle/>
-          <a:p>
-            <a:r>
-              <a:rPr lang="nl-NL" dirty="0" smtClean="0"/>
-              <a:t>Topics</a:t>
-            </a:r>
-            <a:endParaRPr lang="nl-NL" dirty="0"/>
-          </a:p>
-        </p:txBody>
-      </p:sp>
-      <p:sp>
-        <p:nvSpPr>
-          <p:cNvPr id="3" name="Tijdelijke aanduiding voor inhoud 2"/>
-          <p:cNvSpPr>
-            <a:spLocks noGrp="1"/>
-          </p:cNvSpPr>
-          <p:nvPr>
-            <p:ph idx="1"/>
-          </p:nvPr>
-        </p:nvSpPr>
-        <p:spPr>
-          <a:xfrm>
-            <a:off x="762000" y="1762125"/>
-            <a:ext cx="7881938" cy="3564053"/>
-          </a:xfrm>
-        </p:spPr>
-        <p:txBody>
-          <a:bodyPr/>
-          <a:lstStyle/>
-          <a:p>
-            <a:r>
-              <a:rPr lang="nl-NL" sz="2400" dirty="0" err="1" smtClean="0"/>
-              <a:t>Variable</a:t>
-            </a:r>
-            <a:r>
-              <a:rPr lang="nl-NL" sz="2400" dirty="0" smtClean="0"/>
-              <a:t> </a:t>
-            </a:r>
-            <a:r>
-              <a:rPr lang="nl-NL" sz="2400" dirty="0" err="1" smtClean="0"/>
-              <a:t>transformations</a:t>
-            </a:r>
-            <a:endParaRPr lang="nl-NL" sz="2400" dirty="0"/>
-          </a:p>
-          <a:p>
-            <a:endParaRPr lang="nl-NL" sz="2400" dirty="0" smtClean="0"/>
-          </a:p>
-          <a:p>
-            <a:r>
-              <a:rPr lang="nl-NL" sz="2400" dirty="0" err="1" smtClean="0"/>
-              <a:t>Recap</a:t>
-            </a:r>
-            <a:r>
-              <a:rPr lang="nl-NL" sz="2400" dirty="0" smtClean="0"/>
-              <a:t> </a:t>
-            </a:r>
-            <a:r>
-              <a:rPr lang="nl-NL" sz="2400" dirty="0" err="1" smtClean="0"/>
-              <a:t>and</a:t>
-            </a:r>
-            <a:r>
-              <a:rPr lang="nl-NL" sz="2400" dirty="0" smtClean="0"/>
-              <a:t> </a:t>
-            </a:r>
-            <a:r>
-              <a:rPr lang="nl-NL" sz="2400" dirty="0" err="1" smtClean="0"/>
-              <a:t>recap</a:t>
-            </a:r>
-            <a:r>
-              <a:rPr lang="nl-NL" sz="2400" dirty="0" smtClean="0"/>
-              <a:t> </a:t>
-            </a:r>
-            <a:r>
-              <a:rPr lang="nl-NL" sz="2400" dirty="0" err="1" smtClean="0"/>
-              <a:t>exercise</a:t>
-            </a:r>
-            <a:endParaRPr lang="nl-NL" sz="2400" dirty="0"/>
-          </a:p>
-          <a:p>
-            <a:endParaRPr lang="nl-NL" sz="2400" dirty="0" smtClean="0"/>
-          </a:p>
-          <a:p>
-            <a:r>
-              <a:rPr lang="nl-NL" sz="2400" dirty="0" smtClean="0"/>
-              <a:t>Machine </a:t>
-            </a:r>
-            <a:r>
-              <a:rPr lang="nl-NL" sz="2400" dirty="0" err="1" smtClean="0"/>
-              <a:t>learning</a:t>
-            </a:r>
-            <a:endParaRPr lang="nl-NL" sz="2400" dirty="0" smtClean="0"/>
-          </a:p>
-          <a:p>
-            <a:endParaRPr lang="nl-NL" sz="2400" dirty="0"/>
-          </a:p>
-          <a:p>
-            <a:r>
-              <a:rPr lang="nl-NL" sz="2400" i="1" dirty="0" smtClean="0"/>
-              <a:t>k</a:t>
-            </a:r>
-            <a:r>
-              <a:rPr lang="nl-NL" sz="2400" dirty="0" smtClean="0"/>
-              <a:t>-</a:t>
-            </a:r>
-            <a:r>
-              <a:rPr lang="nl-NL" sz="2400" dirty="0" err="1" smtClean="0"/>
-              <a:t>nearest</a:t>
-            </a:r>
-            <a:r>
-              <a:rPr lang="nl-NL" sz="2400" dirty="0" smtClean="0"/>
-              <a:t> </a:t>
-            </a:r>
-            <a:r>
-              <a:rPr lang="nl-NL" sz="2400" dirty="0" err="1" smtClean="0"/>
-              <a:t>neighbor</a:t>
-            </a:r>
-            <a:r>
-              <a:rPr lang="nl-NL" sz="2400" dirty="0" smtClean="0"/>
-              <a:t> </a:t>
-            </a:r>
-            <a:r>
-              <a:rPr lang="nl-NL" sz="2400" dirty="0" err="1" smtClean="0"/>
-              <a:t>algorithm</a:t>
-            </a:r>
-            <a:endParaRPr lang="nl-NL" sz="2400" dirty="0" smtClean="0"/>
-          </a:p>
-          <a:p>
-            <a:endParaRPr lang="nl-NL" sz="2400" i="1" dirty="0"/>
-          </a:p>
-        </p:txBody>
-      </p:sp>
-    </p:spTree>
-    <p:extLst>
-      <p:ext uri="{BB962C8B-B14F-4D97-AF65-F5344CB8AC3E}">
-        <p14:creationId xmlns:p14="http://schemas.microsoft.com/office/powerpoint/2010/main" val="308143584"/>
-      </p:ext>
-    </p:extLst>
-  </p:cSld>
-  <p:clrMapOvr>
-    <a:masterClrMapping/>
-  </p:clrMapOvr>
-  <p:timing>
-    <p:tnLst>
-      <p:par>
-        <p:cTn id="1" dur="indefinite" restart="never" nodeType="tmRoot"/>
-      </p:par>
-    </p:tnLst>
-  </p:timing>
-</p:sld>
-</file>
-
 <file path=ppt/slides/slide2.xml><?xml version="1.0" encoding="utf-8"?>
 <p:sld xmlns:a="http://schemas.openxmlformats.org/drawingml/2006/main" xmlns:r="http://schemas.openxmlformats.org/officeDocument/2006/relationships" xmlns:p="http://schemas.openxmlformats.org/presentationml/2006/main">
   <p:cSld>
@@ -12224,6 +12355,187 @@
 </file>
 
 <file path=ppt/slides/slide20.xml><?xml version="1.0" encoding="utf-8"?>
+<p:sld xmlns:a="http://schemas.openxmlformats.org/drawingml/2006/main" xmlns:r="http://schemas.openxmlformats.org/officeDocument/2006/relationships" xmlns:p="http://schemas.openxmlformats.org/presentationml/2006/main">
+  <p:cSld>
+    <p:spTree>
+      <p:nvGrpSpPr>
+        <p:cNvPr id="1" name=""/>
+        <p:cNvGrpSpPr/>
+        <p:nvPr/>
+      </p:nvGrpSpPr>
+      <p:grpSpPr>
+        <a:xfrm>
+          <a:off x="0" y="0"/>
+          <a:ext cx="0" cy="0"/>
+          <a:chOff x="0" y="0"/>
+          <a:chExt cx="0" cy="0"/>
+        </a:xfrm>
+      </p:grpSpPr>
+      <p:sp>
+        <p:nvSpPr>
+          <p:cNvPr id="2" name="Titel 1"/>
+          <p:cNvSpPr>
+            <a:spLocks noGrp="1"/>
+          </p:cNvSpPr>
+          <p:nvPr>
+            <p:ph type="title"/>
+          </p:nvPr>
+        </p:nvSpPr>
+        <p:spPr/>
+        <p:txBody>
+          <a:bodyPr/>
+          <a:lstStyle/>
+          <a:p>
+            <a:r>
+              <a:rPr lang="nl-NL" dirty="0" smtClean="0"/>
+              <a:t>Topics</a:t>
+            </a:r>
+            <a:endParaRPr lang="nl-NL" dirty="0"/>
+          </a:p>
+        </p:txBody>
+      </p:sp>
+      <p:sp>
+        <p:nvSpPr>
+          <p:cNvPr id="3" name="Tijdelijke aanduiding voor inhoud 2"/>
+          <p:cNvSpPr>
+            <a:spLocks noGrp="1"/>
+          </p:cNvSpPr>
+          <p:nvPr>
+            <p:ph idx="1"/>
+          </p:nvPr>
+        </p:nvSpPr>
+        <p:spPr>
+          <a:xfrm>
+            <a:off x="762000" y="1762125"/>
+            <a:ext cx="7881938" cy="3564053"/>
+          </a:xfrm>
+        </p:spPr>
+        <p:txBody>
+          <a:bodyPr/>
+          <a:lstStyle/>
+          <a:p>
+            <a:r>
+              <a:rPr lang="nl-NL" sz="2400" dirty="0" err="1" smtClean="0"/>
+              <a:t>Variable</a:t>
+            </a:r>
+            <a:r>
+              <a:rPr lang="nl-NL" sz="2400" dirty="0" smtClean="0"/>
+              <a:t> </a:t>
+            </a:r>
+            <a:r>
+              <a:rPr lang="nl-NL" sz="2400" dirty="0" err="1" smtClean="0"/>
+              <a:t>transformations</a:t>
+            </a:r>
+            <a:endParaRPr lang="nl-NL" sz="2400" dirty="0"/>
+          </a:p>
+          <a:p>
+            <a:endParaRPr lang="nl-NL" sz="2400" dirty="0" smtClean="0"/>
+          </a:p>
+          <a:p>
+            <a:r>
+              <a:rPr lang="nl-NL" sz="2400" dirty="0" err="1" smtClean="0"/>
+              <a:t>Recap</a:t>
+            </a:r>
+            <a:r>
+              <a:rPr lang="nl-NL" sz="2400" dirty="0" smtClean="0"/>
+              <a:t> </a:t>
+            </a:r>
+            <a:r>
+              <a:rPr lang="nl-NL" sz="2400" dirty="0" err="1" smtClean="0"/>
+              <a:t>and</a:t>
+            </a:r>
+            <a:r>
+              <a:rPr lang="nl-NL" sz="2400" dirty="0" smtClean="0"/>
+              <a:t> </a:t>
+            </a:r>
+            <a:r>
+              <a:rPr lang="nl-NL" sz="2400" dirty="0" err="1" smtClean="0"/>
+              <a:t>recap</a:t>
+            </a:r>
+            <a:r>
+              <a:rPr lang="nl-NL" sz="2400" dirty="0" smtClean="0"/>
+              <a:t> </a:t>
+            </a:r>
+            <a:r>
+              <a:rPr lang="nl-NL" sz="2400" dirty="0" err="1" smtClean="0"/>
+              <a:t>exercise</a:t>
+            </a:r>
+            <a:endParaRPr lang="nl-NL" sz="2400" dirty="0"/>
+          </a:p>
+          <a:p>
+            <a:endParaRPr lang="nl-NL" sz="2400" dirty="0" smtClean="0"/>
+          </a:p>
+          <a:p>
+            <a:r>
+              <a:rPr lang="nl-NL" sz="2400" dirty="0" smtClean="0"/>
+              <a:t>Machine </a:t>
+            </a:r>
+            <a:r>
+              <a:rPr lang="nl-NL" sz="2400" dirty="0" err="1" smtClean="0"/>
+              <a:t>learning</a:t>
+            </a:r>
+            <a:endParaRPr lang="nl-NL" sz="2400" dirty="0" smtClean="0"/>
+          </a:p>
+          <a:p>
+            <a:endParaRPr lang="nl-NL" sz="2400" dirty="0"/>
+          </a:p>
+          <a:p>
+            <a:r>
+              <a:rPr lang="nl-NL" sz="2400" i="1" dirty="0" smtClean="0"/>
+              <a:t>k</a:t>
+            </a:r>
+            <a:r>
+              <a:rPr lang="nl-NL" sz="2400" dirty="0" smtClean="0"/>
+              <a:t>-</a:t>
+            </a:r>
+            <a:r>
+              <a:rPr lang="nl-NL" sz="2400" dirty="0" err="1" smtClean="0"/>
+              <a:t>nearest</a:t>
+            </a:r>
+            <a:r>
+              <a:rPr lang="nl-NL" sz="2400" dirty="0" smtClean="0"/>
+              <a:t> </a:t>
+            </a:r>
+            <a:r>
+              <a:rPr lang="nl-NL" sz="2400" dirty="0" err="1" smtClean="0"/>
+              <a:t>neighbor</a:t>
+            </a:r>
+            <a:r>
+              <a:rPr lang="nl-NL" sz="2400" dirty="0" smtClean="0"/>
+              <a:t> </a:t>
+            </a:r>
+            <a:r>
+              <a:rPr lang="nl-NL" sz="2400" dirty="0" err="1" smtClean="0"/>
+              <a:t>algorithm</a:t>
+            </a:r>
+            <a:endParaRPr lang="nl-NL" sz="2400" dirty="0" smtClean="0"/>
+          </a:p>
+          <a:p>
+            <a:endParaRPr lang="nl-NL" sz="2400" i="1" dirty="0"/>
+          </a:p>
+        </p:txBody>
+      </p:sp>
+    </p:spTree>
+    <p:extLst>
+      <p:ext uri="{BB962C8B-B14F-4D97-AF65-F5344CB8AC3E}">
+        <p14:creationId xmlns:p14="http://schemas.microsoft.com/office/powerpoint/2010/main" val="308143584"/>
+      </p:ext>
+    </p:extLst>
+  </p:cSld>
+  <p:clrMapOvr>
+    <a:masterClrMapping/>
+  </p:clrMapOvr>
+  <p:timing>
+    <p:tnLst>
+      <p:par>
+        <p:cTn id="1" dur="indefinite" restart="never" nodeType="tmRoot"/>
+      </p:par>
+    </p:tnLst>
+  </p:timing>
+</p:sld>
+</file>
+
+<file path=ppt/slides/slide21.xml><?xml version="1.0" encoding="utf-8"?>
 <p:sld xmlns:a="http://schemas.openxmlformats.org/drawingml/2006/main" xmlns:r="http://schemas.openxmlformats.org/officeDocument/2006/relationships" xmlns:p="http://schemas.openxmlformats.org/presentationml/2006/main">
   <p:cSld>
     <p:spTree>
@@ -12653,7 +12965,7 @@
 </p:sld>
 </file>
 
-<file path=ppt/slides/slide21.xml><?xml version="1.0" encoding="utf-8"?>
+<file path=ppt/slides/slide22.xml><?xml version="1.0" encoding="utf-8"?>
 <p:sld xmlns:a="http://schemas.openxmlformats.org/drawingml/2006/main" xmlns:r="http://schemas.openxmlformats.org/officeDocument/2006/relationships" xmlns:p="http://schemas.openxmlformats.org/presentationml/2006/main">
   <p:cSld>
     <p:spTree>
@@ -13003,7 +13315,7 @@
 </p:sld>
 </file>
 
-<file path=ppt/slides/slide22.xml><?xml version="1.0" encoding="utf-8"?>
+<file path=ppt/slides/slide23.xml><?xml version="1.0" encoding="utf-8"?>
 <p:sld xmlns:a="http://schemas.openxmlformats.org/drawingml/2006/main" xmlns:r="http://schemas.openxmlformats.org/officeDocument/2006/relationships" xmlns:p="http://schemas.openxmlformats.org/presentationml/2006/main">
   <p:cSld>
     <p:spTree>
@@ -13846,7 +14158,7 @@
 </p:sld>
 </file>
 
-<file path=ppt/slides/slide23.xml><?xml version="1.0" encoding="utf-8"?>
+<file path=ppt/slides/slide24.xml><?xml version="1.0" encoding="utf-8"?>
 <p:sld xmlns:a="http://schemas.openxmlformats.org/drawingml/2006/main" xmlns:r="http://schemas.openxmlformats.org/officeDocument/2006/relationships" xmlns:p="http://schemas.openxmlformats.org/presentationml/2006/main">
   <p:cSld>
     <p:spTree>
@@ -14325,14 +14637,31 @@
             <p:ph type="title"/>
           </p:nvPr>
         </p:nvSpPr>
-        <p:spPr/>
+        <p:spPr>
+          <a:xfrm>
+            <a:off x="838200" y="111820"/>
+            <a:ext cx="6398096" cy="1077218"/>
+          </a:xfrm>
+        </p:spPr>
         <p:txBody>
           <a:bodyPr/>
           <a:lstStyle/>
           <a:p>
             <a:r>
               <a:rPr lang="nl-NL" dirty="0" smtClean="0"/>
-              <a:t>Topics</a:t>
+              <a:t>Research project </a:t>
+            </a:r>
+            <a:r>
+              <a:rPr lang="nl-NL" dirty="0" err="1" smtClean="0"/>
+              <a:t>with</a:t>
+            </a:r>
+            <a:r>
+              <a:rPr lang="nl-NL" dirty="0" smtClean="0"/>
+              <a:t> AI </a:t>
+            </a:r>
+            <a:r>
+              <a:rPr lang="nl-NL" dirty="0" err="1" smtClean="0"/>
+              <a:t>group</a:t>
             </a:r>
             <a:endParaRPr lang="nl-NL" dirty="0"/>
           </a:p>
@@ -14350,8 +14679,8 @@
         </p:nvSpPr>
         <p:spPr>
           <a:xfrm>
-            <a:off x="762000" y="1762125"/>
-            <a:ext cx="7881938" cy="3564053"/>
+            <a:off x="838200" y="1595021"/>
+            <a:ext cx="7881938" cy="10525958"/>
           </a:xfrm>
         </p:spPr>
         <p:txBody>
@@ -14359,123 +14688,358 @@
           <a:lstStyle/>
           <a:p>
             <a:r>
-              <a:rPr lang="nl-NL" sz="2400" dirty="0" err="1" smtClean="0"/>
-              <a:t>Variable</a:t>
-            </a:r>
-            <a:r>
-              <a:rPr lang="nl-NL" sz="2400" dirty="0" smtClean="0"/>
+              <a:rPr lang="nl-NL" sz="1800" dirty="0" smtClean="0"/>
+              <a:t>Building on a project </a:t>
+            </a:r>
+            <a:r>
+              <a:rPr lang="nl-NL" sz="1800" dirty="0" err="1" smtClean="0"/>
+              <a:t>to</a:t>
+            </a:r>
+            <a:r>
+              <a:rPr lang="nl-NL" sz="1800" dirty="0" smtClean="0"/>
               <a:t> </a:t>
             </a:r>
             <a:r>
-              <a:rPr lang="nl-NL" sz="2400" dirty="0" err="1" smtClean="0"/>
-              <a:t>transformations</a:t>
-            </a:r>
-            <a:endParaRPr lang="nl-NL" sz="2400" dirty="0"/>
-          </a:p>
-          <a:p>
-            <a:endParaRPr lang="nl-NL" sz="2400" dirty="0" smtClean="0"/>
-          </a:p>
-          <a:p>
-            <a:r>
-              <a:rPr lang="nl-NL" sz="2400" dirty="0" err="1" smtClean="0"/>
-              <a:t>Recap</a:t>
-            </a:r>
-            <a:r>
-              <a:rPr lang="nl-NL" sz="2400" dirty="0" smtClean="0"/>
+              <a:rPr lang="nl-NL" sz="1800" dirty="0" err="1" smtClean="0"/>
+              <a:t>predict</a:t>
+            </a:r>
+            <a:r>
+              <a:rPr lang="nl-NL" sz="1800" dirty="0" smtClean="0"/>
+              <a:t> fake </a:t>
+            </a:r>
+            <a:r>
+              <a:rPr lang="nl-NL" sz="1800" dirty="0" err="1" smtClean="0"/>
+              <a:t>news</a:t>
+            </a:r>
+            <a:r>
+              <a:rPr lang="nl-NL" sz="1800" dirty="0" smtClean="0"/>
+              <a:t> tweets</a:t>
+            </a:r>
+          </a:p>
+          <a:p>
+            <a:endParaRPr lang="nl-NL" sz="1800" dirty="0"/>
+          </a:p>
+          <a:p>
+            <a:r>
+              <a:rPr lang="nl-NL" sz="1800" dirty="0" err="1" smtClean="0"/>
+              <a:t>Lecture</a:t>
+            </a:r>
+            <a:r>
+              <a:rPr lang="nl-NL" sz="1800" dirty="0" smtClean="0"/>
               <a:t> </a:t>
             </a:r>
             <a:r>
-              <a:rPr lang="nl-NL" sz="2400" dirty="0" err="1" smtClean="0"/>
+              <a:rPr lang="nl-NL" sz="1800" dirty="0" err="1" smtClean="0"/>
               <a:t>and</a:t>
             </a:r>
             <a:r>
-              <a:rPr lang="nl-NL" sz="2400" dirty="0" smtClean="0"/>
+              <a:rPr lang="nl-NL" sz="1800" dirty="0" smtClean="0"/>
+              <a:t> Q&amp;A from Stefan Leijnen, professor of the research </a:t>
+            </a:r>
+            <a:r>
+              <a:rPr lang="nl-NL" sz="1800" dirty="0" err="1" smtClean="0"/>
+              <a:t>group</a:t>
+            </a:r>
+            <a:r>
+              <a:rPr lang="nl-NL" sz="1800" dirty="0" smtClean="0"/>
+              <a:t>. 8 December 11:00-11:45</a:t>
+            </a:r>
+          </a:p>
+          <a:p>
+            <a:endParaRPr lang="nl-NL" sz="1800" dirty="0"/>
+          </a:p>
+          <a:p>
+            <a:r>
+              <a:rPr lang="nl-NL" sz="1800" dirty="0" err="1" smtClean="0"/>
+              <a:t>Work</a:t>
+            </a:r>
+            <a:r>
+              <a:rPr lang="nl-NL" sz="1800" dirty="0" smtClean="0"/>
               <a:t> </a:t>
             </a:r>
             <a:r>
-              <a:rPr lang="nl-NL" sz="2400" dirty="0" err="1" smtClean="0"/>
-              <a:t>recap</a:t>
-            </a:r>
-            <a:r>
-              <a:rPr lang="nl-NL" sz="2400" dirty="0" smtClean="0"/>
+              <a:rPr lang="nl-NL" sz="1800" dirty="0" err="1" smtClean="0"/>
+              <a:t>individually</a:t>
+            </a:r>
+            <a:r>
+              <a:rPr lang="nl-NL" sz="1800" dirty="0" smtClean="0"/>
+              <a:t> but </a:t>
+            </a:r>
+            <a:r>
+              <a:rPr lang="nl-NL" sz="1800" dirty="0" err="1" smtClean="0"/>
+              <a:t>also</a:t>
+            </a:r>
+            <a:r>
+              <a:rPr lang="nl-NL" sz="1800" dirty="0" smtClean="0"/>
+              <a:t> as a team</a:t>
+            </a:r>
+          </a:p>
+          <a:p>
+            <a:endParaRPr lang="nl-NL" sz="1800" dirty="0"/>
+          </a:p>
+          <a:p>
+            <a:r>
+              <a:rPr lang="nl-NL" sz="1800" dirty="0" smtClean="0"/>
+              <a:t>More (</a:t>
+            </a:r>
+            <a:r>
+              <a:rPr lang="nl-NL" sz="1800" dirty="0" err="1" smtClean="0"/>
+              <a:t>advanced</a:t>
+            </a:r>
+            <a:r>
+              <a:rPr lang="nl-NL" sz="1800" dirty="0" smtClean="0"/>
+              <a:t>) </a:t>
+            </a:r>
+            <a:r>
+              <a:rPr lang="nl-NL" sz="1800" dirty="0" err="1" smtClean="0"/>
+              <a:t>work</a:t>
+            </a:r>
+            <a:r>
+              <a:rPr lang="nl-NL" sz="1800" dirty="0" smtClean="0"/>
+              <a:t> on feature engineering &amp; model building</a:t>
+            </a:r>
+          </a:p>
+          <a:p>
+            <a:endParaRPr lang="nl-NL" sz="1800" dirty="0"/>
+          </a:p>
+          <a:p>
+            <a:r>
+              <a:rPr lang="nl-NL" sz="1800" dirty="0" err="1" smtClean="0"/>
+              <a:t>Some</a:t>
+            </a:r>
+            <a:r>
+              <a:rPr lang="nl-NL" sz="1800" dirty="0" smtClean="0"/>
+              <a:t> more </a:t>
+            </a:r>
+            <a:r>
+              <a:rPr lang="nl-NL" sz="1800" dirty="0" err="1" smtClean="0"/>
+              <a:t>supervision</a:t>
+            </a:r>
+            <a:r>
+              <a:rPr lang="nl-NL" sz="1800" dirty="0" smtClean="0"/>
+              <a:t> from me</a:t>
+            </a:r>
+          </a:p>
+          <a:p>
+            <a:endParaRPr lang="nl-NL" sz="1800" dirty="0"/>
+          </a:p>
+          <a:p>
+            <a:r>
+              <a:rPr lang="nl-NL" sz="1800" dirty="0" smtClean="0"/>
+              <a:t>Present </a:t>
+            </a:r>
+            <a:r>
+              <a:rPr lang="nl-NL" sz="1800" dirty="0" err="1" smtClean="0"/>
+              <a:t>your</a:t>
+            </a:r>
+            <a:r>
+              <a:rPr lang="nl-NL" sz="1800" dirty="0" smtClean="0"/>
               <a:t> </a:t>
             </a:r>
             <a:r>
-              <a:rPr lang="nl-NL" sz="2400" dirty="0" err="1" smtClean="0"/>
-              <a:t>exercise</a:t>
-            </a:r>
-            <a:endParaRPr lang="nl-NL" sz="2400" dirty="0"/>
-          </a:p>
-          <a:p>
-            <a:endParaRPr lang="nl-NL" sz="2400" dirty="0" smtClean="0"/>
-          </a:p>
-          <a:p>
-            <a:r>
-              <a:rPr lang="nl-NL" sz="2400" dirty="0" smtClean="0"/>
-              <a:t>Machine </a:t>
-            </a:r>
-            <a:r>
-              <a:rPr lang="nl-NL" sz="2400" dirty="0" err="1" smtClean="0"/>
-              <a:t>learning</a:t>
-            </a:r>
-            <a:endParaRPr lang="nl-NL" sz="2400" dirty="0" smtClean="0"/>
-          </a:p>
-          <a:p>
-            <a:endParaRPr lang="nl-NL" sz="2400" dirty="0"/>
-          </a:p>
-          <a:p>
-            <a:r>
-              <a:rPr lang="nl-NL" sz="2400" i="1" dirty="0" smtClean="0"/>
-              <a:t>k</a:t>
-            </a:r>
-            <a:r>
-              <a:rPr lang="nl-NL" sz="2400" dirty="0" smtClean="0"/>
-              <a:t>-</a:t>
-            </a:r>
-            <a:r>
-              <a:rPr lang="nl-NL" sz="2400" dirty="0" err="1" smtClean="0"/>
-              <a:t>nearest</a:t>
-            </a:r>
-            <a:r>
-              <a:rPr lang="nl-NL" sz="2400" dirty="0" smtClean="0"/>
+              <a:rPr lang="nl-NL" sz="1800" dirty="0" err="1" smtClean="0"/>
+              <a:t>work</a:t>
+            </a:r>
+            <a:r>
+              <a:rPr lang="nl-NL" sz="1800" dirty="0" smtClean="0"/>
               <a:t> </a:t>
             </a:r>
             <a:r>
-              <a:rPr lang="nl-NL" sz="2400" dirty="0" err="1" smtClean="0"/>
-              <a:t>neighbor</a:t>
-            </a:r>
-            <a:r>
-              <a:rPr lang="nl-NL" sz="2400" dirty="0" smtClean="0"/>
+              <a:rPr lang="nl-NL" sz="1800" dirty="0" err="1" smtClean="0"/>
+              <a:t>to</a:t>
+            </a:r>
+            <a:r>
+              <a:rPr lang="nl-NL" sz="1800" dirty="0" smtClean="0"/>
+              <a:t> AI research </a:t>
+            </a:r>
+            <a:r>
+              <a:rPr lang="nl-NL" sz="1800" dirty="0" err="1" smtClean="0"/>
+              <a:t>group</a:t>
+            </a:r>
+            <a:r>
+              <a:rPr lang="nl-NL" sz="1800" dirty="0" smtClean="0"/>
+              <a:t> at the end</a:t>
+            </a:r>
+          </a:p>
+          <a:p>
+            <a:endParaRPr lang="nl-NL" sz="1800" dirty="0"/>
+          </a:p>
+          <a:p>
+            <a:r>
+              <a:rPr lang="nl-NL" sz="1800" dirty="0" smtClean="0"/>
+              <a:t>Details on Canvas </a:t>
+            </a:r>
+            <a:r>
+              <a:rPr lang="nl-NL" sz="1800" dirty="0" err="1" smtClean="0"/>
+              <a:t>tomorrow</a:t>
+            </a:r>
+            <a:r>
+              <a:rPr lang="nl-NL" sz="1800" dirty="0" smtClean="0"/>
+              <a:t>. </a:t>
+            </a:r>
+            <a:r>
+              <a:rPr lang="nl-NL" sz="1800" dirty="0" err="1" smtClean="0"/>
+              <a:t>You</a:t>
+            </a:r>
+            <a:r>
+              <a:rPr lang="nl-NL" sz="1800" dirty="0" smtClean="0"/>
+              <a:t> can </a:t>
+            </a:r>
+            <a:r>
+              <a:rPr lang="nl-NL" sz="1800" dirty="0" err="1" smtClean="0"/>
+              <a:t>indicate</a:t>
+            </a:r>
+            <a:r>
+              <a:rPr lang="nl-NL" sz="1800" dirty="0" smtClean="0"/>
               <a:t> </a:t>
             </a:r>
             <a:r>
-              <a:rPr lang="nl-NL" sz="2400" dirty="0" err="1" smtClean="0"/>
-              <a:t>algorithm</a:t>
-            </a:r>
-            <a:endParaRPr lang="nl-NL" sz="2400" dirty="0" smtClean="0"/>
-          </a:p>
-          <a:p>
-            <a:endParaRPr lang="nl-NL" sz="2400" i="1" dirty="0"/>
+              <a:rPr lang="nl-NL" sz="1800" dirty="0" err="1" smtClean="0"/>
+              <a:t>if</a:t>
+            </a:r>
+            <a:r>
+              <a:rPr lang="nl-NL" sz="1800" dirty="0" smtClean="0"/>
+              <a:t> </a:t>
+            </a:r>
+            <a:r>
+              <a:rPr lang="nl-NL" sz="1800" dirty="0" err="1" smtClean="0"/>
+              <a:t>you</a:t>
+            </a:r>
+            <a:r>
+              <a:rPr lang="nl-NL" sz="1800" dirty="0" smtClean="0"/>
+              <a:t> want </a:t>
+            </a:r>
+            <a:r>
+              <a:rPr lang="nl-NL" sz="1800" dirty="0" err="1" smtClean="0"/>
+              <a:t>to</a:t>
+            </a:r>
+            <a:r>
+              <a:rPr lang="nl-NL" sz="1800" dirty="0" smtClean="0"/>
+              <a:t> </a:t>
+            </a:r>
+            <a:r>
+              <a:rPr lang="nl-NL" sz="1800" dirty="0" err="1" smtClean="0"/>
+              <a:t>join</a:t>
+            </a:r>
+            <a:r>
+              <a:rPr lang="nl-NL" sz="1800" dirty="0" smtClean="0"/>
+              <a:t> in </a:t>
+            </a:r>
+            <a:r>
+              <a:rPr lang="nl-NL" sz="1800" dirty="0" err="1" smtClean="0"/>
+              <a:t>your</a:t>
+            </a:r>
+            <a:r>
+              <a:rPr lang="nl-NL" sz="1800" dirty="0" smtClean="0"/>
+              <a:t> </a:t>
+            </a:r>
+            <a:r>
+              <a:rPr lang="nl-NL" sz="1800" dirty="0" err="1" smtClean="0"/>
+              <a:t>proposal</a:t>
+            </a:r>
+            <a:r>
+              <a:rPr lang="nl-NL" sz="1800" smtClean="0"/>
+              <a:t>.</a:t>
+            </a:r>
+            <a:endParaRPr lang="nl-NL" sz="1800" dirty="0" smtClean="0"/>
+          </a:p>
+          <a:p>
+            <a:endParaRPr lang="nl-NL" dirty="0"/>
+          </a:p>
+          <a:p>
+            <a:endParaRPr lang="nl-NL" dirty="0" smtClean="0"/>
+          </a:p>
+          <a:p>
+            <a:endParaRPr lang="nl-NL" dirty="0"/>
+          </a:p>
+          <a:p>
+            <a:endParaRPr lang="nl-NL" dirty="0" smtClean="0"/>
+          </a:p>
+          <a:p>
+            <a:endParaRPr lang="nl-NL" dirty="0"/>
+          </a:p>
+          <a:p>
+            <a:endParaRPr lang="nl-NL" dirty="0" smtClean="0"/>
+          </a:p>
+          <a:p>
+            <a:endParaRPr lang="nl-NL" dirty="0" smtClean="0"/>
+          </a:p>
+          <a:p>
+            <a:pPr marL="0" indent="0">
+              <a:buNone/>
+            </a:pPr>
+            <a:endParaRPr lang="nl-NL" dirty="0"/>
+          </a:p>
+          <a:p>
+            <a:r>
+              <a:rPr lang="nl-NL" dirty="0" err="1" smtClean="0"/>
+              <a:t>Differences</a:t>
+            </a:r>
+            <a:r>
+              <a:rPr lang="nl-NL" dirty="0" smtClean="0"/>
+              <a:t> </a:t>
+            </a:r>
+            <a:r>
+              <a:rPr lang="nl-NL" dirty="0" err="1" smtClean="0"/>
+              <a:t>with</a:t>
+            </a:r>
+            <a:r>
+              <a:rPr lang="nl-NL" dirty="0" smtClean="0"/>
+              <a:t> regular </a:t>
+            </a:r>
+            <a:r>
+              <a:rPr lang="nl-NL" dirty="0" err="1" smtClean="0"/>
+              <a:t>assignment</a:t>
+            </a:r>
+            <a:r>
+              <a:rPr lang="nl-NL" dirty="0" smtClean="0"/>
+              <a:t>:</a:t>
+            </a:r>
+          </a:p>
+          <a:p>
+            <a:pPr lvl="1"/>
+            <a:r>
+              <a:rPr lang="nl-NL" dirty="0" smtClean="0"/>
+              <a:t>It's more </a:t>
+            </a:r>
+            <a:r>
+              <a:rPr lang="nl-NL" dirty="0" err="1" smtClean="0"/>
+              <a:t>challenging</a:t>
+            </a:r>
+            <a:endParaRPr lang="nl-NL" dirty="0" smtClean="0"/>
+          </a:p>
+          <a:p>
+            <a:pPr lvl="1"/>
+            <a:r>
+              <a:rPr lang="nl-NL" dirty="0" err="1" smtClean="0"/>
+              <a:t>You</a:t>
+            </a:r>
+            <a:r>
+              <a:rPr lang="nl-NL" dirty="0" smtClean="0"/>
+              <a:t> get a </a:t>
+            </a:r>
+            <a:r>
+              <a:rPr lang="nl-NL" dirty="0" err="1" smtClean="0"/>
+              <a:t>little</a:t>
+            </a:r>
+            <a:r>
+              <a:rPr lang="nl-NL" dirty="0" smtClean="0"/>
+              <a:t> more </a:t>
+            </a:r>
+            <a:endParaRPr lang="nl-NL" dirty="0"/>
           </a:p>
         </p:txBody>
       </p:sp>
     </p:spTree>
     <p:extLst>
       <p:ext uri="{BB962C8B-B14F-4D97-AF65-F5344CB8AC3E}">
-        <p14:creationId xmlns:p14="http://schemas.microsoft.com/office/powerpoint/2010/main" val="3051507533"/>
+        <p14:creationId xmlns:p14="http://schemas.microsoft.com/office/powerpoint/2010/main" val="2017768747"/>
       </p:ext>
     </p:extLst>
   </p:cSld>
   <p:clrMapOvr>
     <a:masterClrMapping/>
   </p:clrMapOvr>
-  <p:timing>
-    <p:tnLst>
-      <p:par>
-        <p:cTn id="1" dur="indefinite" restart="never" nodeType="tmRoot"/>
-      </p:par>
-    </p:tnLst>
-  </p:timing>
 </p:sld>
 </file>
 
@@ -14512,16 +15076,8 @@
           <a:lstStyle/>
           <a:p>
             <a:r>
-              <a:rPr lang="nl-NL" dirty="0" err="1" smtClean="0"/>
-              <a:t>Variable</a:t>
-            </a:r>
-            <a:r>
               <a:rPr lang="nl-NL" dirty="0" smtClean="0"/>
-              <a:t> </a:t>
-            </a:r>
-            <a:r>
-              <a:rPr lang="nl-NL" dirty="0" err="1" smtClean="0"/>
-              <a:t>transformations</a:t>
+              <a:t>Topics</a:t>
             </a:r>
             <a:endParaRPr lang="nl-NL" dirty="0"/>
           </a:p>
@@ -14540,7 +15096,7 @@
         <p:spPr>
           <a:xfrm>
             <a:off x="762000" y="1762125"/>
-            <a:ext cx="7881938" cy="4154984"/>
+            <a:ext cx="7881938" cy="3564053"/>
           </a:xfrm>
         </p:spPr>
         <p:txBody>
@@ -14559,23 +15115,15 @@
               <a:rPr lang="nl-NL" sz="2400" dirty="0" err="1" smtClean="0"/>
               <a:t>transformations</a:t>
             </a:r>
-            <a:r>
-              <a:rPr lang="nl-NL" sz="2400" dirty="0" smtClean="0"/>
-              <a:t> are a kind of </a:t>
-            </a:r>
-            <a:r>
-              <a:rPr lang="nl-NL" sz="2400" b="1" dirty="0" smtClean="0"/>
-              <a:t>feature engineering</a:t>
-            </a:r>
+            <a:endParaRPr lang="nl-NL" sz="2400" dirty="0"/>
+          </a:p>
+          <a:p>
             <a:endParaRPr lang="nl-NL" sz="2400" dirty="0" smtClean="0"/>
           </a:p>
           <a:p>
-            <a:endParaRPr lang="nl-NL" sz="2400" dirty="0"/>
-          </a:p>
-          <a:p>
             <a:r>
               <a:rPr lang="nl-NL" sz="2400" dirty="0" err="1" smtClean="0"/>
-              <a:t>You</a:t>
+              <a:t>Recap</a:t>
             </a:r>
             <a:r>
               <a:rPr lang="nl-NL" sz="2400" dirty="0" smtClean="0"/>
@@ -14583,196 +15131,83 @@
             </a:r>
             <a:r>
               <a:rPr lang="nl-NL" sz="2400" dirty="0" err="1" smtClean="0"/>
-              <a:t>transform</a:t>
+              <a:t>and</a:t>
             </a:r>
             <a:r>
               <a:rPr lang="nl-NL" sz="2400" dirty="0" smtClean="0"/>
-              <a:t> information the </a:t>
+              <a:t> </a:t>
+            </a:r>
+            <a:r>
+              <a:rPr lang="nl-NL" sz="2400" dirty="0" err="1" smtClean="0"/>
+              <a:t>recap</a:t>
+            </a:r>
+            <a:r>
+              <a:rPr lang="nl-NL" sz="2400" dirty="0" smtClean="0"/>
+              <a:t> </a:t>
+            </a:r>
+            <a:r>
+              <a:rPr lang="nl-NL" sz="2400" dirty="0" err="1" smtClean="0"/>
+              <a:t>exercise</a:t>
+            </a:r>
+            <a:endParaRPr lang="nl-NL" sz="2400" dirty="0"/>
+          </a:p>
+          <a:p>
+            <a:endParaRPr lang="nl-NL" sz="2400" dirty="0" smtClean="0"/>
+          </a:p>
+          <a:p>
+            <a:r>
+              <a:rPr lang="nl-NL" sz="2400" dirty="0" smtClean="0"/>
+              <a:t>Machine </a:t>
+            </a:r>
+            <a:r>
+              <a:rPr lang="nl-NL" sz="2400" dirty="0" err="1" smtClean="0"/>
+              <a:t>learning</a:t>
+            </a:r>
+            <a:endParaRPr lang="nl-NL" sz="2400" dirty="0" smtClean="0"/>
+          </a:p>
+          <a:p>
+            <a:endParaRPr lang="nl-NL" sz="2400" dirty="0"/>
+          </a:p>
+          <a:p>
+            <a:r>
+              <a:rPr lang="nl-NL" sz="2400" i="1" dirty="0" smtClean="0"/>
+              <a:t>k</a:t>
+            </a:r>
+            <a:r>
+              <a:rPr lang="nl-NL" sz="2400" dirty="0" smtClean="0"/>
+              <a:t>-</a:t>
+            </a:r>
+            <a:r>
+              <a:rPr lang="nl-NL" sz="2400" dirty="0" err="1" smtClean="0"/>
+              <a:t>nearest</a:t>
+            </a:r>
+            <a:r>
+              <a:rPr lang="nl-NL" sz="2400" dirty="0" smtClean="0"/>
+              <a:t> </a:t>
+            </a:r>
+            <a:r>
+              <a:rPr lang="nl-NL" sz="2400" dirty="0" err="1" smtClean="0"/>
+              <a:t>neighbor</a:t>
+            </a:r>
+            <a:r>
+              <a:rPr lang="nl-NL" sz="2400" dirty="0" smtClean="0"/>
+              <a:t> </a:t>
             </a:r>
             <a:r>
               <a:rPr lang="nl-NL" sz="2400" dirty="0" err="1" smtClean="0"/>
               <a:t>algorithm</a:t>
             </a:r>
-            <a:r>
-              <a:rPr lang="nl-NL" sz="2400" dirty="0" smtClean="0"/>
-              <a:t> </a:t>
-            </a:r>
-            <a:r>
-              <a:rPr lang="nl-NL" sz="2400" dirty="0" err="1" smtClean="0"/>
-              <a:t>can’t</a:t>
-            </a:r>
-            <a:r>
-              <a:rPr lang="nl-NL" sz="2400" dirty="0" smtClean="0"/>
-              <a:t> </a:t>
-            </a:r>
-            <a:r>
-              <a:rPr lang="nl-NL" sz="2400" dirty="0" err="1" smtClean="0"/>
-              <a:t>use</a:t>
-            </a:r>
-            <a:r>
-              <a:rPr lang="nl-NL" sz="2400" dirty="0" smtClean="0"/>
-              <a:t> </a:t>
-            </a:r>
-            <a:r>
-              <a:rPr lang="nl-NL" sz="2400" dirty="0" err="1" smtClean="0"/>
-              <a:t>very</a:t>
-            </a:r>
-            <a:r>
-              <a:rPr lang="nl-NL" sz="2400" dirty="0" smtClean="0"/>
-              <a:t> well </a:t>
-            </a:r>
-            <a:r>
-              <a:rPr lang="nl-NL" sz="2400" dirty="0" err="1" smtClean="0"/>
-              <a:t>into</a:t>
-            </a:r>
-            <a:r>
-              <a:rPr lang="nl-NL" sz="2400" dirty="0" smtClean="0"/>
-              <a:t> </a:t>
-            </a:r>
-            <a:r>
-              <a:rPr lang="nl-NL" sz="2400" dirty="0" err="1" smtClean="0"/>
-              <a:t>something</a:t>
-            </a:r>
-            <a:r>
-              <a:rPr lang="nl-NL" sz="2400" dirty="0" smtClean="0"/>
-              <a:t> </a:t>
-            </a:r>
-            <a:r>
-              <a:rPr lang="nl-NL" sz="2400" dirty="0" err="1" smtClean="0"/>
-              <a:t>it</a:t>
-            </a:r>
-            <a:r>
-              <a:rPr lang="nl-NL" sz="2400" dirty="0" smtClean="0"/>
-              <a:t> </a:t>
-            </a:r>
-            <a:r>
-              <a:rPr lang="nl-NL" sz="2400" dirty="0" err="1" smtClean="0"/>
-              <a:t>can</a:t>
-            </a:r>
             <a:endParaRPr lang="nl-NL" sz="2400" dirty="0" smtClean="0"/>
           </a:p>
           <a:p>
-            <a:endParaRPr lang="nl-NL" sz="2400" dirty="0"/>
-          </a:p>
-          <a:p>
-            <a:r>
-              <a:rPr lang="nl-NL" sz="2400" dirty="0" err="1" smtClean="0"/>
-              <a:t>Example</a:t>
-            </a:r>
-            <a:r>
-              <a:rPr lang="nl-NL" sz="2400" dirty="0" smtClean="0"/>
-              <a:t>: in a </a:t>
-            </a:r>
-            <a:r>
-              <a:rPr lang="nl-NL" sz="2400" dirty="0" err="1" smtClean="0"/>
-              <a:t>linear</a:t>
-            </a:r>
-            <a:r>
-              <a:rPr lang="nl-NL" sz="2400" dirty="0" smtClean="0"/>
-              <a:t> </a:t>
-            </a:r>
-            <a:r>
-              <a:rPr lang="nl-NL" sz="2400" dirty="0" err="1" smtClean="0"/>
-              <a:t>regression</a:t>
-            </a:r>
-            <a:r>
-              <a:rPr lang="nl-NL" sz="2400" dirty="0" smtClean="0"/>
-              <a:t>, </a:t>
-            </a:r>
-            <a:r>
-              <a:rPr lang="nl-NL" sz="2400" dirty="0" err="1" smtClean="0"/>
-              <a:t>how</a:t>
-            </a:r>
-            <a:r>
-              <a:rPr lang="nl-NL" sz="2400" dirty="0" smtClean="0"/>
-              <a:t> </a:t>
-            </a:r>
-            <a:r>
-              <a:rPr lang="nl-NL" sz="2400" dirty="0" err="1" smtClean="0"/>
-              <a:t>would</a:t>
-            </a:r>
-            <a:r>
-              <a:rPr lang="nl-NL" sz="2400" dirty="0" smtClean="0"/>
-              <a:t> </a:t>
-            </a:r>
-            <a:r>
-              <a:rPr lang="nl-NL" sz="2400" dirty="0" err="1" smtClean="0"/>
-              <a:t>you</a:t>
-            </a:r>
-            <a:r>
-              <a:rPr lang="nl-NL" sz="2400" dirty="0" smtClean="0"/>
-              <a:t> </a:t>
-            </a:r>
-            <a:r>
-              <a:rPr lang="nl-NL" sz="2400" dirty="0" err="1" smtClean="0"/>
-              <a:t>predict</a:t>
-            </a:r>
-            <a:r>
-              <a:rPr lang="nl-NL" sz="2400" dirty="0" smtClean="0"/>
-              <a:t> traffic jams (km/</a:t>
-            </a:r>
-            <a:r>
-              <a:rPr lang="nl-NL" sz="2400" dirty="0" err="1" smtClean="0"/>
-              <a:t>year</a:t>
-            </a:r>
-            <a:r>
-              <a:rPr lang="nl-NL" sz="2400" dirty="0" smtClean="0"/>
-              <a:t>) in a country from:</a:t>
-            </a:r>
-          </a:p>
-          <a:p>
-            <a:pPr lvl="1"/>
-            <a:r>
-              <a:rPr lang="nl-NL" sz="2200" dirty="0" err="1" smtClean="0"/>
-              <a:t>Population</a:t>
-            </a:r>
-            <a:r>
-              <a:rPr lang="nl-NL" sz="2200" dirty="0" smtClean="0"/>
-              <a:t> (</a:t>
-            </a:r>
-            <a:r>
-              <a:rPr lang="nl-NL" sz="2200" dirty="0" err="1" smtClean="0"/>
-              <a:t>millions</a:t>
-            </a:r>
-            <a:r>
-              <a:rPr lang="nl-NL" sz="2200" dirty="0" smtClean="0"/>
-              <a:t> of </a:t>
-            </a:r>
-            <a:r>
-              <a:rPr lang="nl-NL" sz="2200" dirty="0" err="1" smtClean="0"/>
-              <a:t>inhabitants</a:t>
-            </a:r>
-            <a:r>
-              <a:rPr lang="nl-NL" sz="2200" dirty="0" smtClean="0"/>
-              <a:t>)</a:t>
-            </a:r>
-          </a:p>
-          <a:p>
-            <a:pPr lvl="1"/>
-            <a:r>
-              <a:rPr lang="nl-NL" sz="2200" dirty="0" smtClean="0"/>
-              <a:t>Land area (km</a:t>
-            </a:r>
-            <a:r>
-              <a:rPr lang="nl-NL" sz="2200" baseline="30000" dirty="0" smtClean="0"/>
-              <a:t>2</a:t>
-            </a:r>
-            <a:r>
-              <a:rPr lang="nl-NL" sz="2200" dirty="0"/>
-              <a:t>)</a:t>
-            </a:r>
-            <a:r>
-              <a:rPr lang="nl-NL" sz="2200" dirty="0" smtClean="0"/>
-              <a:t>    </a:t>
-            </a:r>
-            <a:endParaRPr lang="nl-NL" sz="2200" dirty="0"/>
+            <a:endParaRPr lang="nl-NL" sz="2400" i="1" dirty="0"/>
           </a:p>
         </p:txBody>
       </p:sp>
     </p:spTree>
     <p:extLst>
       <p:ext uri="{BB962C8B-B14F-4D97-AF65-F5344CB8AC3E}">
-        <p14:creationId xmlns:p14="http://schemas.microsoft.com/office/powerpoint/2010/main" val="1147318298"/>
+        <p14:creationId xmlns:p14="http://schemas.microsoft.com/office/powerpoint/2010/main" val="3051507533"/>
       </p:ext>
     </p:extLst>
   </p:cSld>
@@ -14822,6 +15257,316 @@
           <a:lstStyle/>
           <a:p>
             <a:r>
+              <a:rPr lang="nl-NL" dirty="0" err="1" smtClean="0"/>
+              <a:t>Variable</a:t>
+            </a:r>
+            <a:r>
+              <a:rPr lang="nl-NL" dirty="0" smtClean="0"/>
+              <a:t> </a:t>
+            </a:r>
+            <a:r>
+              <a:rPr lang="nl-NL" dirty="0" err="1" smtClean="0"/>
+              <a:t>transformations</a:t>
+            </a:r>
+            <a:endParaRPr lang="nl-NL" dirty="0"/>
+          </a:p>
+        </p:txBody>
+      </p:sp>
+      <p:sp>
+        <p:nvSpPr>
+          <p:cNvPr id="3" name="Tijdelijke aanduiding voor inhoud 2"/>
+          <p:cNvSpPr>
+            <a:spLocks noGrp="1"/>
+          </p:cNvSpPr>
+          <p:nvPr>
+            <p:ph idx="1"/>
+          </p:nvPr>
+        </p:nvSpPr>
+        <p:spPr>
+          <a:xfrm>
+            <a:off x="762000" y="1762125"/>
+            <a:ext cx="7881938" cy="4154984"/>
+          </a:xfrm>
+        </p:spPr>
+        <p:txBody>
+          <a:bodyPr/>
+          <a:lstStyle/>
+          <a:p>
+            <a:r>
+              <a:rPr lang="nl-NL" sz="2400" dirty="0" err="1" smtClean="0"/>
+              <a:t>Variable</a:t>
+            </a:r>
+            <a:r>
+              <a:rPr lang="nl-NL" sz="2400" dirty="0" smtClean="0"/>
+              <a:t> </a:t>
+            </a:r>
+            <a:r>
+              <a:rPr lang="nl-NL" sz="2400" dirty="0" err="1" smtClean="0"/>
+              <a:t>transformations</a:t>
+            </a:r>
+            <a:r>
+              <a:rPr lang="nl-NL" sz="2400" dirty="0" smtClean="0"/>
+              <a:t> are a kind of </a:t>
+            </a:r>
+            <a:r>
+              <a:rPr lang="nl-NL" sz="2400" b="1" dirty="0" smtClean="0"/>
+              <a:t>feature engineering</a:t>
+            </a:r>
+            <a:endParaRPr lang="nl-NL" sz="2400" dirty="0" smtClean="0"/>
+          </a:p>
+          <a:p>
+            <a:endParaRPr lang="nl-NL" sz="2400" dirty="0"/>
+          </a:p>
+          <a:p>
+            <a:r>
+              <a:rPr lang="nl-NL" sz="2400" dirty="0" err="1" smtClean="0"/>
+              <a:t>You</a:t>
+            </a:r>
+            <a:r>
+              <a:rPr lang="nl-NL" sz="2400" dirty="0" smtClean="0"/>
+              <a:t> </a:t>
+            </a:r>
+            <a:r>
+              <a:rPr lang="nl-NL" sz="2400" dirty="0" err="1" smtClean="0"/>
+              <a:t>transform</a:t>
+            </a:r>
+            <a:r>
+              <a:rPr lang="nl-NL" sz="2400" dirty="0" smtClean="0"/>
+              <a:t> information the </a:t>
+            </a:r>
+            <a:r>
+              <a:rPr lang="nl-NL" sz="2400" dirty="0" err="1" smtClean="0"/>
+              <a:t>algorithm</a:t>
+            </a:r>
+            <a:r>
+              <a:rPr lang="nl-NL" sz="2400" dirty="0" smtClean="0"/>
+              <a:t> </a:t>
+            </a:r>
+            <a:r>
+              <a:rPr lang="nl-NL" sz="2400" dirty="0" err="1" smtClean="0"/>
+              <a:t>can’t</a:t>
+            </a:r>
+            <a:r>
+              <a:rPr lang="nl-NL" sz="2400" dirty="0" smtClean="0"/>
+              <a:t> </a:t>
+            </a:r>
+            <a:r>
+              <a:rPr lang="nl-NL" sz="2400" dirty="0" err="1" smtClean="0"/>
+              <a:t>use</a:t>
+            </a:r>
+            <a:r>
+              <a:rPr lang="nl-NL" sz="2400" dirty="0" smtClean="0"/>
+              <a:t> </a:t>
+            </a:r>
+            <a:r>
+              <a:rPr lang="nl-NL" sz="2400" dirty="0" err="1" smtClean="0"/>
+              <a:t>very</a:t>
+            </a:r>
+            <a:r>
+              <a:rPr lang="nl-NL" sz="2400" dirty="0" smtClean="0"/>
+              <a:t> well </a:t>
+            </a:r>
+            <a:r>
+              <a:rPr lang="nl-NL" sz="2400" dirty="0" err="1" smtClean="0"/>
+              <a:t>into</a:t>
+            </a:r>
+            <a:r>
+              <a:rPr lang="nl-NL" sz="2400" dirty="0" smtClean="0"/>
+              <a:t> </a:t>
+            </a:r>
+            <a:r>
+              <a:rPr lang="nl-NL" sz="2400" dirty="0" err="1" smtClean="0"/>
+              <a:t>something</a:t>
+            </a:r>
+            <a:r>
+              <a:rPr lang="nl-NL" sz="2400" dirty="0" smtClean="0"/>
+              <a:t> </a:t>
+            </a:r>
+            <a:r>
+              <a:rPr lang="nl-NL" sz="2400" dirty="0" err="1" smtClean="0"/>
+              <a:t>it</a:t>
+            </a:r>
+            <a:r>
+              <a:rPr lang="nl-NL" sz="2400" dirty="0" smtClean="0"/>
+              <a:t> </a:t>
+            </a:r>
+            <a:r>
+              <a:rPr lang="nl-NL" sz="2400" dirty="0" err="1" smtClean="0"/>
+              <a:t>can</a:t>
+            </a:r>
+            <a:endParaRPr lang="nl-NL" sz="2400" dirty="0" smtClean="0"/>
+          </a:p>
+          <a:p>
+            <a:endParaRPr lang="nl-NL" sz="2400" dirty="0"/>
+          </a:p>
+          <a:p>
+            <a:r>
+              <a:rPr lang="nl-NL" sz="2400" dirty="0" err="1" smtClean="0"/>
+              <a:t>Example</a:t>
+            </a:r>
+            <a:r>
+              <a:rPr lang="nl-NL" sz="2400" dirty="0" smtClean="0"/>
+              <a:t>: in a </a:t>
+            </a:r>
+            <a:r>
+              <a:rPr lang="nl-NL" sz="2400" dirty="0" err="1" smtClean="0"/>
+              <a:t>linear</a:t>
+            </a:r>
+            <a:r>
+              <a:rPr lang="nl-NL" sz="2400" dirty="0" smtClean="0"/>
+              <a:t> </a:t>
+            </a:r>
+            <a:r>
+              <a:rPr lang="nl-NL" sz="2400" dirty="0" err="1" smtClean="0"/>
+              <a:t>regression</a:t>
+            </a:r>
+            <a:r>
+              <a:rPr lang="nl-NL" sz="2400" dirty="0" smtClean="0"/>
+              <a:t>, </a:t>
+            </a:r>
+            <a:r>
+              <a:rPr lang="nl-NL" sz="2400" dirty="0" err="1" smtClean="0"/>
+              <a:t>how</a:t>
+            </a:r>
+            <a:r>
+              <a:rPr lang="nl-NL" sz="2400" dirty="0" smtClean="0"/>
+              <a:t> </a:t>
+            </a:r>
+            <a:r>
+              <a:rPr lang="nl-NL" sz="2400" dirty="0" err="1" smtClean="0"/>
+              <a:t>would</a:t>
+            </a:r>
+            <a:r>
+              <a:rPr lang="nl-NL" sz="2400" dirty="0" smtClean="0"/>
+              <a:t> </a:t>
+            </a:r>
+            <a:r>
+              <a:rPr lang="nl-NL" sz="2400" dirty="0" err="1" smtClean="0"/>
+              <a:t>you</a:t>
+            </a:r>
+            <a:r>
+              <a:rPr lang="nl-NL" sz="2400" dirty="0" smtClean="0"/>
+              <a:t> </a:t>
+            </a:r>
+            <a:r>
+              <a:rPr lang="nl-NL" sz="2400" dirty="0" err="1" smtClean="0"/>
+              <a:t>predict</a:t>
+            </a:r>
+            <a:r>
+              <a:rPr lang="nl-NL" sz="2400" dirty="0" smtClean="0"/>
+              <a:t> traffic jams (km/</a:t>
+            </a:r>
+            <a:r>
+              <a:rPr lang="nl-NL" sz="2400" dirty="0" err="1" smtClean="0"/>
+              <a:t>year</a:t>
+            </a:r>
+            <a:r>
+              <a:rPr lang="nl-NL" sz="2400" dirty="0" smtClean="0"/>
+              <a:t>) in a country from:</a:t>
+            </a:r>
+          </a:p>
+          <a:p>
+            <a:pPr lvl="1"/>
+            <a:r>
+              <a:rPr lang="nl-NL" sz="2200" dirty="0" err="1" smtClean="0"/>
+              <a:t>Population</a:t>
+            </a:r>
+            <a:r>
+              <a:rPr lang="nl-NL" sz="2200" dirty="0" smtClean="0"/>
+              <a:t> (</a:t>
+            </a:r>
+            <a:r>
+              <a:rPr lang="nl-NL" sz="2200" dirty="0" err="1" smtClean="0"/>
+              <a:t>millions</a:t>
+            </a:r>
+            <a:r>
+              <a:rPr lang="nl-NL" sz="2200" dirty="0" smtClean="0"/>
+              <a:t> of </a:t>
+            </a:r>
+            <a:r>
+              <a:rPr lang="nl-NL" sz="2200" dirty="0" err="1" smtClean="0"/>
+              <a:t>inhabitants</a:t>
+            </a:r>
+            <a:r>
+              <a:rPr lang="nl-NL" sz="2200" dirty="0" smtClean="0"/>
+              <a:t>)</a:t>
+            </a:r>
+          </a:p>
+          <a:p>
+            <a:pPr lvl="1"/>
+            <a:r>
+              <a:rPr lang="nl-NL" sz="2200" dirty="0" smtClean="0"/>
+              <a:t>Land area (km</a:t>
+            </a:r>
+            <a:r>
+              <a:rPr lang="nl-NL" sz="2200" baseline="30000" dirty="0" smtClean="0"/>
+              <a:t>2</a:t>
+            </a:r>
+            <a:r>
+              <a:rPr lang="nl-NL" sz="2200" dirty="0"/>
+              <a:t>)</a:t>
+            </a:r>
+            <a:r>
+              <a:rPr lang="nl-NL" sz="2200" dirty="0" smtClean="0"/>
+              <a:t>    </a:t>
+            </a:r>
+            <a:endParaRPr lang="nl-NL" sz="2200" dirty="0"/>
+          </a:p>
+        </p:txBody>
+      </p:sp>
+    </p:spTree>
+    <p:extLst>
+      <p:ext uri="{BB962C8B-B14F-4D97-AF65-F5344CB8AC3E}">
+        <p14:creationId xmlns:p14="http://schemas.microsoft.com/office/powerpoint/2010/main" val="1147318298"/>
+      </p:ext>
+    </p:extLst>
+  </p:cSld>
+  <p:clrMapOvr>
+    <a:masterClrMapping/>
+  </p:clrMapOvr>
+  <p:timing>
+    <p:tnLst>
+      <p:par>
+        <p:cTn id="1" dur="indefinite" restart="never" nodeType="tmRoot"/>
+      </p:par>
+    </p:tnLst>
+  </p:timing>
+</p:sld>
+</file>
+
+<file path=ppt/slides/slide7.xml><?xml version="1.0" encoding="utf-8"?>
+<p:sld xmlns:a="http://schemas.openxmlformats.org/drawingml/2006/main" xmlns:r="http://schemas.openxmlformats.org/officeDocument/2006/relationships" xmlns:p="http://schemas.openxmlformats.org/presentationml/2006/main">
+  <p:cSld>
+    <p:spTree>
+      <p:nvGrpSpPr>
+        <p:cNvPr id="1" name=""/>
+        <p:cNvGrpSpPr/>
+        <p:nvPr/>
+      </p:nvGrpSpPr>
+      <p:grpSpPr>
+        <a:xfrm>
+          <a:off x="0" y="0"/>
+          <a:ext cx="0" cy="0"/>
+          <a:chOff x="0" y="0"/>
+          <a:chExt cx="0" cy="0"/>
+        </a:xfrm>
+      </p:grpSpPr>
+      <p:sp>
+        <p:nvSpPr>
+          <p:cNvPr id="2" name="Titel 1"/>
+          <p:cNvSpPr>
+            <a:spLocks noGrp="1"/>
+          </p:cNvSpPr>
+          <p:nvPr>
+            <p:ph type="title"/>
+          </p:nvPr>
+        </p:nvSpPr>
+        <p:spPr/>
+        <p:txBody>
+          <a:bodyPr/>
+          <a:lstStyle/>
+          <a:p>
+            <a:r>
               <a:rPr lang="nl-NL" dirty="0" smtClean="0"/>
               <a:t>Log </a:t>
             </a:r>
@@ -14992,7 +15737,7 @@
 </p:sld>
 </file>
 
-<file path=ppt/slides/slide7.xml><?xml version="1.0" encoding="utf-8"?>
+<file path=ppt/slides/slide8.xml><?xml version="1.0" encoding="utf-8"?>
 <p:sld xmlns:a="http://schemas.openxmlformats.org/drawingml/2006/main" xmlns:r="http://schemas.openxmlformats.org/officeDocument/2006/relationships" xmlns:p="http://schemas.openxmlformats.org/presentationml/2006/main">
   <p:cSld>
     <p:spTree>
@@ -15369,187 +16114,6 @@
 </p:sld>
 </file>
 
-<file path=ppt/slides/slide8.xml><?xml version="1.0" encoding="utf-8"?>
-<p:sld xmlns:a="http://schemas.openxmlformats.org/drawingml/2006/main" xmlns:r="http://schemas.openxmlformats.org/officeDocument/2006/relationships" xmlns:p="http://schemas.openxmlformats.org/presentationml/2006/main">
-  <p:cSld>
-    <p:spTree>
-      <p:nvGrpSpPr>
-        <p:cNvPr id="1" name=""/>
-        <p:cNvGrpSpPr/>
-        <p:nvPr/>
-      </p:nvGrpSpPr>
-      <p:grpSpPr>
-        <a:xfrm>
-          <a:off x="0" y="0"/>
-          <a:ext cx="0" cy="0"/>
-          <a:chOff x="0" y="0"/>
-          <a:chExt cx="0" cy="0"/>
-        </a:xfrm>
-      </p:grpSpPr>
-      <p:sp>
-        <p:nvSpPr>
-          <p:cNvPr id="2" name="Titel 1"/>
-          <p:cNvSpPr>
-            <a:spLocks noGrp="1"/>
-          </p:cNvSpPr>
-          <p:nvPr>
-            <p:ph type="title"/>
-          </p:nvPr>
-        </p:nvSpPr>
-        <p:spPr/>
-        <p:txBody>
-          <a:bodyPr/>
-          <a:lstStyle/>
-          <a:p>
-            <a:r>
-              <a:rPr lang="nl-NL" dirty="0" smtClean="0"/>
-              <a:t>Topics</a:t>
-            </a:r>
-            <a:endParaRPr lang="nl-NL" dirty="0"/>
-          </a:p>
-        </p:txBody>
-      </p:sp>
-      <p:sp>
-        <p:nvSpPr>
-          <p:cNvPr id="3" name="Tijdelijke aanduiding voor inhoud 2"/>
-          <p:cNvSpPr>
-            <a:spLocks noGrp="1"/>
-          </p:cNvSpPr>
-          <p:nvPr>
-            <p:ph idx="1"/>
-          </p:nvPr>
-        </p:nvSpPr>
-        <p:spPr>
-          <a:xfrm>
-            <a:off x="762000" y="1762125"/>
-            <a:ext cx="7881938" cy="3564053"/>
-          </a:xfrm>
-        </p:spPr>
-        <p:txBody>
-          <a:bodyPr/>
-          <a:lstStyle/>
-          <a:p>
-            <a:r>
-              <a:rPr lang="nl-NL" sz="2400" dirty="0" err="1" smtClean="0"/>
-              <a:t>Variable</a:t>
-            </a:r>
-            <a:r>
-              <a:rPr lang="nl-NL" sz="2400" dirty="0" smtClean="0"/>
-              <a:t> </a:t>
-            </a:r>
-            <a:r>
-              <a:rPr lang="nl-NL" sz="2400" dirty="0" err="1" smtClean="0"/>
-              <a:t>transformations</a:t>
-            </a:r>
-            <a:endParaRPr lang="nl-NL" sz="2400" dirty="0"/>
-          </a:p>
-          <a:p>
-            <a:endParaRPr lang="nl-NL" sz="2400" dirty="0" smtClean="0"/>
-          </a:p>
-          <a:p>
-            <a:r>
-              <a:rPr lang="nl-NL" sz="2400" dirty="0" err="1" smtClean="0"/>
-              <a:t>Recap</a:t>
-            </a:r>
-            <a:r>
-              <a:rPr lang="nl-NL" sz="2400" dirty="0" smtClean="0"/>
-              <a:t> </a:t>
-            </a:r>
-            <a:r>
-              <a:rPr lang="nl-NL" sz="2400" dirty="0" err="1" smtClean="0"/>
-              <a:t>and</a:t>
-            </a:r>
-            <a:r>
-              <a:rPr lang="nl-NL" sz="2400" dirty="0" smtClean="0"/>
-              <a:t> </a:t>
-            </a:r>
-            <a:r>
-              <a:rPr lang="nl-NL" sz="2400" dirty="0" err="1" smtClean="0"/>
-              <a:t>recap</a:t>
-            </a:r>
-            <a:r>
-              <a:rPr lang="nl-NL" sz="2400" dirty="0" smtClean="0"/>
-              <a:t> </a:t>
-            </a:r>
-            <a:r>
-              <a:rPr lang="nl-NL" sz="2400" dirty="0" err="1" smtClean="0"/>
-              <a:t>exercise</a:t>
-            </a:r>
-            <a:endParaRPr lang="nl-NL" sz="2400" dirty="0"/>
-          </a:p>
-          <a:p>
-            <a:endParaRPr lang="nl-NL" sz="2400" dirty="0" smtClean="0"/>
-          </a:p>
-          <a:p>
-            <a:r>
-              <a:rPr lang="nl-NL" sz="2400" dirty="0" smtClean="0"/>
-              <a:t>Machine </a:t>
-            </a:r>
-            <a:r>
-              <a:rPr lang="nl-NL" sz="2400" dirty="0" err="1" smtClean="0"/>
-              <a:t>learning</a:t>
-            </a:r>
-            <a:endParaRPr lang="nl-NL" sz="2400" dirty="0" smtClean="0"/>
-          </a:p>
-          <a:p>
-            <a:endParaRPr lang="nl-NL" sz="2400" dirty="0"/>
-          </a:p>
-          <a:p>
-            <a:r>
-              <a:rPr lang="nl-NL" sz="2400" i="1" dirty="0" smtClean="0"/>
-              <a:t>k</a:t>
-            </a:r>
-            <a:r>
-              <a:rPr lang="nl-NL" sz="2400" dirty="0" smtClean="0"/>
-              <a:t>-</a:t>
-            </a:r>
-            <a:r>
-              <a:rPr lang="nl-NL" sz="2400" dirty="0" err="1" smtClean="0"/>
-              <a:t>nearest</a:t>
-            </a:r>
-            <a:r>
-              <a:rPr lang="nl-NL" sz="2400" dirty="0" smtClean="0"/>
-              <a:t> </a:t>
-            </a:r>
-            <a:r>
-              <a:rPr lang="nl-NL" sz="2400" dirty="0" err="1" smtClean="0"/>
-              <a:t>neighbor</a:t>
-            </a:r>
-            <a:r>
-              <a:rPr lang="nl-NL" sz="2400" dirty="0" smtClean="0"/>
-              <a:t> </a:t>
-            </a:r>
-            <a:r>
-              <a:rPr lang="nl-NL" sz="2400" dirty="0" err="1" smtClean="0"/>
-              <a:t>algorithm</a:t>
-            </a:r>
-            <a:endParaRPr lang="nl-NL" sz="2400" dirty="0" smtClean="0"/>
-          </a:p>
-          <a:p>
-            <a:endParaRPr lang="nl-NL" sz="2400" i="1" dirty="0"/>
-          </a:p>
-        </p:txBody>
-      </p:sp>
-    </p:spTree>
-    <p:extLst>
-      <p:ext uri="{BB962C8B-B14F-4D97-AF65-F5344CB8AC3E}">
-        <p14:creationId xmlns:p14="http://schemas.microsoft.com/office/powerpoint/2010/main" val="1458523428"/>
-      </p:ext>
-    </p:extLst>
-  </p:cSld>
-  <p:clrMapOvr>
-    <a:masterClrMapping/>
-  </p:clrMapOvr>
-  <p:timing>
-    <p:tnLst>
-      <p:par>
-        <p:cTn id="1" dur="indefinite" restart="never" nodeType="tmRoot"/>
-      </p:par>
-    </p:tnLst>
-  </p:timing>
-</p:sld>
-</file>
-
 <file path=ppt/slides/slide9.xml><?xml version="1.0" encoding="utf-8"?>
 <p:sld xmlns:a="http://schemas.openxmlformats.org/drawingml/2006/main" xmlns:r="http://schemas.openxmlformats.org/officeDocument/2006/relationships" xmlns:p="http://schemas.openxmlformats.org/presentationml/2006/main">
   <p:cSld>
@@ -15584,23 +16148,7 @@
           <a:p>
             <a:r>
               <a:rPr lang="nl-NL" dirty="0" smtClean="0"/>
-              <a:t>As a data </a:t>
-            </a:r>
-            <a:r>
-              <a:rPr lang="nl-NL" dirty="0" err="1" smtClean="0"/>
-              <a:t>scientist</a:t>
-            </a:r>
-            <a:r>
-              <a:rPr lang="nl-NL" dirty="0" smtClean="0"/>
-              <a:t>, </a:t>
-            </a:r>
-            <a:r>
-              <a:rPr lang="nl-NL" dirty="0" err="1" smtClean="0"/>
-              <a:t>you</a:t>
-            </a:r>
-            <a:r>
-              <a:rPr lang="nl-NL" dirty="0" smtClean="0"/>
-              <a:t>…</a:t>
+              <a:t>Topics</a:t>
             </a:r>
             <a:endParaRPr lang="nl-NL" dirty="0"/>
           </a:p>
@@ -15619,7 +16167,7 @@
         <p:spPr>
           <a:xfrm>
             <a:off x="762000" y="1762125"/>
-            <a:ext cx="7881938" cy="5041380"/>
+            <a:ext cx="7881938" cy="3564053"/>
           </a:xfrm>
         </p:spPr>
         <p:txBody>
@@ -15627,8 +16175,30 @@
           <a:lstStyle/>
           <a:p>
             <a:r>
+              <a:rPr lang="nl-NL" sz="2400" dirty="0" err="1" smtClean="0"/>
+              <a:t>Variable</a:t>
+            </a:r>
+            <a:r>
               <a:rPr lang="nl-NL" sz="2400" dirty="0" smtClean="0"/>
-              <a:t>Clean </a:t>
+              <a:t> </a:t>
+            </a:r>
+            <a:r>
+              <a:rPr lang="nl-NL" sz="2400" dirty="0" err="1" smtClean="0"/>
+              <a:t>transformations</a:t>
+            </a:r>
+            <a:endParaRPr lang="nl-NL" sz="2400" dirty="0"/>
+          </a:p>
+          <a:p>
+            <a:endParaRPr lang="nl-NL" sz="2400" dirty="0" smtClean="0"/>
+          </a:p>
+          <a:p>
+            <a:r>
+              <a:rPr lang="nl-NL" sz="2400" dirty="0" err="1" smtClean="0"/>
+              <a:t>Recap</a:t>
+            </a:r>
+            <a:r>
+              <a:rPr lang="nl-NL" sz="2400" dirty="0" smtClean="0"/>
+              <a:t> </a:t>
             </a:r>
             <a:r>
               <a:rPr lang="nl-NL" sz="2400" dirty="0" err="1" smtClean="0"/>
@@ -15640,24 +16210,7 @@
             </a:r>
             <a:r>
               <a:rPr lang="nl-NL" sz="2400" dirty="0" err="1" smtClean="0"/>
-              <a:t>explore</a:t>
-            </a:r>
-            <a:r>
-              <a:rPr lang="nl-NL" sz="2400" dirty="0" smtClean="0"/>
-              <a:t> data</a:t>
-            </a:r>
-          </a:p>
-          <a:p>
-            <a:endParaRPr lang="nl-NL" sz="2400" dirty="0"/>
-          </a:p>
-          <a:p>
-            <a:r>
-              <a:rPr lang="nl-NL" sz="2400" dirty="0" smtClean="0"/>
-              <a:t>Look </a:t>
-            </a:r>
-            <a:r>
-              <a:rPr lang="nl-NL" sz="2400" dirty="0" err="1" smtClean="0"/>
-              <a:t>for</a:t>
+              <a:t>recap</a:t>
             </a:r>
             <a:r>
               <a:rPr lang="nl-NL" sz="2400" dirty="0" smtClean="0"/>
@@ -15665,69 +16218,39 @@
             </a:r>
             <a:r>
               <a:rPr lang="nl-NL" sz="2400" dirty="0" err="1" smtClean="0"/>
-              <a:t>patterns</a:t>
-            </a:r>
+              <a:t>exercise</a:t>
+            </a:r>
+            <a:endParaRPr lang="nl-NL" sz="2400" dirty="0"/>
+          </a:p>
+          <a:p>
+            <a:endParaRPr lang="nl-NL" sz="2400" dirty="0" smtClean="0"/>
+          </a:p>
+          <a:p>
             <a:r>
               <a:rPr lang="nl-NL" sz="2400" dirty="0" smtClean="0"/>
-              <a:t> in data, </a:t>
+              <a:t>Machine </a:t>
             </a:r>
             <a:r>
               <a:rPr lang="nl-NL" sz="2400" dirty="0" err="1" smtClean="0"/>
-              <a:t>investigate</a:t>
+              <a:t>learning</a:t>
+            </a:r>
+            <a:endParaRPr lang="nl-NL" sz="2400" dirty="0" smtClean="0"/>
+          </a:p>
+          <a:p>
+            <a:endParaRPr lang="nl-NL" sz="2400" dirty="0"/>
+          </a:p>
+          <a:p>
+            <a:r>
+              <a:rPr lang="nl-NL" sz="2400" i="1" dirty="0" smtClean="0"/>
+              <a:t>k</a:t>
             </a:r>
             <a:r>
               <a:rPr lang="nl-NL" sz="2400" dirty="0" smtClean="0"/>
-              <a:t> relations, e.g.</a:t>
-            </a:r>
-          </a:p>
-          <a:p>
-            <a:pPr lvl="1"/>
-            <a:r>
-              <a:rPr lang="nl-NL" sz="2200" dirty="0" err="1" smtClean="0"/>
-              <a:t>Find</a:t>
-            </a:r>
-            <a:r>
-              <a:rPr lang="nl-NL" sz="2200" dirty="0" smtClean="0"/>
-              <a:t> types of users </a:t>
-            </a:r>
-            <a:r>
-              <a:rPr lang="nl-NL" sz="2200" dirty="0" err="1" smtClean="0"/>
-              <a:t>that</a:t>
-            </a:r>
-            <a:r>
-              <a:rPr lang="nl-NL" sz="2200" dirty="0" smtClean="0"/>
-              <a:t> </a:t>
-            </a:r>
-            <a:r>
-              <a:rPr lang="nl-NL" sz="2200" dirty="0" err="1" smtClean="0"/>
-              <a:t>use</a:t>
-            </a:r>
-            <a:r>
-              <a:rPr lang="nl-NL" sz="2200" dirty="0" smtClean="0"/>
-              <a:t> </a:t>
-            </a:r>
-            <a:r>
-              <a:rPr lang="nl-NL" sz="2200" dirty="0" err="1" smtClean="0"/>
-              <a:t>your</a:t>
-            </a:r>
-            <a:r>
-              <a:rPr lang="nl-NL" sz="2200" dirty="0" smtClean="0"/>
-              <a:t> website </a:t>
-            </a:r>
-            <a:r>
-              <a:rPr lang="nl-NL" sz="2200" dirty="0" err="1" smtClean="0"/>
-              <a:t>differently</a:t>
-            </a:r>
-            <a:endParaRPr lang="nl-NL" sz="2200" dirty="0" smtClean="0"/>
-          </a:p>
-          <a:p>
-            <a:pPr lvl="1"/>
-            <a:endParaRPr lang="nl-NL" sz="2200" dirty="0" smtClean="0"/>
-          </a:p>
-          <a:p>
+              <a:t>-</a:t>
+            </a:r>
             <a:r>
               <a:rPr lang="nl-NL" sz="2400" dirty="0" err="1" smtClean="0"/>
-              <a:t>Build</a:t>
+              <a:t>nearest</a:t>
             </a:r>
             <a:r>
               <a:rPr lang="nl-NL" sz="2400" dirty="0" smtClean="0"/>
@@ -15735,7 +16258,7 @@
             </a:r>
             <a:r>
               <a:rPr lang="nl-NL" sz="2400" dirty="0" err="1" smtClean="0"/>
-              <a:t>statistical</a:t>
+              <a:t>neighbor</a:t>
             </a:r>
             <a:r>
               <a:rPr lang="nl-NL" sz="2400" dirty="0" smtClean="0"/>
@@ -15743,143 +16266,19 @@
             </a:r>
             <a:r>
               <a:rPr lang="nl-NL" sz="2400" dirty="0" err="1" smtClean="0"/>
-              <a:t>models</a:t>
-            </a:r>
-            <a:r>
-              <a:rPr lang="nl-NL" sz="2400" dirty="0" smtClean="0"/>
-              <a:t> </a:t>
-            </a:r>
-            <a:r>
-              <a:rPr lang="nl-NL" sz="2400" dirty="0" err="1" smtClean="0"/>
-              <a:t>to</a:t>
-            </a:r>
-            <a:r>
-              <a:rPr lang="nl-NL" sz="2400" dirty="0" smtClean="0"/>
-              <a:t> make </a:t>
-            </a:r>
-            <a:r>
-              <a:rPr lang="nl-NL" sz="2400" dirty="0" err="1" smtClean="0"/>
-              <a:t>predictions</a:t>
-            </a:r>
-            <a:r>
-              <a:rPr lang="nl-NL" sz="2400" dirty="0" smtClean="0"/>
-              <a:t> </a:t>
-            </a:r>
-            <a:r>
-              <a:rPr lang="nl-NL" sz="2400" dirty="0" err="1" smtClean="0"/>
-              <a:t>to</a:t>
-            </a:r>
-            <a:r>
-              <a:rPr lang="nl-NL" sz="2400" dirty="0" smtClean="0"/>
-              <a:t> </a:t>
-            </a:r>
-            <a:r>
-              <a:rPr lang="nl-NL" sz="2400" dirty="0" err="1" smtClean="0"/>
-              <a:t>add</a:t>
-            </a:r>
-            <a:r>
-              <a:rPr lang="nl-NL" sz="2400" dirty="0" smtClean="0"/>
-              <a:t> </a:t>
-            </a:r>
-            <a:r>
-              <a:rPr lang="nl-NL" sz="2400" dirty="0" err="1" smtClean="0"/>
-              <a:t>value</a:t>
-            </a:r>
-            <a:r>
-              <a:rPr lang="nl-NL" sz="2400" dirty="0" smtClean="0"/>
-              <a:t> </a:t>
-            </a:r>
-            <a:r>
-              <a:rPr lang="nl-NL" sz="2400" dirty="0" err="1" smtClean="0"/>
-              <a:t>to</a:t>
-            </a:r>
-            <a:r>
-              <a:rPr lang="nl-NL" sz="2400" dirty="0" smtClean="0"/>
-              <a:t> </a:t>
-            </a:r>
-            <a:r>
-              <a:rPr lang="nl-NL" sz="2400" dirty="0" err="1" smtClean="0"/>
-              <a:t>your</a:t>
-            </a:r>
-            <a:r>
-              <a:rPr lang="nl-NL" sz="2400" dirty="0" smtClean="0"/>
-              <a:t> </a:t>
-            </a:r>
-            <a:r>
-              <a:rPr lang="nl-NL" sz="2400" dirty="0" err="1" smtClean="0"/>
-              <a:t>organization</a:t>
-            </a:r>
-            <a:r>
-              <a:rPr lang="nl-NL" sz="2400" dirty="0" smtClean="0"/>
-              <a:t>, e.g. </a:t>
-            </a:r>
-            <a:endParaRPr lang="nl-NL" sz="2400" dirty="0"/>
-          </a:p>
-          <a:p>
-            <a:pPr lvl="1"/>
-            <a:r>
-              <a:rPr lang="nl-NL" sz="2200" dirty="0" err="1" smtClean="0"/>
-              <a:t>Predict</a:t>
-            </a:r>
-            <a:r>
-              <a:rPr lang="nl-NL" sz="2200" dirty="0" smtClean="0"/>
-              <a:t> the </a:t>
-            </a:r>
-            <a:r>
-              <a:rPr lang="nl-NL" sz="2200" dirty="0" err="1" smtClean="0"/>
-              <a:t>success</a:t>
-            </a:r>
-            <a:r>
-              <a:rPr lang="nl-NL" sz="2200" dirty="0" smtClean="0"/>
-              <a:t> of a new video ad</a:t>
-            </a:r>
-          </a:p>
-          <a:p>
-            <a:pPr lvl="1"/>
-            <a:r>
-              <a:rPr lang="nl-NL" sz="2200" dirty="0" smtClean="0"/>
-              <a:t>Approach the users most </a:t>
-            </a:r>
-            <a:r>
-              <a:rPr lang="nl-NL" sz="2200" dirty="0" err="1" smtClean="0"/>
-              <a:t>likely</a:t>
-            </a:r>
-            <a:r>
-              <a:rPr lang="nl-NL" sz="2200" dirty="0" smtClean="0"/>
-              <a:t> </a:t>
-            </a:r>
-            <a:r>
-              <a:rPr lang="nl-NL" sz="2200" dirty="0" err="1" smtClean="0"/>
-              <a:t>to</a:t>
-            </a:r>
-            <a:r>
-              <a:rPr lang="nl-NL" sz="2200" dirty="0" smtClean="0"/>
-              <a:t> make a </a:t>
-            </a:r>
-            <a:r>
-              <a:rPr lang="nl-NL" sz="2200" dirty="0" err="1" smtClean="0"/>
-              <a:t>purchase</a:t>
-            </a:r>
-            <a:endParaRPr lang="nl-NL" sz="2200" dirty="0" smtClean="0"/>
-          </a:p>
-          <a:p>
-            <a:pPr lvl="1"/>
-            <a:endParaRPr lang="nl-NL" sz="2200" dirty="0" smtClean="0"/>
-          </a:p>
-          <a:p>
-            <a:pPr lvl="1"/>
-            <a:endParaRPr lang="nl-NL" sz="2200" dirty="0" smtClean="0"/>
-          </a:p>
-          <a:p>
-            <a:pPr lvl="1"/>
-            <a:endParaRPr lang="nl-NL" sz="2400" dirty="0"/>
+              <a:t>algorithm</a:t>
+            </a:r>
+            <a:endParaRPr lang="nl-NL" sz="2400" dirty="0" smtClean="0"/>
+          </a:p>
+          <a:p>
+            <a:endParaRPr lang="nl-NL" sz="2400" i="1" dirty="0"/>
           </a:p>
         </p:txBody>
       </p:sp>
     </p:spTree>
     <p:extLst>
       <p:ext uri="{BB962C8B-B14F-4D97-AF65-F5344CB8AC3E}">
-        <p14:creationId xmlns:p14="http://schemas.microsoft.com/office/powerpoint/2010/main" val="640106718"/>
+        <p14:creationId xmlns:p14="http://schemas.microsoft.com/office/powerpoint/2010/main" val="1458523428"/>
       </p:ext>
     </p:extLst>
   </p:cSld>
